--- a/docs/postermore.pptx
+++ b/docs/postermore.pptx
@@ -5373,34 +5373,6 @@
           </a:p>
         </p:txBody>
       </p:sp>
-      <p:pic>
-        <p:nvPicPr>
-          <p:cNvPr id="48" name="Picture 47"/>
-          <p:cNvPicPr/>
-          <p:nvPr/>
-        </p:nvPicPr>
-        <p:blipFill>
-          <a:blip r:embed="rId2">
-            <a:extLst>
-              <a:ext uri="{28A0092B-C50C-407E-A947-70E740481C1C}">
-                <a14:useLocalDpi xmlns:a14="http://schemas.microsoft.com/office/drawing/2010/main" val="0"/>
-              </a:ext>
-            </a:extLst>
-          </a:blip>
-          <a:stretch>
-            <a:fillRect/>
-          </a:stretch>
-        </p:blipFill>
-        <p:spPr>
-          <a:xfrm>
-            <a:off x="1371600" y="25372315"/>
-            <a:ext cx="6781800" cy="2235835"/>
-          </a:xfrm>
-          <a:prstGeom prst="rect">
-            <a:avLst/>
-          </a:prstGeom>
-        </p:spPr>
-      </p:pic>
       <p:sp>
         <p:nvSpPr>
           <p:cNvPr id="49" name="Text Placeholder 68"/>
@@ -5531,22 +5503,7 @@
                 <a:latin typeface="Times New Roman" panose="02020603050405020304" pitchFamily="18" charset="0"/>
                 <a:cs typeface="Times New Roman" panose="02020603050405020304" pitchFamily="18" charset="0"/>
               </a:rPr>
-              <a:t>implications</a:t>
-            </a:r>
-          </a:p>
-          <a:p>
-            <a:endParaRPr lang="en-US" sz="3200" dirty="0">
-              <a:latin typeface="Times New Roman" panose="02020603050405020304" pitchFamily="18" charset="0"/>
-              <a:cs typeface="Times New Roman" panose="02020603050405020304" pitchFamily="18" charset="0"/>
-            </a:endParaRPr>
-          </a:p>
-          <a:p>
-            <a:r>
-              <a:rPr lang="en-US" sz="3200" dirty="0" smtClean="0">
-                <a:latin typeface="Times New Roman" panose="02020603050405020304" pitchFamily="18" charset="0"/>
-                <a:cs typeface="Times New Roman" panose="02020603050405020304" pitchFamily="18" charset="0"/>
-              </a:rPr>
-              <a:t> </a:t>
+              <a:t>information </a:t>
             </a:r>
             <a:r>
               <a:rPr lang="en-US" sz="3200" dirty="0">
@@ -6828,6 +6785,287 @@
             </a:r>
             <a:endParaRPr lang="en-US" sz="1600" dirty="0">
               <a:effectLst/>
+            </a:endParaRPr>
+          </a:p>
+        </p:txBody>
+      </p:sp>
+      <p:pic>
+        <p:nvPicPr>
+          <p:cNvPr id="2" name="Picture 1"/>
+          <p:cNvPicPr>
+            <a:picLocks noChangeAspect="1"/>
+          </p:cNvPicPr>
+          <p:nvPr/>
+        </p:nvPicPr>
+        <p:blipFill>
+          <a:blip r:embed="rId2"/>
+          <a:stretch>
+            <a:fillRect/>
+          </a:stretch>
+        </p:blipFill>
+        <p:spPr>
+          <a:xfrm>
+            <a:off x="1103377" y="23692295"/>
+            <a:ext cx="7696200" cy="1247775"/>
+          </a:xfrm>
+          <a:prstGeom prst="rect">
+            <a:avLst/>
+          </a:prstGeom>
+        </p:spPr>
+      </p:pic>
+      <p:pic>
+        <p:nvPicPr>
+          <p:cNvPr id="3" name="Picture 2"/>
+          <p:cNvPicPr>
+            <a:picLocks noChangeAspect="1"/>
+          </p:cNvPicPr>
+          <p:nvPr/>
+        </p:nvPicPr>
+        <p:blipFill>
+          <a:blip r:embed="rId3"/>
+          <a:stretch>
+            <a:fillRect/>
+          </a:stretch>
+        </p:blipFill>
+        <p:spPr>
+          <a:xfrm>
+            <a:off x="1103377" y="25143451"/>
+            <a:ext cx="7696200" cy="1533525"/>
+          </a:xfrm>
+          <a:prstGeom prst="rect">
+            <a:avLst/>
+          </a:prstGeom>
+        </p:spPr>
+      </p:pic>
+      <p:pic>
+        <p:nvPicPr>
+          <p:cNvPr id="5" name="Picture 4"/>
+          <p:cNvPicPr>
+            <a:picLocks noChangeAspect="1"/>
+          </p:cNvPicPr>
+          <p:nvPr/>
+        </p:nvPicPr>
+        <p:blipFill>
+          <a:blip r:embed="rId4"/>
+          <a:stretch>
+            <a:fillRect/>
+          </a:stretch>
+        </p:blipFill>
+        <p:spPr>
+          <a:xfrm>
+            <a:off x="1103377" y="26998277"/>
+            <a:ext cx="7696200" cy="1562100"/>
+          </a:xfrm>
+          <a:prstGeom prst="rect">
+            <a:avLst/>
+          </a:prstGeom>
+        </p:spPr>
+      </p:pic>
+      <p:pic>
+        <p:nvPicPr>
+          <p:cNvPr id="6" name="Picture 5"/>
+          <p:cNvPicPr>
+            <a:picLocks noChangeAspect="1"/>
+          </p:cNvPicPr>
+          <p:nvPr/>
+        </p:nvPicPr>
+        <p:blipFill>
+          <a:blip r:embed="rId5"/>
+          <a:stretch>
+            <a:fillRect/>
+          </a:stretch>
+        </p:blipFill>
+        <p:spPr>
+          <a:xfrm>
+            <a:off x="10706714" y="23805188"/>
+            <a:ext cx="8496300" cy="1323975"/>
+          </a:xfrm>
+          <a:prstGeom prst="rect">
+            <a:avLst/>
+          </a:prstGeom>
+        </p:spPr>
+      </p:pic>
+      <p:pic>
+        <p:nvPicPr>
+          <p:cNvPr id="7" name="Picture 6"/>
+          <p:cNvPicPr>
+            <a:picLocks noChangeAspect="1"/>
+          </p:cNvPicPr>
+          <p:nvPr/>
+        </p:nvPicPr>
+        <p:blipFill>
+          <a:blip r:embed="rId6"/>
+          <a:stretch>
+            <a:fillRect/>
+          </a:stretch>
+        </p:blipFill>
+        <p:spPr>
+          <a:xfrm>
+            <a:off x="10649564" y="25493327"/>
+            <a:ext cx="8553450" cy="1504950"/>
+          </a:xfrm>
+          <a:prstGeom prst="rect">
+            <a:avLst/>
+          </a:prstGeom>
+        </p:spPr>
+      </p:pic>
+      <p:sp>
+        <p:nvSpPr>
+          <p:cNvPr id="16" name="Text Placeholder 68"/>
+          <p:cNvSpPr>
+            <a:spLocks noGrp="1"/>
+          </p:cNvSpPr>
+          <p:nvPr>
+            <p:ph type="body" sz="quarter" idx="39"/>
+          </p:nvPr>
+        </p:nvSpPr>
+        <p:spPr>
+          <a:xfrm>
+            <a:off x="22860000" y="27905842"/>
+            <a:ext cx="10559845" cy="3311703"/>
+          </a:xfrm>
+          <a:ln>
+            <a:solidFill>
+              <a:schemeClr val="tx1"/>
+            </a:solidFill>
+          </a:ln>
+        </p:spPr>
+        <p:txBody>
+          <a:bodyPr/>
+          <a:lstStyle/>
+          <a:p>
+            <a:pPr algn="ctr"/>
+            <a:r>
+              <a:rPr lang="en-US" sz="4800" dirty="0" smtClean="0">
+                <a:solidFill>
+                  <a:srgbClr val="FF0000"/>
+                </a:solidFill>
+                <a:latin typeface="Times New Roman" panose="02020603050405020304" pitchFamily="18" charset="0"/>
+                <a:cs typeface="Times New Roman" panose="02020603050405020304" pitchFamily="18" charset="0"/>
+              </a:rPr>
+              <a:t>I’d like to put more graphics down here depicting the corridors made in </a:t>
+            </a:r>
+            <a:r>
+              <a:rPr lang="en-US" sz="4800" dirty="0" err="1" smtClean="0">
+                <a:solidFill>
+                  <a:srgbClr val="FF0000"/>
+                </a:solidFill>
+                <a:latin typeface="Times New Roman" panose="02020603050405020304" pitchFamily="18" charset="0"/>
+                <a:cs typeface="Times New Roman" panose="02020603050405020304" pitchFamily="18" charset="0"/>
+              </a:rPr>
+              <a:t>LaTeX</a:t>
+            </a:r>
+            <a:r>
+              <a:rPr lang="en-US" sz="4800" dirty="0" smtClean="0">
+                <a:solidFill>
+                  <a:srgbClr val="FF0000"/>
+                </a:solidFill>
+                <a:latin typeface="Times New Roman" panose="02020603050405020304" pitchFamily="18" charset="0"/>
+                <a:cs typeface="Times New Roman" panose="02020603050405020304" pitchFamily="18" charset="0"/>
+              </a:rPr>
+              <a:t> if possible..</a:t>
+            </a:r>
+            <a:endParaRPr lang="en-US" sz="3200" dirty="0">
+              <a:solidFill>
+                <a:srgbClr val="FF0000"/>
+              </a:solidFill>
+              <a:effectLst/>
+              <a:latin typeface="Times New Roman" panose="02020603050405020304" pitchFamily="18" charset="0"/>
+              <a:cs typeface="Times New Roman" panose="02020603050405020304" pitchFamily="18" charset="0"/>
+            </a:endParaRPr>
+          </a:p>
+        </p:txBody>
+      </p:sp>
+      <p:sp>
+        <p:nvSpPr>
+          <p:cNvPr id="17" name="Text Placeholder 68"/>
+          <p:cNvSpPr>
+            <a:spLocks noGrp="1"/>
+          </p:cNvSpPr>
+          <p:nvPr>
+            <p:ph type="body" sz="quarter" idx="39"/>
+          </p:nvPr>
+        </p:nvSpPr>
+        <p:spPr>
+          <a:xfrm>
+            <a:off x="26521903" y="15048825"/>
+            <a:ext cx="9995104" cy="2662773"/>
+          </a:xfrm>
+          <a:ln>
+            <a:solidFill>
+              <a:schemeClr val="tx1"/>
+            </a:solidFill>
+          </a:ln>
+        </p:spPr>
+        <p:txBody>
+          <a:bodyPr/>
+          <a:lstStyle/>
+          <a:p>
+            <a:pPr algn="ctr"/>
+            <a:r>
+              <a:rPr lang="en-US" sz="4800" dirty="0" smtClean="0">
+                <a:solidFill>
+                  <a:srgbClr val="FF0000"/>
+                </a:solidFill>
+                <a:latin typeface="Times New Roman" panose="02020603050405020304" pitchFamily="18" charset="0"/>
+                <a:cs typeface="Times New Roman" panose="02020603050405020304" pitchFamily="18" charset="0"/>
+              </a:rPr>
+              <a:t>More things to fix here, not sure if I would include this python code because it’s not done yet</a:t>
+            </a:r>
+            <a:endParaRPr lang="en-US" sz="3200" dirty="0">
+              <a:solidFill>
+                <a:srgbClr val="FF0000"/>
+              </a:solidFill>
+              <a:effectLst/>
+              <a:latin typeface="Times New Roman" panose="02020603050405020304" pitchFamily="18" charset="0"/>
+              <a:cs typeface="Times New Roman" panose="02020603050405020304" pitchFamily="18" charset="0"/>
+            </a:endParaRPr>
+          </a:p>
+        </p:txBody>
+      </p:sp>
+      <p:sp>
+        <p:nvSpPr>
+          <p:cNvPr id="18" name="Text Placeholder 68"/>
+          <p:cNvSpPr>
+            <a:spLocks noGrp="1"/>
+          </p:cNvSpPr>
+          <p:nvPr>
+            <p:ph type="body" sz="quarter" idx="39"/>
+          </p:nvPr>
+        </p:nvSpPr>
+        <p:spPr>
+          <a:xfrm>
+            <a:off x="8032661" y="27779327"/>
+            <a:ext cx="10559845" cy="3311703"/>
+          </a:xfrm>
+          <a:ln>
+            <a:solidFill>
+              <a:schemeClr val="tx1"/>
+            </a:solidFill>
+          </a:ln>
+        </p:spPr>
+        <p:txBody>
+          <a:bodyPr/>
+          <a:lstStyle/>
+          <a:p>
+            <a:pPr algn="ctr"/>
+            <a:r>
+              <a:rPr lang="en-US" sz="4800" dirty="0" smtClean="0">
+                <a:solidFill>
+                  <a:srgbClr val="FF0000"/>
+                </a:solidFill>
+                <a:latin typeface="Times New Roman" panose="02020603050405020304" pitchFamily="18" charset="0"/>
+                <a:cs typeface="Times New Roman" panose="02020603050405020304" pitchFamily="18" charset="0"/>
+              </a:rPr>
+              <a:t>Not sure if these are good enough to include.. They are just terminal output from the original program</a:t>
+            </a:r>
+            <a:endParaRPr lang="en-US" sz="3200" dirty="0">
+              <a:solidFill>
+                <a:srgbClr val="FF0000"/>
+              </a:solidFill>
+              <a:effectLst/>
+              <a:latin typeface="Times New Roman" panose="02020603050405020304" pitchFamily="18" charset="0"/>
+              <a:cs typeface="Times New Roman" panose="02020603050405020304" pitchFamily="18" charset="0"/>
             </a:endParaRPr>
           </a:p>
         </p:txBody>
@@ -7707,12 +7945,130 @@
 </file>
 
 <file path=customXml/item1.xml><?xml version="1.0" encoding="utf-8"?>
-<?mso-contentType ?>
-<FormTemplates xmlns="http://schemas.microsoft.com/sharepoint/v3/contenttype/forms">
-  <Display>DocumentLibraryForm</Display>
-  <Edit>AssetEditForm</Edit>
-  <New>DocumentLibraryForm</New>
-</FormTemplates>
+<p:properties xmlns:p="http://schemas.microsoft.com/office/2006/metadata/properties" xmlns:xsi="http://www.w3.org/2001/XMLSchema-instance" xmlns:pc="http://schemas.microsoft.com/office/infopath/2007/PartnerControls">
+  <documentManagement>
+    <DirectSourceMarket xmlns="4873beb7-5857-4685-be1f-d57550cc96cc" xsi:nil="true"/>
+    <ApprovalStatus xmlns="4873beb7-5857-4685-be1f-d57550cc96cc">InProgress</ApprovalStatus>
+    <MarketSpecific xmlns="4873beb7-5857-4685-be1f-d57550cc96cc">false</MarketSpecific>
+    <LocComments xmlns="4873beb7-5857-4685-be1f-d57550cc96cc" xsi:nil="true"/>
+    <ThumbnailAssetId xmlns="4873beb7-5857-4685-be1f-d57550cc96cc" xsi:nil="true"/>
+    <PrimaryImageGen xmlns="4873beb7-5857-4685-be1f-d57550cc96cc">true</PrimaryImageGen>
+    <LegacyData xmlns="4873beb7-5857-4685-be1f-d57550cc96cc" xsi:nil="true"/>
+    <LocRecommendedHandoff xmlns="4873beb7-5857-4685-be1f-d57550cc96cc" xsi:nil="true"/>
+    <BusinessGroup xmlns="4873beb7-5857-4685-be1f-d57550cc96cc" xsi:nil="true"/>
+    <BlockPublish xmlns="4873beb7-5857-4685-be1f-d57550cc96cc">false</BlockPublish>
+    <TPFriendlyName xmlns="4873beb7-5857-4685-be1f-d57550cc96cc" xsi:nil="true"/>
+    <NumericId xmlns="4873beb7-5857-4685-be1f-d57550cc96cc" xsi:nil="true"/>
+    <APEditor xmlns="4873beb7-5857-4685-be1f-d57550cc96cc">
+      <UserInfo>
+        <DisplayName/>
+        <AccountId xsi:nil="true"/>
+        <AccountType/>
+      </UserInfo>
+    </APEditor>
+    <SourceTitle xmlns="4873beb7-5857-4685-be1f-d57550cc96cc" xsi:nil="true"/>
+    <OpenTemplate xmlns="4873beb7-5857-4685-be1f-d57550cc96cc">true</OpenTemplate>
+    <UALocComments xmlns="4873beb7-5857-4685-be1f-d57550cc96cc" xsi:nil="true"/>
+    <ParentAssetId xmlns="4873beb7-5857-4685-be1f-d57550cc96cc" xsi:nil="true"/>
+    <IntlLangReviewDate xmlns="4873beb7-5857-4685-be1f-d57550cc96cc" xsi:nil="true"/>
+    <FeatureTagsTaxHTField0 xmlns="4873beb7-5857-4685-be1f-d57550cc96cc">
+      <Terms xmlns="http://schemas.microsoft.com/office/infopath/2007/PartnerControls"/>
+    </FeatureTagsTaxHTField0>
+    <PublishStatusLookup xmlns="4873beb7-5857-4685-be1f-d57550cc96cc">
+      <Value>1669352</Value>
+      <Value>1669523</Value>
+    </PublishStatusLookup>
+    <Providers xmlns="4873beb7-5857-4685-be1f-d57550cc96cc" xsi:nil="true"/>
+    <MachineTranslated xmlns="4873beb7-5857-4685-be1f-d57550cc96cc">false</MachineTranslated>
+    <OriginalSourceMarket xmlns="4873beb7-5857-4685-be1f-d57550cc96cc" xsi:nil="true"/>
+    <APDescription xmlns="4873beb7-5857-4685-be1f-d57550cc96cc" xsi:nil="true"/>
+    <ClipArtFilename xmlns="4873beb7-5857-4685-be1f-d57550cc96cc" xsi:nil="true"/>
+    <ContentItem xmlns="4873beb7-5857-4685-be1f-d57550cc96cc" xsi:nil="true"/>
+    <TPInstallLocation xmlns="4873beb7-5857-4685-be1f-d57550cc96cc" xsi:nil="true"/>
+    <PublishTargets xmlns="4873beb7-5857-4685-be1f-d57550cc96cc">OfficeOnlineVNext</PublishTargets>
+    <TimesCloned xmlns="4873beb7-5857-4685-be1f-d57550cc96cc" xsi:nil="true"/>
+    <AssetStart xmlns="4873beb7-5857-4685-be1f-d57550cc96cc">2013-01-21T10:18:00+00:00</AssetStart>
+    <Provider xmlns="4873beb7-5857-4685-be1f-d57550cc96cc" xsi:nil="true"/>
+    <AcquiredFrom xmlns="4873beb7-5857-4685-be1f-d57550cc96cc">Internal MS</AcquiredFrom>
+    <FriendlyTitle xmlns="4873beb7-5857-4685-be1f-d57550cc96cc" xsi:nil="true"/>
+    <LastHandOff xmlns="4873beb7-5857-4685-be1f-d57550cc96cc" xsi:nil="true"/>
+    <TPClientViewer xmlns="4873beb7-5857-4685-be1f-d57550cc96cc" xsi:nil="true"/>
+    <UACurrentWords xmlns="4873beb7-5857-4685-be1f-d57550cc96cc" xsi:nil="true"/>
+    <ArtSampleDocs xmlns="4873beb7-5857-4685-be1f-d57550cc96cc" xsi:nil="true"/>
+    <UALocRecommendation xmlns="4873beb7-5857-4685-be1f-d57550cc96cc">Localize</UALocRecommendation>
+    <Manager xmlns="4873beb7-5857-4685-be1f-d57550cc96cc" xsi:nil="true"/>
+    <ShowIn xmlns="4873beb7-5857-4685-be1f-d57550cc96cc">Show everywhere</ShowIn>
+    <UANotes xmlns="4873beb7-5857-4685-be1f-d57550cc96cc" xsi:nil="true"/>
+    <TemplateStatus xmlns="4873beb7-5857-4685-be1f-d57550cc96cc">Complete</TemplateStatus>
+    <InternalTagsTaxHTField0 xmlns="4873beb7-5857-4685-be1f-d57550cc96cc">
+      <Terms xmlns="http://schemas.microsoft.com/office/infopath/2007/PartnerControls"/>
+    </InternalTagsTaxHTField0>
+    <CSXHash xmlns="4873beb7-5857-4685-be1f-d57550cc96cc" xsi:nil="true"/>
+    <Downloads xmlns="4873beb7-5857-4685-be1f-d57550cc96cc">0</Downloads>
+    <VoteCount xmlns="4873beb7-5857-4685-be1f-d57550cc96cc" xsi:nil="true"/>
+    <OOCacheId xmlns="4873beb7-5857-4685-be1f-d57550cc96cc" xsi:nil="true"/>
+    <IsDeleted xmlns="4873beb7-5857-4685-be1f-d57550cc96cc">false</IsDeleted>
+    <AssetExpire xmlns="4873beb7-5857-4685-be1f-d57550cc96cc">2029-01-01T08:00:00+00:00</AssetExpire>
+    <DSATActionTaken xmlns="4873beb7-5857-4685-be1f-d57550cc96cc" xsi:nil="true"/>
+    <CSXSubmissionMarket xmlns="4873beb7-5857-4685-be1f-d57550cc96cc" xsi:nil="true"/>
+    <TPExecutable xmlns="4873beb7-5857-4685-be1f-d57550cc96cc" xsi:nil="true"/>
+    <SubmitterId xmlns="4873beb7-5857-4685-be1f-d57550cc96cc" xsi:nil="true"/>
+    <EditorialTags xmlns="4873beb7-5857-4685-be1f-d57550cc96cc" xsi:nil="true"/>
+    <AssetType xmlns="4873beb7-5857-4685-be1f-d57550cc96cc">TP</AssetType>
+    <BugNumber xmlns="4873beb7-5857-4685-be1f-d57550cc96cc" xsi:nil="true"/>
+    <CSXSubmissionDate xmlns="4873beb7-5857-4685-be1f-d57550cc96cc" xsi:nil="true"/>
+    <CSXUpdate xmlns="4873beb7-5857-4685-be1f-d57550cc96cc">false</CSXUpdate>
+    <ApprovalLog xmlns="4873beb7-5857-4685-be1f-d57550cc96cc" xsi:nil="true"/>
+    <Milestone xmlns="4873beb7-5857-4685-be1f-d57550cc96cc" xsi:nil="true"/>
+    <RecommendationsModifier xmlns="4873beb7-5857-4685-be1f-d57550cc96cc" xsi:nil="true"/>
+    <OriginAsset xmlns="4873beb7-5857-4685-be1f-d57550cc96cc" xsi:nil="true"/>
+    <TPComponent xmlns="4873beb7-5857-4685-be1f-d57550cc96cc" xsi:nil="true"/>
+    <AssetId xmlns="4873beb7-5857-4685-be1f-d57550cc96cc">TP104001342</AssetId>
+    <IntlLocPriority xmlns="4873beb7-5857-4685-be1f-d57550cc96cc" xsi:nil="true"/>
+    <PolicheckWords xmlns="4873beb7-5857-4685-be1f-d57550cc96cc" xsi:nil="true"/>
+    <TPLaunchHelpLink xmlns="4873beb7-5857-4685-be1f-d57550cc96cc" xsi:nil="true"/>
+    <TPApplication xmlns="4873beb7-5857-4685-be1f-d57550cc96cc" xsi:nil="true"/>
+    <CrawlForDependencies xmlns="4873beb7-5857-4685-be1f-d57550cc96cc">false</CrawlForDependencies>
+    <HandoffToMSDN xmlns="4873beb7-5857-4685-be1f-d57550cc96cc" xsi:nil="true"/>
+    <PlannedPubDate xmlns="4873beb7-5857-4685-be1f-d57550cc96cc" xsi:nil="true"/>
+    <IntlLangReviewer xmlns="4873beb7-5857-4685-be1f-d57550cc96cc" xsi:nil="true"/>
+    <TrustLevel xmlns="4873beb7-5857-4685-be1f-d57550cc96cc">1 Microsoft Managed Content</TrustLevel>
+    <LocLastLocAttemptVersionLookup xmlns="4873beb7-5857-4685-be1f-d57550cc96cc">875929</LocLastLocAttemptVersionLookup>
+    <IsSearchable xmlns="4873beb7-5857-4685-be1f-d57550cc96cc">true</IsSearchable>
+    <TemplateTemplateType xmlns="4873beb7-5857-4685-be1f-d57550cc96cc">PowerPoint Presentation Template</TemplateTemplateType>
+    <CampaignTagsTaxHTField0 xmlns="4873beb7-5857-4685-be1f-d57550cc96cc">
+      <Terms xmlns="http://schemas.microsoft.com/office/infopath/2007/PartnerControls"/>
+    </CampaignTagsTaxHTField0>
+    <TPNamespace xmlns="4873beb7-5857-4685-be1f-d57550cc96cc" xsi:nil="true"/>
+    <TaxCatchAll xmlns="4873beb7-5857-4685-be1f-d57550cc96cc"/>
+    <Markets xmlns="4873beb7-5857-4685-be1f-d57550cc96cc"/>
+    <UAProjectedTotalWords xmlns="4873beb7-5857-4685-be1f-d57550cc96cc" xsi:nil="true"/>
+    <LocMarketGroupTiers2 xmlns="4873beb7-5857-4685-be1f-d57550cc96cc" xsi:nil="true"/>
+    <IntlLangReview xmlns="4873beb7-5857-4685-be1f-d57550cc96cc">false</IntlLangReview>
+    <OutputCachingOn xmlns="4873beb7-5857-4685-be1f-d57550cc96cc">false</OutputCachingOn>
+    <AverageRating xmlns="4873beb7-5857-4685-be1f-d57550cc96cc" xsi:nil="true"/>
+    <APAuthor xmlns="4873beb7-5857-4685-be1f-d57550cc96cc">
+      <UserInfo>
+        <DisplayName>REDMOND\kristaa</DisplayName>
+        <AccountId>136</AccountId>
+        <AccountType/>
+      </UserInfo>
+    </APAuthor>
+    <LocManualTestRequired xmlns="4873beb7-5857-4685-be1f-d57550cc96cc">false</LocManualTestRequired>
+    <TPCommandLine xmlns="4873beb7-5857-4685-be1f-d57550cc96cc" xsi:nil="true"/>
+    <TPAppVersion xmlns="4873beb7-5857-4685-be1f-d57550cc96cc" xsi:nil="true"/>
+    <EditorialStatus xmlns="4873beb7-5857-4685-be1f-d57550cc96cc">Complete</EditorialStatus>
+    <LastModifiedDateTime xmlns="4873beb7-5857-4685-be1f-d57550cc96cc" xsi:nil="true"/>
+    <ScenarioTagsTaxHTField0 xmlns="4873beb7-5857-4685-be1f-d57550cc96cc">
+      <Terms xmlns="http://schemas.microsoft.com/office/infopath/2007/PartnerControls"/>
+    </ScenarioTagsTaxHTField0>
+    <OriginalRelease xmlns="4873beb7-5857-4685-be1f-d57550cc96cc">15</OriginalRelease>
+    <TPLaunchHelpLinkType xmlns="4873beb7-5857-4685-be1f-d57550cc96cc">Template</TPLaunchHelpLinkType>
+    <LocalizationTagsTaxHTField0 xmlns="4873beb7-5857-4685-be1f-d57550cc96cc">
+      <Terms xmlns="http://schemas.microsoft.com/office/infopath/2007/PartnerControls"/>
+    </LocalizationTagsTaxHTField0>
+  </documentManagement>
+</p:properties>
 </file>
 
 <file path=customXml/item2.xml><?xml version="1.0" encoding="utf-8"?>
@@ -8756,136 +9112,20 @@
 </file>
 
 <file path=customXml/item3.xml><?xml version="1.0" encoding="utf-8"?>
-<p:properties xmlns:p="http://schemas.microsoft.com/office/2006/metadata/properties" xmlns:xsi="http://www.w3.org/2001/XMLSchema-instance" xmlns:pc="http://schemas.microsoft.com/office/infopath/2007/PartnerControls">
-  <documentManagement>
-    <DirectSourceMarket xmlns="4873beb7-5857-4685-be1f-d57550cc96cc" xsi:nil="true"/>
-    <ApprovalStatus xmlns="4873beb7-5857-4685-be1f-d57550cc96cc">InProgress</ApprovalStatus>
-    <MarketSpecific xmlns="4873beb7-5857-4685-be1f-d57550cc96cc">false</MarketSpecific>
-    <LocComments xmlns="4873beb7-5857-4685-be1f-d57550cc96cc" xsi:nil="true"/>
-    <ThumbnailAssetId xmlns="4873beb7-5857-4685-be1f-d57550cc96cc" xsi:nil="true"/>
-    <PrimaryImageGen xmlns="4873beb7-5857-4685-be1f-d57550cc96cc">true</PrimaryImageGen>
-    <LegacyData xmlns="4873beb7-5857-4685-be1f-d57550cc96cc" xsi:nil="true"/>
-    <LocRecommendedHandoff xmlns="4873beb7-5857-4685-be1f-d57550cc96cc" xsi:nil="true"/>
-    <BusinessGroup xmlns="4873beb7-5857-4685-be1f-d57550cc96cc" xsi:nil="true"/>
-    <BlockPublish xmlns="4873beb7-5857-4685-be1f-d57550cc96cc">false</BlockPublish>
-    <TPFriendlyName xmlns="4873beb7-5857-4685-be1f-d57550cc96cc" xsi:nil="true"/>
-    <NumericId xmlns="4873beb7-5857-4685-be1f-d57550cc96cc" xsi:nil="true"/>
-    <APEditor xmlns="4873beb7-5857-4685-be1f-d57550cc96cc">
-      <UserInfo>
-        <DisplayName/>
-        <AccountId xsi:nil="true"/>
-        <AccountType/>
-      </UserInfo>
-    </APEditor>
-    <SourceTitle xmlns="4873beb7-5857-4685-be1f-d57550cc96cc" xsi:nil="true"/>
-    <OpenTemplate xmlns="4873beb7-5857-4685-be1f-d57550cc96cc">true</OpenTemplate>
-    <UALocComments xmlns="4873beb7-5857-4685-be1f-d57550cc96cc" xsi:nil="true"/>
-    <ParentAssetId xmlns="4873beb7-5857-4685-be1f-d57550cc96cc" xsi:nil="true"/>
-    <IntlLangReviewDate xmlns="4873beb7-5857-4685-be1f-d57550cc96cc" xsi:nil="true"/>
-    <FeatureTagsTaxHTField0 xmlns="4873beb7-5857-4685-be1f-d57550cc96cc">
-      <Terms xmlns="http://schemas.microsoft.com/office/infopath/2007/PartnerControls"/>
-    </FeatureTagsTaxHTField0>
-    <PublishStatusLookup xmlns="4873beb7-5857-4685-be1f-d57550cc96cc">
-      <Value>1669352</Value>
-      <Value>1669523</Value>
-    </PublishStatusLookup>
-    <Providers xmlns="4873beb7-5857-4685-be1f-d57550cc96cc" xsi:nil="true"/>
-    <MachineTranslated xmlns="4873beb7-5857-4685-be1f-d57550cc96cc">false</MachineTranslated>
-    <OriginalSourceMarket xmlns="4873beb7-5857-4685-be1f-d57550cc96cc" xsi:nil="true"/>
-    <APDescription xmlns="4873beb7-5857-4685-be1f-d57550cc96cc" xsi:nil="true"/>
-    <ClipArtFilename xmlns="4873beb7-5857-4685-be1f-d57550cc96cc" xsi:nil="true"/>
-    <ContentItem xmlns="4873beb7-5857-4685-be1f-d57550cc96cc" xsi:nil="true"/>
-    <TPInstallLocation xmlns="4873beb7-5857-4685-be1f-d57550cc96cc" xsi:nil="true"/>
-    <PublishTargets xmlns="4873beb7-5857-4685-be1f-d57550cc96cc">OfficeOnlineVNext</PublishTargets>
-    <TimesCloned xmlns="4873beb7-5857-4685-be1f-d57550cc96cc" xsi:nil="true"/>
-    <AssetStart xmlns="4873beb7-5857-4685-be1f-d57550cc96cc">2013-01-21T10:18:00+00:00</AssetStart>
-    <Provider xmlns="4873beb7-5857-4685-be1f-d57550cc96cc" xsi:nil="true"/>
-    <AcquiredFrom xmlns="4873beb7-5857-4685-be1f-d57550cc96cc">Internal MS</AcquiredFrom>
-    <FriendlyTitle xmlns="4873beb7-5857-4685-be1f-d57550cc96cc" xsi:nil="true"/>
-    <LastHandOff xmlns="4873beb7-5857-4685-be1f-d57550cc96cc" xsi:nil="true"/>
-    <TPClientViewer xmlns="4873beb7-5857-4685-be1f-d57550cc96cc" xsi:nil="true"/>
-    <UACurrentWords xmlns="4873beb7-5857-4685-be1f-d57550cc96cc" xsi:nil="true"/>
-    <ArtSampleDocs xmlns="4873beb7-5857-4685-be1f-d57550cc96cc" xsi:nil="true"/>
-    <UALocRecommendation xmlns="4873beb7-5857-4685-be1f-d57550cc96cc">Localize</UALocRecommendation>
-    <Manager xmlns="4873beb7-5857-4685-be1f-d57550cc96cc" xsi:nil="true"/>
-    <ShowIn xmlns="4873beb7-5857-4685-be1f-d57550cc96cc">Show everywhere</ShowIn>
-    <UANotes xmlns="4873beb7-5857-4685-be1f-d57550cc96cc" xsi:nil="true"/>
-    <TemplateStatus xmlns="4873beb7-5857-4685-be1f-d57550cc96cc">Complete</TemplateStatus>
-    <InternalTagsTaxHTField0 xmlns="4873beb7-5857-4685-be1f-d57550cc96cc">
-      <Terms xmlns="http://schemas.microsoft.com/office/infopath/2007/PartnerControls"/>
-    </InternalTagsTaxHTField0>
-    <CSXHash xmlns="4873beb7-5857-4685-be1f-d57550cc96cc" xsi:nil="true"/>
-    <Downloads xmlns="4873beb7-5857-4685-be1f-d57550cc96cc">0</Downloads>
-    <VoteCount xmlns="4873beb7-5857-4685-be1f-d57550cc96cc" xsi:nil="true"/>
-    <OOCacheId xmlns="4873beb7-5857-4685-be1f-d57550cc96cc" xsi:nil="true"/>
-    <IsDeleted xmlns="4873beb7-5857-4685-be1f-d57550cc96cc">false</IsDeleted>
-    <AssetExpire xmlns="4873beb7-5857-4685-be1f-d57550cc96cc">2029-01-01T08:00:00+00:00</AssetExpire>
-    <DSATActionTaken xmlns="4873beb7-5857-4685-be1f-d57550cc96cc" xsi:nil="true"/>
-    <CSXSubmissionMarket xmlns="4873beb7-5857-4685-be1f-d57550cc96cc" xsi:nil="true"/>
-    <TPExecutable xmlns="4873beb7-5857-4685-be1f-d57550cc96cc" xsi:nil="true"/>
-    <SubmitterId xmlns="4873beb7-5857-4685-be1f-d57550cc96cc" xsi:nil="true"/>
-    <EditorialTags xmlns="4873beb7-5857-4685-be1f-d57550cc96cc" xsi:nil="true"/>
-    <AssetType xmlns="4873beb7-5857-4685-be1f-d57550cc96cc">TP</AssetType>
-    <BugNumber xmlns="4873beb7-5857-4685-be1f-d57550cc96cc" xsi:nil="true"/>
-    <CSXSubmissionDate xmlns="4873beb7-5857-4685-be1f-d57550cc96cc" xsi:nil="true"/>
-    <CSXUpdate xmlns="4873beb7-5857-4685-be1f-d57550cc96cc">false</CSXUpdate>
-    <ApprovalLog xmlns="4873beb7-5857-4685-be1f-d57550cc96cc" xsi:nil="true"/>
-    <Milestone xmlns="4873beb7-5857-4685-be1f-d57550cc96cc" xsi:nil="true"/>
-    <RecommendationsModifier xmlns="4873beb7-5857-4685-be1f-d57550cc96cc" xsi:nil="true"/>
-    <OriginAsset xmlns="4873beb7-5857-4685-be1f-d57550cc96cc" xsi:nil="true"/>
-    <TPComponent xmlns="4873beb7-5857-4685-be1f-d57550cc96cc" xsi:nil="true"/>
-    <AssetId xmlns="4873beb7-5857-4685-be1f-d57550cc96cc">TP104001342</AssetId>
-    <IntlLocPriority xmlns="4873beb7-5857-4685-be1f-d57550cc96cc" xsi:nil="true"/>
-    <PolicheckWords xmlns="4873beb7-5857-4685-be1f-d57550cc96cc" xsi:nil="true"/>
-    <TPLaunchHelpLink xmlns="4873beb7-5857-4685-be1f-d57550cc96cc" xsi:nil="true"/>
-    <TPApplication xmlns="4873beb7-5857-4685-be1f-d57550cc96cc" xsi:nil="true"/>
-    <CrawlForDependencies xmlns="4873beb7-5857-4685-be1f-d57550cc96cc">false</CrawlForDependencies>
-    <HandoffToMSDN xmlns="4873beb7-5857-4685-be1f-d57550cc96cc" xsi:nil="true"/>
-    <PlannedPubDate xmlns="4873beb7-5857-4685-be1f-d57550cc96cc" xsi:nil="true"/>
-    <IntlLangReviewer xmlns="4873beb7-5857-4685-be1f-d57550cc96cc" xsi:nil="true"/>
-    <TrustLevel xmlns="4873beb7-5857-4685-be1f-d57550cc96cc">1 Microsoft Managed Content</TrustLevel>
-    <LocLastLocAttemptVersionLookup xmlns="4873beb7-5857-4685-be1f-d57550cc96cc">875929</LocLastLocAttemptVersionLookup>
-    <IsSearchable xmlns="4873beb7-5857-4685-be1f-d57550cc96cc">true</IsSearchable>
-    <TemplateTemplateType xmlns="4873beb7-5857-4685-be1f-d57550cc96cc">PowerPoint Presentation Template</TemplateTemplateType>
-    <CampaignTagsTaxHTField0 xmlns="4873beb7-5857-4685-be1f-d57550cc96cc">
-      <Terms xmlns="http://schemas.microsoft.com/office/infopath/2007/PartnerControls"/>
-    </CampaignTagsTaxHTField0>
-    <TPNamespace xmlns="4873beb7-5857-4685-be1f-d57550cc96cc" xsi:nil="true"/>
-    <TaxCatchAll xmlns="4873beb7-5857-4685-be1f-d57550cc96cc"/>
-    <Markets xmlns="4873beb7-5857-4685-be1f-d57550cc96cc"/>
-    <UAProjectedTotalWords xmlns="4873beb7-5857-4685-be1f-d57550cc96cc" xsi:nil="true"/>
-    <LocMarketGroupTiers2 xmlns="4873beb7-5857-4685-be1f-d57550cc96cc" xsi:nil="true"/>
-    <IntlLangReview xmlns="4873beb7-5857-4685-be1f-d57550cc96cc">false</IntlLangReview>
-    <OutputCachingOn xmlns="4873beb7-5857-4685-be1f-d57550cc96cc">false</OutputCachingOn>
-    <AverageRating xmlns="4873beb7-5857-4685-be1f-d57550cc96cc" xsi:nil="true"/>
-    <APAuthor xmlns="4873beb7-5857-4685-be1f-d57550cc96cc">
-      <UserInfo>
-        <DisplayName>REDMOND\kristaa</DisplayName>
-        <AccountId>136</AccountId>
-        <AccountType/>
-      </UserInfo>
-    </APAuthor>
-    <LocManualTestRequired xmlns="4873beb7-5857-4685-be1f-d57550cc96cc">false</LocManualTestRequired>
-    <TPCommandLine xmlns="4873beb7-5857-4685-be1f-d57550cc96cc" xsi:nil="true"/>
-    <TPAppVersion xmlns="4873beb7-5857-4685-be1f-d57550cc96cc" xsi:nil="true"/>
-    <EditorialStatus xmlns="4873beb7-5857-4685-be1f-d57550cc96cc">Complete</EditorialStatus>
-    <LastModifiedDateTime xmlns="4873beb7-5857-4685-be1f-d57550cc96cc" xsi:nil="true"/>
-    <ScenarioTagsTaxHTField0 xmlns="4873beb7-5857-4685-be1f-d57550cc96cc">
-      <Terms xmlns="http://schemas.microsoft.com/office/infopath/2007/PartnerControls"/>
-    </ScenarioTagsTaxHTField0>
-    <OriginalRelease xmlns="4873beb7-5857-4685-be1f-d57550cc96cc">15</OriginalRelease>
-    <TPLaunchHelpLinkType xmlns="4873beb7-5857-4685-be1f-d57550cc96cc">Template</TPLaunchHelpLinkType>
-    <LocalizationTagsTaxHTField0 xmlns="4873beb7-5857-4685-be1f-d57550cc96cc">
-      <Terms xmlns="http://schemas.microsoft.com/office/infopath/2007/PartnerControls"/>
-    </LocalizationTagsTaxHTField0>
-  </documentManagement>
-</p:properties>
+<?mso-contentType ?>
+<FormTemplates xmlns="http://schemas.microsoft.com/sharepoint/v3/contenttype/forms">
+  <Display>DocumentLibraryForm</Display>
+  <Edit>AssetEditForm</Edit>
+  <New>DocumentLibraryForm</New>
+</FormTemplates>
 </file>
 
 <file path=customXml/itemProps1.xml><?xml version="1.0" encoding="utf-8"?>
-<ds:datastoreItem xmlns:ds="http://schemas.openxmlformats.org/officeDocument/2006/customXml" ds:itemID="{99B7E175-EA31-4EB5-9BCC-A945A8103674}">
+<ds:datastoreItem xmlns:ds="http://schemas.openxmlformats.org/officeDocument/2006/customXml" ds:itemID="{F04C2ADE-A257-45E6-A8A8-A5CFC12AD2E8}">
   <ds:schemaRefs>
-    <ds:schemaRef ds:uri="http://schemas.microsoft.com/sharepoint/v3/contenttype/forms"/>
+    <ds:schemaRef ds:uri="http://schemas.microsoft.com/office/2006/metadata/properties"/>
+    <ds:schemaRef ds:uri="http://schemas.microsoft.com/office/infopath/2007/PartnerControls"/>
+    <ds:schemaRef ds:uri="4873beb7-5857-4685-be1f-d57550cc96cc"/>
   </ds:schemaRefs>
 </ds:datastoreItem>
 </file>
@@ -8909,11 +9149,9 @@
 </file>
 
 <file path=customXml/itemProps3.xml><?xml version="1.0" encoding="utf-8"?>
-<ds:datastoreItem xmlns:ds="http://schemas.openxmlformats.org/officeDocument/2006/customXml" ds:itemID="{F04C2ADE-A257-45E6-A8A8-A5CFC12AD2E8}">
+<ds:datastoreItem xmlns:ds="http://schemas.openxmlformats.org/officeDocument/2006/customXml" ds:itemID="{99B7E175-EA31-4EB5-9BCC-A945A8103674}">
   <ds:schemaRefs>
-    <ds:schemaRef ds:uri="http://schemas.microsoft.com/office/2006/metadata/properties"/>
-    <ds:schemaRef ds:uri="http://schemas.microsoft.com/office/infopath/2007/PartnerControls"/>
-    <ds:schemaRef ds:uri="4873beb7-5857-4685-be1f-d57550cc96cc"/>
+    <ds:schemaRef ds:uri="http://schemas.microsoft.com/sharepoint/v3/contenttype/forms"/>
   </ds:schemaRefs>
 </ds:datastoreItem>
 </file>
--- a/docs/postermore.pptx
+++ b/docs/postermore.pptx
@@ -203,7 +203,7 @@
           <a:p>
             <a:fld id="{F1C0B079-A316-4C9B-B165-DF9EA8325D2C}" type="datetimeFigureOut">
               <a:rPr lang="en-US" smtClean="0"/>
-              <a:t>3/27/2018</a:t>
+              <a:t>4/1/18</a:t>
             </a:fld>
             <a:endParaRPr lang="en-US"/>
           </a:p>
@@ -368,7 +368,7 @@
           <a:p>
             <a:fld id="{38F28AB8-57D1-494F-9851-055AD867E790}" type="datetimeFigureOut">
               <a:rPr lang="en-US" smtClean="0"/>
-              <a:t>3/27/2018</a:t>
+              <a:t>4/1/18</a:t>
             </a:fld>
             <a:endParaRPr lang="en-US"/>
           </a:p>
@@ -432,38 +432,37 @@
           <a:p>
             <a:pPr lvl="0"/>
             <a:r>
-              <a:rPr lang="en-US" smtClean="0"/>
+              <a:rPr lang="en-US"/>
               <a:t>Click to edit Master text styles</a:t>
             </a:r>
           </a:p>
           <a:p>
             <a:pPr lvl="1"/>
             <a:r>
-              <a:rPr lang="en-US" smtClean="0"/>
+              <a:rPr lang="en-US"/>
               <a:t>Second level</a:t>
             </a:r>
           </a:p>
           <a:p>
             <a:pPr lvl="2"/>
             <a:r>
-              <a:rPr lang="en-US" smtClean="0"/>
+              <a:rPr lang="en-US"/>
               <a:t>Third level</a:t>
             </a:r>
           </a:p>
           <a:p>
             <a:pPr lvl="3"/>
             <a:r>
-              <a:rPr lang="en-US" smtClean="0"/>
+              <a:rPr lang="en-US"/>
               <a:t>Fourth level</a:t>
             </a:r>
           </a:p>
           <a:p>
             <a:pPr lvl="4"/>
             <a:r>
-              <a:rPr lang="en-US" smtClean="0"/>
+              <a:rPr lang="en-US"/>
               <a:t>Fifth level</a:t>
             </a:r>
-            <a:endParaRPr lang="en-US"/>
           </a:p>
         </p:txBody>
       </p:sp>
@@ -721,7 +720,7 @@
               </a:spcBef>
             </a:pPr>
             <a:r>
-              <a:rPr lang="en-US" sz="6600" dirty="0" smtClean="0">
+              <a:rPr lang="en-US" sz="6600" dirty="0">
                 <a:solidFill>
                   <a:prstClr val="white">
                     <a:lumMod val="50000"/>
@@ -787,7 +786,7 @@
               <a:t>The placeholders in this </a:t>
             </a:r>
             <a:r>
-              <a:rPr lang="en-US" sz="6600" dirty="0" smtClean="0">
+              <a:rPr lang="en-US" sz="6600" dirty="0">
                 <a:solidFill>
                   <a:prstClr val="white">
                     <a:lumMod val="50000"/>
@@ -799,7 +798,7 @@
               <a:t>poster </a:t>
             </a:r>
             <a:r>
-              <a:rPr sz="6600" dirty="0" smtClean="0">
+              <a:rPr sz="6600" dirty="0">
                 <a:solidFill>
                   <a:prstClr val="white">
                     <a:lumMod val="50000"/>
@@ -808,22 +807,10 @@
                 <a:latin typeface="Calibri Light" panose="020F0302020204030204" pitchFamily="34" charset="0"/>
                 <a:cs typeface="Calibri" panose="020F0502020204030204" pitchFamily="34" charset="0"/>
               </a:rPr>
-              <a:t>are </a:t>
-            </a:r>
-            <a:r>
-              <a:rPr sz="6600" dirty="0">
-                <a:solidFill>
-                  <a:prstClr val="white">
-                    <a:lumMod val="50000"/>
-                  </a:prstClr>
-                </a:solidFill>
-                <a:latin typeface="Calibri Light" panose="020F0302020204030204" pitchFamily="34" charset="0"/>
-                <a:cs typeface="Calibri" panose="020F0502020204030204" pitchFamily="34" charset="0"/>
-              </a:rPr>
-              <a:t>formatted for you. </a:t>
-            </a:r>
-            <a:r>
-              <a:rPr lang="en-US" sz="6600" dirty="0" smtClean="0">
+              <a:t>are formatted for you. </a:t>
+            </a:r>
+            <a:r>
+              <a:rPr lang="en-US" sz="6600" dirty="0">
                 <a:solidFill>
                   <a:prstClr val="white">
                     <a:lumMod val="50000"/>
@@ -835,7 +822,7 @@
               <a:t>Type</a:t>
             </a:r>
             <a:r>
-              <a:rPr lang="en-US" sz="6600" baseline="0" dirty="0" smtClean="0">
+              <a:rPr lang="en-US" sz="6600" baseline="0" dirty="0">
                 <a:solidFill>
                   <a:prstClr val="white">
                     <a:lumMod val="50000"/>
@@ -847,7 +834,7 @@
               <a:t> in the placeholders </a:t>
             </a:r>
             <a:r>
-              <a:rPr lang="en-US" sz="6600" dirty="0" smtClean="0">
+              <a:rPr lang="en-US" sz="6600" dirty="0">
                 <a:solidFill>
                   <a:prstClr val="white">
                     <a:lumMod val="50000"/>
@@ -859,7 +846,7 @@
               <a:t>to add text, or c</a:t>
             </a:r>
             <a:r>
-              <a:rPr lang="en-US" sz="6600" baseline="0" dirty="0" smtClean="0">
+              <a:rPr lang="en-US" sz="6600" baseline="0" dirty="0">
                 <a:solidFill>
                   <a:prstClr val="white">
                     <a:lumMod val="50000"/>
@@ -878,7 +865,7 @@
               </a:spcBef>
             </a:pPr>
             <a:r>
-              <a:rPr lang="en-US" sz="6600" dirty="0" smtClean="0">
+              <a:rPr lang="en-US" sz="6600" dirty="0">
                 <a:solidFill>
                   <a:prstClr val="white">
                     <a:lumMod val="50000"/>
@@ -890,7 +877,7 @@
               <a:t>T</a:t>
             </a:r>
             <a:r>
-              <a:rPr sz="6600" dirty="0" smtClean="0">
+              <a:rPr sz="6600" dirty="0">
                 <a:solidFill>
                   <a:prstClr val="white">
                     <a:lumMod val="50000"/>
@@ -899,43 +886,7 @@
                 <a:latin typeface="Calibri Light" panose="020F0302020204030204" pitchFamily="34" charset="0"/>
                 <a:cs typeface="Calibri" panose="020F0502020204030204" pitchFamily="34" charset="0"/>
               </a:rPr>
-              <a:t>o </a:t>
-            </a:r>
-            <a:r>
-              <a:rPr sz="6600" dirty="0">
-                <a:solidFill>
-                  <a:prstClr val="white">
-                    <a:lumMod val="50000"/>
-                  </a:prstClr>
-                </a:solidFill>
-                <a:latin typeface="Calibri Light" panose="020F0302020204030204" pitchFamily="34" charset="0"/>
-                <a:cs typeface="Calibri" panose="020F0502020204030204" pitchFamily="34" charset="0"/>
-              </a:rPr>
-              <a:t>add or remove bullet points from text, </a:t>
-            </a:r>
-            <a:r>
-              <a:rPr sz="6600" dirty="0" smtClean="0">
-                <a:solidFill>
-                  <a:prstClr val="white">
-                    <a:lumMod val="50000"/>
-                  </a:prstClr>
-                </a:solidFill>
-                <a:latin typeface="Calibri Light" panose="020F0302020204030204" pitchFamily="34" charset="0"/>
-                <a:cs typeface="Calibri" panose="020F0502020204030204" pitchFamily="34" charset="0"/>
-              </a:rPr>
-              <a:t>click </a:t>
-            </a:r>
-            <a:r>
-              <a:rPr sz="6600" dirty="0">
-                <a:solidFill>
-                  <a:prstClr val="white">
-                    <a:lumMod val="50000"/>
-                  </a:prstClr>
-                </a:solidFill>
-                <a:latin typeface="Calibri Light" panose="020F0302020204030204" pitchFamily="34" charset="0"/>
-                <a:cs typeface="Calibri" panose="020F0502020204030204" pitchFamily="34" charset="0"/>
-              </a:rPr>
-              <a:t>the Bullets button on the Home tab.</a:t>
+              <a:t>o add or remove bullet points from text, click the Bullets button on the Home tab.</a:t>
             </a:r>
           </a:p>
           <a:p>
@@ -957,7 +908,7 @@
               <a:t>If you need more placeholders for titles, </a:t>
             </a:r>
             <a:r>
-              <a:rPr lang="en-US" sz="6600" dirty="0" smtClean="0">
+              <a:rPr lang="en-US" sz="6600" dirty="0">
                 <a:solidFill>
                   <a:prstClr val="white">
                     <a:lumMod val="50000"/>
@@ -969,7 +920,7 @@
               <a:t>content</a:t>
             </a:r>
             <a:r>
-              <a:rPr sz="6600" dirty="0" smtClean="0">
+              <a:rPr sz="6600" dirty="0">
                 <a:solidFill>
                   <a:prstClr val="white">
                     <a:lumMod val="50000"/>
@@ -978,53 +929,17 @@
                 <a:latin typeface="Calibri Light" panose="020F0302020204030204" pitchFamily="34" charset="0"/>
                 <a:cs typeface="Calibri" panose="020F0502020204030204" pitchFamily="34" charset="0"/>
               </a:rPr>
-              <a:t> </a:t>
-            </a:r>
+              <a:t> or body text, make a copy of what you need and drag it into place. PowerPoint’s Smart Guides will help you align it with everything else.</a:t>
+            </a:r>
+          </a:p>
+          <a:p>
+            <a:pPr lvl="0">
+              <a:spcBef>
+                <a:spcPts val="2400"/>
+              </a:spcBef>
+            </a:pPr>
             <a:r>
               <a:rPr sz="6600" dirty="0">
-                <a:solidFill>
-                  <a:prstClr val="white">
-                    <a:lumMod val="50000"/>
-                  </a:prstClr>
-                </a:solidFill>
-                <a:latin typeface="Calibri Light" panose="020F0302020204030204" pitchFamily="34" charset="0"/>
-                <a:cs typeface="Calibri" panose="020F0502020204030204" pitchFamily="34" charset="0"/>
-              </a:rPr>
-              <a:t>or body text, </a:t>
-            </a:r>
-            <a:r>
-              <a:rPr sz="6600" dirty="0" smtClean="0">
-                <a:solidFill>
-                  <a:prstClr val="white">
-                    <a:lumMod val="50000"/>
-                  </a:prstClr>
-                </a:solidFill>
-                <a:latin typeface="Calibri Light" panose="020F0302020204030204" pitchFamily="34" charset="0"/>
-                <a:cs typeface="Calibri" panose="020F0502020204030204" pitchFamily="34" charset="0"/>
-              </a:rPr>
-              <a:t>make </a:t>
-            </a:r>
-            <a:r>
-              <a:rPr sz="6600" dirty="0">
-                <a:solidFill>
-                  <a:prstClr val="white">
-                    <a:lumMod val="50000"/>
-                  </a:prstClr>
-                </a:solidFill>
-                <a:latin typeface="Calibri Light" panose="020F0302020204030204" pitchFamily="34" charset="0"/>
-                <a:cs typeface="Calibri" panose="020F0502020204030204" pitchFamily="34" charset="0"/>
-              </a:rPr>
-              <a:t>a copy of what you need and drag it into place. PowerPoint’s Smart Guides will help you align it with everything else.</a:t>
-            </a:r>
-          </a:p>
-          <a:p>
-            <a:pPr lvl="0">
-              <a:spcBef>
-                <a:spcPts val="2400"/>
-              </a:spcBef>
-            </a:pPr>
-            <a:r>
-              <a:rPr sz="6600" dirty="0" smtClean="0">
                 <a:solidFill>
                   <a:prstClr val="white">
                     <a:lumMod val="50000"/>
@@ -1036,7 +951,7 @@
               <a:t>Want to use your own picture</a:t>
             </a:r>
             <a:r>
-              <a:rPr lang="en-US" sz="6600" dirty="0" smtClean="0">
+              <a:rPr lang="en-US" sz="6600" dirty="0">
                 <a:solidFill>
                   <a:prstClr val="white">
                     <a:lumMod val="50000"/>
@@ -1048,7 +963,7 @@
               <a:t>s</a:t>
             </a:r>
             <a:r>
-              <a:rPr sz="6600" dirty="0" smtClean="0">
+              <a:rPr sz="6600" dirty="0">
                 <a:solidFill>
                   <a:prstClr val="white">
                     <a:lumMod val="50000"/>
@@ -1060,7 +975,7 @@
               <a:t> instead of ours? No problem!</a:t>
             </a:r>
             <a:r>
-              <a:rPr lang="en-US" sz="6600" dirty="0" smtClean="0">
+              <a:rPr lang="en-US" sz="6600" dirty="0">
                 <a:solidFill>
                   <a:prstClr val="white">
                     <a:lumMod val="50000"/>
@@ -1099,10 +1014,9 @@
           <a:lstStyle/>
           <a:p>
             <a:r>
-              <a:rPr lang="en-US" smtClean="0"/>
+              <a:rPr lang="en-US"/>
               <a:t>Click to edit Master title style</a:t>
             </a:r>
-            <a:endParaRPr lang="en-US"/>
           </a:p>
         </p:txBody>
       </p:sp>
@@ -1232,7 +1146,7 @@
           <a:p>
             <a:pPr lvl="0"/>
             <a:r>
-              <a:rPr lang="en-US" smtClean="0"/>
+              <a:rPr lang="en-US"/>
               <a:t>Edit Master text styles</a:t>
             </a:r>
           </a:p>
@@ -1397,10 +1311,9 @@
           <a:p>
             <a:pPr lvl="0"/>
             <a:r>
-              <a:rPr lang="en-US" dirty="0" smtClean="0"/>
+              <a:rPr lang="en-US" dirty="0"/>
               <a:t>Heading</a:t>
             </a:r>
-            <a:endParaRPr lang="en-US" dirty="0"/>
           </a:p>
         </p:txBody>
       </p:sp>
@@ -1501,10 +1414,9 @@
           <a:p>
             <a:pPr lvl="0"/>
             <a:r>
-              <a:rPr lang="en-US" dirty="0" smtClean="0"/>
+              <a:rPr lang="en-US" dirty="0"/>
               <a:t>Type your question or a statement of the problem here</a:t>
             </a:r>
-            <a:endParaRPr lang="en-US" dirty="0"/>
           </a:p>
         </p:txBody>
       </p:sp>
@@ -1667,10 +1579,9 @@
           <a:p>
             <a:pPr lvl="0"/>
             <a:r>
-              <a:rPr lang="en-US" dirty="0" smtClean="0"/>
+              <a:rPr lang="en-US" dirty="0"/>
               <a:t>Heading</a:t>
             </a:r>
-            <a:endParaRPr lang="en-US" dirty="0"/>
           </a:p>
         </p:txBody>
       </p:sp>
@@ -1724,28 +1635,28 @@
           <a:p>
             <a:pPr lvl="0"/>
             <a:r>
-              <a:rPr lang="en-US" dirty="0" smtClean="0"/>
+              <a:rPr lang="en-US" dirty="0"/>
               <a:t>Use this placeholder to add text or other content</a:t>
             </a:r>
           </a:p>
           <a:p>
             <a:pPr lvl="1"/>
             <a:r>
-              <a:rPr lang="en-US" dirty="0" smtClean="0"/>
+              <a:rPr lang="en-US" dirty="0"/>
               <a:t>Second level</a:t>
             </a:r>
           </a:p>
           <a:p>
             <a:pPr lvl="2"/>
             <a:r>
-              <a:rPr lang="en-US" dirty="0" smtClean="0"/>
+              <a:rPr lang="en-US" dirty="0"/>
               <a:t>Third level</a:t>
             </a:r>
           </a:p>
           <a:p>
             <a:pPr lvl="3"/>
             <a:r>
-              <a:rPr lang="en-US" dirty="0" smtClean="0"/>
+              <a:rPr lang="en-US" dirty="0"/>
               <a:t>Fourth level</a:t>
             </a:r>
           </a:p>
@@ -1910,10 +1821,9 @@
           <a:p>
             <a:pPr lvl="0"/>
             <a:r>
-              <a:rPr lang="en-US" dirty="0" smtClean="0"/>
+              <a:rPr lang="en-US" dirty="0"/>
               <a:t>Heading</a:t>
             </a:r>
-            <a:endParaRPr lang="en-US" dirty="0"/>
           </a:p>
         </p:txBody>
       </p:sp>
@@ -1967,66 +1877,65 @@
           <a:p>
             <a:pPr lvl="0"/>
             <a:r>
-              <a:rPr lang="en-US" dirty="0" smtClean="0"/>
+              <a:rPr lang="en-US" dirty="0"/>
               <a:t>Use this placeholder to add text or other content</a:t>
             </a:r>
           </a:p>
           <a:p>
             <a:pPr lvl="1"/>
             <a:r>
-              <a:rPr lang="en-US" dirty="0" smtClean="0"/>
+              <a:rPr lang="en-US" dirty="0"/>
               <a:t>Second level</a:t>
             </a:r>
           </a:p>
           <a:p>
             <a:pPr lvl="2"/>
             <a:r>
-              <a:rPr lang="en-US" dirty="0" smtClean="0"/>
+              <a:rPr lang="en-US" dirty="0"/>
               <a:t>Third level</a:t>
             </a:r>
           </a:p>
           <a:p>
             <a:pPr lvl="3"/>
             <a:r>
-              <a:rPr lang="en-US" dirty="0" smtClean="0"/>
+              <a:rPr lang="en-US" dirty="0"/>
               <a:t>Fourth level</a:t>
             </a:r>
           </a:p>
           <a:p>
             <a:pPr lvl="4"/>
             <a:r>
-              <a:rPr lang="en-US" dirty="0" smtClean="0"/>
+              <a:rPr lang="en-US" dirty="0"/>
               <a:t>Fifth level</a:t>
             </a:r>
           </a:p>
           <a:p>
             <a:pPr lvl="5"/>
             <a:r>
-              <a:rPr lang="en-US" dirty="0" smtClean="0"/>
+              <a:rPr lang="en-US" dirty="0"/>
               <a:t>Six</a:t>
             </a:r>
           </a:p>
           <a:p>
             <a:pPr lvl="6"/>
             <a:r>
-              <a:rPr lang="en-US" dirty="0" smtClean="0"/>
+              <a:rPr lang="en-US" dirty="0"/>
               <a:t>Seven</a:t>
             </a:r>
           </a:p>
           <a:p>
             <a:pPr lvl="7"/>
             <a:r>
-              <a:rPr lang="en-US" dirty="0" smtClean="0"/>
+              <a:rPr lang="en-US" dirty="0"/>
               <a:t>Eight</a:t>
             </a:r>
           </a:p>
           <a:p>
             <a:pPr lvl="8"/>
             <a:r>
-              <a:rPr lang="en-US" dirty="0" smtClean="0"/>
+              <a:rPr lang="en-US" dirty="0"/>
               <a:t>Nine</a:t>
             </a:r>
-            <a:endParaRPr lang="en-US" dirty="0"/>
           </a:p>
         </p:txBody>
       </p:sp>
@@ -2189,10 +2098,9 @@
           <a:p>
             <a:pPr lvl="0"/>
             <a:r>
-              <a:rPr lang="en-US" dirty="0" smtClean="0"/>
+              <a:rPr lang="en-US" dirty="0"/>
               <a:t>Heading</a:t>
             </a:r>
-            <a:endParaRPr lang="en-US" dirty="0"/>
           </a:p>
         </p:txBody>
       </p:sp>
@@ -2246,66 +2154,65 @@
           <a:p>
             <a:pPr lvl="0"/>
             <a:r>
-              <a:rPr lang="en-US" dirty="0" smtClean="0"/>
+              <a:rPr lang="en-US" dirty="0"/>
               <a:t>Use this placeholder to add text or other content</a:t>
             </a:r>
           </a:p>
           <a:p>
             <a:pPr lvl="1"/>
             <a:r>
-              <a:rPr lang="en-US" dirty="0" smtClean="0"/>
+              <a:rPr lang="en-US" dirty="0"/>
               <a:t>Second level</a:t>
             </a:r>
           </a:p>
           <a:p>
             <a:pPr lvl="2"/>
             <a:r>
-              <a:rPr lang="en-US" dirty="0" smtClean="0"/>
+              <a:rPr lang="en-US" dirty="0"/>
               <a:t>Third level</a:t>
             </a:r>
           </a:p>
           <a:p>
             <a:pPr lvl="3"/>
             <a:r>
-              <a:rPr lang="en-US" dirty="0" smtClean="0"/>
+              <a:rPr lang="en-US" dirty="0"/>
               <a:t>Fourth level</a:t>
             </a:r>
           </a:p>
           <a:p>
             <a:pPr lvl="4"/>
             <a:r>
-              <a:rPr lang="en-US" dirty="0" smtClean="0"/>
+              <a:rPr lang="en-US" dirty="0"/>
               <a:t>Fifth level</a:t>
             </a:r>
           </a:p>
           <a:p>
             <a:pPr lvl="5"/>
             <a:r>
-              <a:rPr lang="en-US" dirty="0" smtClean="0"/>
+              <a:rPr lang="en-US" dirty="0"/>
               <a:t>Six</a:t>
             </a:r>
           </a:p>
           <a:p>
             <a:pPr lvl="6"/>
             <a:r>
-              <a:rPr lang="en-US" dirty="0" smtClean="0"/>
+              <a:rPr lang="en-US" dirty="0"/>
               <a:t>Seven</a:t>
             </a:r>
           </a:p>
           <a:p>
             <a:pPr lvl="7"/>
             <a:r>
-              <a:rPr lang="en-US" dirty="0" smtClean="0"/>
+              <a:rPr lang="en-US" dirty="0"/>
               <a:t>Eight</a:t>
             </a:r>
           </a:p>
           <a:p>
             <a:pPr lvl="8"/>
             <a:r>
-              <a:rPr lang="en-US" dirty="0" smtClean="0"/>
+              <a:rPr lang="en-US" dirty="0"/>
               <a:t>Nine</a:t>
             </a:r>
-            <a:endParaRPr lang="en-US" dirty="0"/>
           </a:p>
         </p:txBody>
       </p:sp>
@@ -2468,10 +2375,9 @@
           <a:p>
             <a:pPr lvl="0"/>
             <a:r>
-              <a:rPr lang="en-US" dirty="0" smtClean="0"/>
+              <a:rPr lang="en-US" dirty="0"/>
               <a:t>Heading</a:t>
             </a:r>
-            <a:endParaRPr lang="en-US" dirty="0"/>
           </a:p>
         </p:txBody>
       </p:sp>
@@ -2525,66 +2431,65 @@
           <a:p>
             <a:pPr lvl="0"/>
             <a:r>
-              <a:rPr lang="en-US" dirty="0" smtClean="0"/>
+              <a:rPr lang="en-US" dirty="0"/>
               <a:t>Use this placeholder to add text or other content</a:t>
             </a:r>
           </a:p>
           <a:p>
             <a:pPr lvl="1"/>
             <a:r>
-              <a:rPr lang="en-US" dirty="0" smtClean="0"/>
+              <a:rPr lang="en-US" dirty="0"/>
               <a:t>Second level</a:t>
             </a:r>
           </a:p>
           <a:p>
             <a:pPr lvl="2"/>
             <a:r>
-              <a:rPr lang="en-US" dirty="0" smtClean="0"/>
+              <a:rPr lang="en-US" dirty="0"/>
               <a:t>Third level</a:t>
             </a:r>
           </a:p>
           <a:p>
             <a:pPr lvl="3"/>
             <a:r>
-              <a:rPr lang="en-US" dirty="0" smtClean="0"/>
+              <a:rPr lang="en-US" dirty="0"/>
               <a:t>Fourth level</a:t>
             </a:r>
           </a:p>
           <a:p>
             <a:pPr lvl="4"/>
             <a:r>
-              <a:rPr lang="en-US" dirty="0" smtClean="0"/>
+              <a:rPr lang="en-US" dirty="0"/>
               <a:t>Fifth level</a:t>
             </a:r>
           </a:p>
           <a:p>
             <a:pPr lvl="5"/>
             <a:r>
-              <a:rPr lang="en-US" dirty="0" smtClean="0"/>
+              <a:rPr lang="en-US" dirty="0"/>
               <a:t>Six</a:t>
             </a:r>
           </a:p>
           <a:p>
             <a:pPr lvl="6"/>
             <a:r>
-              <a:rPr lang="en-US" dirty="0" smtClean="0"/>
+              <a:rPr lang="en-US" dirty="0"/>
               <a:t>Seven</a:t>
             </a:r>
           </a:p>
           <a:p>
             <a:pPr lvl="7"/>
             <a:r>
-              <a:rPr lang="en-US" dirty="0" smtClean="0"/>
+              <a:rPr lang="en-US" dirty="0"/>
               <a:t>Eight</a:t>
             </a:r>
           </a:p>
           <a:p>
             <a:pPr lvl="8"/>
             <a:r>
-              <a:rPr lang="en-US" dirty="0" smtClean="0"/>
+              <a:rPr lang="en-US" dirty="0"/>
               <a:t>Nine</a:t>
             </a:r>
-            <a:endParaRPr lang="en-US" dirty="0"/>
           </a:p>
         </p:txBody>
       </p:sp>
@@ -2747,10 +2652,9 @@
           <a:p>
             <a:pPr lvl="0"/>
             <a:r>
-              <a:rPr lang="en-US" dirty="0" smtClean="0"/>
+              <a:rPr lang="en-US" dirty="0"/>
               <a:t>Heading</a:t>
             </a:r>
-            <a:endParaRPr lang="en-US" dirty="0"/>
           </a:p>
         </p:txBody>
       </p:sp>
@@ -2804,66 +2708,65 @@
           <a:p>
             <a:pPr lvl="0"/>
             <a:r>
-              <a:rPr lang="en-US" dirty="0" smtClean="0"/>
+              <a:rPr lang="en-US" dirty="0"/>
               <a:t>Use this placeholder to add text or other content</a:t>
             </a:r>
           </a:p>
           <a:p>
             <a:pPr lvl="1"/>
             <a:r>
-              <a:rPr lang="en-US" dirty="0" smtClean="0"/>
+              <a:rPr lang="en-US" dirty="0"/>
               <a:t>Second level</a:t>
             </a:r>
           </a:p>
           <a:p>
             <a:pPr lvl="2"/>
             <a:r>
-              <a:rPr lang="en-US" dirty="0" smtClean="0"/>
+              <a:rPr lang="en-US" dirty="0"/>
               <a:t>Third level</a:t>
             </a:r>
           </a:p>
           <a:p>
             <a:pPr lvl="3"/>
             <a:r>
-              <a:rPr lang="en-US" dirty="0" smtClean="0"/>
+              <a:rPr lang="en-US" dirty="0"/>
               <a:t>Fourth level</a:t>
             </a:r>
           </a:p>
           <a:p>
             <a:pPr lvl="4"/>
             <a:r>
-              <a:rPr lang="en-US" dirty="0" smtClean="0"/>
+              <a:rPr lang="en-US" dirty="0"/>
               <a:t>Fifth level</a:t>
             </a:r>
           </a:p>
           <a:p>
             <a:pPr lvl="5"/>
             <a:r>
-              <a:rPr lang="en-US" dirty="0" smtClean="0"/>
+              <a:rPr lang="en-US" dirty="0"/>
               <a:t>Six</a:t>
             </a:r>
           </a:p>
           <a:p>
             <a:pPr lvl="6"/>
             <a:r>
-              <a:rPr lang="en-US" dirty="0" smtClean="0"/>
+              <a:rPr lang="en-US" dirty="0"/>
               <a:t>Seven</a:t>
             </a:r>
           </a:p>
           <a:p>
             <a:pPr lvl="7"/>
             <a:r>
-              <a:rPr lang="en-US" dirty="0" smtClean="0"/>
+              <a:rPr lang="en-US" dirty="0"/>
               <a:t>Eight</a:t>
             </a:r>
           </a:p>
           <a:p>
             <a:pPr lvl="8"/>
             <a:r>
-              <a:rPr lang="en-US" dirty="0" smtClean="0"/>
+              <a:rPr lang="en-US" dirty="0"/>
               <a:t>Nine</a:t>
             </a:r>
-            <a:endParaRPr lang="en-US" dirty="0"/>
           </a:p>
         </p:txBody>
       </p:sp>
@@ -3026,10 +2929,9 @@
           <a:p>
             <a:pPr lvl="0"/>
             <a:r>
-              <a:rPr lang="en-US" dirty="0" smtClean="0"/>
+              <a:rPr lang="en-US" dirty="0"/>
               <a:t>Heading</a:t>
             </a:r>
-            <a:endParaRPr lang="en-US" dirty="0"/>
           </a:p>
         </p:txBody>
       </p:sp>
@@ -3083,66 +2985,65 @@
           <a:p>
             <a:pPr lvl="0"/>
             <a:r>
-              <a:rPr lang="en-US" dirty="0" smtClean="0"/>
+              <a:rPr lang="en-US" dirty="0"/>
               <a:t>Use this placeholder to add text or other content</a:t>
             </a:r>
           </a:p>
           <a:p>
             <a:pPr lvl="1"/>
             <a:r>
-              <a:rPr lang="en-US" dirty="0" smtClean="0"/>
+              <a:rPr lang="en-US" dirty="0"/>
               <a:t>Second level</a:t>
             </a:r>
           </a:p>
           <a:p>
             <a:pPr lvl="2"/>
             <a:r>
-              <a:rPr lang="en-US" dirty="0" smtClean="0"/>
+              <a:rPr lang="en-US" dirty="0"/>
               <a:t>Third level</a:t>
             </a:r>
           </a:p>
           <a:p>
             <a:pPr lvl="3"/>
             <a:r>
-              <a:rPr lang="en-US" dirty="0" smtClean="0"/>
+              <a:rPr lang="en-US" dirty="0"/>
               <a:t>Fourth level</a:t>
             </a:r>
           </a:p>
           <a:p>
             <a:pPr lvl="4"/>
             <a:r>
-              <a:rPr lang="en-US" dirty="0" smtClean="0"/>
+              <a:rPr lang="en-US" dirty="0"/>
               <a:t>Fifth level</a:t>
             </a:r>
           </a:p>
           <a:p>
             <a:pPr lvl="5"/>
             <a:r>
-              <a:rPr lang="en-US" dirty="0" smtClean="0"/>
+              <a:rPr lang="en-US" dirty="0"/>
               <a:t>Six</a:t>
             </a:r>
           </a:p>
           <a:p>
             <a:pPr lvl="6"/>
             <a:r>
-              <a:rPr lang="en-US" dirty="0" smtClean="0"/>
+              <a:rPr lang="en-US" dirty="0"/>
               <a:t>Seven</a:t>
             </a:r>
           </a:p>
           <a:p>
             <a:pPr lvl="7"/>
             <a:r>
-              <a:rPr lang="en-US" dirty="0" smtClean="0"/>
+              <a:rPr lang="en-US" dirty="0"/>
               <a:t>Eight</a:t>
             </a:r>
           </a:p>
           <a:p>
             <a:pPr lvl="8"/>
             <a:r>
-              <a:rPr lang="en-US" dirty="0" smtClean="0"/>
+              <a:rPr lang="en-US" dirty="0"/>
               <a:t>Nine</a:t>
             </a:r>
-            <a:endParaRPr lang="en-US" dirty="0"/>
           </a:p>
         </p:txBody>
       </p:sp>
@@ -3305,10 +3206,9 @@
           <a:p>
             <a:pPr lvl="0"/>
             <a:r>
-              <a:rPr lang="en-US" dirty="0" smtClean="0"/>
+              <a:rPr lang="en-US" dirty="0"/>
               <a:t>Heading</a:t>
             </a:r>
-            <a:endParaRPr lang="en-US" dirty="0"/>
           </a:p>
         </p:txBody>
       </p:sp>
@@ -3362,66 +3262,65 @@
           <a:p>
             <a:pPr lvl="0"/>
             <a:r>
-              <a:rPr lang="en-US" dirty="0" smtClean="0"/>
+              <a:rPr lang="en-US" dirty="0"/>
               <a:t>Use this placeholder to add text or other content</a:t>
             </a:r>
           </a:p>
           <a:p>
             <a:pPr lvl="1"/>
             <a:r>
-              <a:rPr lang="en-US" dirty="0" smtClean="0"/>
+              <a:rPr lang="en-US" dirty="0"/>
               <a:t>Second level</a:t>
             </a:r>
           </a:p>
           <a:p>
             <a:pPr lvl="2"/>
             <a:r>
-              <a:rPr lang="en-US" dirty="0" smtClean="0"/>
+              <a:rPr lang="en-US" dirty="0"/>
               <a:t>Third level</a:t>
             </a:r>
           </a:p>
           <a:p>
             <a:pPr lvl="3"/>
             <a:r>
-              <a:rPr lang="en-US" dirty="0" smtClean="0"/>
+              <a:rPr lang="en-US" dirty="0"/>
               <a:t>Fourth level</a:t>
             </a:r>
           </a:p>
           <a:p>
             <a:pPr lvl="4"/>
             <a:r>
-              <a:rPr lang="en-US" dirty="0" smtClean="0"/>
+              <a:rPr lang="en-US" dirty="0"/>
               <a:t>Fifth level</a:t>
             </a:r>
           </a:p>
           <a:p>
             <a:pPr lvl="5"/>
             <a:r>
-              <a:rPr lang="en-US" dirty="0" smtClean="0"/>
+              <a:rPr lang="en-US" dirty="0"/>
               <a:t>Six</a:t>
             </a:r>
           </a:p>
           <a:p>
             <a:pPr lvl="6"/>
             <a:r>
-              <a:rPr lang="en-US" dirty="0" smtClean="0"/>
+              <a:rPr lang="en-US" dirty="0"/>
               <a:t>Seven</a:t>
             </a:r>
           </a:p>
           <a:p>
             <a:pPr lvl="7"/>
             <a:r>
-              <a:rPr lang="en-US" dirty="0" smtClean="0"/>
+              <a:rPr lang="en-US" dirty="0"/>
               <a:t>Eight</a:t>
             </a:r>
           </a:p>
           <a:p>
             <a:pPr lvl="8"/>
             <a:r>
-              <a:rPr lang="en-US" dirty="0" smtClean="0"/>
+              <a:rPr lang="en-US" dirty="0"/>
               <a:t>Nine</a:t>
             </a:r>
-            <a:endParaRPr lang="en-US" dirty="0"/>
           </a:p>
         </p:txBody>
       </p:sp>
@@ -3475,31 +3374,30 @@
           <a:p>
             <a:pPr lvl="0"/>
             <a:r>
-              <a:rPr lang="en-US" dirty="0" smtClean="0"/>
+              <a:rPr lang="en-US" dirty="0"/>
               <a:t>Use this placeholder to add text or other content</a:t>
             </a:r>
           </a:p>
           <a:p>
             <a:pPr lvl="1"/>
             <a:r>
-              <a:rPr lang="en-US" dirty="0" smtClean="0"/>
+              <a:rPr lang="en-US" dirty="0"/>
               <a:t>Second level</a:t>
             </a:r>
           </a:p>
           <a:p>
             <a:pPr lvl="2"/>
             <a:r>
-              <a:rPr lang="en-US" dirty="0" smtClean="0"/>
+              <a:rPr lang="en-US" dirty="0"/>
               <a:t>Third level</a:t>
             </a:r>
           </a:p>
           <a:p>
             <a:pPr lvl="3"/>
             <a:r>
-              <a:rPr lang="en-US" dirty="0" smtClean="0"/>
+              <a:rPr lang="en-US" dirty="0"/>
               <a:t>Fourth level</a:t>
             </a:r>
-            <a:endParaRPr lang="en-US" dirty="0"/>
           </a:p>
         </p:txBody>
       </p:sp>
@@ -3662,10 +3560,9 @@
           <a:p>
             <a:pPr lvl="0"/>
             <a:r>
-              <a:rPr lang="en-US" dirty="0" smtClean="0"/>
+              <a:rPr lang="en-US" dirty="0"/>
               <a:t>Heading</a:t>
             </a:r>
-            <a:endParaRPr lang="en-US" dirty="0"/>
           </a:p>
         </p:txBody>
       </p:sp>
@@ -3719,31 +3616,30 @@
           <a:p>
             <a:pPr lvl="0"/>
             <a:r>
-              <a:rPr lang="en-US" dirty="0" smtClean="0"/>
+              <a:rPr lang="en-US" dirty="0"/>
               <a:t>Use this placeholder to add text or other content</a:t>
             </a:r>
           </a:p>
           <a:p>
             <a:pPr lvl="1"/>
             <a:r>
-              <a:rPr lang="en-US" dirty="0" smtClean="0"/>
+              <a:rPr lang="en-US" dirty="0"/>
               <a:t>Second level</a:t>
             </a:r>
           </a:p>
           <a:p>
             <a:pPr lvl="2"/>
             <a:r>
-              <a:rPr lang="en-US" dirty="0" smtClean="0"/>
+              <a:rPr lang="en-US" dirty="0"/>
               <a:t>Third level</a:t>
             </a:r>
           </a:p>
           <a:p>
             <a:pPr lvl="3"/>
             <a:r>
-              <a:rPr lang="en-US" dirty="0" smtClean="0"/>
+              <a:rPr lang="en-US" dirty="0"/>
               <a:t>Fourth level</a:t>
             </a:r>
-            <a:endParaRPr lang="en-US" dirty="0"/>
           </a:p>
         </p:txBody>
       </p:sp>
@@ -3906,10 +3802,9 @@
           <a:p>
             <a:pPr lvl="0"/>
             <a:r>
-              <a:rPr lang="en-US" dirty="0" smtClean="0"/>
+              <a:rPr lang="en-US" dirty="0"/>
               <a:t>Heading</a:t>
             </a:r>
-            <a:endParaRPr lang="en-US" dirty="0"/>
           </a:p>
         </p:txBody>
       </p:sp>
@@ -3963,45 +3858,44 @@
           <a:p>
             <a:pPr lvl="0"/>
             <a:r>
-              <a:rPr lang="en-US" dirty="0" smtClean="0"/>
+              <a:rPr lang="en-US" dirty="0"/>
               <a:t>Use this placeholder to add text or other content</a:t>
             </a:r>
           </a:p>
           <a:p>
             <a:pPr lvl="1"/>
             <a:r>
-              <a:rPr lang="en-US" dirty="0" smtClean="0"/>
+              <a:rPr lang="en-US" dirty="0"/>
               <a:t>Second level</a:t>
             </a:r>
           </a:p>
           <a:p>
             <a:pPr lvl="2"/>
             <a:r>
-              <a:rPr lang="en-US" dirty="0" smtClean="0"/>
+              <a:rPr lang="en-US" dirty="0"/>
               <a:t>Third level</a:t>
             </a:r>
           </a:p>
           <a:p>
             <a:pPr lvl="3"/>
             <a:r>
-              <a:rPr lang="en-US" dirty="0" smtClean="0"/>
+              <a:rPr lang="en-US" dirty="0"/>
               <a:t>Fourth level</a:t>
             </a:r>
           </a:p>
           <a:p>
             <a:pPr lvl="4"/>
             <a:r>
-              <a:rPr lang="en-US" dirty="0" smtClean="0"/>
+              <a:rPr lang="en-US" dirty="0"/>
               <a:t>Fifth level</a:t>
             </a:r>
           </a:p>
           <a:p>
             <a:pPr lvl="5"/>
             <a:r>
-              <a:rPr lang="en-US" dirty="0" smtClean="0"/>
+              <a:rPr lang="en-US" dirty="0"/>
               <a:t>Six</a:t>
             </a:r>
-            <a:endParaRPr lang="en-US" dirty="0"/>
           </a:p>
         </p:txBody>
       </p:sp>
@@ -4022,7 +3916,7 @@
           <a:p>
             <a:fld id="{ECAA57DF-1C19-4726-AB84-014692BAD8F5}" type="datetimeFigureOut">
               <a:rPr lang="en-US" smtClean="0"/>
-              <a:t>3/27/2018</a:t>
+              <a:t>4/1/18</a:t>
             </a:fld>
             <a:endParaRPr lang="en-US"/>
           </a:p>
@@ -4126,7 +4020,7 @@
           </a:lstStyle>
           <a:p>
             <a:r>
-              <a:rPr lang="en-US" smtClean="0"/>
+              <a:rPr lang="en-US"/>
               <a:t>Click icon to add picture</a:t>
             </a:r>
             <a:endParaRPr lang="en-US" dirty="0"/>
@@ -4256,7 +4150,7 @@
           <a:lstStyle/>
           <a:p>
             <a:r>
-              <a:rPr lang="en-US" smtClean="0"/>
+              <a:rPr lang="en-US"/>
               <a:t>Click to edit Master title style</a:t>
             </a:r>
             <a:endParaRPr lang="en-US" dirty="0"/>
@@ -4290,35 +4184,35 @@
           <a:p>
             <a:pPr lvl="0"/>
             <a:r>
-              <a:rPr lang="en-US" smtClean="0"/>
+              <a:rPr lang="en-US"/>
               <a:t>Edit Master text styles</a:t>
             </a:r>
           </a:p>
           <a:p>
             <a:pPr lvl="1"/>
             <a:r>
-              <a:rPr lang="en-US" smtClean="0"/>
+              <a:rPr lang="en-US"/>
               <a:t>Second level</a:t>
             </a:r>
           </a:p>
           <a:p>
             <a:pPr lvl="2"/>
             <a:r>
-              <a:rPr lang="en-US" smtClean="0"/>
+              <a:rPr lang="en-US"/>
               <a:t>Third level</a:t>
             </a:r>
           </a:p>
           <a:p>
             <a:pPr lvl="3"/>
             <a:r>
-              <a:rPr lang="en-US" smtClean="0"/>
+              <a:rPr lang="en-US"/>
               <a:t>Fourth level</a:t>
             </a:r>
           </a:p>
           <a:p>
             <a:pPr lvl="4"/>
             <a:r>
-              <a:rPr lang="en-US" smtClean="0"/>
+              <a:rPr lang="en-US"/>
               <a:t>Fifth level</a:t>
             </a:r>
             <a:endParaRPr lang="en-US" dirty="0"/>
@@ -4361,7 +4255,7 @@
             <a:fld id="{ECAA57DF-1C19-4726-AB84-014692BAD8F5}" type="datetimeFigureOut">
               <a:rPr lang="en-US" smtClean="0"/>
               <a:pPr/>
-              <a:t>3/27/2018</a:t>
+              <a:t>4/1/18</a:t>
             </a:fld>
             <a:endParaRPr lang="en-US"/>
           </a:p>
@@ -4933,16 +4827,12 @@
           <a:lstStyle/>
           <a:p>
             <a:r>
-              <a:rPr lang="en-US" dirty="0" smtClean="0">
+              <a:rPr lang="en-US" dirty="0">
                 <a:latin typeface="Times New Roman" panose="02020603050405020304" pitchFamily="18" charset="0"/>
                 <a:cs typeface="Times New Roman" panose="02020603050405020304" pitchFamily="18" charset="0"/>
               </a:rPr>
               <a:t>Toward an Understanding of Skewed Top Corridors</a:t>
             </a:r>
-            <a:endParaRPr lang="en-US" dirty="0">
-              <a:latin typeface="Times New Roman" panose="02020603050405020304" pitchFamily="18" charset="0"/>
-              <a:cs typeface="Times New Roman" panose="02020603050405020304" pitchFamily="18" charset="0"/>
-            </a:endParaRPr>
           </a:p>
         </p:txBody>
       </p:sp>
@@ -4967,16 +4857,26 @@
           <a:lstStyle/>
           <a:p>
             <a:r>
-              <a:rPr lang="en-US" dirty="0" smtClean="0">
+              <a:rPr lang="en-US" dirty="0">
                 <a:latin typeface="Times New Roman" panose="02020603050405020304" pitchFamily="18" charset="0"/>
                 <a:cs typeface="Times New Roman" panose="02020603050405020304" pitchFamily="18" charset="0"/>
               </a:rPr>
-              <a:t>Joanne Wardell, Computer Science Department | Shaun Ault, Mathematics Department </a:t>
-            </a:r>
-            <a:endParaRPr lang="en-US" dirty="0">
-              <a:latin typeface="Times New Roman" panose="02020603050405020304" pitchFamily="18" charset="0"/>
-              <a:cs typeface="Times New Roman" panose="02020603050405020304" pitchFamily="18" charset="0"/>
-            </a:endParaRPr>
+              <a:t>Joanne Wardell, Computer Science Department </a:t>
+            </a:r>
+            <a:r>
+              <a:rPr lang="en-US" sz="4000" b="1" dirty="0">
+                <a:latin typeface="Times New Roman" panose="02020603050405020304" pitchFamily="18" charset="0"/>
+                <a:cs typeface="Times New Roman" panose="02020603050405020304" pitchFamily="18" charset="0"/>
+              </a:rPr>
+              <a:t>|</a:t>
+            </a:r>
+            <a:r>
+              <a:rPr lang="en-US" dirty="0">
+                <a:latin typeface="Times New Roman" panose="02020603050405020304" pitchFamily="18" charset="0"/>
+                <a:cs typeface="Times New Roman" panose="02020603050405020304" pitchFamily="18" charset="0"/>
+              </a:rPr>
+              <a:t> Shaun Ault, Mathematics Department </a:t>
+            </a:r>
           </a:p>
         </p:txBody>
       </p:sp>
@@ -4992,8 +4892,8 @@
         </p:nvSpPr>
         <p:spPr>
           <a:xfrm>
-            <a:off x="1103377" y="6063528"/>
-            <a:ext cx="20080224" cy="9786072"/>
+            <a:off x="1020210" y="5817321"/>
+            <a:ext cx="10628375" cy="10346786"/>
           </a:xfrm>
         </p:spPr>
         <p:txBody>
@@ -5002,43 +4902,34 @@
           <a:p>
             <a:pPr algn="ctr"/>
             <a:r>
-              <a:rPr lang="en-US" sz="4800" dirty="0">
+              <a:rPr lang="en-US" sz="4000" b="1" dirty="0">
                 <a:latin typeface="Times New Roman" panose="02020603050405020304" pitchFamily="18" charset="0"/>
                 <a:cs typeface="Times New Roman" panose="02020603050405020304" pitchFamily="18" charset="0"/>
               </a:rPr>
               <a:t>Abstract and Research Questions</a:t>
             </a:r>
-          </a:p>
-          <a:p>
-            <a:endParaRPr lang="en-US" sz="3600" dirty="0" smtClean="0">
+            <a:endParaRPr lang="en-US" sz="2800" b="1" dirty="0">
               <a:latin typeface="Times New Roman" panose="02020603050405020304" pitchFamily="18" charset="0"/>
               <a:cs typeface="Times New Roman" panose="02020603050405020304" pitchFamily="18" charset="0"/>
             </a:endParaRPr>
           </a:p>
           <a:p>
             <a:r>
-              <a:rPr lang="en-US" sz="3600" dirty="0" smtClean="0">
+              <a:rPr lang="en-US" sz="2800" dirty="0">
                 <a:latin typeface="Times New Roman" panose="02020603050405020304" pitchFamily="18" charset="0"/>
                 <a:cs typeface="Times New Roman" panose="02020603050405020304" pitchFamily="18" charset="0"/>
               </a:rPr>
-              <a:t>A </a:t>
-            </a:r>
-            <a:r>
-              <a:rPr lang="en-US" sz="3600" dirty="0">
-                <a:latin typeface="Times New Roman" panose="02020603050405020304" pitchFamily="18" charset="0"/>
-                <a:cs typeface="Times New Roman" panose="02020603050405020304" pitchFamily="18" charset="0"/>
-              </a:rPr>
-              <a:t>lattice is the set of all points Z</a:t>
-            </a:r>
-            <a:r>
-              <a:rPr lang="en-US" sz="3600" baseline="30000" dirty="0">
+              <a:t>A lattice is the set of all points Z</a:t>
+            </a:r>
+            <a:r>
+              <a:rPr lang="en-US" sz="2800" baseline="30000" dirty="0">
                 <a:latin typeface="Times New Roman" panose="02020603050405020304" pitchFamily="18" charset="0"/>
                 <a:cs typeface="Times New Roman" panose="02020603050405020304" pitchFamily="18" charset="0"/>
               </a:rPr>
               <a:t>2</a:t>
             </a:r>
             <a:r>
-              <a:rPr lang="en-US" sz="3600" dirty="0">
+              <a:rPr lang="en-US" sz="2800" dirty="0">
                 <a:latin typeface="Times New Roman" panose="02020603050405020304" pitchFamily="18" charset="0"/>
                 <a:cs typeface="Times New Roman" panose="02020603050405020304" pitchFamily="18" charset="0"/>
               </a:rPr>
@@ -5047,7 +4938,7 @@
           </a:p>
           <a:p>
             <a:r>
-              <a:rPr lang="en-US" sz="3600" dirty="0">
+              <a:rPr lang="en-US" sz="2800" dirty="0">
                 <a:latin typeface="Times New Roman" panose="02020603050405020304" pitchFamily="18" charset="0"/>
                 <a:cs typeface="Times New Roman" panose="02020603050405020304" pitchFamily="18" charset="0"/>
               </a:rPr>
@@ -5056,7 +4947,7 @@
           </a:p>
           <a:p>
             <a:r>
-              <a:rPr lang="en-US" sz="3600" dirty="0">
+              <a:rPr lang="en-US" sz="2800" dirty="0">
                 <a:latin typeface="Times New Roman" panose="02020603050405020304" pitchFamily="18" charset="0"/>
                 <a:cs typeface="Times New Roman" panose="02020603050405020304" pitchFamily="18" charset="0"/>
               </a:rPr>
@@ -5065,7 +4956,7 @@
           </a:p>
           <a:p>
             <a:r>
-              <a:rPr lang="en-US" sz="3600" dirty="0">
+              <a:rPr lang="en-US" sz="2800" dirty="0">
                 <a:latin typeface="Times New Roman" panose="02020603050405020304" pitchFamily="18" charset="0"/>
                 <a:cs typeface="Times New Roman" panose="02020603050405020304" pitchFamily="18" charset="0"/>
               </a:rPr>
@@ -5074,7 +4965,7 @@
           </a:p>
           <a:p>
             <a:r>
-              <a:rPr lang="en-US" sz="3600" dirty="0">
+              <a:rPr lang="en-US" sz="2800" dirty="0">
                 <a:latin typeface="Times New Roman" panose="02020603050405020304" pitchFamily="18" charset="0"/>
                 <a:cs typeface="Times New Roman" panose="02020603050405020304" pitchFamily="18" charset="0"/>
               </a:rPr>
@@ -5083,7 +4974,7 @@
           </a:p>
           <a:p>
             <a:r>
-              <a:rPr lang="en-US" sz="3600" dirty="0">
+              <a:rPr lang="en-US" sz="2800" dirty="0">
                 <a:latin typeface="Times New Roman" panose="02020603050405020304" pitchFamily="18" charset="0"/>
                 <a:cs typeface="Times New Roman" panose="02020603050405020304" pitchFamily="18" charset="0"/>
               </a:rPr>
@@ -5092,7 +4983,7 @@
           </a:p>
           <a:p>
             <a:r>
-              <a:rPr lang="en-US" sz="3600" dirty="0" smtClean="0">
+              <a:rPr lang="en-US" sz="2800" dirty="0">
                 <a:latin typeface="Times New Roman" panose="02020603050405020304" pitchFamily="18" charset="0"/>
                 <a:cs typeface="Times New Roman" panose="02020603050405020304" pitchFamily="18" charset="0"/>
               </a:rPr>
@@ -5101,7 +4992,7 @@
           </a:p>
           <a:p>
             <a:r>
-              <a:rPr lang="en-US" sz="3600" dirty="0">
+              <a:rPr lang="en-US" sz="2800" dirty="0">
                 <a:latin typeface="Times New Roman" panose="02020603050405020304" pitchFamily="18" charset="0"/>
                 <a:cs typeface="Times New Roman" panose="02020603050405020304" pitchFamily="18" charset="0"/>
               </a:rPr>
@@ -5110,13 +5001,13 @@
           </a:p>
           <a:p>
             <a:r>
-              <a:rPr lang="en-US" sz="3600" dirty="0">
+              <a:rPr lang="en-US" sz="2800" dirty="0">
                 <a:latin typeface="Times New Roman" panose="02020603050405020304" pitchFamily="18" charset="0"/>
                 <a:cs typeface="Times New Roman" panose="02020603050405020304" pitchFamily="18" charset="0"/>
               </a:rPr>
               <a:t>What mathematical relationships exist within the skewed-top corridors?</a:t>
             </a:r>
-            <a:endParaRPr lang="en-US" sz="3600" dirty="0">
+            <a:endParaRPr lang="en-US" sz="2800" dirty="0">
               <a:effectLst/>
               <a:latin typeface="Times New Roman" panose="02020603050405020304" pitchFamily="18" charset="0"/>
               <a:cs typeface="Times New Roman" panose="02020603050405020304" pitchFamily="18" charset="0"/>
@@ -5136,8 +5027,8 @@
         </p:nvSpPr>
         <p:spPr>
           <a:xfrm>
-            <a:off x="1103377" y="16335250"/>
-            <a:ext cx="19812002" cy="6924800"/>
+            <a:off x="832105" y="17096295"/>
+            <a:ext cx="10816480" cy="4778472"/>
           </a:xfrm>
         </p:spPr>
         <p:txBody>
@@ -5146,97 +5037,55 @@
           <a:p>
             <a:pPr algn="ctr"/>
             <a:r>
-              <a:rPr lang="en-US" sz="4800" dirty="0">
+              <a:rPr lang="en-US" b="1" dirty="0">
                 <a:latin typeface="Times New Roman" panose="02020603050405020304" pitchFamily="18" charset="0"/>
                 <a:cs typeface="Times New Roman" panose="02020603050405020304" pitchFamily="18" charset="0"/>
               </a:rPr>
               <a:t>Observations</a:t>
             </a:r>
-          </a:p>
-          <a:p>
-            <a:r>
-              <a:rPr lang="en-US" sz="4000" dirty="0">
-                <a:latin typeface="Times New Roman" panose="02020603050405020304" pitchFamily="18" charset="0"/>
-                <a:cs typeface="Times New Roman" panose="02020603050405020304" pitchFamily="18" charset="0"/>
-              </a:rPr>
-              <a:t>Fix the following parameters: </a:t>
-            </a:r>
-          </a:p>
-          <a:p>
-            <a:r>
-              <a:rPr lang="en-US" sz="4000" dirty="0">
-                <a:latin typeface="Times New Roman" panose="02020603050405020304" pitchFamily="18" charset="0"/>
-                <a:cs typeface="Times New Roman" panose="02020603050405020304" pitchFamily="18" charset="0"/>
-              </a:rPr>
-              <a:t>upper boundary line slope = ½</a:t>
-            </a:r>
-          </a:p>
-          <a:p>
-            <a:r>
-              <a:rPr lang="en-US" sz="4000" dirty="0">
-                <a:latin typeface="Times New Roman" panose="02020603050405020304" pitchFamily="18" charset="0"/>
-                <a:cs typeface="Times New Roman" panose="02020603050405020304" pitchFamily="18" charset="0"/>
-              </a:rPr>
-              <a:t>starting value = 1</a:t>
-            </a:r>
-          </a:p>
-          <a:p>
-            <a:r>
-              <a:rPr lang="en-US" sz="4000" dirty="0">
-                <a:latin typeface="Times New Roman" panose="02020603050405020304" pitchFamily="18" charset="0"/>
-                <a:cs typeface="Times New Roman" panose="02020603050405020304" pitchFamily="18" charset="0"/>
-              </a:rPr>
-              <a:t>starting position = (0,1)</a:t>
-            </a:r>
-          </a:p>
-          <a:p>
-            <a:r>
-              <a:rPr lang="en-US" sz="4000" dirty="0">
-                <a:latin typeface="Times New Roman" panose="02020603050405020304" pitchFamily="18" charset="0"/>
-                <a:cs typeface="Times New Roman" panose="02020603050405020304" pitchFamily="18" charset="0"/>
-              </a:rPr>
-              <a:t>Allow the gap parameter to vary.</a:t>
-            </a:r>
-          </a:p>
-          <a:p>
-            <a:r>
-              <a:rPr lang="en-US" sz="4000" dirty="0">
-                <a:latin typeface="Times New Roman" panose="02020603050405020304" pitchFamily="18" charset="0"/>
-                <a:cs typeface="Times New Roman" panose="02020603050405020304" pitchFamily="18" charset="0"/>
-              </a:rPr>
-              <a:t> </a:t>
-            </a:r>
-          </a:p>
-          <a:p>
-            <a:r>
-              <a:rPr lang="en-US" sz="4000" dirty="0">
+            <a:endParaRPr lang="en-US" sz="3600" b="1" dirty="0">
+              <a:latin typeface="Times New Roman" panose="02020603050405020304" pitchFamily="18" charset="0"/>
+              <a:cs typeface="Times New Roman" panose="02020603050405020304" pitchFamily="18" charset="0"/>
+            </a:endParaRPr>
+          </a:p>
+          <a:p>
+            <a:r>
+              <a:rPr lang="en-US" sz="3200" dirty="0">
                 <a:latin typeface="Times New Roman" panose="02020603050405020304" pitchFamily="18" charset="0"/>
                 <a:cs typeface="Times New Roman" panose="02020603050405020304" pitchFamily="18" charset="0"/>
               </a:rPr>
               <a:t>Arithmetic sequences of n</a:t>
             </a:r>
             <a:r>
-              <a:rPr lang="en-US" sz="4000" baseline="30000" dirty="0">
+              <a:rPr lang="en-US" sz="3200" baseline="30000" dirty="0">
                 <a:latin typeface="Times New Roman" panose="02020603050405020304" pitchFamily="18" charset="0"/>
                 <a:cs typeface="Times New Roman" panose="02020603050405020304" pitchFamily="18" charset="0"/>
               </a:rPr>
               <a:t>th </a:t>
             </a:r>
             <a:r>
-              <a:rPr lang="en-US" sz="4000" dirty="0">
+              <a:rPr lang="en-US" sz="3200" dirty="0">
                 <a:latin typeface="Times New Roman" panose="02020603050405020304" pitchFamily="18" charset="0"/>
                 <a:cs typeface="Times New Roman" panose="02020603050405020304" pitchFamily="18" charset="0"/>
               </a:rPr>
-              <a:t>degree lie within the corridors and contribute to each other in various ways</a:t>
-            </a:r>
-            <a:r>
-              <a:rPr lang="en-US" sz="4000" dirty="0" smtClean="0">
+              <a:t>degree lie within the corridors and contribute to each other in various ways.</a:t>
+            </a:r>
+          </a:p>
+          <a:p>
+            <a:endParaRPr lang="en-US" sz="3200" dirty="0">
+              <a:latin typeface="Times New Roman" panose="02020603050405020304" pitchFamily="18" charset="0"/>
+              <a:cs typeface="Times New Roman" panose="02020603050405020304" pitchFamily="18" charset="0"/>
+            </a:endParaRPr>
+          </a:p>
+          <a:p>
+            <a:r>
+              <a:rPr lang="en-US" sz="3200" dirty="0">
                 <a:latin typeface="Times New Roman" panose="02020603050405020304" pitchFamily="18" charset="0"/>
                 <a:cs typeface="Times New Roman" panose="02020603050405020304" pitchFamily="18" charset="0"/>
               </a:rPr>
-              <a:t>.</a:t>
-            </a:r>
-            <a:endParaRPr lang="en-US" sz="4000" dirty="0">
+              <a:t>When generating the corridors, we fix some of the initial parameters in the corridors. Below are some of the corridor structures generated with various fixed parameters.</a:t>
+            </a:r>
+            <a:endParaRPr lang="en-US" sz="3600" dirty="0">
               <a:latin typeface="Times New Roman" panose="02020603050405020304" pitchFamily="18" charset="0"/>
               <a:cs typeface="Times New Roman" panose="02020603050405020304" pitchFamily="18" charset="0"/>
             </a:endParaRPr>
@@ -5255,8 +5104,8 @@
         </p:nvSpPr>
         <p:spPr>
           <a:xfrm>
-            <a:off x="21662135" y="6063528"/>
-            <a:ext cx="21352765" cy="11605040"/>
+            <a:off x="31445200" y="5817321"/>
+            <a:ext cx="11531753" cy="16057446"/>
           </a:xfrm>
         </p:spPr>
         <p:txBody>
@@ -5265,24 +5114,24 @@
           <a:p>
             <a:pPr algn="ctr"/>
             <a:r>
-              <a:rPr lang="en-US" sz="4800" dirty="0" smtClean="0">
+              <a:rPr lang="en-US" b="1" dirty="0">
                 <a:latin typeface="Times New Roman" panose="02020603050405020304" pitchFamily="18" charset="0"/>
                 <a:cs typeface="Times New Roman" panose="02020603050405020304" pitchFamily="18" charset="0"/>
               </a:rPr>
               <a:t>Methodology</a:t>
             </a:r>
-            <a:endParaRPr lang="en-US" sz="3200" dirty="0" smtClean="0">
+            <a:endParaRPr lang="en-US" sz="2800" b="1" dirty="0">
               <a:latin typeface="Times New Roman" panose="02020603050405020304" pitchFamily="18" charset="0"/>
               <a:cs typeface="Times New Roman" panose="02020603050405020304" pitchFamily="18" charset="0"/>
             </a:endParaRPr>
           </a:p>
           <a:p>
             <a:r>
-              <a:rPr lang="en-US" sz="4000" dirty="0" smtClean="0">
+              <a:rPr lang="en-US" sz="2800" dirty="0">
                 <a:latin typeface="Times New Roman" panose="02020603050405020304" pitchFamily="18" charset="0"/>
                 <a:cs typeface="Times New Roman" panose="02020603050405020304" pitchFamily="18" charset="0"/>
               </a:rPr>
-              <a:t>We wrote programs in Java and Python to generate and analyze the skewed-top corridor dataset.</a:t>
+              <a:t>We wrote programs in Java and Python to generate and analyze the skewed-top corridor dataset. The following is pseudocode explaining how our programs work.</a:t>
             </a:r>
           </a:p>
           <a:p>
@@ -5293,7 +5142,7 @@
             </a:endParaRPr>
           </a:p>
           <a:p>
-            <a:endParaRPr lang="en-US" sz="4000" dirty="0" smtClean="0">
+            <a:endParaRPr lang="en-US" sz="4000" dirty="0">
               <a:latin typeface="Times New Roman" panose="02020603050405020304" pitchFamily="18" charset="0"/>
               <a:cs typeface="Times New Roman" panose="02020603050405020304" pitchFamily="18" charset="0"/>
             </a:endParaRPr>
@@ -5306,13 +5155,13 @@
             </a:endParaRPr>
           </a:p>
           <a:p>
-            <a:endParaRPr lang="en-US" sz="4000" dirty="0" smtClean="0">
+            <a:endParaRPr lang="en-US" sz="4000" dirty="0">
               <a:latin typeface="Times New Roman" panose="02020603050405020304" pitchFamily="18" charset="0"/>
               <a:cs typeface="Times New Roman" panose="02020603050405020304" pitchFamily="18" charset="0"/>
             </a:endParaRPr>
           </a:p>
           <a:p>
-            <a:endParaRPr lang="en-US" sz="4000" dirty="0" smtClean="0">
+            <a:endParaRPr lang="en-US" sz="4000" dirty="0">
               <a:effectLst/>
               <a:latin typeface="Times New Roman" panose="02020603050405020304" pitchFamily="18" charset="0"/>
               <a:cs typeface="Times New Roman" panose="02020603050405020304" pitchFamily="18" charset="0"/>
@@ -5325,7 +5174,7 @@
             </a:endParaRPr>
           </a:p>
           <a:p>
-            <a:endParaRPr lang="en-US" sz="4000" dirty="0" smtClean="0">
+            <a:endParaRPr lang="en-US" sz="4000" dirty="0">
               <a:effectLst/>
               <a:latin typeface="Times New Roman" panose="02020603050405020304" pitchFamily="18" charset="0"/>
               <a:cs typeface="Times New Roman" panose="02020603050405020304" pitchFamily="18" charset="0"/>
@@ -5338,7 +5187,7 @@
             </a:endParaRPr>
           </a:p>
           <a:p>
-            <a:endParaRPr lang="en-US" sz="4000" dirty="0" smtClean="0">
+            <a:endParaRPr lang="en-US" sz="4000" dirty="0">
               <a:effectLst/>
               <a:latin typeface="Times New Roman" panose="02020603050405020304" pitchFamily="18" charset="0"/>
               <a:cs typeface="Times New Roman" panose="02020603050405020304" pitchFamily="18" charset="0"/>
@@ -5351,7 +5200,40 @@
             </a:endParaRPr>
           </a:p>
           <a:p>
-            <a:endParaRPr lang="en-US" sz="4000" dirty="0" smtClean="0">
+            <a:endParaRPr lang="en-US" sz="4000" dirty="0">
+              <a:effectLst/>
+              <a:latin typeface="Times New Roman" panose="02020603050405020304" pitchFamily="18" charset="0"/>
+              <a:cs typeface="Times New Roman" panose="02020603050405020304" pitchFamily="18" charset="0"/>
+            </a:endParaRPr>
+          </a:p>
+          <a:p>
+            <a:endParaRPr lang="en-US" sz="4000" dirty="0">
+              <a:latin typeface="Times New Roman" panose="02020603050405020304" pitchFamily="18" charset="0"/>
+              <a:cs typeface="Times New Roman" panose="02020603050405020304" pitchFamily="18" charset="0"/>
+            </a:endParaRPr>
+          </a:p>
+          <a:p>
+            <a:endParaRPr lang="en-US" sz="4000" dirty="0">
+              <a:effectLst/>
+              <a:latin typeface="Times New Roman" panose="02020603050405020304" pitchFamily="18" charset="0"/>
+              <a:cs typeface="Times New Roman" panose="02020603050405020304" pitchFamily="18" charset="0"/>
+            </a:endParaRPr>
+          </a:p>
+          <a:p>
+            <a:endParaRPr lang="en-US" sz="4000" dirty="0">
+              <a:latin typeface="Times New Roman" panose="02020603050405020304" pitchFamily="18" charset="0"/>
+              <a:cs typeface="Times New Roman" panose="02020603050405020304" pitchFamily="18" charset="0"/>
+            </a:endParaRPr>
+          </a:p>
+          <a:p>
+            <a:endParaRPr lang="en-US" sz="4000" dirty="0">
+              <a:effectLst/>
+              <a:latin typeface="Times New Roman" panose="02020603050405020304" pitchFamily="18" charset="0"/>
+              <a:cs typeface="Times New Roman" panose="02020603050405020304" pitchFamily="18" charset="0"/>
+            </a:endParaRPr>
+          </a:p>
+          <a:p>
+            <a:endParaRPr lang="en-US" sz="4000" dirty="0">
               <a:effectLst/>
               <a:latin typeface="Times New Roman" panose="02020603050405020304" pitchFamily="18" charset="0"/>
               <a:cs typeface="Times New Roman" panose="02020603050405020304" pitchFamily="18" charset="0"/>
@@ -5385,8 +5267,8 @@
         </p:nvSpPr>
         <p:spPr>
           <a:xfrm>
-            <a:off x="21662134" y="18360528"/>
-            <a:ext cx="21352765" cy="8271540"/>
+            <a:off x="31445200" y="24284833"/>
+            <a:ext cx="11569699" cy="8251766"/>
           </a:xfrm>
         </p:spPr>
         <p:txBody>
@@ -5395,682 +5277,121 @@
           <a:p>
             <a:pPr algn="ctr"/>
             <a:r>
-              <a:rPr lang="en-US" sz="5400" dirty="0">
+              <a:rPr lang="en-US" b="1" dirty="0">
                 <a:latin typeface="Times New Roman" panose="02020603050405020304" pitchFamily="18" charset="0"/>
                 <a:cs typeface="Times New Roman" panose="02020603050405020304" pitchFamily="18" charset="0"/>
               </a:rPr>
               <a:t>Discussions and Conclusions</a:t>
             </a:r>
-            <a:endParaRPr lang="en-US" sz="4800" dirty="0">
+            <a:endParaRPr lang="en-US" sz="4000" b="1" dirty="0">
               <a:latin typeface="Times New Roman" panose="02020603050405020304" pitchFamily="18" charset="0"/>
               <a:cs typeface="Times New Roman" panose="02020603050405020304" pitchFamily="18" charset="0"/>
             </a:endParaRPr>
           </a:p>
           <a:p>
             <a:r>
-              <a:rPr lang="en-US" sz="3200" dirty="0">
+              <a:rPr lang="en-US" sz="2800" dirty="0">
                 <a:latin typeface="Times New Roman" panose="02020603050405020304" pitchFamily="18" charset="0"/>
                 <a:cs typeface="Times New Roman" panose="02020603050405020304" pitchFamily="18" charset="0"/>
               </a:rPr>
               <a:t>We’ve concluded that … </a:t>
             </a:r>
+            <a:endParaRPr lang="en-US" sz="2400" dirty="0">
+              <a:latin typeface="Times New Roman" panose="02020603050405020304" pitchFamily="18" charset="0"/>
+              <a:cs typeface="Times New Roman" panose="02020603050405020304" pitchFamily="18" charset="0"/>
+            </a:endParaRPr>
+          </a:p>
+          <a:p>
+            <a:r>
+              <a:rPr lang="en-US" sz="2800" dirty="0">
+                <a:latin typeface="Times New Roman" panose="02020603050405020304" pitchFamily="18" charset="0"/>
+                <a:cs typeface="Times New Roman" panose="02020603050405020304" pitchFamily="18" charset="0"/>
+              </a:rPr>
+              <a:t> </a:t>
+            </a:r>
+            <a:endParaRPr lang="en-US" sz="2400" dirty="0">
+              <a:latin typeface="Times New Roman" panose="02020603050405020304" pitchFamily="18" charset="0"/>
+              <a:cs typeface="Times New Roman" panose="02020603050405020304" pitchFamily="18" charset="0"/>
+            </a:endParaRPr>
+          </a:p>
+          <a:p>
+            <a:r>
+              <a:rPr lang="en-US" sz="2800" dirty="0">
+                <a:latin typeface="Times New Roman" panose="02020603050405020304" pitchFamily="18" charset="0"/>
+                <a:cs typeface="Times New Roman" panose="02020603050405020304" pitchFamily="18" charset="0"/>
+              </a:rPr>
+              <a:t> </a:t>
+            </a:r>
+          </a:p>
+          <a:p>
             <a:endParaRPr lang="en-US" sz="2800" dirty="0">
               <a:latin typeface="Times New Roman" panose="02020603050405020304" pitchFamily="18" charset="0"/>
               <a:cs typeface="Times New Roman" panose="02020603050405020304" pitchFamily="18" charset="0"/>
             </a:endParaRPr>
           </a:p>
           <a:p>
-            <a:r>
-              <a:rPr lang="en-US" sz="3200" dirty="0">
+            <a:endParaRPr lang="en-US" sz="2400" dirty="0">
+              <a:latin typeface="Times New Roman" panose="02020603050405020304" pitchFamily="18" charset="0"/>
+              <a:cs typeface="Times New Roman" panose="02020603050405020304" pitchFamily="18" charset="0"/>
+            </a:endParaRPr>
+          </a:p>
+          <a:p>
+            <a:r>
+              <a:rPr lang="en-US" sz="2800" dirty="0">
                 <a:latin typeface="Times New Roman" panose="02020603050405020304" pitchFamily="18" charset="0"/>
                 <a:cs typeface="Times New Roman" panose="02020603050405020304" pitchFamily="18" charset="0"/>
               </a:rPr>
               <a:t> </a:t>
             </a:r>
-            <a:endParaRPr lang="en-US" sz="2800" dirty="0">
+            <a:endParaRPr lang="en-US" sz="2400" dirty="0">
               <a:latin typeface="Times New Roman" panose="02020603050405020304" pitchFamily="18" charset="0"/>
               <a:cs typeface="Times New Roman" panose="02020603050405020304" pitchFamily="18" charset="0"/>
             </a:endParaRPr>
           </a:p>
           <a:p>
             <a:r>
-              <a:rPr lang="en-US" sz="3200" dirty="0">
+              <a:rPr lang="en-US" sz="2800" dirty="0">
                 <a:latin typeface="Times New Roman" panose="02020603050405020304" pitchFamily="18" charset="0"/>
                 <a:cs typeface="Times New Roman" panose="02020603050405020304" pitchFamily="18" charset="0"/>
               </a:rPr>
               <a:t> </a:t>
             </a:r>
-            <a:endParaRPr lang="en-US" sz="2800" dirty="0">
+            <a:endParaRPr lang="en-US" sz="2400" dirty="0">
               <a:latin typeface="Times New Roman" panose="02020603050405020304" pitchFamily="18" charset="0"/>
               <a:cs typeface="Times New Roman" panose="02020603050405020304" pitchFamily="18" charset="0"/>
             </a:endParaRPr>
           </a:p>
           <a:p>
             <a:r>
-              <a:rPr lang="en-US" sz="3200" dirty="0">
-                <a:latin typeface="Times New Roman" panose="02020603050405020304" pitchFamily="18" charset="0"/>
-                <a:cs typeface="Times New Roman" panose="02020603050405020304" pitchFamily="18" charset="0"/>
-              </a:rPr>
-              <a:t> </a:t>
-            </a:r>
-            <a:endParaRPr lang="en-US" sz="2800" dirty="0">
-              <a:latin typeface="Times New Roman" panose="02020603050405020304" pitchFamily="18" charset="0"/>
-              <a:cs typeface="Times New Roman" panose="02020603050405020304" pitchFamily="18" charset="0"/>
-            </a:endParaRPr>
-          </a:p>
-          <a:p>
-            <a:r>
-              <a:rPr lang="en-US" sz="3200" dirty="0">
-                <a:latin typeface="Times New Roman" panose="02020603050405020304" pitchFamily="18" charset="0"/>
-                <a:cs typeface="Times New Roman" panose="02020603050405020304" pitchFamily="18" charset="0"/>
-              </a:rPr>
-              <a:t> </a:t>
-            </a:r>
-            <a:endParaRPr lang="en-US" sz="2800" dirty="0">
-              <a:latin typeface="Times New Roman" panose="02020603050405020304" pitchFamily="18" charset="0"/>
-              <a:cs typeface="Times New Roman" panose="02020603050405020304" pitchFamily="18" charset="0"/>
-            </a:endParaRPr>
-          </a:p>
-          <a:p>
-            <a:r>
-              <a:rPr lang="en-US" sz="3200" dirty="0">
+              <a:rPr lang="en-US" sz="2800" dirty="0">
                 <a:latin typeface="Times New Roman" panose="02020603050405020304" pitchFamily="18" charset="0"/>
                 <a:cs typeface="Times New Roman" panose="02020603050405020304" pitchFamily="18" charset="0"/>
               </a:rPr>
               <a:t>We hope to carry the results that we’ve found by fixing three of the four corridor parameters into corridors with several varying parameters.</a:t>
             </a:r>
             <a:br>
-              <a:rPr lang="en-US" sz="3200" dirty="0">
+              <a:rPr lang="en-US" sz="2800" dirty="0">
                 <a:latin typeface="Times New Roman" panose="02020603050405020304" pitchFamily="18" charset="0"/>
                 <a:cs typeface="Times New Roman" panose="02020603050405020304" pitchFamily="18" charset="0"/>
               </a:rPr>
             </a:br>
-            <a:endParaRPr lang="en-US" sz="2800" dirty="0">
+            <a:endParaRPr lang="en-US" sz="2400" dirty="0">
               <a:latin typeface="Times New Roman" panose="02020603050405020304" pitchFamily="18" charset="0"/>
               <a:cs typeface="Times New Roman" panose="02020603050405020304" pitchFamily="18" charset="0"/>
             </a:endParaRPr>
           </a:p>
           <a:p>
             <a:r>
-              <a:rPr lang="en-US" sz="3200" dirty="0">
+              <a:rPr lang="en-US" sz="2800" dirty="0">
                 <a:latin typeface="Times New Roman" panose="02020603050405020304" pitchFamily="18" charset="0"/>
                 <a:cs typeface="Times New Roman" panose="02020603050405020304" pitchFamily="18" charset="0"/>
               </a:rPr>
-              <a:t>The integer sequences that we’ve noticed are compelling and are not listed in the OEIS. We will further investigate the skewed-top corridor sequences and the </a:t>
-            </a:r>
-            <a:r>
-              <a:rPr lang="en-US" sz="3200" dirty="0" smtClean="0">
-                <a:latin typeface="Times New Roman" panose="02020603050405020304" pitchFamily="18" charset="0"/>
-                <a:cs typeface="Times New Roman" panose="02020603050405020304" pitchFamily="18" charset="0"/>
-              </a:rPr>
-              <a:t>information </a:t>
-            </a:r>
-            <a:r>
-              <a:rPr lang="en-US" sz="3200" dirty="0">
-                <a:latin typeface="Times New Roman" panose="02020603050405020304" pitchFamily="18" charset="0"/>
-                <a:cs typeface="Times New Roman" panose="02020603050405020304" pitchFamily="18" charset="0"/>
-              </a:rPr>
-              <a:t>that they encode.</a:t>
-            </a:r>
-            <a:endParaRPr lang="en-US" sz="2800" dirty="0">
+              <a:t>The integer sequences that we’ve noticed are compelling and are not listed in the OEIS. We will further investigate the skewed-top corridor sequences and the information that they encode.</a:t>
+            </a:r>
+            <a:endParaRPr lang="en-US" sz="2400" dirty="0">
               <a:effectLst/>
               <a:latin typeface="Times New Roman" panose="02020603050405020304" pitchFamily="18" charset="0"/>
               <a:cs typeface="Times New Roman" panose="02020603050405020304" pitchFamily="18" charset="0"/>
-            </a:endParaRPr>
-          </a:p>
-        </p:txBody>
-      </p:sp>
-      <p:sp>
-        <p:nvSpPr>
-          <p:cNvPr id="50" name="Text Box 6"/>
-          <p:cNvSpPr txBox="1">
-            <a:spLocks noChangeArrowheads="1"/>
-          </p:cNvSpPr>
-          <p:nvPr/>
-        </p:nvSpPr>
-        <p:spPr bwMode="auto">
-          <a:xfrm>
-            <a:off x="22288182" y="8343308"/>
-            <a:ext cx="7592050" cy="8971298"/>
-          </a:xfrm>
-          <a:prstGeom prst="rect">
-            <a:avLst/>
-          </a:prstGeom>
-          <a:solidFill>
-            <a:srgbClr val="FFFFFF"/>
-          </a:solidFill>
-          <a:ln w="34925">
-            <a:solidFill>
-              <a:schemeClr val="accent1"/>
-            </a:solidFill>
-            <a:miter lim="800000"/>
-            <a:headEnd/>
-            <a:tailEnd/>
-          </a:ln>
-        </p:spPr>
-        <p:txBody>
-          <a:bodyPr rot="0" vert="horz" wrap="square" lIns="91440" tIns="45720" rIns="91440" bIns="45720" anchor="t" anchorCtr="0">
-            <a:noAutofit/>
-          </a:bodyPr>
-          <a:lstStyle/>
-          <a:p>
-            <a:r>
-              <a:rPr lang="en-US" sz="1600" dirty="0" err="1">
-                <a:effectLst/>
-                <a:latin typeface="Courier New" panose="02070309020205020404" pitchFamily="49" charset="0"/>
-              </a:rPr>
-              <a:t>var</a:t>
-            </a:r>
-            <a:r>
-              <a:rPr lang="en-US" sz="1600" dirty="0">
-                <a:effectLst/>
-                <a:latin typeface="Courier New" panose="02070309020205020404" pitchFamily="49" charset="0"/>
-              </a:rPr>
-              <a:t>('g, s, D')</a:t>
-            </a:r>
-            <a:endParaRPr lang="en-US" sz="41300" dirty="0">
-              <a:effectLst/>
-            </a:endParaRPr>
-          </a:p>
-          <a:p>
-            <a:r>
-              <a:rPr lang="en-US" sz="1600" dirty="0">
-                <a:effectLst/>
-                <a:latin typeface="Courier New" panose="02070309020205020404" pitchFamily="49" charset="0"/>
-              </a:rPr>
-              <a:t> </a:t>
-            </a:r>
-            <a:endParaRPr lang="en-US" sz="41300" dirty="0">
-              <a:effectLst/>
-            </a:endParaRPr>
-          </a:p>
-          <a:p>
-            <a:r>
-              <a:rPr lang="en-US" sz="1600" dirty="0" err="1">
-                <a:effectLst/>
-                <a:latin typeface="Courier New" panose="02070309020205020404" pitchFamily="49" charset="0"/>
-              </a:rPr>
-              <a:t>def</a:t>
-            </a:r>
-            <a:r>
-              <a:rPr lang="en-US" sz="1600" dirty="0">
-                <a:effectLst/>
-                <a:latin typeface="Courier New" panose="02070309020205020404" pitchFamily="49" charset="0"/>
-              </a:rPr>
-              <a:t> </a:t>
-            </a:r>
-            <a:r>
-              <a:rPr lang="en-US" sz="1600" dirty="0" err="1">
-                <a:effectLst/>
-                <a:latin typeface="Courier New" panose="02070309020205020404" pitchFamily="49" charset="0"/>
-              </a:rPr>
-              <a:t>start_diag</a:t>
-            </a:r>
-            <a:r>
-              <a:rPr lang="en-US" sz="1600" dirty="0">
-                <a:effectLst/>
-                <a:latin typeface="Courier New" panose="02070309020205020404" pitchFamily="49" charset="0"/>
-              </a:rPr>
-              <a:t>(g, s, D):</a:t>
-            </a:r>
-            <a:endParaRPr lang="en-US" sz="41300" dirty="0">
-              <a:effectLst/>
-            </a:endParaRPr>
-          </a:p>
-          <a:p>
-            <a:r>
-              <a:rPr lang="en-US" sz="1600" dirty="0">
-                <a:effectLst/>
-                <a:latin typeface="Courier New" panose="02070309020205020404" pitchFamily="49" charset="0"/>
-              </a:rPr>
-              <a:t>    y0 = 1 - 2*D</a:t>
-            </a:r>
-            <a:endParaRPr lang="en-US" sz="41300" dirty="0">
-              <a:effectLst/>
-            </a:endParaRPr>
-          </a:p>
-          <a:p>
-            <a:r>
-              <a:rPr lang="en-US" sz="1600" dirty="0">
-                <a:effectLst/>
-                <a:latin typeface="Courier New" panose="02070309020205020404" pitchFamily="49" charset="0"/>
-              </a:rPr>
-              <a:t>    L0 = 2*g + D</a:t>
-            </a:r>
-            <a:endParaRPr lang="en-US" sz="41300" dirty="0">
-              <a:effectLst/>
-            </a:endParaRPr>
-          </a:p>
-          <a:p>
-            <a:r>
-              <a:rPr lang="en-US" sz="1600" dirty="0">
-                <a:effectLst/>
-                <a:latin typeface="Courier New" panose="02070309020205020404" pitchFamily="49" charset="0"/>
-              </a:rPr>
-              <a:t>    if s == 0:</a:t>
-            </a:r>
-            <a:endParaRPr lang="en-US" sz="41300" dirty="0">
-              <a:effectLst/>
-            </a:endParaRPr>
-          </a:p>
-          <a:p>
-            <a:r>
-              <a:rPr lang="en-US" sz="1600" dirty="0">
-                <a:effectLst/>
-                <a:latin typeface="Courier New" panose="02070309020205020404" pitchFamily="49" charset="0"/>
-              </a:rPr>
-              <a:t>        x = 0</a:t>
-            </a:r>
-            <a:endParaRPr lang="en-US" sz="41300" dirty="0">
-              <a:effectLst/>
-            </a:endParaRPr>
-          </a:p>
-          <a:p>
-            <a:r>
-              <a:rPr lang="en-US" sz="1600" dirty="0">
-                <a:effectLst/>
-                <a:latin typeface="Courier New" panose="02070309020205020404" pitchFamily="49" charset="0"/>
-              </a:rPr>
-              <a:t>        y = y0</a:t>
-            </a:r>
-            <a:endParaRPr lang="en-US" sz="41300" dirty="0">
-              <a:effectLst/>
-            </a:endParaRPr>
-          </a:p>
-          <a:p>
-            <a:r>
-              <a:rPr lang="en-US" sz="1600" dirty="0">
-                <a:effectLst/>
-                <a:latin typeface="Courier New" panose="02070309020205020404" pitchFamily="49" charset="0"/>
-              </a:rPr>
-              <a:t>    </a:t>
-            </a:r>
-            <a:r>
-              <a:rPr lang="en-US" sz="1600" dirty="0" err="1">
-                <a:effectLst/>
-                <a:latin typeface="Courier New" panose="02070309020205020404" pitchFamily="49" charset="0"/>
-              </a:rPr>
-              <a:t>elif</a:t>
-            </a:r>
-            <a:r>
-              <a:rPr lang="en-US" sz="1600" dirty="0">
-                <a:effectLst/>
-                <a:latin typeface="Courier New" panose="02070309020205020404" pitchFamily="49" charset="0"/>
-              </a:rPr>
-              <a:t> s &gt; 0:</a:t>
-            </a:r>
-            <a:endParaRPr lang="en-US" sz="41300" dirty="0">
-              <a:effectLst/>
-            </a:endParaRPr>
-          </a:p>
-          <a:p>
-            <a:r>
-              <a:rPr lang="en-US" sz="1600" dirty="0">
-                <a:effectLst/>
-                <a:latin typeface="Courier New" panose="02070309020205020404" pitchFamily="49" charset="0"/>
-              </a:rPr>
-              <a:t>        x = 2*g</a:t>
-            </a:r>
-            <a:endParaRPr lang="en-US" sz="41300" dirty="0">
-              <a:effectLst/>
-            </a:endParaRPr>
-          </a:p>
-          <a:p>
-            <a:r>
-              <a:rPr lang="en-US" sz="1600" dirty="0">
-                <a:effectLst/>
-                <a:latin typeface="Courier New" panose="02070309020205020404" pitchFamily="49" charset="0"/>
-              </a:rPr>
-              <a:t>        y = 2*g - 2*D - 1</a:t>
-            </a:r>
-            <a:endParaRPr lang="en-US" sz="41300" dirty="0">
-              <a:effectLst/>
-            </a:endParaRPr>
-          </a:p>
-          <a:p>
-            <a:r>
-              <a:rPr lang="en-US" sz="1600" dirty="0">
-                <a:effectLst/>
-                <a:latin typeface="Courier New" panose="02070309020205020404" pitchFamily="49" charset="0"/>
-              </a:rPr>
-              <a:t>    else:</a:t>
-            </a:r>
-            <a:endParaRPr lang="en-US" sz="41300" dirty="0">
-              <a:effectLst/>
-            </a:endParaRPr>
-          </a:p>
-          <a:p>
-            <a:r>
-              <a:rPr lang="en-US" sz="1600" dirty="0">
-                <a:effectLst/>
-                <a:latin typeface="Courier New" panose="02070309020205020404" pitchFamily="49" charset="0"/>
-              </a:rPr>
-              <a:t>        print("Error")</a:t>
-            </a:r>
-            <a:endParaRPr lang="en-US" sz="41300" dirty="0">
-              <a:effectLst/>
-            </a:endParaRPr>
-          </a:p>
-          <a:p>
-            <a:r>
-              <a:rPr lang="en-US" sz="1600" dirty="0">
-                <a:effectLst/>
-                <a:latin typeface="Courier New" panose="02070309020205020404" pitchFamily="49" charset="0"/>
-              </a:rPr>
-              <a:t>        return</a:t>
-            </a:r>
-            <a:endParaRPr lang="en-US" sz="41300" dirty="0">
-              <a:effectLst/>
-            </a:endParaRPr>
-          </a:p>
-          <a:p>
-            <a:r>
-              <a:rPr lang="en-US" sz="1600" dirty="0">
-                <a:effectLst/>
-                <a:latin typeface="Courier New" panose="02070309020205020404" pitchFamily="49" charset="0"/>
-              </a:rPr>
-              <a:t>    return (x, y)</a:t>
-            </a:r>
-            <a:endParaRPr lang="en-US" sz="41300" dirty="0">
-              <a:effectLst/>
-            </a:endParaRPr>
-          </a:p>
-          <a:p>
-            <a:r>
-              <a:rPr lang="en-US" sz="1600" dirty="0">
-                <a:effectLst/>
-                <a:latin typeface="Courier New" panose="02070309020205020404" pitchFamily="49" charset="0"/>
-              </a:rPr>
-              <a:t> </a:t>
-            </a:r>
-            <a:endParaRPr lang="en-US" sz="41300" dirty="0">
-              <a:effectLst/>
-            </a:endParaRPr>
-          </a:p>
-          <a:p>
-            <a:r>
-              <a:rPr lang="en-US" sz="1600" dirty="0" err="1">
-                <a:effectLst/>
-                <a:latin typeface="Courier New" panose="02070309020205020404" pitchFamily="49" charset="0"/>
-              </a:rPr>
-              <a:t>def</a:t>
-            </a:r>
-            <a:r>
-              <a:rPr lang="en-US" sz="1600" dirty="0">
-                <a:effectLst/>
-                <a:latin typeface="Courier New" panose="02070309020205020404" pitchFamily="49" charset="0"/>
-              </a:rPr>
-              <a:t> </a:t>
-            </a:r>
-            <a:r>
-              <a:rPr lang="en-US" sz="1600" dirty="0" err="1">
-                <a:effectLst/>
-                <a:latin typeface="Courier New" panose="02070309020205020404" pitchFamily="49" charset="0"/>
-              </a:rPr>
-              <a:t>end_diag</a:t>
-            </a:r>
-            <a:r>
-              <a:rPr lang="en-US" sz="1600" dirty="0">
-                <a:effectLst/>
-                <a:latin typeface="Courier New" panose="02070309020205020404" pitchFamily="49" charset="0"/>
-              </a:rPr>
-              <a:t>(g, s, D):</a:t>
-            </a:r>
-            <a:endParaRPr lang="en-US" sz="41300" dirty="0">
-              <a:effectLst/>
-            </a:endParaRPr>
-          </a:p>
-          <a:p>
-            <a:r>
-              <a:rPr lang="en-US" sz="1600" dirty="0">
-                <a:effectLst/>
-                <a:latin typeface="Courier New" panose="02070309020205020404" pitchFamily="49" charset="0"/>
-              </a:rPr>
-              <a:t>    y0 = 1 - 2*D</a:t>
-            </a:r>
-            <a:endParaRPr lang="en-US" sz="41300" dirty="0">
-              <a:effectLst/>
-            </a:endParaRPr>
-          </a:p>
-          <a:p>
-            <a:r>
-              <a:rPr lang="en-US" sz="1600" dirty="0">
-                <a:effectLst/>
-                <a:latin typeface="Courier New" panose="02070309020205020404" pitchFamily="49" charset="0"/>
-              </a:rPr>
-              <a:t>    L0 = 2*g + D</a:t>
-            </a:r>
-            <a:endParaRPr lang="en-US" sz="41300" dirty="0">
-              <a:effectLst/>
-            </a:endParaRPr>
-          </a:p>
-          <a:p>
-            <a:r>
-              <a:rPr lang="en-US" sz="1600" dirty="0">
-                <a:effectLst/>
-                <a:latin typeface="Courier New" panose="02070309020205020404" pitchFamily="49" charset="0"/>
-              </a:rPr>
-              <a:t>    if s == 0:</a:t>
-            </a:r>
-            <a:endParaRPr lang="en-US" sz="41300" dirty="0">
-              <a:effectLst/>
-            </a:endParaRPr>
-          </a:p>
-          <a:p>
-            <a:r>
-              <a:rPr lang="en-US" sz="1600" dirty="0">
-                <a:effectLst/>
-                <a:latin typeface="Courier New" panose="02070309020205020404" pitchFamily="49" charset="0"/>
-              </a:rPr>
-              <a:t>        x = L0 - 1</a:t>
-            </a:r>
-            <a:endParaRPr lang="en-US" sz="41300" dirty="0">
-              <a:effectLst/>
-            </a:endParaRPr>
-          </a:p>
-          <a:p>
-            <a:r>
-              <a:rPr lang="en-US" sz="1600" dirty="0">
-                <a:effectLst/>
-                <a:latin typeface="Courier New" panose="02070309020205020404" pitchFamily="49" charset="0"/>
-              </a:rPr>
-              <a:t>        y = y0 + L0 - 1</a:t>
-            </a:r>
-            <a:endParaRPr lang="en-US" sz="41300" dirty="0">
-              <a:effectLst/>
-            </a:endParaRPr>
-          </a:p>
-          <a:p>
-            <a:r>
-              <a:rPr lang="en-US" sz="1600" dirty="0">
-                <a:effectLst/>
-                <a:latin typeface="Courier New" panose="02070309020205020404" pitchFamily="49" charset="0"/>
-              </a:rPr>
-              <a:t>    </a:t>
-            </a:r>
-            <a:r>
-              <a:rPr lang="en-US" sz="1600" dirty="0" err="1">
-                <a:effectLst/>
-                <a:latin typeface="Courier New" panose="02070309020205020404" pitchFamily="49" charset="0"/>
-              </a:rPr>
-              <a:t>elif</a:t>
-            </a:r>
-            <a:r>
-              <a:rPr lang="en-US" sz="1600" dirty="0">
-                <a:effectLst/>
-                <a:latin typeface="Courier New" panose="02070309020205020404" pitchFamily="49" charset="0"/>
-              </a:rPr>
-              <a:t> s &gt; 0:</a:t>
-            </a:r>
-            <a:endParaRPr lang="en-US" sz="41300" dirty="0">
-              <a:effectLst/>
-            </a:endParaRPr>
-          </a:p>
-          <a:p>
-            <a:r>
-              <a:rPr lang="en-US" sz="1600" dirty="0">
-                <a:effectLst/>
-                <a:latin typeface="Courier New" panose="02070309020205020404" pitchFamily="49" charset="0"/>
-              </a:rPr>
-              <a:t>        x = 2*g + D + 3</a:t>
-            </a:r>
-            <a:endParaRPr lang="en-US" sz="41300" dirty="0">
-              <a:effectLst/>
-            </a:endParaRPr>
-          </a:p>
-          <a:p>
-            <a:r>
-              <a:rPr lang="en-US" sz="1600" dirty="0">
-                <a:effectLst/>
-                <a:latin typeface="Courier New" panose="02070309020205020404" pitchFamily="49" charset="0"/>
-              </a:rPr>
-              <a:t>        y = 2*g - D + 2</a:t>
-            </a:r>
-            <a:endParaRPr lang="en-US" sz="41300" dirty="0">
-              <a:effectLst/>
-            </a:endParaRPr>
-          </a:p>
-          <a:p>
-            <a:r>
-              <a:rPr lang="en-US" sz="1600" dirty="0">
-                <a:effectLst/>
-                <a:latin typeface="Courier New" panose="02070309020205020404" pitchFamily="49" charset="0"/>
-              </a:rPr>
-              <a:t>    else:</a:t>
-            </a:r>
-            <a:endParaRPr lang="en-US" sz="41300" dirty="0">
-              <a:effectLst/>
-            </a:endParaRPr>
-          </a:p>
-          <a:p>
-            <a:r>
-              <a:rPr lang="en-US" sz="1600" dirty="0">
-                <a:effectLst/>
-                <a:latin typeface="Courier New" panose="02070309020205020404" pitchFamily="49" charset="0"/>
-              </a:rPr>
-              <a:t>        print("Error")</a:t>
-            </a:r>
-            <a:endParaRPr lang="en-US" sz="41300" dirty="0">
-              <a:effectLst/>
-            </a:endParaRPr>
-          </a:p>
-          <a:p>
-            <a:r>
-              <a:rPr lang="en-US" sz="1600" dirty="0">
-                <a:effectLst/>
-                <a:latin typeface="Courier New" panose="02070309020205020404" pitchFamily="49" charset="0"/>
-              </a:rPr>
-              <a:t>        return</a:t>
-            </a:r>
-            <a:endParaRPr lang="en-US" sz="41300" dirty="0">
-              <a:effectLst/>
-            </a:endParaRPr>
-          </a:p>
-          <a:p>
-            <a:r>
-              <a:rPr lang="en-US" sz="1600" dirty="0">
-                <a:effectLst/>
-                <a:latin typeface="Courier New" panose="02070309020205020404" pitchFamily="49" charset="0"/>
-              </a:rPr>
-              <a:t>    return (x, y)</a:t>
-            </a:r>
-            <a:endParaRPr lang="en-US" sz="41300" dirty="0">
-              <a:effectLst/>
-            </a:endParaRPr>
-          </a:p>
-          <a:p>
-            <a:r>
-              <a:rPr lang="en-US" sz="1600" dirty="0">
-                <a:effectLst/>
-                <a:latin typeface="Courier New" panose="02070309020205020404" pitchFamily="49" charset="0"/>
-              </a:rPr>
-              <a:t> </a:t>
-            </a:r>
-            <a:endParaRPr lang="en-US" sz="41300" dirty="0">
-              <a:effectLst/>
-            </a:endParaRPr>
-          </a:p>
-          <a:p>
-            <a:r>
-              <a:rPr lang="en-US" sz="1600" dirty="0">
-                <a:effectLst/>
-                <a:latin typeface="Courier New" panose="02070309020205020404" pitchFamily="49" charset="0"/>
-              </a:rPr>
-              <a:t>g = 2; s = 1</a:t>
-            </a:r>
-            <a:endParaRPr lang="en-US" sz="41300" dirty="0">
-              <a:effectLst/>
-            </a:endParaRPr>
-          </a:p>
-          <a:p>
-            <a:r>
-              <a:rPr lang="en-US" sz="1600" dirty="0">
-                <a:effectLst/>
-                <a:latin typeface="Courier New" panose="02070309020205020404" pitchFamily="49" charset="0"/>
-              </a:rPr>
-              <a:t>[ [</a:t>
-            </a:r>
-            <a:r>
-              <a:rPr lang="en-US" sz="1600" dirty="0" err="1">
-                <a:effectLst/>
-                <a:latin typeface="Courier New" panose="02070309020205020404" pitchFamily="49" charset="0"/>
-              </a:rPr>
-              <a:t>start_diag</a:t>
-            </a:r>
-            <a:r>
-              <a:rPr lang="en-US" sz="1600" dirty="0">
-                <a:effectLst/>
-                <a:latin typeface="Courier New" panose="02070309020205020404" pitchFamily="49" charset="0"/>
-              </a:rPr>
-              <a:t>(g, s, D), </a:t>
-            </a:r>
-            <a:r>
-              <a:rPr lang="en-US" sz="1600" dirty="0" err="1">
-                <a:effectLst/>
-                <a:latin typeface="Courier New" panose="02070309020205020404" pitchFamily="49" charset="0"/>
-              </a:rPr>
-              <a:t>end_diag</a:t>
-            </a:r>
-            <a:r>
-              <a:rPr lang="en-US" sz="1600" dirty="0">
-                <a:effectLst/>
-                <a:latin typeface="Courier New" panose="02070309020205020404" pitchFamily="49" charset="0"/>
-              </a:rPr>
-              <a:t>(g, s, D)] for D in range(5)]</a:t>
-            </a:r>
-            <a:endParaRPr lang="en-US" sz="41300" dirty="0">
-              <a:effectLst/>
-            </a:endParaRPr>
-          </a:p>
-          <a:p>
-            <a:r>
-              <a:rPr lang="en-US" sz="1600" dirty="0">
-                <a:effectLst/>
-                <a:latin typeface="Courier New" panose="02070309020205020404" pitchFamily="49" charset="0"/>
-              </a:rPr>
-              <a:t> </a:t>
-            </a:r>
-            <a:endParaRPr lang="en-US" sz="41300" dirty="0">
-              <a:effectLst/>
-            </a:endParaRPr>
-          </a:p>
-          <a:p>
-            <a:r>
-              <a:rPr lang="en-US" sz="1600" dirty="0" err="1">
-                <a:effectLst/>
-                <a:latin typeface="Courier New" panose="02070309020205020404" pitchFamily="49" charset="0"/>
-              </a:rPr>
-              <a:t>end_diag</a:t>
-            </a:r>
-            <a:r>
-              <a:rPr lang="en-US" sz="1600" dirty="0">
-                <a:effectLst/>
-                <a:latin typeface="Courier New" panose="02070309020205020404" pitchFamily="49" charset="0"/>
-              </a:rPr>
-              <a:t>(1, 0, 0)</a:t>
-            </a:r>
-            <a:endParaRPr lang="en-US" sz="41300" dirty="0">
-              <a:effectLst/>
             </a:endParaRPr>
           </a:p>
         </p:txBody>
@@ -6085,8 +5406,1056 @@
         </p:nvSpPr>
         <p:spPr bwMode="auto">
           <a:xfrm>
-            <a:off x="32816215" y="8343307"/>
-            <a:ext cx="8892224" cy="8676331"/>
+            <a:off x="33292229" y="9083044"/>
+            <a:ext cx="7875639" cy="3616158"/>
+          </a:xfrm>
+          <a:prstGeom prst="rect">
+            <a:avLst/>
+          </a:prstGeom>
+          <a:solidFill>
+            <a:srgbClr val="FFFFFF"/>
+          </a:solidFill>
+          <a:ln w="28575">
+            <a:solidFill>
+              <a:srgbClr val="C00000"/>
+            </a:solidFill>
+            <a:miter lim="800000"/>
+            <a:headEnd/>
+            <a:tailEnd/>
+          </a:ln>
+        </p:spPr>
+        <p:txBody>
+          <a:bodyPr rot="0" vert="horz" wrap="square" lIns="91440" tIns="45720" rIns="91440" bIns="45720" anchor="t" anchorCtr="0">
+            <a:noAutofit/>
+          </a:bodyPr>
+          <a:lstStyle/>
+          <a:p>
+            <a:r>
+              <a:rPr lang="en-US" sz="1600" dirty="0" err="1">
+                <a:effectLst/>
+              </a:rPr>
+              <a:t>Psudo</a:t>
+            </a:r>
+            <a:r>
+              <a:rPr lang="en-US" sz="1600" dirty="0">
+                <a:effectLst/>
+              </a:rPr>
+              <a:t> code goes in </a:t>
+            </a:r>
+            <a:r>
+              <a:rPr lang="en-US" sz="1600" dirty="0" err="1">
+                <a:effectLst/>
+              </a:rPr>
+              <a:t>therev</a:t>
+            </a:r>
+            <a:endParaRPr lang="en-US" sz="1600" dirty="0">
+              <a:effectLst/>
+            </a:endParaRPr>
+          </a:p>
+        </p:txBody>
+      </p:sp>
+      <p:pic>
+        <p:nvPicPr>
+          <p:cNvPr id="6" name="Picture 5"/>
+          <p:cNvPicPr>
+            <a:picLocks noChangeAspect="1"/>
+          </p:cNvPicPr>
+          <p:nvPr/>
+        </p:nvPicPr>
+        <p:blipFill>
+          <a:blip r:embed="rId2"/>
+          <a:stretch>
+            <a:fillRect/>
+          </a:stretch>
+        </p:blipFill>
+        <p:spPr>
+          <a:xfrm>
+            <a:off x="12369235" y="18380302"/>
+            <a:ext cx="17006019" cy="2650041"/>
+          </a:xfrm>
+          <a:prstGeom prst="rect">
+            <a:avLst/>
+          </a:prstGeom>
+        </p:spPr>
+      </p:pic>
+      <p:pic>
+        <p:nvPicPr>
+          <p:cNvPr id="11" name="Picture 10">
+            <a:extLst>
+              <a:ext uri="{FF2B5EF4-FFF2-40B4-BE49-F238E27FC236}">
+                <a16:creationId xmlns:a16="http://schemas.microsoft.com/office/drawing/2014/main" id="{42C916EF-B985-FE40-AE4C-8F95FE302614}"/>
+              </a:ext>
+            </a:extLst>
+          </p:cNvPr>
+          <p:cNvPicPr>
+            <a:picLocks noChangeAspect="1"/>
+          </p:cNvPicPr>
+          <p:nvPr/>
+        </p:nvPicPr>
+        <p:blipFill>
+          <a:blip r:embed="rId3">
+            <a:extLst>
+              <a:ext uri="{28A0092B-C50C-407E-A947-70E740481C1C}">
+                <a14:useLocalDpi xmlns:a14="http://schemas.microsoft.com/office/drawing/2010/main" val="0"/>
+              </a:ext>
+            </a:extLst>
+          </a:blip>
+          <a:stretch>
+            <a:fillRect/>
+          </a:stretch>
+        </p:blipFill>
+        <p:spPr>
+          <a:xfrm>
+            <a:off x="832105" y="22515258"/>
+            <a:ext cx="14948669" cy="8924061"/>
+          </a:xfrm>
+          <a:prstGeom prst="rect">
+            <a:avLst/>
+          </a:prstGeom>
+        </p:spPr>
+      </p:pic>
+      <p:sp>
+        <p:nvSpPr>
+          <p:cNvPr id="22" name="Text Placeholder 68">
+            <a:extLst>
+              <a:ext uri="{FF2B5EF4-FFF2-40B4-BE49-F238E27FC236}">
+                <a16:creationId xmlns:a16="http://schemas.microsoft.com/office/drawing/2014/main" id="{E5FED944-527D-1D48-9BAE-FA9F5C34126C}"/>
+              </a:ext>
+            </a:extLst>
+          </p:cNvPr>
+          <p:cNvSpPr txBox="1">
+            <a:spLocks/>
+          </p:cNvSpPr>
+          <p:nvPr/>
+        </p:nvSpPr>
+        <p:spPr bwMode="ltGray">
+          <a:xfrm>
+            <a:off x="1298449" y="31277979"/>
+            <a:ext cx="7254276" cy="801831"/>
+          </a:xfrm>
+          <a:prstGeom prst="rect">
+            <a:avLst/>
+          </a:prstGeom>
+          <a:solidFill>
+            <a:schemeClr val="tx2">
+              <a:lumMod val="10000"/>
+              <a:lumOff val="90000"/>
+            </a:schemeClr>
+          </a:solidFill>
+        </p:spPr>
+        <p:txBody>
+          <a:bodyPr vert="horz" lIns="365760" tIns="45720" rIns="365760" bIns="45720" rtlCol="0" anchor="ctr">
+            <a:noAutofit/>
+          </a:bodyPr>
+          <a:lstStyle>
+            <a:lvl1pPr marL="0" indent="0" algn="l" defTabSz="4389120" rtl="0" eaLnBrk="1" latinLnBrk="0" hangingPunct="1">
+              <a:lnSpc>
+                <a:spcPct val="100000"/>
+              </a:lnSpc>
+              <a:spcBef>
+                <a:spcPts val="1200"/>
+              </a:spcBef>
+              <a:buClr>
+                <a:schemeClr val="bg1">
+                  <a:lumMod val="65000"/>
+                </a:schemeClr>
+              </a:buClr>
+              <a:buFont typeface="Arial" panose="020B0604020202020204" pitchFamily="34" charset="0"/>
+              <a:buNone/>
+              <a:defRPr sz="4400" kern="1200" baseline="0">
+                <a:solidFill>
+                  <a:schemeClr val="tx1"/>
+                </a:solidFill>
+                <a:latin typeface="+mn-lt"/>
+                <a:ea typeface="+mn-ea"/>
+                <a:cs typeface="+mn-cs"/>
+              </a:defRPr>
+            </a:lvl1pPr>
+            <a:lvl2pPr marL="571500" indent="-571500" algn="l" defTabSz="4389120" rtl="0" eaLnBrk="1" latinLnBrk="0" hangingPunct="1">
+              <a:lnSpc>
+                <a:spcPct val="100000"/>
+              </a:lnSpc>
+              <a:spcBef>
+                <a:spcPts val="1200"/>
+              </a:spcBef>
+              <a:buClr>
+                <a:schemeClr val="bg1">
+                  <a:lumMod val="65000"/>
+                </a:schemeClr>
+              </a:buClr>
+              <a:buFont typeface="Arial" panose="020B0604020202020204" pitchFamily="34" charset="0"/>
+              <a:buChar char="•"/>
+              <a:defRPr sz="4400" kern="1200">
+                <a:solidFill>
+                  <a:schemeClr val="tx1"/>
+                </a:solidFill>
+                <a:latin typeface="+mn-lt"/>
+                <a:ea typeface="+mn-ea"/>
+                <a:cs typeface="+mn-cs"/>
+              </a:defRPr>
+            </a:lvl2pPr>
+            <a:lvl3pPr marL="571500" indent="-571500" algn="l" defTabSz="4389120" rtl="0" eaLnBrk="1" latinLnBrk="0" hangingPunct="1">
+              <a:lnSpc>
+                <a:spcPct val="100000"/>
+              </a:lnSpc>
+              <a:spcBef>
+                <a:spcPts val="1200"/>
+              </a:spcBef>
+              <a:buClr>
+                <a:schemeClr val="bg1">
+                  <a:lumMod val="65000"/>
+                </a:schemeClr>
+              </a:buClr>
+              <a:buFont typeface="Arial" panose="020B0604020202020204" pitchFamily="34" charset="0"/>
+              <a:buChar char="•"/>
+              <a:defRPr sz="4400" kern="1200">
+                <a:solidFill>
+                  <a:schemeClr val="tx1"/>
+                </a:solidFill>
+                <a:latin typeface="+mn-lt"/>
+                <a:ea typeface="+mn-ea"/>
+                <a:cs typeface="+mn-cs"/>
+              </a:defRPr>
+            </a:lvl3pPr>
+            <a:lvl4pPr marL="0" indent="0" algn="l" defTabSz="4389120" rtl="0" eaLnBrk="1" latinLnBrk="0" hangingPunct="1">
+              <a:lnSpc>
+                <a:spcPct val="100000"/>
+              </a:lnSpc>
+              <a:spcBef>
+                <a:spcPts val="1200"/>
+              </a:spcBef>
+              <a:buClr>
+                <a:schemeClr val="bg1">
+                  <a:lumMod val="65000"/>
+                </a:schemeClr>
+              </a:buClr>
+              <a:buFont typeface="Arial" panose="020B0604020202020204" pitchFamily="34" charset="0"/>
+              <a:buNone/>
+              <a:defRPr sz="4400" kern="1200">
+                <a:solidFill>
+                  <a:schemeClr val="tx1"/>
+                </a:solidFill>
+                <a:latin typeface="+mn-lt"/>
+                <a:ea typeface="+mn-ea"/>
+                <a:cs typeface="+mn-cs"/>
+              </a:defRPr>
+            </a:lvl4pPr>
+            <a:lvl5pPr marL="0" indent="0" algn="l" defTabSz="4389120" rtl="0" eaLnBrk="1" latinLnBrk="0" hangingPunct="1">
+              <a:lnSpc>
+                <a:spcPct val="100000"/>
+              </a:lnSpc>
+              <a:spcBef>
+                <a:spcPts val="1200"/>
+              </a:spcBef>
+              <a:buClr>
+                <a:schemeClr val="bg1">
+                  <a:lumMod val="65000"/>
+                </a:schemeClr>
+              </a:buClr>
+              <a:buFont typeface="Arial" panose="020B0604020202020204" pitchFamily="34" charset="0"/>
+              <a:buNone/>
+              <a:defRPr sz="4400" kern="1200">
+                <a:solidFill>
+                  <a:schemeClr val="tx1"/>
+                </a:solidFill>
+                <a:latin typeface="+mn-lt"/>
+                <a:ea typeface="+mn-ea"/>
+                <a:cs typeface="+mn-cs"/>
+              </a:defRPr>
+            </a:lvl5pPr>
+            <a:lvl6pPr marL="0" indent="0" algn="l" defTabSz="4389120" rtl="0" eaLnBrk="1" latinLnBrk="0" hangingPunct="1">
+              <a:lnSpc>
+                <a:spcPct val="100000"/>
+              </a:lnSpc>
+              <a:spcBef>
+                <a:spcPts val="1200"/>
+              </a:spcBef>
+              <a:buClr>
+                <a:schemeClr val="bg1">
+                  <a:lumMod val="65000"/>
+                </a:schemeClr>
+              </a:buClr>
+              <a:buFont typeface="Arial" panose="020B0604020202020204" pitchFamily="34" charset="0"/>
+              <a:buNone/>
+              <a:defRPr sz="4400" kern="1200">
+                <a:solidFill>
+                  <a:schemeClr val="tx1"/>
+                </a:solidFill>
+                <a:latin typeface="+mn-lt"/>
+                <a:ea typeface="+mn-ea"/>
+                <a:cs typeface="+mn-cs"/>
+              </a:defRPr>
+            </a:lvl6pPr>
+            <a:lvl7pPr marL="0" indent="0" algn="l" defTabSz="4389120" rtl="0" eaLnBrk="1" latinLnBrk="0" hangingPunct="1">
+              <a:lnSpc>
+                <a:spcPct val="100000"/>
+              </a:lnSpc>
+              <a:spcBef>
+                <a:spcPts val="1200"/>
+              </a:spcBef>
+              <a:buClr>
+                <a:schemeClr val="bg1">
+                  <a:lumMod val="65000"/>
+                </a:schemeClr>
+              </a:buClr>
+              <a:buFont typeface="Arial" panose="020B0604020202020204" pitchFamily="34" charset="0"/>
+              <a:buNone/>
+              <a:defRPr sz="4400" kern="1200">
+                <a:solidFill>
+                  <a:schemeClr val="tx1"/>
+                </a:solidFill>
+                <a:latin typeface="+mn-lt"/>
+                <a:ea typeface="+mn-ea"/>
+                <a:cs typeface="+mn-cs"/>
+              </a:defRPr>
+            </a:lvl7pPr>
+            <a:lvl8pPr marL="0" indent="0" algn="l" defTabSz="4389120" rtl="0" eaLnBrk="1" latinLnBrk="0" hangingPunct="1">
+              <a:lnSpc>
+                <a:spcPct val="100000"/>
+              </a:lnSpc>
+              <a:spcBef>
+                <a:spcPts val="1200"/>
+              </a:spcBef>
+              <a:buClr>
+                <a:schemeClr val="bg1">
+                  <a:lumMod val="65000"/>
+                </a:schemeClr>
+              </a:buClr>
+              <a:buFont typeface="Arial" panose="020B0604020202020204" pitchFamily="34" charset="0"/>
+              <a:buNone/>
+              <a:defRPr sz="4400" kern="1200">
+                <a:solidFill>
+                  <a:schemeClr val="tx1"/>
+                </a:solidFill>
+                <a:latin typeface="+mn-lt"/>
+                <a:ea typeface="+mn-ea"/>
+                <a:cs typeface="+mn-cs"/>
+              </a:defRPr>
+            </a:lvl8pPr>
+            <a:lvl9pPr marL="0" indent="0" algn="l" defTabSz="4389120" rtl="0" eaLnBrk="1" latinLnBrk="0" hangingPunct="1">
+              <a:lnSpc>
+                <a:spcPct val="100000"/>
+              </a:lnSpc>
+              <a:spcBef>
+                <a:spcPts val="1200"/>
+              </a:spcBef>
+              <a:buClr>
+                <a:schemeClr val="bg1">
+                  <a:lumMod val="65000"/>
+                </a:schemeClr>
+              </a:buClr>
+              <a:buFont typeface="Arial" panose="020B0604020202020204" pitchFamily="34" charset="0"/>
+              <a:buNone/>
+              <a:defRPr sz="4400" kern="1200">
+                <a:solidFill>
+                  <a:schemeClr val="tx1"/>
+                </a:solidFill>
+                <a:latin typeface="+mn-lt"/>
+                <a:ea typeface="+mn-ea"/>
+                <a:cs typeface="+mn-cs"/>
+              </a:defRPr>
+            </a:lvl9pPr>
+          </a:lstStyle>
+          <a:p>
+            <a:pPr algn="ctr"/>
+            <a:r>
+              <a:rPr lang="en-US" sz="2800" dirty="0">
+                <a:latin typeface="Times New Roman" panose="02020603050405020304" pitchFamily="18" charset="0"/>
+                <a:cs typeface="Times New Roman" panose="02020603050405020304" pitchFamily="18" charset="0"/>
+              </a:rPr>
+              <a:t>Classical Skewed Top Corridors 1 - 3</a:t>
+            </a:r>
+          </a:p>
+        </p:txBody>
+      </p:sp>
+      <p:sp>
+        <p:nvSpPr>
+          <p:cNvPr id="15" name="Text Placeholder 14">
+            <a:extLst>
+              <a:ext uri="{FF2B5EF4-FFF2-40B4-BE49-F238E27FC236}">
+                <a16:creationId xmlns:a16="http://schemas.microsoft.com/office/drawing/2014/main" id="{122B16EC-F2D7-724B-B571-A8E87F0DBB7E}"/>
+              </a:ext>
+            </a:extLst>
+          </p:cNvPr>
+          <p:cNvSpPr>
+            <a:spLocks noGrp="1"/>
+          </p:cNvSpPr>
+          <p:nvPr>
+            <p:ph type="body" sz="quarter" idx="39"/>
+          </p:nvPr>
+        </p:nvSpPr>
+        <p:spPr>
+          <a:xfrm>
+            <a:off x="13158216" y="21029486"/>
+            <a:ext cx="6003274" cy="621531"/>
+          </a:xfrm>
+        </p:spPr>
+        <p:txBody>
+          <a:bodyPr/>
+          <a:lstStyle/>
+          <a:p>
+            <a:r>
+              <a:rPr lang="en-US" sz="2800" dirty="0">
+                <a:latin typeface="Times New Roman" panose="02020603050405020304" pitchFamily="18" charset="0"/>
+                <a:cs typeface="Times New Roman" panose="02020603050405020304" pitchFamily="18" charset="0"/>
+              </a:rPr>
+              <a:t>Non-Classical Skewed-Top Corridor</a:t>
+            </a:r>
+          </a:p>
+        </p:txBody>
+      </p:sp>
+      <p:sp>
+        <p:nvSpPr>
+          <p:cNvPr id="27" name="Text Placeholder 14">
+            <a:extLst>
+              <a:ext uri="{FF2B5EF4-FFF2-40B4-BE49-F238E27FC236}">
+                <a16:creationId xmlns:a16="http://schemas.microsoft.com/office/drawing/2014/main" id="{6E55F251-5FEE-4F44-B693-756E9EC737C4}"/>
+              </a:ext>
+            </a:extLst>
+          </p:cNvPr>
+          <p:cNvSpPr txBox="1">
+            <a:spLocks/>
+          </p:cNvSpPr>
+          <p:nvPr/>
+        </p:nvSpPr>
+        <p:spPr bwMode="ltGray">
+          <a:xfrm>
+            <a:off x="12787708" y="5818694"/>
+            <a:ext cx="7768004" cy="6946330"/>
+          </a:xfrm>
+          <a:prstGeom prst="rect">
+            <a:avLst/>
+          </a:prstGeom>
+          <a:solidFill>
+            <a:schemeClr val="tx2">
+              <a:lumMod val="10000"/>
+              <a:lumOff val="90000"/>
+            </a:schemeClr>
+          </a:solidFill>
+        </p:spPr>
+        <p:txBody>
+          <a:bodyPr vert="horz" lIns="365760" tIns="45720" rIns="365760" bIns="45720" rtlCol="0" anchor="ctr">
+            <a:noAutofit/>
+          </a:bodyPr>
+          <a:lstStyle>
+            <a:lvl1pPr marL="0" indent="0" algn="l" defTabSz="4389120" rtl="0" eaLnBrk="1" latinLnBrk="0" hangingPunct="1">
+              <a:lnSpc>
+                <a:spcPct val="100000"/>
+              </a:lnSpc>
+              <a:spcBef>
+                <a:spcPts val="1200"/>
+              </a:spcBef>
+              <a:buClr>
+                <a:schemeClr val="bg1">
+                  <a:lumMod val="65000"/>
+                </a:schemeClr>
+              </a:buClr>
+              <a:buFont typeface="Arial" panose="020B0604020202020204" pitchFamily="34" charset="0"/>
+              <a:buNone/>
+              <a:defRPr sz="4400" kern="1200" baseline="0">
+                <a:solidFill>
+                  <a:schemeClr val="tx1"/>
+                </a:solidFill>
+                <a:latin typeface="+mn-lt"/>
+                <a:ea typeface="+mn-ea"/>
+                <a:cs typeface="+mn-cs"/>
+              </a:defRPr>
+            </a:lvl1pPr>
+            <a:lvl2pPr marL="571500" indent="-571500" algn="l" defTabSz="4389120" rtl="0" eaLnBrk="1" latinLnBrk="0" hangingPunct="1">
+              <a:lnSpc>
+                <a:spcPct val="100000"/>
+              </a:lnSpc>
+              <a:spcBef>
+                <a:spcPts val="1200"/>
+              </a:spcBef>
+              <a:buClr>
+                <a:schemeClr val="bg1">
+                  <a:lumMod val="65000"/>
+                </a:schemeClr>
+              </a:buClr>
+              <a:buFont typeface="Arial" panose="020B0604020202020204" pitchFamily="34" charset="0"/>
+              <a:buChar char="•"/>
+              <a:defRPr sz="4400" kern="1200">
+                <a:solidFill>
+                  <a:schemeClr val="tx1"/>
+                </a:solidFill>
+                <a:latin typeface="+mn-lt"/>
+                <a:ea typeface="+mn-ea"/>
+                <a:cs typeface="+mn-cs"/>
+              </a:defRPr>
+            </a:lvl2pPr>
+            <a:lvl3pPr marL="571500" indent="-571500" algn="l" defTabSz="4389120" rtl="0" eaLnBrk="1" latinLnBrk="0" hangingPunct="1">
+              <a:lnSpc>
+                <a:spcPct val="100000"/>
+              </a:lnSpc>
+              <a:spcBef>
+                <a:spcPts val="1200"/>
+              </a:spcBef>
+              <a:buClr>
+                <a:schemeClr val="bg1">
+                  <a:lumMod val="65000"/>
+                </a:schemeClr>
+              </a:buClr>
+              <a:buFont typeface="Arial" panose="020B0604020202020204" pitchFamily="34" charset="0"/>
+              <a:buChar char="•"/>
+              <a:defRPr sz="4400" kern="1200">
+                <a:solidFill>
+                  <a:schemeClr val="tx1"/>
+                </a:solidFill>
+                <a:latin typeface="+mn-lt"/>
+                <a:ea typeface="+mn-ea"/>
+                <a:cs typeface="+mn-cs"/>
+              </a:defRPr>
+            </a:lvl3pPr>
+            <a:lvl4pPr marL="0" indent="0" algn="l" defTabSz="4389120" rtl="0" eaLnBrk="1" latinLnBrk="0" hangingPunct="1">
+              <a:lnSpc>
+                <a:spcPct val="100000"/>
+              </a:lnSpc>
+              <a:spcBef>
+                <a:spcPts val="1200"/>
+              </a:spcBef>
+              <a:buClr>
+                <a:schemeClr val="bg1">
+                  <a:lumMod val="65000"/>
+                </a:schemeClr>
+              </a:buClr>
+              <a:buFont typeface="Arial" panose="020B0604020202020204" pitchFamily="34" charset="0"/>
+              <a:buNone/>
+              <a:defRPr sz="4400" kern="1200">
+                <a:solidFill>
+                  <a:schemeClr val="tx1"/>
+                </a:solidFill>
+                <a:latin typeface="+mn-lt"/>
+                <a:ea typeface="+mn-ea"/>
+                <a:cs typeface="+mn-cs"/>
+              </a:defRPr>
+            </a:lvl4pPr>
+            <a:lvl5pPr marL="0" indent="0" algn="l" defTabSz="4389120" rtl="0" eaLnBrk="1" latinLnBrk="0" hangingPunct="1">
+              <a:lnSpc>
+                <a:spcPct val="100000"/>
+              </a:lnSpc>
+              <a:spcBef>
+                <a:spcPts val="1200"/>
+              </a:spcBef>
+              <a:buClr>
+                <a:schemeClr val="bg1">
+                  <a:lumMod val="65000"/>
+                </a:schemeClr>
+              </a:buClr>
+              <a:buFont typeface="Arial" panose="020B0604020202020204" pitchFamily="34" charset="0"/>
+              <a:buNone/>
+              <a:defRPr sz="4400" kern="1200">
+                <a:solidFill>
+                  <a:schemeClr val="tx1"/>
+                </a:solidFill>
+                <a:latin typeface="+mn-lt"/>
+                <a:ea typeface="+mn-ea"/>
+                <a:cs typeface="+mn-cs"/>
+              </a:defRPr>
+            </a:lvl5pPr>
+            <a:lvl6pPr marL="0" indent="0" algn="l" defTabSz="4389120" rtl="0" eaLnBrk="1" latinLnBrk="0" hangingPunct="1">
+              <a:lnSpc>
+                <a:spcPct val="100000"/>
+              </a:lnSpc>
+              <a:spcBef>
+                <a:spcPts val="1200"/>
+              </a:spcBef>
+              <a:buClr>
+                <a:schemeClr val="bg1">
+                  <a:lumMod val="65000"/>
+                </a:schemeClr>
+              </a:buClr>
+              <a:buFont typeface="Arial" panose="020B0604020202020204" pitchFamily="34" charset="0"/>
+              <a:buNone/>
+              <a:defRPr sz="4400" kern="1200">
+                <a:solidFill>
+                  <a:schemeClr val="tx1"/>
+                </a:solidFill>
+                <a:latin typeface="+mn-lt"/>
+                <a:ea typeface="+mn-ea"/>
+                <a:cs typeface="+mn-cs"/>
+              </a:defRPr>
+            </a:lvl6pPr>
+            <a:lvl7pPr marL="0" indent="0" algn="l" defTabSz="4389120" rtl="0" eaLnBrk="1" latinLnBrk="0" hangingPunct="1">
+              <a:lnSpc>
+                <a:spcPct val="100000"/>
+              </a:lnSpc>
+              <a:spcBef>
+                <a:spcPts val="1200"/>
+              </a:spcBef>
+              <a:buClr>
+                <a:schemeClr val="bg1">
+                  <a:lumMod val="65000"/>
+                </a:schemeClr>
+              </a:buClr>
+              <a:buFont typeface="Arial" panose="020B0604020202020204" pitchFamily="34" charset="0"/>
+              <a:buNone/>
+              <a:defRPr sz="4400" kern="1200">
+                <a:solidFill>
+                  <a:schemeClr val="tx1"/>
+                </a:solidFill>
+                <a:latin typeface="+mn-lt"/>
+                <a:ea typeface="+mn-ea"/>
+                <a:cs typeface="+mn-cs"/>
+              </a:defRPr>
+            </a:lvl7pPr>
+            <a:lvl8pPr marL="0" indent="0" algn="l" defTabSz="4389120" rtl="0" eaLnBrk="1" latinLnBrk="0" hangingPunct="1">
+              <a:lnSpc>
+                <a:spcPct val="100000"/>
+              </a:lnSpc>
+              <a:spcBef>
+                <a:spcPts val="1200"/>
+              </a:spcBef>
+              <a:buClr>
+                <a:schemeClr val="bg1">
+                  <a:lumMod val="65000"/>
+                </a:schemeClr>
+              </a:buClr>
+              <a:buFont typeface="Arial" panose="020B0604020202020204" pitchFamily="34" charset="0"/>
+              <a:buNone/>
+              <a:defRPr sz="4400" kern="1200">
+                <a:solidFill>
+                  <a:schemeClr val="tx1"/>
+                </a:solidFill>
+                <a:latin typeface="+mn-lt"/>
+                <a:ea typeface="+mn-ea"/>
+                <a:cs typeface="+mn-cs"/>
+              </a:defRPr>
+            </a:lvl8pPr>
+            <a:lvl9pPr marL="0" indent="0" algn="l" defTabSz="4389120" rtl="0" eaLnBrk="1" latinLnBrk="0" hangingPunct="1">
+              <a:lnSpc>
+                <a:spcPct val="100000"/>
+              </a:lnSpc>
+              <a:spcBef>
+                <a:spcPts val="1200"/>
+              </a:spcBef>
+              <a:buClr>
+                <a:schemeClr val="bg1">
+                  <a:lumMod val="65000"/>
+                </a:schemeClr>
+              </a:buClr>
+              <a:buFont typeface="Arial" panose="020B0604020202020204" pitchFamily="34" charset="0"/>
+              <a:buNone/>
+              <a:defRPr sz="4400" kern="1200">
+                <a:solidFill>
+                  <a:schemeClr val="tx1"/>
+                </a:solidFill>
+                <a:latin typeface="+mn-lt"/>
+                <a:ea typeface="+mn-ea"/>
+                <a:cs typeface="+mn-cs"/>
+              </a:defRPr>
+            </a:lvl9pPr>
+          </a:lstStyle>
+          <a:p>
+            <a:pPr algn="ctr"/>
+            <a:r>
+              <a:rPr lang="en-US" sz="3600" b="1" dirty="0">
+                <a:latin typeface="Times New Roman" panose="02020603050405020304" pitchFamily="18" charset="0"/>
+                <a:cs typeface="Times New Roman" panose="02020603050405020304" pitchFamily="18" charset="0"/>
+              </a:rPr>
+              <a:t>Corridor Generating Function</a:t>
+            </a:r>
+            <a:endParaRPr lang="en-US" sz="2800" b="1" dirty="0">
+              <a:latin typeface="Times New Roman" panose="02020603050405020304" pitchFamily="18" charset="0"/>
+              <a:cs typeface="Times New Roman" panose="02020603050405020304" pitchFamily="18" charset="0"/>
+            </a:endParaRPr>
+          </a:p>
+          <a:p>
+            <a:r>
+              <a:rPr lang="en-US" sz="2800" dirty="0">
+                <a:latin typeface="Times New Roman" panose="02020603050405020304" pitchFamily="18" charset="0"/>
+                <a:cs typeface="Times New Roman" panose="02020603050405020304" pitchFamily="18" charset="0"/>
+              </a:rPr>
+              <a:t>Let V be a function accepting input from the set of natural numbers. It’s output lies within the set of points Z</a:t>
+            </a:r>
+            <a:r>
+              <a:rPr lang="en-US" sz="2800" baseline="30000" dirty="0">
+                <a:latin typeface="Times New Roman" panose="02020603050405020304" pitchFamily="18" charset="0"/>
+                <a:cs typeface="Times New Roman" panose="02020603050405020304" pitchFamily="18" charset="0"/>
+              </a:rPr>
+              <a:t>2</a:t>
+            </a:r>
+            <a:r>
+              <a:rPr lang="en-US" sz="2800" dirty="0">
+                <a:latin typeface="Times New Roman" panose="02020603050405020304" pitchFamily="18" charset="0"/>
+                <a:cs typeface="Times New Roman" panose="02020603050405020304" pitchFamily="18" charset="0"/>
+              </a:rPr>
+              <a:t>. </a:t>
+            </a:r>
+          </a:p>
+          <a:p>
+            <a:r>
+              <a:rPr lang="en-US" sz="2800" dirty="0">
+                <a:latin typeface="Times New Roman" panose="02020603050405020304" pitchFamily="18" charset="0"/>
+                <a:cs typeface="Times New Roman" panose="02020603050405020304" pitchFamily="18" charset="0"/>
+              </a:rPr>
+              <a:t>Let x and y be values that lie within the corridor. </a:t>
+            </a:r>
+          </a:p>
+          <a:p>
+            <a:r>
+              <a:rPr lang="en-US" sz="2800" dirty="0">
+                <a:latin typeface="Times New Roman" panose="02020603050405020304" pitchFamily="18" charset="0"/>
+                <a:cs typeface="Times New Roman" panose="02020603050405020304" pitchFamily="18" charset="0"/>
+              </a:rPr>
+              <a:t>A recursive formula for generating values in the corridor is:</a:t>
+            </a:r>
+          </a:p>
+          <a:p>
+            <a:pPr algn="ctr"/>
+            <a:r>
+              <a:rPr lang="en-US" sz="2800" b="1" dirty="0">
+                <a:latin typeface="Times New Roman" panose="02020603050405020304" pitchFamily="18" charset="0"/>
+                <a:cs typeface="Times New Roman" panose="02020603050405020304" pitchFamily="18" charset="0"/>
+              </a:rPr>
+              <a:t>V(x, y) = V(x-1, y-1) + V(x-1, y+1)</a:t>
+            </a:r>
+          </a:p>
+          <a:p>
+            <a:endParaRPr lang="en-US" sz="2800" dirty="0">
+              <a:latin typeface="Times New Roman" panose="02020603050405020304" pitchFamily="18" charset="0"/>
+              <a:cs typeface="Times New Roman" panose="02020603050405020304" pitchFamily="18" charset="0"/>
+            </a:endParaRPr>
+          </a:p>
+          <a:p>
+            <a:r>
+              <a:rPr lang="en-US" sz="2800" dirty="0">
+                <a:latin typeface="Times New Roman" panose="02020603050405020304" pitchFamily="18" charset="0"/>
+                <a:cs typeface="Times New Roman" panose="02020603050405020304" pitchFamily="18" charset="0"/>
+              </a:rPr>
+              <a:t>We’ve also noticed a relationship about the values in the corridors in certain restrictions: </a:t>
+            </a:r>
+          </a:p>
+          <a:p>
+            <a:pPr algn="ctr"/>
+            <a:r>
+              <a:rPr lang="en-US" sz="2800" b="1" dirty="0">
+                <a:latin typeface="Times New Roman" panose="02020603050405020304" pitchFamily="18" charset="0"/>
+                <a:cs typeface="Times New Roman" panose="02020603050405020304" pitchFamily="18" charset="0"/>
+              </a:rPr>
+              <a:t>for 2 &lt;= k &lt;= 2g,    V(k+1, k) = k</a:t>
+            </a:r>
+          </a:p>
+        </p:txBody>
+      </p:sp>
+      <p:sp>
+        <p:nvSpPr>
+          <p:cNvPr id="28" name="Text Placeholder 14">
+            <a:extLst>
+              <a:ext uri="{FF2B5EF4-FFF2-40B4-BE49-F238E27FC236}">
+                <a16:creationId xmlns:a16="http://schemas.microsoft.com/office/drawing/2014/main" id="{89E445F6-E6D4-9C49-8C7D-D50BFA1B7486}"/>
+              </a:ext>
+            </a:extLst>
+          </p:cNvPr>
+          <p:cNvSpPr txBox="1">
+            <a:spLocks/>
+          </p:cNvSpPr>
+          <p:nvPr/>
+        </p:nvSpPr>
+        <p:spPr bwMode="ltGray">
+          <a:xfrm>
+            <a:off x="22116454" y="5818694"/>
+            <a:ext cx="7768004" cy="6946330"/>
+          </a:xfrm>
+          <a:prstGeom prst="rect">
+            <a:avLst/>
+          </a:prstGeom>
+          <a:solidFill>
+            <a:schemeClr val="tx2">
+              <a:lumMod val="10000"/>
+              <a:lumOff val="90000"/>
+            </a:schemeClr>
+          </a:solidFill>
+        </p:spPr>
+        <p:txBody>
+          <a:bodyPr vert="horz" lIns="365760" tIns="45720" rIns="365760" bIns="45720" rtlCol="0" anchor="ctr">
+            <a:noAutofit/>
+          </a:bodyPr>
+          <a:lstStyle>
+            <a:lvl1pPr marL="0" indent="0" algn="l" defTabSz="4389120" rtl="0" eaLnBrk="1" latinLnBrk="0" hangingPunct="1">
+              <a:lnSpc>
+                <a:spcPct val="100000"/>
+              </a:lnSpc>
+              <a:spcBef>
+                <a:spcPts val="1200"/>
+              </a:spcBef>
+              <a:buClr>
+                <a:schemeClr val="bg1">
+                  <a:lumMod val="65000"/>
+                </a:schemeClr>
+              </a:buClr>
+              <a:buFont typeface="Arial" panose="020B0604020202020204" pitchFamily="34" charset="0"/>
+              <a:buNone/>
+              <a:defRPr sz="4400" kern="1200" baseline="0">
+                <a:solidFill>
+                  <a:schemeClr val="tx1"/>
+                </a:solidFill>
+                <a:latin typeface="+mn-lt"/>
+                <a:ea typeface="+mn-ea"/>
+                <a:cs typeface="+mn-cs"/>
+              </a:defRPr>
+            </a:lvl1pPr>
+            <a:lvl2pPr marL="571500" indent="-571500" algn="l" defTabSz="4389120" rtl="0" eaLnBrk="1" latinLnBrk="0" hangingPunct="1">
+              <a:lnSpc>
+                <a:spcPct val="100000"/>
+              </a:lnSpc>
+              <a:spcBef>
+                <a:spcPts val="1200"/>
+              </a:spcBef>
+              <a:buClr>
+                <a:schemeClr val="bg1">
+                  <a:lumMod val="65000"/>
+                </a:schemeClr>
+              </a:buClr>
+              <a:buFont typeface="Arial" panose="020B0604020202020204" pitchFamily="34" charset="0"/>
+              <a:buChar char="•"/>
+              <a:defRPr sz="4400" kern="1200">
+                <a:solidFill>
+                  <a:schemeClr val="tx1"/>
+                </a:solidFill>
+                <a:latin typeface="+mn-lt"/>
+                <a:ea typeface="+mn-ea"/>
+                <a:cs typeface="+mn-cs"/>
+              </a:defRPr>
+            </a:lvl2pPr>
+            <a:lvl3pPr marL="571500" indent="-571500" algn="l" defTabSz="4389120" rtl="0" eaLnBrk="1" latinLnBrk="0" hangingPunct="1">
+              <a:lnSpc>
+                <a:spcPct val="100000"/>
+              </a:lnSpc>
+              <a:spcBef>
+                <a:spcPts val="1200"/>
+              </a:spcBef>
+              <a:buClr>
+                <a:schemeClr val="bg1">
+                  <a:lumMod val="65000"/>
+                </a:schemeClr>
+              </a:buClr>
+              <a:buFont typeface="Arial" panose="020B0604020202020204" pitchFamily="34" charset="0"/>
+              <a:buChar char="•"/>
+              <a:defRPr sz="4400" kern="1200">
+                <a:solidFill>
+                  <a:schemeClr val="tx1"/>
+                </a:solidFill>
+                <a:latin typeface="+mn-lt"/>
+                <a:ea typeface="+mn-ea"/>
+                <a:cs typeface="+mn-cs"/>
+              </a:defRPr>
+            </a:lvl3pPr>
+            <a:lvl4pPr marL="0" indent="0" algn="l" defTabSz="4389120" rtl="0" eaLnBrk="1" latinLnBrk="0" hangingPunct="1">
+              <a:lnSpc>
+                <a:spcPct val="100000"/>
+              </a:lnSpc>
+              <a:spcBef>
+                <a:spcPts val="1200"/>
+              </a:spcBef>
+              <a:buClr>
+                <a:schemeClr val="bg1">
+                  <a:lumMod val="65000"/>
+                </a:schemeClr>
+              </a:buClr>
+              <a:buFont typeface="Arial" panose="020B0604020202020204" pitchFamily="34" charset="0"/>
+              <a:buNone/>
+              <a:defRPr sz="4400" kern="1200">
+                <a:solidFill>
+                  <a:schemeClr val="tx1"/>
+                </a:solidFill>
+                <a:latin typeface="+mn-lt"/>
+                <a:ea typeface="+mn-ea"/>
+                <a:cs typeface="+mn-cs"/>
+              </a:defRPr>
+            </a:lvl4pPr>
+            <a:lvl5pPr marL="0" indent="0" algn="l" defTabSz="4389120" rtl="0" eaLnBrk="1" latinLnBrk="0" hangingPunct="1">
+              <a:lnSpc>
+                <a:spcPct val="100000"/>
+              </a:lnSpc>
+              <a:spcBef>
+                <a:spcPts val="1200"/>
+              </a:spcBef>
+              <a:buClr>
+                <a:schemeClr val="bg1">
+                  <a:lumMod val="65000"/>
+                </a:schemeClr>
+              </a:buClr>
+              <a:buFont typeface="Arial" panose="020B0604020202020204" pitchFamily="34" charset="0"/>
+              <a:buNone/>
+              <a:defRPr sz="4400" kern="1200">
+                <a:solidFill>
+                  <a:schemeClr val="tx1"/>
+                </a:solidFill>
+                <a:latin typeface="+mn-lt"/>
+                <a:ea typeface="+mn-ea"/>
+                <a:cs typeface="+mn-cs"/>
+              </a:defRPr>
+            </a:lvl5pPr>
+            <a:lvl6pPr marL="0" indent="0" algn="l" defTabSz="4389120" rtl="0" eaLnBrk="1" latinLnBrk="0" hangingPunct="1">
+              <a:lnSpc>
+                <a:spcPct val="100000"/>
+              </a:lnSpc>
+              <a:spcBef>
+                <a:spcPts val="1200"/>
+              </a:spcBef>
+              <a:buClr>
+                <a:schemeClr val="bg1">
+                  <a:lumMod val="65000"/>
+                </a:schemeClr>
+              </a:buClr>
+              <a:buFont typeface="Arial" panose="020B0604020202020204" pitchFamily="34" charset="0"/>
+              <a:buNone/>
+              <a:defRPr sz="4400" kern="1200">
+                <a:solidFill>
+                  <a:schemeClr val="tx1"/>
+                </a:solidFill>
+                <a:latin typeface="+mn-lt"/>
+                <a:ea typeface="+mn-ea"/>
+                <a:cs typeface="+mn-cs"/>
+              </a:defRPr>
+            </a:lvl6pPr>
+            <a:lvl7pPr marL="0" indent="0" algn="l" defTabSz="4389120" rtl="0" eaLnBrk="1" latinLnBrk="0" hangingPunct="1">
+              <a:lnSpc>
+                <a:spcPct val="100000"/>
+              </a:lnSpc>
+              <a:spcBef>
+                <a:spcPts val="1200"/>
+              </a:spcBef>
+              <a:buClr>
+                <a:schemeClr val="bg1">
+                  <a:lumMod val="65000"/>
+                </a:schemeClr>
+              </a:buClr>
+              <a:buFont typeface="Arial" panose="020B0604020202020204" pitchFamily="34" charset="0"/>
+              <a:buNone/>
+              <a:defRPr sz="4400" kern="1200">
+                <a:solidFill>
+                  <a:schemeClr val="tx1"/>
+                </a:solidFill>
+                <a:latin typeface="+mn-lt"/>
+                <a:ea typeface="+mn-ea"/>
+                <a:cs typeface="+mn-cs"/>
+              </a:defRPr>
+            </a:lvl7pPr>
+            <a:lvl8pPr marL="0" indent="0" algn="l" defTabSz="4389120" rtl="0" eaLnBrk="1" latinLnBrk="0" hangingPunct="1">
+              <a:lnSpc>
+                <a:spcPct val="100000"/>
+              </a:lnSpc>
+              <a:spcBef>
+                <a:spcPts val="1200"/>
+              </a:spcBef>
+              <a:buClr>
+                <a:schemeClr val="bg1">
+                  <a:lumMod val="65000"/>
+                </a:schemeClr>
+              </a:buClr>
+              <a:buFont typeface="Arial" panose="020B0604020202020204" pitchFamily="34" charset="0"/>
+              <a:buNone/>
+              <a:defRPr sz="4400" kern="1200">
+                <a:solidFill>
+                  <a:schemeClr val="tx1"/>
+                </a:solidFill>
+                <a:latin typeface="+mn-lt"/>
+                <a:ea typeface="+mn-ea"/>
+                <a:cs typeface="+mn-cs"/>
+              </a:defRPr>
+            </a:lvl8pPr>
+            <a:lvl9pPr marL="0" indent="0" algn="l" defTabSz="4389120" rtl="0" eaLnBrk="1" latinLnBrk="0" hangingPunct="1">
+              <a:lnSpc>
+                <a:spcPct val="100000"/>
+              </a:lnSpc>
+              <a:spcBef>
+                <a:spcPts val="1200"/>
+              </a:spcBef>
+              <a:buClr>
+                <a:schemeClr val="bg1">
+                  <a:lumMod val="65000"/>
+                </a:schemeClr>
+              </a:buClr>
+              <a:buFont typeface="Arial" panose="020B0604020202020204" pitchFamily="34" charset="0"/>
+              <a:buNone/>
+              <a:defRPr sz="4400" kern="1200">
+                <a:solidFill>
+                  <a:schemeClr val="tx1"/>
+                </a:solidFill>
+                <a:latin typeface="+mn-lt"/>
+                <a:ea typeface="+mn-ea"/>
+                <a:cs typeface="+mn-cs"/>
+              </a:defRPr>
+            </a:lvl9pPr>
+          </a:lstStyle>
+          <a:p>
+            <a:pPr algn="ctr"/>
+            <a:r>
+              <a:rPr lang="en-US" sz="3600" b="1" dirty="0">
+                <a:latin typeface="Times New Roman" panose="02020603050405020304" pitchFamily="18" charset="0"/>
+                <a:cs typeface="Times New Roman" panose="02020603050405020304" pitchFamily="18" charset="0"/>
+              </a:rPr>
+              <a:t>Corridor Diagonal Sequences</a:t>
+            </a:r>
+            <a:endParaRPr lang="en-US" sz="2800" b="1" dirty="0">
+              <a:latin typeface="Times New Roman" panose="02020603050405020304" pitchFamily="18" charset="0"/>
+              <a:cs typeface="Times New Roman" panose="02020603050405020304" pitchFamily="18" charset="0"/>
+            </a:endParaRPr>
+          </a:p>
+          <a:p>
+            <a:r>
+              <a:rPr lang="en-US" sz="2800" dirty="0">
+                <a:latin typeface="Times New Roman" panose="02020603050405020304" pitchFamily="18" charset="0"/>
+                <a:cs typeface="Times New Roman" panose="02020603050405020304" pitchFamily="18" charset="0"/>
+              </a:rPr>
+              <a:t>Follow the diagonal sequences of numbers in a one of the corridors. One will notice various intriguing patterns that appear on the diagonal. Some patterns are obvious to spot and others are slightly more difficult to notice. </a:t>
+            </a:r>
+          </a:p>
+          <a:p>
+            <a:endParaRPr lang="en-US" sz="2800" dirty="0">
+              <a:latin typeface="Times New Roman" panose="02020603050405020304" pitchFamily="18" charset="0"/>
+              <a:cs typeface="Times New Roman" panose="02020603050405020304" pitchFamily="18" charset="0"/>
+            </a:endParaRPr>
+          </a:p>
+          <a:p>
+            <a:r>
+              <a:rPr lang="en-US" sz="2800" dirty="0">
+                <a:latin typeface="Times New Roman" panose="02020603050405020304" pitchFamily="18" charset="0"/>
+                <a:cs typeface="Times New Roman" panose="02020603050405020304" pitchFamily="18" charset="0"/>
+              </a:rPr>
+              <a:t>Some relationships that we’ve noticed on the diagonals are </a:t>
+            </a:r>
+          </a:p>
+          <a:p>
+            <a:endParaRPr lang="en-US" sz="2800" dirty="0">
+              <a:latin typeface="Times New Roman" panose="02020603050405020304" pitchFamily="18" charset="0"/>
+              <a:cs typeface="Times New Roman" panose="02020603050405020304" pitchFamily="18" charset="0"/>
+            </a:endParaRPr>
+          </a:p>
+          <a:p>
+            <a:endParaRPr lang="en-US" sz="2800" dirty="0">
+              <a:latin typeface="Times New Roman" panose="02020603050405020304" pitchFamily="18" charset="0"/>
+              <a:cs typeface="Times New Roman" panose="02020603050405020304" pitchFamily="18" charset="0"/>
+            </a:endParaRPr>
+          </a:p>
+          <a:p>
+            <a:endParaRPr lang="en-US" sz="2800" dirty="0">
+              <a:latin typeface="Times New Roman" panose="02020603050405020304" pitchFamily="18" charset="0"/>
+              <a:cs typeface="Times New Roman" panose="02020603050405020304" pitchFamily="18" charset="0"/>
+            </a:endParaRPr>
+          </a:p>
+        </p:txBody>
+      </p:sp>
+      <p:sp>
+        <p:nvSpPr>
+          <p:cNvPr id="29" name="Text Box 11">
+            <a:extLst>
+              <a:ext uri="{FF2B5EF4-FFF2-40B4-BE49-F238E27FC236}">
+                <a16:creationId xmlns:a16="http://schemas.microsoft.com/office/drawing/2014/main" id="{4B9C9A91-4571-2941-A70D-19DF660A4ACD}"/>
+              </a:ext>
+            </a:extLst>
+          </p:cNvPr>
+          <p:cNvSpPr txBox="1">
+            <a:spLocks noChangeArrowheads="1"/>
+          </p:cNvSpPr>
+          <p:nvPr/>
+        </p:nvSpPr>
+        <p:spPr bwMode="auto">
+          <a:xfrm>
+            <a:off x="33273256" y="15473012"/>
+            <a:ext cx="7875639" cy="4012519"/>
           </a:xfrm>
           <a:prstGeom prst="rect">
             <a:avLst/>
@@ -6110,963 +6479,17 @@
           <a:lstStyle/>
           <a:p>
             <a:r>
+              <a:rPr lang="en-US" sz="1600" dirty="0" err="1">
+                <a:effectLst/>
+              </a:rPr>
+              <a:t>Psudo</a:t>
+            </a:r>
+            <a:r>
               <a:rPr lang="en-US" sz="1600" dirty="0">
                 <a:effectLst/>
-                <a:latin typeface="Courier New" panose="02070309020205020404" pitchFamily="49" charset="0"/>
               </a:rPr>
-              <a:t>public static </a:t>
-            </a:r>
-            <a:r>
-              <a:rPr lang="en-US" sz="1600" dirty="0" err="1">
-                <a:effectLst/>
-                <a:latin typeface="Courier New" panose="02070309020205020404" pitchFamily="49" charset="0"/>
-              </a:rPr>
-              <a:t>int</a:t>
-            </a:r>
-            <a:r>
-              <a:rPr lang="en-US" sz="1600" dirty="0">
-                <a:effectLst/>
-                <a:latin typeface="Courier New" panose="02070309020205020404" pitchFamily="49" charset="0"/>
-              </a:rPr>
-              <a:t>[][] </a:t>
-            </a:r>
-            <a:r>
-              <a:rPr lang="en-US" sz="1600" dirty="0" err="1">
-                <a:effectLst/>
-                <a:latin typeface="Courier New" panose="02070309020205020404" pitchFamily="49" charset="0"/>
-              </a:rPr>
-              <a:t>makeArray</a:t>
-            </a:r>
-            <a:r>
-              <a:rPr lang="en-US" sz="1600" dirty="0">
-                <a:effectLst/>
-                <a:latin typeface="Courier New" panose="02070309020205020404" pitchFamily="49" charset="0"/>
-              </a:rPr>
-              <a:t>(</a:t>
-            </a:r>
-            <a:r>
-              <a:rPr lang="en-US" sz="1600" dirty="0" err="1">
-                <a:effectLst/>
-                <a:latin typeface="Courier New" panose="02070309020205020404" pitchFamily="49" charset="0"/>
-              </a:rPr>
-              <a:t>int</a:t>
-            </a:r>
-            <a:r>
-              <a:rPr lang="en-US" sz="1600" dirty="0">
-                <a:effectLst/>
-                <a:latin typeface="Courier New" panose="02070309020205020404" pitchFamily="49" charset="0"/>
-              </a:rPr>
-              <a:t> n, </a:t>
-            </a:r>
-            <a:r>
-              <a:rPr lang="en-US" sz="1600" dirty="0" err="1">
-                <a:effectLst/>
-                <a:latin typeface="Courier New" panose="02070309020205020404" pitchFamily="49" charset="0"/>
-              </a:rPr>
-              <a:t>int</a:t>
-            </a:r>
-            <a:r>
-              <a:rPr lang="en-US" sz="1600" dirty="0">
-                <a:effectLst/>
-                <a:latin typeface="Courier New" panose="02070309020205020404" pitchFamily="49" charset="0"/>
-              </a:rPr>
-              <a:t> g, </a:t>
-            </a:r>
-            <a:r>
-              <a:rPr lang="en-US" sz="1600" dirty="0" err="1">
-                <a:effectLst/>
-                <a:latin typeface="Courier New" panose="02070309020205020404" pitchFamily="49" charset="0"/>
-              </a:rPr>
-              <a:t>int</a:t>
-            </a:r>
-            <a:r>
-              <a:rPr lang="en-US" sz="1600" dirty="0">
-                <a:effectLst/>
-                <a:latin typeface="Courier New" panose="02070309020205020404" pitchFamily="49" charset="0"/>
-              </a:rPr>
-              <a:t> a, </a:t>
-            </a:r>
-            <a:r>
-              <a:rPr lang="en-US" sz="1600" dirty="0" err="1">
-                <a:effectLst/>
-                <a:latin typeface="Courier New" panose="02070309020205020404" pitchFamily="49" charset="0"/>
-              </a:rPr>
-              <a:t>int</a:t>
-            </a:r>
-            <a:r>
-              <a:rPr lang="en-US" sz="1600" dirty="0">
-                <a:effectLst/>
-                <a:latin typeface="Courier New" panose="02070309020205020404" pitchFamily="49" charset="0"/>
-              </a:rPr>
-              <a:t> m) {</a:t>
-            </a:r>
-            <a:endParaRPr lang="en-US" sz="1600" dirty="0">
-              <a:effectLst/>
-            </a:endParaRPr>
-          </a:p>
-          <a:p>
-            <a:r>
-              <a:rPr lang="en-US" sz="1600" dirty="0">
-                <a:effectLst/>
-                <a:latin typeface="Courier New" panose="02070309020205020404" pitchFamily="49" charset="0"/>
-              </a:rPr>
-              <a:t>   </a:t>
-            </a:r>
-            <a:r>
-              <a:rPr lang="en-US" sz="1600" dirty="0" err="1">
-                <a:effectLst/>
-                <a:latin typeface="Courier New" panose="02070309020205020404" pitchFamily="49" charset="0"/>
-              </a:rPr>
-              <a:t>int</a:t>
-            </a:r>
-            <a:r>
-              <a:rPr lang="en-US" sz="1600" dirty="0">
-                <a:effectLst/>
-                <a:latin typeface="Courier New" panose="02070309020205020404" pitchFamily="49" charset="0"/>
-              </a:rPr>
-              <a:t>[][] array = new </a:t>
-            </a:r>
-            <a:r>
-              <a:rPr lang="en-US" sz="1600" dirty="0" err="1">
-                <a:effectLst/>
-                <a:latin typeface="Courier New" panose="02070309020205020404" pitchFamily="49" charset="0"/>
-              </a:rPr>
-              <a:t>int</a:t>
-            </a:r>
-            <a:r>
-              <a:rPr lang="en-US" sz="1600" dirty="0">
-                <a:effectLst/>
-                <a:latin typeface="Courier New" panose="02070309020205020404" pitchFamily="49" charset="0"/>
-              </a:rPr>
-              <a:t>[g + ((n + 1) / 2)][n];</a:t>
-            </a:r>
-            <a:endParaRPr lang="en-US" sz="1600" dirty="0">
-              <a:effectLst/>
-            </a:endParaRPr>
-          </a:p>
-          <a:p>
-            <a:r>
-              <a:rPr lang="en-US" sz="1600" dirty="0">
-                <a:effectLst/>
-                <a:latin typeface="Courier New" panose="02070309020205020404" pitchFamily="49" charset="0"/>
-              </a:rPr>
-              <a:t>   array[</a:t>
-            </a:r>
-            <a:r>
-              <a:rPr lang="en-US" sz="1600" dirty="0" err="1">
-                <a:effectLst/>
-                <a:latin typeface="Courier New" panose="02070309020205020404" pitchFamily="49" charset="0"/>
-              </a:rPr>
-              <a:t>array.length</a:t>
-            </a:r>
-            <a:r>
-              <a:rPr lang="en-US" sz="1600" dirty="0">
-                <a:effectLst/>
-                <a:latin typeface="Courier New" panose="02070309020205020404" pitchFamily="49" charset="0"/>
-              </a:rPr>
-              <a:t> - a][0] = 1;</a:t>
-            </a:r>
-            <a:endParaRPr lang="en-US" sz="1600" dirty="0">
-              <a:effectLst/>
-            </a:endParaRPr>
-          </a:p>
-          <a:p>
-            <a:r>
-              <a:rPr lang="en-US" sz="1600" dirty="0">
-                <a:effectLst/>
-                <a:latin typeface="Courier New" panose="02070309020205020404" pitchFamily="49" charset="0"/>
-              </a:rPr>
-              <a:t>   array[(</a:t>
-            </a:r>
-            <a:r>
-              <a:rPr lang="en-US" sz="1600" dirty="0" err="1">
-                <a:effectLst/>
-                <a:latin typeface="Courier New" panose="02070309020205020404" pitchFamily="49" charset="0"/>
-              </a:rPr>
-              <a:t>array.length</a:t>
-            </a:r>
-            <a:r>
-              <a:rPr lang="en-US" sz="1600" dirty="0">
-                <a:effectLst/>
-                <a:latin typeface="Courier New" panose="02070309020205020404" pitchFamily="49" charset="0"/>
-              </a:rPr>
-              <a:t> - g) - 1][0] = -1;</a:t>
-            </a:r>
-            <a:endParaRPr lang="en-US" sz="1600" dirty="0">
-              <a:effectLst/>
-            </a:endParaRPr>
-          </a:p>
-          <a:p>
-            <a:r>
-              <a:rPr lang="en-US" sz="1600" dirty="0">
-                <a:effectLst/>
-                <a:latin typeface="Courier New" panose="02070309020205020404" pitchFamily="49" charset="0"/>
-              </a:rPr>
-              <a:t>   </a:t>
-            </a:r>
-            <a:r>
-              <a:rPr lang="en-US" sz="1600" dirty="0" err="1">
-                <a:effectLst/>
-                <a:latin typeface="Courier New" panose="02070309020205020404" pitchFamily="49" charset="0"/>
-              </a:rPr>
-              <a:t>int</a:t>
-            </a:r>
-            <a:r>
-              <a:rPr lang="en-US" sz="1600" dirty="0">
-                <a:effectLst/>
-                <a:latin typeface="Courier New" panose="02070309020205020404" pitchFamily="49" charset="0"/>
-              </a:rPr>
-              <a:t> </a:t>
-            </a:r>
-            <a:r>
-              <a:rPr lang="en-US" sz="1600" dirty="0" err="1">
-                <a:effectLst/>
-                <a:latin typeface="Courier New" panose="02070309020205020404" pitchFamily="49" charset="0"/>
-              </a:rPr>
-              <a:t>rowneg</a:t>
-            </a:r>
-            <a:r>
-              <a:rPr lang="en-US" sz="1600" dirty="0">
-                <a:effectLst/>
-                <a:latin typeface="Courier New" panose="02070309020205020404" pitchFamily="49" charset="0"/>
-              </a:rPr>
-              <a:t> = (</a:t>
-            </a:r>
-            <a:r>
-              <a:rPr lang="en-US" sz="1600" dirty="0" err="1">
-                <a:effectLst/>
-                <a:latin typeface="Courier New" panose="02070309020205020404" pitchFamily="49" charset="0"/>
-              </a:rPr>
-              <a:t>array.length</a:t>
-            </a:r>
-            <a:r>
-              <a:rPr lang="en-US" sz="1600" dirty="0">
-                <a:effectLst/>
-                <a:latin typeface="Courier New" panose="02070309020205020404" pitchFamily="49" charset="0"/>
-              </a:rPr>
-              <a:t> - g) - 2;</a:t>
-            </a:r>
-            <a:endParaRPr lang="en-US" sz="1600" dirty="0">
-              <a:effectLst/>
-            </a:endParaRPr>
-          </a:p>
-          <a:p>
-            <a:r>
-              <a:rPr lang="en-US" sz="1600" dirty="0">
-                <a:effectLst/>
-                <a:latin typeface="Courier New" panose="02070309020205020404" pitchFamily="49" charset="0"/>
-              </a:rPr>
-              <a:t>   for (</a:t>
-            </a:r>
-            <a:r>
-              <a:rPr lang="en-US" sz="1600" dirty="0" err="1">
-                <a:effectLst/>
-                <a:latin typeface="Courier New" panose="02070309020205020404" pitchFamily="49" charset="0"/>
-              </a:rPr>
-              <a:t>int</a:t>
-            </a:r>
-            <a:r>
-              <a:rPr lang="en-US" sz="1600" dirty="0">
-                <a:effectLst/>
-                <a:latin typeface="Courier New" panose="02070309020205020404" pitchFamily="49" charset="0"/>
-              </a:rPr>
-              <a:t> col = 1; col &lt; array[0].length; col++) {</a:t>
-            </a:r>
-            <a:endParaRPr lang="en-US" sz="1600" dirty="0">
-              <a:effectLst/>
-            </a:endParaRPr>
-          </a:p>
-          <a:p>
-            <a:r>
-              <a:rPr lang="en-US" sz="1600" dirty="0">
-                <a:effectLst/>
-                <a:latin typeface="Courier New" panose="02070309020205020404" pitchFamily="49" charset="0"/>
-              </a:rPr>
-              <a:t>      if (</a:t>
-            </a:r>
-            <a:r>
-              <a:rPr lang="en-US" sz="1600" dirty="0" err="1">
-                <a:effectLst/>
-                <a:latin typeface="Courier New" panose="02070309020205020404" pitchFamily="49" charset="0"/>
-              </a:rPr>
-              <a:t>rowneg</a:t>
-            </a:r>
-            <a:r>
-              <a:rPr lang="en-US" sz="1600" dirty="0">
-                <a:effectLst/>
-                <a:latin typeface="Courier New" panose="02070309020205020404" pitchFamily="49" charset="0"/>
-              </a:rPr>
-              <a:t> == -1) {</a:t>
-            </a:r>
-            <a:endParaRPr lang="en-US" sz="1600" dirty="0">
-              <a:effectLst/>
-            </a:endParaRPr>
-          </a:p>
-          <a:p>
-            <a:r>
-              <a:rPr lang="en-US" sz="1600" dirty="0">
-                <a:effectLst/>
-                <a:latin typeface="Courier New" panose="02070309020205020404" pitchFamily="49" charset="0"/>
-              </a:rPr>
-              <a:t>         break;</a:t>
-            </a:r>
-            <a:endParaRPr lang="en-US" sz="1600" dirty="0">
-              <a:effectLst/>
-            </a:endParaRPr>
-          </a:p>
-          <a:p>
-            <a:r>
-              <a:rPr lang="en-US" sz="1600" dirty="0">
-                <a:effectLst/>
-                <a:latin typeface="Courier New" panose="02070309020205020404" pitchFamily="49" charset="0"/>
-              </a:rPr>
-              <a:t>      }</a:t>
-            </a:r>
-            <a:endParaRPr lang="en-US" sz="1600" dirty="0">
-              <a:effectLst/>
-            </a:endParaRPr>
-          </a:p>
-          <a:p>
-            <a:r>
-              <a:rPr lang="en-US" sz="1600" dirty="0">
-                <a:effectLst/>
-                <a:latin typeface="Courier New" panose="02070309020205020404" pitchFamily="49" charset="0"/>
-              </a:rPr>
-              <a:t>      array[</a:t>
-            </a:r>
-            <a:r>
-              <a:rPr lang="en-US" sz="1600" dirty="0" err="1">
-                <a:effectLst/>
-                <a:latin typeface="Courier New" panose="02070309020205020404" pitchFamily="49" charset="0"/>
-              </a:rPr>
-              <a:t>rowneg</a:t>
-            </a:r>
-            <a:r>
-              <a:rPr lang="en-US" sz="1600" dirty="0">
-                <a:effectLst/>
-                <a:latin typeface="Courier New" panose="02070309020205020404" pitchFamily="49" charset="0"/>
-              </a:rPr>
-              <a:t>][col] = -1;</a:t>
-            </a:r>
-            <a:endParaRPr lang="en-US" sz="1600" dirty="0">
-              <a:effectLst/>
-            </a:endParaRPr>
-          </a:p>
-          <a:p>
-            <a:r>
-              <a:rPr lang="en-US" sz="1600" dirty="0">
-                <a:effectLst/>
-                <a:latin typeface="Courier New" panose="02070309020205020404" pitchFamily="49" charset="0"/>
-              </a:rPr>
-              <a:t>      if (col % m == 0) {</a:t>
-            </a:r>
-            <a:endParaRPr lang="en-US" sz="1600" dirty="0">
-              <a:effectLst/>
-            </a:endParaRPr>
-          </a:p>
-          <a:p>
-            <a:r>
-              <a:rPr lang="en-US" sz="1600" dirty="0">
-                <a:effectLst/>
-                <a:latin typeface="Courier New" panose="02070309020205020404" pitchFamily="49" charset="0"/>
-              </a:rPr>
-              <a:t>         </a:t>
-            </a:r>
-            <a:r>
-              <a:rPr lang="en-US" sz="1600" dirty="0" err="1">
-                <a:effectLst/>
-                <a:latin typeface="Courier New" panose="02070309020205020404" pitchFamily="49" charset="0"/>
-              </a:rPr>
-              <a:t>rowneg</a:t>
-            </a:r>
-            <a:r>
-              <a:rPr lang="en-US" sz="1600" dirty="0">
-                <a:effectLst/>
-                <a:latin typeface="Courier New" panose="02070309020205020404" pitchFamily="49" charset="0"/>
-              </a:rPr>
-              <a:t> -= 1;</a:t>
-            </a:r>
-            <a:endParaRPr lang="en-US" sz="1600" dirty="0">
-              <a:effectLst/>
-            </a:endParaRPr>
-          </a:p>
-          <a:p>
-            <a:r>
-              <a:rPr lang="en-US" sz="1600" dirty="0">
-                <a:effectLst/>
-                <a:latin typeface="Courier New" panose="02070309020205020404" pitchFamily="49" charset="0"/>
-              </a:rPr>
-              <a:t>      }</a:t>
-            </a:r>
-            <a:endParaRPr lang="en-US" sz="1600" dirty="0">
-              <a:effectLst/>
-            </a:endParaRPr>
-          </a:p>
-          <a:p>
-            <a:r>
-              <a:rPr lang="en-US" sz="1600" dirty="0">
-                <a:effectLst/>
-                <a:latin typeface="Courier New" panose="02070309020205020404" pitchFamily="49" charset="0"/>
-              </a:rPr>
-              <a:t>   }</a:t>
-            </a:r>
-            <a:endParaRPr lang="en-US" sz="1600" dirty="0">
-              <a:effectLst/>
-            </a:endParaRPr>
-          </a:p>
-          <a:p>
-            <a:r>
-              <a:rPr lang="en-US" sz="1600" dirty="0">
-                <a:effectLst/>
-                <a:latin typeface="Courier New" panose="02070309020205020404" pitchFamily="49" charset="0"/>
-              </a:rPr>
-              <a:t>   for (</a:t>
-            </a:r>
-            <a:r>
-              <a:rPr lang="en-US" sz="1600" dirty="0" err="1">
-                <a:effectLst/>
-                <a:latin typeface="Courier New" panose="02070309020205020404" pitchFamily="49" charset="0"/>
-              </a:rPr>
-              <a:t>int</a:t>
-            </a:r>
-            <a:r>
-              <a:rPr lang="en-US" sz="1600" dirty="0">
-                <a:effectLst/>
-                <a:latin typeface="Courier New" panose="02070309020205020404" pitchFamily="49" charset="0"/>
-              </a:rPr>
-              <a:t> col = 1; col &lt;= array[0].length - 1; col++) {</a:t>
-            </a:r>
-            <a:endParaRPr lang="en-US" sz="1600" dirty="0">
-              <a:effectLst/>
-            </a:endParaRPr>
-          </a:p>
-          <a:p>
-            <a:r>
-              <a:rPr lang="en-US" sz="1600" dirty="0">
-                <a:effectLst/>
-                <a:latin typeface="Courier New" panose="02070309020205020404" pitchFamily="49" charset="0"/>
-              </a:rPr>
-              <a:t>      for (</a:t>
-            </a:r>
-            <a:r>
-              <a:rPr lang="en-US" sz="1600" dirty="0" err="1">
-                <a:effectLst/>
-                <a:latin typeface="Courier New" panose="02070309020205020404" pitchFamily="49" charset="0"/>
-              </a:rPr>
-              <a:t>int</a:t>
-            </a:r>
-            <a:r>
-              <a:rPr lang="en-US" sz="1600" dirty="0">
-                <a:effectLst/>
-                <a:latin typeface="Courier New" panose="02070309020205020404" pitchFamily="49" charset="0"/>
-              </a:rPr>
-              <a:t> row = </a:t>
-            </a:r>
-            <a:r>
-              <a:rPr lang="en-US" sz="1600" dirty="0" err="1">
-                <a:effectLst/>
-                <a:latin typeface="Courier New" panose="02070309020205020404" pitchFamily="49" charset="0"/>
-              </a:rPr>
-              <a:t>array.length</a:t>
-            </a:r>
-            <a:r>
-              <a:rPr lang="en-US" sz="1600" dirty="0">
-                <a:effectLst/>
-                <a:latin typeface="Courier New" panose="02070309020205020404" pitchFamily="49" charset="0"/>
-              </a:rPr>
-              <a:t> - 1; (array[row][col] != -1); row--) {</a:t>
-            </a:r>
-            <a:endParaRPr lang="en-US" sz="1600" dirty="0">
-              <a:effectLst/>
-            </a:endParaRPr>
-          </a:p>
-          <a:p>
-            <a:r>
-              <a:rPr lang="en-US" sz="1600" dirty="0">
-                <a:effectLst/>
-                <a:latin typeface="Courier New" panose="02070309020205020404" pitchFamily="49" charset="0"/>
-              </a:rPr>
-              <a:t>         if ((row == 0)) {</a:t>
-            </a:r>
-            <a:endParaRPr lang="en-US" sz="1600" dirty="0">
-              <a:effectLst/>
-            </a:endParaRPr>
-          </a:p>
-          <a:p>
-            <a:r>
-              <a:rPr lang="en-US" sz="1600" dirty="0">
-                <a:effectLst/>
-                <a:latin typeface="Courier New" panose="02070309020205020404" pitchFamily="49" charset="0"/>
-              </a:rPr>
-              <a:t>            array[row][col] = 0;</a:t>
-            </a:r>
-            <a:endParaRPr lang="en-US" sz="1600" dirty="0">
-              <a:effectLst/>
-            </a:endParaRPr>
-          </a:p>
-          <a:p>
-            <a:r>
-              <a:rPr lang="en-US" sz="1600" dirty="0">
-                <a:effectLst/>
-                <a:latin typeface="Courier New" panose="02070309020205020404" pitchFamily="49" charset="0"/>
-              </a:rPr>
-              <a:t>            break;</a:t>
-            </a:r>
-            <a:endParaRPr lang="en-US" sz="1600" dirty="0">
-              <a:effectLst/>
-            </a:endParaRPr>
-          </a:p>
-          <a:p>
-            <a:r>
-              <a:rPr lang="en-US" sz="1600" dirty="0">
-                <a:effectLst/>
-                <a:latin typeface="Courier New" panose="02070309020205020404" pitchFamily="49" charset="0"/>
-              </a:rPr>
-              <a:t>         }</a:t>
-            </a:r>
-            <a:endParaRPr lang="en-US" sz="1600" dirty="0">
-              <a:effectLst/>
-            </a:endParaRPr>
-          </a:p>
-          <a:p>
-            <a:r>
-              <a:rPr lang="en-US" sz="1600" dirty="0">
-                <a:effectLst/>
-                <a:latin typeface="Courier New" panose="02070309020205020404" pitchFamily="49" charset="0"/>
-              </a:rPr>
-              <a:t>         if (row == </a:t>
-            </a:r>
-            <a:r>
-              <a:rPr lang="en-US" sz="1600" dirty="0" err="1">
-                <a:effectLst/>
-                <a:latin typeface="Courier New" panose="02070309020205020404" pitchFamily="49" charset="0"/>
-              </a:rPr>
-              <a:t>array.length</a:t>
-            </a:r>
-            <a:r>
-              <a:rPr lang="en-US" sz="1600" dirty="0">
-                <a:effectLst/>
-                <a:latin typeface="Courier New" panose="02070309020205020404" pitchFamily="49" charset="0"/>
-              </a:rPr>
-              <a:t> - 1) {</a:t>
-            </a:r>
-            <a:endParaRPr lang="en-US" sz="1600" dirty="0">
-              <a:effectLst/>
-            </a:endParaRPr>
-          </a:p>
-          <a:p>
-            <a:r>
-              <a:rPr lang="en-US" sz="1600" dirty="0">
-                <a:effectLst/>
-                <a:latin typeface="Courier New" panose="02070309020205020404" pitchFamily="49" charset="0"/>
-              </a:rPr>
-              <a:t>            array[row][col] = array[row - 1][col - 1];</a:t>
-            </a:r>
-            <a:endParaRPr lang="en-US" sz="1600" dirty="0">
-              <a:effectLst/>
-            </a:endParaRPr>
-          </a:p>
-          <a:p>
-            <a:r>
-              <a:rPr lang="en-US" sz="1600" dirty="0">
-                <a:effectLst/>
-                <a:latin typeface="Courier New" panose="02070309020205020404" pitchFamily="49" charset="0"/>
-              </a:rPr>
-              <a:t>         } else if (array[row - 1][col - 1] == -1) {</a:t>
-            </a:r>
-            <a:endParaRPr lang="en-US" sz="1600" dirty="0">
-              <a:effectLst/>
-            </a:endParaRPr>
-          </a:p>
-          <a:p>
-            <a:r>
-              <a:rPr lang="en-US" sz="1600" dirty="0">
-                <a:effectLst/>
-                <a:latin typeface="Courier New" panose="02070309020205020404" pitchFamily="49" charset="0"/>
-              </a:rPr>
-              <a:t>            array[row][col] = array[row + 1][col - 1];</a:t>
-            </a:r>
-            <a:endParaRPr lang="en-US" sz="1600" dirty="0">
-              <a:effectLst/>
-            </a:endParaRPr>
-          </a:p>
-          <a:p>
-            <a:r>
-              <a:rPr lang="en-US" sz="1600" dirty="0">
-                <a:effectLst/>
-                <a:latin typeface="Courier New" panose="02070309020205020404" pitchFamily="49" charset="0"/>
-              </a:rPr>
-              <a:t>         } else {</a:t>
-            </a:r>
-            <a:endParaRPr lang="en-US" sz="1600" dirty="0">
-              <a:effectLst/>
-            </a:endParaRPr>
-          </a:p>
-          <a:p>
-            <a:r>
-              <a:rPr lang="en-US" sz="1600" dirty="0">
-                <a:effectLst/>
-                <a:latin typeface="Courier New" panose="02070309020205020404" pitchFamily="49" charset="0"/>
-              </a:rPr>
-              <a:t>            array[row][col] = array[row - 1][col - 1] </a:t>
-            </a:r>
-            <a:endParaRPr lang="en-US" sz="1600" dirty="0">
-              <a:effectLst/>
-            </a:endParaRPr>
-          </a:p>
-          <a:p>
-            <a:pPr indent="457200"/>
-            <a:r>
-              <a:rPr lang="en-US" sz="1600" dirty="0">
-                <a:effectLst/>
-                <a:latin typeface="Courier New" panose="02070309020205020404" pitchFamily="49" charset="0"/>
-              </a:rPr>
-              <a:t>      + array[row + 1][col - 1];</a:t>
-            </a:r>
-            <a:endParaRPr lang="en-US" sz="1600" dirty="0">
-              <a:effectLst/>
-            </a:endParaRPr>
-          </a:p>
-          <a:p>
-            <a:r>
-              <a:rPr lang="en-US" sz="1600" dirty="0">
-                <a:effectLst/>
-                <a:latin typeface="Courier New" panose="02070309020205020404" pitchFamily="49" charset="0"/>
-              </a:rPr>
-              <a:t>         }</a:t>
-            </a:r>
-            <a:endParaRPr lang="en-US" sz="1600" dirty="0">
-              <a:effectLst/>
-            </a:endParaRPr>
-          </a:p>
-          <a:p>
-            <a:r>
-              <a:rPr lang="en-US" sz="1600" dirty="0">
-                <a:effectLst/>
-                <a:latin typeface="Courier New" panose="02070309020205020404" pitchFamily="49" charset="0"/>
-              </a:rPr>
-              <a:t>      }</a:t>
-            </a:r>
-            <a:endParaRPr lang="en-US" sz="1600" dirty="0">
-              <a:effectLst/>
-            </a:endParaRPr>
-          </a:p>
-          <a:p>
-            <a:r>
-              <a:rPr lang="en-US" sz="1600" dirty="0">
-                <a:effectLst/>
-                <a:latin typeface="Courier New" panose="02070309020205020404" pitchFamily="49" charset="0"/>
-              </a:rPr>
-              <a:t>   }</a:t>
-            </a:r>
-            <a:endParaRPr lang="en-US" sz="1600" dirty="0">
-              <a:effectLst/>
-            </a:endParaRPr>
-          </a:p>
-          <a:p>
-            <a:r>
-              <a:rPr lang="en-US" sz="1600" dirty="0">
-                <a:effectLst/>
-                <a:latin typeface="Courier New" panose="02070309020205020404" pitchFamily="49" charset="0"/>
-              </a:rPr>
-              <a:t>   return array;</a:t>
-            </a:r>
-            <a:endParaRPr lang="en-US" sz="1600" dirty="0">
-              <a:effectLst/>
-            </a:endParaRPr>
-          </a:p>
-          <a:p>
-            <a:r>
-              <a:rPr lang="en-US" sz="1600" dirty="0">
-                <a:effectLst/>
-                <a:latin typeface="Courier New" panose="02070309020205020404" pitchFamily="49" charset="0"/>
-              </a:rPr>
-              <a:t>}</a:t>
-            </a:r>
-            <a:endParaRPr lang="en-US" sz="1600" dirty="0">
-              <a:effectLst/>
-            </a:endParaRPr>
-          </a:p>
-        </p:txBody>
-      </p:sp>
-      <p:pic>
-        <p:nvPicPr>
-          <p:cNvPr id="2" name="Picture 1"/>
-          <p:cNvPicPr>
-            <a:picLocks noChangeAspect="1"/>
-          </p:cNvPicPr>
-          <p:nvPr/>
-        </p:nvPicPr>
-        <p:blipFill>
-          <a:blip r:embed="rId2"/>
-          <a:stretch>
-            <a:fillRect/>
-          </a:stretch>
-        </p:blipFill>
-        <p:spPr>
-          <a:xfrm>
-            <a:off x="1103377" y="23692295"/>
-            <a:ext cx="7696200" cy="1247775"/>
-          </a:xfrm>
-          <a:prstGeom prst="rect">
-            <a:avLst/>
-          </a:prstGeom>
-        </p:spPr>
-      </p:pic>
-      <p:pic>
-        <p:nvPicPr>
-          <p:cNvPr id="3" name="Picture 2"/>
-          <p:cNvPicPr>
-            <a:picLocks noChangeAspect="1"/>
-          </p:cNvPicPr>
-          <p:nvPr/>
-        </p:nvPicPr>
-        <p:blipFill>
-          <a:blip r:embed="rId3"/>
-          <a:stretch>
-            <a:fillRect/>
-          </a:stretch>
-        </p:blipFill>
-        <p:spPr>
-          <a:xfrm>
-            <a:off x="1103377" y="25143451"/>
-            <a:ext cx="7696200" cy="1533525"/>
-          </a:xfrm>
-          <a:prstGeom prst="rect">
-            <a:avLst/>
-          </a:prstGeom>
-        </p:spPr>
-      </p:pic>
-      <p:pic>
-        <p:nvPicPr>
-          <p:cNvPr id="5" name="Picture 4"/>
-          <p:cNvPicPr>
-            <a:picLocks noChangeAspect="1"/>
-          </p:cNvPicPr>
-          <p:nvPr/>
-        </p:nvPicPr>
-        <p:blipFill>
-          <a:blip r:embed="rId4"/>
-          <a:stretch>
-            <a:fillRect/>
-          </a:stretch>
-        </p:blipFill>
-        <p:spPr>
-          <a:xfrm>
-            <a:off x="1103377" y="26998277"/>
-            <a:ext cx="7696200" cy="1562100"/>
-          </a:xfrm>
-          <a:prstGeom prst="rect">
-            <a:avLst/>
-          </a:prstGeom>
-        </p:spPr>
-      </p:pic>
-      <p:pic>
-        <p:nvPicPr>
-          <p:cNvPr id="6" name="Picture 5"/>
-          <p:cNvPicPr>
-            <a:picLocks noChangeAspect="1"/>
-          </p:cNvPicPr>
-          <p:nvPr/>
-        </p:nvPicPr>
-        <p:blipFill>
-          <a:blip r:embed="rId5"/>
-          <a:stretch>
-            <a:fillRect/>
-          </a:stretch>
-        </p:blipFill>
-        <p:spPr>
-          <a:xfrm>
-            <a:off x="10706714" y="23805188"/>
-            <a:ext cx="8496300" cy="1323975"/>
-          </a:xfrm>
-          <a:prstGeom prst="rect">
-            <a:avLst/>
-          </a:prstGeom>
-        </p:spPr>
-      </p:pic>
-      <p:pic>
-        <p:nvPicPr>
-          <p:cNvPr id="7" name="Picture 6"/>
-          <p:cNvPicPr>
-            <a:picLocks noChangeAspect="1"/>
-          </p:cNvPicPr>
-          <p:nvPr/>
-        </p:nvPicPr>
-        <p:blipFill>
-          <a:blip r:embed="rId6"/>
-          <a:stretch>
-            <a:fillRect/>
-          </a:stretch>
-        </p:blipFill>
-        <p:spPr>
-          <a:xfrm>
-            <a:off x="10649564" y="25493327"/>
-            <a:ext cx="8553450" cy="1504950"/>
-          </a:xfrm>
-          <a:prstGeom prst="rect">
-            <a:avLst/>
-          </a:prstGeom>
-        </p:spPr>
-      </p:pic>
-      <p:sp>
-        <p:nvSpPr>
-          <p:cNvPr id="16" name="Text Placeholder 68"/>
-          <p:cNvSpPr>
-            <a:spLocks noGrp="1"/>
-          </p:cNvSpPr>
-          <p:nvPr>
-            <p:ph type="body" sz="quarter" idx="39"/>
-          </p:nvPr>
-        </p:nvSpPr>
-        <p:spPr>
-          <a:xfrm>
-            <a:off x="22860000" y="27905842"/>
-            <a:ext cx="10559845" cy="3311703"/>
-          </a:xfrm>
-          <a:ln>
-            <a:solidFill>
-              <a:schemeClr val="tx1"/>
-            </a:solidFill>
-          </a:ln>
-        </p:spPr>
-        <p:txBody>
-          <a:bodyPr/>
-          <a:lstStyle/>
-          <a:p>
-            <a:pPr algn="ctr"/>
-            <a:r>
-              <a:rPr lang="en-US" sz="4800" dirty="0" smtClean="0">
-                <a:solidFill>
-                  <a:srgbClr val="FF0000"/>
-                </a:solidFill>
-                <a:latin typeface="Times New Roman" panose="02020603050405020304" pitchFamily="18" charset="0"/>
-                <a:cs typeface="Times New Roman" panose="02020603050405020304" pitchFamily="18" charset="0"/>
-              </a:rPr>
-              <a:t>I’d like to put more graphics down here depicting the corridors made in </a:t>
-            </a:r>
-            <a:r>
-              <a:rPr lang="en-US" sz="4800" dirty="0" err="1" smtClean="0">
-                <a:solidFill>
-                  <a:srgbClr val="FF0000"/>
-                </a:solidFill>
-                <a:latin typeface="Times New Roman" panose="02020603050405020304" pitchFamily="18" charset="0"/>
-                <a:cs typeface="Times New Roman" panose="02020603050405020304" pitchFamily="18" charset="0"/>
-              </a:rPr>
-              <a:t>LaTeX</a:t>
-            </a:r>
-            <a:r>
-              <a:rPr lang="en-US" sz="4800" dirty="0" smtClean="0">
-                <a:solidFill>
-                  <a:srgbClr val="FF0000"/>
-                </a:solidFill>
-                <a:latin typeface="Times New Roman" panose="02020603050405020304" pitchFamily="18" charset="0"/>
-                <a:cs typeface="Times New Roman" panose="02020603050405020304" pitchFamily="18" charset="0"/>
-              </a:rPr>
-              <a:t> if possible..</a:t>
-            </a:r>
-            <a:endParaRPr lang="en-US" sz="3200" dirty="0">
-              <a:solidFill>
-                <a:srgbClr val="FF0000"/>
-              </a:solidFill>
-              <a:effectLst/>
-              <a:latin typeface="Times New Roman" panose="02020603050405020304" pitchFamily="18" charset="0"/>
-              <a:cs typeface="Times New Roman" panose="02020603050405020304" pitchFamily="18" charset="0"/>
-            </a:endParaRPr>
-          </a:p>
-        </p:txBody>
-      </p:sp>
-      <p:sp>
-        <p:nvSpPr>
-          <p:cNvPr id="17" name="Text Placeholder 68"/>
-          <p:cNvSpPr>
-            <a:spLocks noGrp="1"/>
-          </p:cNvSpPr>
-          <p:nvPr>
-            <p:ph type="body" sz="quarter" idx="39"/>
-          </p:nvPr>
-        </p:nvSpPr>
-        <p:spPr>
-          <a:xfrm>
-            <a:off x="26521903" y="15048825"/>
-            <a:ext cx="9995104" cy="2662773"/>
-          </a:xfrm>
-          <a:ln>
-            <a:solidFill>
-              <a:schemeClr val="tx1"/>
-            </a:solidFill>
-          </a:ln>
-        </p:spPr>
-        <p:txBody>
-          <a:bodyPr/>
-          <a:lstStyle/>
-          <a:p>
-            <a:pPr algn="ctr"/>
-            <a:r>
-              <a:rPr lang="en-US" sz="4800" dirty="0" smtClean="0">
-                <a:solidFill>
-                  <a:srgbClr val="FF0000"/>
-                </a:solidFill>
-                <a:latin typeface="Times New Roman" panose="02020603050405020304" pitchFamily="18" charset="0"/>
-                <a:cs typeface="Times New Roman" panose="02020603050405020304" pitchFamily="18" charset="0"/>
-              </a:rPr>
-              <a:t>More things to fix here, not sure if I would include this python code because it’s not done yet</a:t>
-            </a:r>
-            <a:endParaRPr lang="en-US" sz="3200" dirty="0">
-              <a:solidFill>
-                <a:srgbClr val="FF0000"/>
-              </a:solidFill>
-              <a:effectLst/>
-              <a:latin typeface="Times New Roman" panose="02020603050405020304" pitchFamily="18" charset="0"/>
-              <a:cs typeface="Times New Roman" panose="02020603050405020304" pitchFamily="18" charset="0"/>
-            </a:endParaRPr>
-          </a:p>
-        </p:txBody>
-      </p:sp>
-      <p:sp>
-        <p:nvSpPr>
-          <p:cNvPr id="18" name="Text Placeholder 68"/>
-          <p:cNvSpPr>
-            <a:spLocks noGrp="1"/>
-          </p:cNvSpPr>
-          <p:nvPr>
-            <p:ph type="body" sz="quarter" idx="39"/>
-          </p:nvPr>
-        </p:nvSpPr>
-        <p:spPr>
-          <a:xfrm>
-            <a:off x="8032661" y="27779327"/>
-            <a:ext cx="10559845" cy="3311703"/>
-          </a:xfrm>
-          <a:ln>
-            <a:solidFill>
-              <a:schemeClr val="tx1"/>
-            </a:solidFill>
-          </a:ln>
-        </p:spPr>
-        <p:txBody>
-          <a:bodyPr/>
-          <a:lstStyle/>
-          <a:p>
-            <a:pPr algn="ctr"/>
-            <a:r>
-              <a:rPr lang="en-US" sz="4800" dirty="0" smtClean="0">
-                <a:solidFill>
-                  <a:srgbClr val="FF0000"/>
-                </a:solidFill>
-                <a:latin typeface="Times New Roman" panose="02020603050405020304" pitchFamily="18" charset="0"/>
-                <a:cs typeface="Times New Roman" panose="02020603050405020304" pitchFamily="18" charset="0"/>
-              </a:rPr>
-              <a:t>Not sure if these are good enough to include.. They are just terminal output from the original program</a:t>
-            </a:r>
-            <a:endParaRPr lang="en-US" sz="3200" dirty="0">
-              <a:solidFill>
-                <a:srgbClr val="FF0000"/>
-              </a:solidFill>
-              <a:effectLst/>
-              <a:latin typeface="Times New Roman" panose="02020603050405020304" pitchFamily="18" charset="0"/>
-              <a:cs typeface="Times New Roman" panose="02020603050405020304" pitchFamily="18" charset="0"/>
-            </a:endParaRPr>
+              <a:t> code goes in there</a:t>
+            </a:r>
           </a:p>
         </p:txBody>
       </p:sp>
@@ -7080,13 +6503,6 @@
   <p:clrMapOvr>
     <a:masterClrMapping/>
   </p:clrMapOvr>
-  <p:timing>
-    <p:tnLst>
-      <p:par>
-        <p:cTn id="1" dur="indefinite" restart="never" nodeType="tmRoot"/>
-      </p:par>
-    </p:tnLst>
-  </p:timing>
 </p:sld>
 </file>
 
@@ -7945,130 +7361,12 @@
 </file>
 
 <file path=customXml/item1.xml><?xml version="1.0" encoding="utf-8"?>
-<p:properties xmlns:p="http://schemas.microsoft.com/office/2006/metadata/properties" xmlns:xsi="http://www.w3.org/2001/XMLSchema-instance" xmlns:pc="http://schemas.microsoft.com/office/infopath/2007/PartnerControls">
-  <documentManagement>
-    <DirectSourceMarket xmlns="4873beb7-5857-4685-be1f-d57550cc96cc" xsi:nil="true"/>
-    <ApprovalStatus xmlns="4873beb7-5857-4685-be1f-d57550cc96cc">InProgress</ApprovalStatus>
-    <MarketSpecific xmlns="4873beb7-5857-4685-be1f-d57550cc96cc">false</MarketSpecific>
-    <LocComments xmlns="4873beb7-5857-4685-be1f-d57550cc96cc" xsi:nil="true"/>
-    <ThumbnailAssetId xmlns="4873beb7-5857-4685-be1f-d57550cc96cc" xsi:nil="true"/>
-    <PrimaryImageGen xmlns="4873beb7-5857-4685-be1f-d57550cc96cc">true</PrimaryImageGen>
-    <LegacyData xmlns="4873beb7-5857-4685-be1f-d57550cc96cc" xsi:nil="true"/>
-    <LocRecommendedHandoff xmlns="4873beb7-5857-4685-be1f-d57550cc96cc" xsi:nil="true"/>
-    <BusinessGroup xmlns="4873beb7-5857-4685-be1f-d57550cc96cc" xsi:nil="true"/>
-    <BlockPublish xmlns="4873beb7-5857-4685-be1f-d57550cc96cc">false</BlockPublish>
-    <TPFriendlyName xmlns="4873beb7-5857-4685-be1f-d57550cc96cc" xsi:nil="true"/>
-    <NumericId xmlns="4873beb7-5857-4685-be1f-d57550cc96cc" xsi:nil="true"/>
-    <APEditor xmlns="4873beb7-5857-4685-be1f-d57550cc96cc">
-      <UserInfo>
-        <DisplayName/>
-        <AccountId xsi:nil="true"/>
-        <AccountType/>
-      </UserInfo>
-    </APEditor>
-    <SourceTitle xmlns="4873beb7-5857-4685-be1f-d57550cc96cc" xsi:nil="true"/>
-    <OpenTemplate xmlns="4873beb7-5857-4685-be1f-d57550cc96cc">true</OpenTemplate>
-    <UALocComments xmlns="4873beb7-5857-4685-be1f-d57550cc96cc" xsi:nil="true"/>
-    <ParentAssetId xmlns="4873beb7-5857-4685-be1f-d57550cc96cc" xsi:nil="true"/>
-    <IntlLangReviewDate xmlns="4873beb7-5857-4685-be1f-d57550cc96cc" xsi:nil="true"/>
-    <FeatureTagsTaxHTField0 xmlns="4873beb7-5857-4685-be1f-d57550cc96cc">
-      <Terms xmlns="http://schemas.microsoft.com/office/infopath/2007/PartnerControls"/>
-    </FeatureTagsTaxHTField0>
-    <PublishStatusLookup xmlns="4873beb7-5857-4685-be1f-d57550cc96cc">
-      <Value>1669352</Value>
-      <Value>1669523</Value>
-    </PublishStatusLookup>
-    <Providers xmlns="4873beb7-5857-4685-be1f-d57550cc96cc" xsi:nil="true"/>
-    <MachineTranslated xmlns="4873beb7-5857-4685-be1f-d57550cc96cc">false</MachineTranslated>
-    <OriginalSourceMarket xmlns="4873beb7-5857-4685-be1f-d57550cc96cc" xsi:nil="true"/>
-    <APDescription xmlns="4873beb7-5857-4685-be1f-d57550cc96cc" xsi:nil="true"/>
-    <ClipArtFilename xmlns="4873beb7-5857-4685-be1f-d57550cc96cc" xsi:nil="true"/>
-    <ContentItem xmlns="4873beb7-5857-4685-be1f-d57550cc96cc" xsi:nil="true"/>
-    <TPInstallLocation xmlns="4873beb7-5857-4685-be1f-d57550cc96cc" xsi:nil="true"/>
-    <PublishTargets xmlns="4873beb7-5857-4685-be1f-d57550cc96cc">OfficeOnlineVNext</PublishTargets>
-    <TimesCloned xmlns="4873beb7-5857-4685-be1f-d57550cc96cc" xsi:nil="true"/>
-    <AssetStart xmlns="4873beb7-5857-4685-be1f-d57550cc96cc">2013-01-21T10:18:00+00:00</AssetStart>
-    <Provider xmlns="4873beb7-5857-4685-be1f-d57550cc96cc" xsi:nil="true"/>
-    <AcquiredFrom xmlns="4873beb7-5857-4685-be1f-d57550cc96cc">Internal MS</AcquiredFrom>
-    <FriendlyTitle xmlns="4873beb7-5857-4685-be1f-d57550cc96cc" xsi:nil="true"/>
-    <LastHandOff xmlns="4873beb7-5857-4685-be1f-d57550cc96cc" xsi:nil="true"/>
-    <TPClientViewer xmlns="4873beb7-5857-4685-be1f-d57550cc96cc" xsi:nil="true"/>
-    <UACurrentWords xmlns="4873beb7-5857-4685-be1f-d57550cc96cc" xsi:nil="true"/>
-    <ArtSampleDocs xmlns="4873beb7-5857-4685-be1f-d57550cc96cc" xsi:nil="true"/>
-    <UALocRecommendation xmlns="4873beb7-5857-4685-be1f-d57550cc96cc">Localize</UALocRecommendation>
-    <Manager xmlns="4873beb7-5857-4685-be1f-d57550cc96cc" xsi:nil="true"/>
-    <ShowIn xmlns="4873beb7-5857-4685-be1f-d57550cc96cc">Show everywhere</ShowIn>
-    <UANotes xmlns="4873beb7-5857-4685-be1f-d57550cc96cc" xsi:nil="true"/>
-    <TemplateStatus xmlns="4873beb7-5857-4685-be1f-d57550cc96cc">Complete</TemplateStatus>
-    <InternalTagsTaxHTField0 xmlns="4873beb7-5857-4685-be1f-d57550cc96cc">
-      <Terms xmlns="http://schemas.microsoft.com/office/infopath/2007/PartnerControls"/>
-    </InternalTagsTaxHTField0>
-    <CSXHash xmlns="4873beb7-5857-4685-be1f-d57550cc96cc" xsi:nil="true"/>
-    <Downloads xmlns="4873beb7-5857-4685-be1f-d57550cc96cc">0</Downloads>
-    <VoteCount xmlns="4873beb7-5857-4685-be1f-d57550cc96cc" xsi:nil="true"/>
-    <OOCacheId xmlns="4873beb7-5857-4685-be1f-d57550cc96cc" xsi:nil="true"/>
-    <IsDeleted xmlns="4873beb7-5857-4685-be1f-d57550cc96cc">false</IsDeleted>
-    <AssetExpire xmlns="4873beb7-5857-4685-be1f-d57550cc96cc">2029-01-01T08:00:00+00:00</AssetExpire>
-    <DSATActionTaken xmlns="4873beb7-5857-4685-be1f-d57550cc96cc" xsi:nil="true"/>
-    <CSXSubmissionMarket xmlns="4873beb7-5857-4685-be1f-d57550cc96cc" xsi:nil="true"/>
-    <TPExecutable xmlns="4873beb7-5857-4685-be1f-d57550cc96cc" xsi:nil="true"/>
-    <SubmitterId xmlns="4873beb7-5857-4685-be1f-d57550cc96cc" xsi:nil="true"/>
-    <EditorialTags xmlns="4873beb7-5857-4685-be1f-d57550cc96cc" xsi:nil="true"/>
-    <AssetType xmlns="4873beb7-5857-4685-be1f-d57550cc96cc">TP</AssetType>
-    <BugNumber xmlns="4873beb7-5857-4685-be1f-d57550cc96cc" xsi:nil="true"/>
-    <CSXSubmissionDate xmlns="4873beb7-5857-4685-be1f-d57550cc96cc" xsi:nil="true"/>
-    <CSXUpdate xmlns="4873beb7-5857-4685-be1f-d57550cc96cc">false</CSXUpdate>
-    <ApprovalLog xmlns="4873beb7-5857-4685-be1f-d57550cc96cc" xsi:nil="true"/>
-    <Milestone xmlns="4873beb7-5857-4685-be1f-d57550cc96cc" xsi:nil="true"/>
-    <RecommendationsModifier xmlns="4873beb7-5857-4685-be1f-d57550cc96cc" xsi:nil="true"/>
-    <OriginAsset xmlns="4873beb7-5857-4685-be1f-d57550cc96cc" xsi:nil="true"/>
-    <TPComponent xmlns="4873beb7-5857-4685-be1f-d57550cc96cc" xsi:nil="true"/>
-    <AssetId xmlns="4873beb7-5857-4685-be1f-d57550cc96cc">TP104001342</AssetId>
-    <IntlLocPriority xmlns="4873beb7-5857-4685-be1f-d57550cc96cc" xsi:nil="true"/>
-    <PolicheckWords xmlns="4873beb7-5857-4685-be1f-d57550cc96cc" xsi:nil="true"/>
-    <TPLaunchHelpLink xmlns="4873beb7-5857-4685-be1f-d57550cc96cc" xsi:nil="true"/>
-    <TPApplication xmlns="4873beb7-5857-4685-be1f-d57550cc96cc" xsi:nil="true"/>
-    <CrawlForDependencies xmlns="4873beb7-5857-4685-be1f-d57550cc96cc">false</CrawlForDependencies>
-    <HandoffToMSDN xmlns="4873beb7-5857-4685-be1f-d57550cc96cc" xsi:nil="true"/>
-    <PlannedPubDate xmlns="4873beb7-5857-4685-be1f-d57550cc96cc" xsi:nil="true"/>
-    <IntlLangReviewer xmlns="4873beb7-5857-4685-be1f-d57550cc96cc" xsi:nil="true"/>
-    <TrustLevel xmlns="4873beb7-5857-4685-be1f-d57550cc96cc">1 Microsoft Managed Content</TrustLevel>
-    <LocLastLocAttemptVersionLookup xmlns="4873beb7-5857-4685-be1f-d57550cc96cc">875929</LocLastLocAttemptVersionLookup>
-    <IsSearchable xmlns="4873beb7-5857-4685-be1f-d57550cc96cc">true</IsSearchable>
-    <TemplateTemplateType xmlns="4873beb7-5857-4685-be1f-d57550cc96cc">PowerPoint Presentation Template</TemplateTemplateType>
-    <CampaignTagsTaxHTField0 xmlns="4873beb7-5857-4685-be1f-d57550cc96cc">
-      <Terms xmlns="http://schemas.microsoft.com/office/infopath/2007/PartnerControls"/>
-    </CampaignTagsTaxHTField0>
-    <TPNamespace xmlns="4873beb7-5857-4685-be1f-d57550cc96cc" xsi:nil="true"/>
-    <TaxCatchAll xmlns="4873beb7-5857-4685-be1f-d57550cc96cc"/>
-    <Markets xmlns="4873beb7-5857-4685-be1f-d57550cc96cc"/>
-    <UAProjectedTotalWords xmlns="4873beb7-5857-4685-be1f-d57550cc96cc" xsi:nil="true"/>
-    <LocMarketGroupTiers2 xmlns="4873beb7-5857-4685-be1f-d57550cc96cc" xsi:nil="true"/>
-    <IntlLangReview xmlns="4873beb7-5857-4685-be1f-d57550cc96cc">false</IntlLangReview>
-    <OutputCachingOn xmlns="4873beb7-5857-4685-be1f-d57550cc96cc">false</OutputCachingOn>
-    <AverageRating xmlns="4873beb7-5857-4685-be1f-d57550cc96cc" xsi:nil="true"/>
-    <APAuthor xmlns="4873beb7-5857-4685-be1f-d57550cc96cc">
-      <UserInfo>
-        <DisplayName>REDMOND\kristaa</DisplayName>
-        <AccountId>136</AccountId>
-        <AccountType/>
-      </UserInfo>
-    </APAuthor>
-    <LocManualTestRequired xmlns="4873beb7-5857-4685-be1f-d57550cc96cc">false</LocManualTestRequired>
-    <TPCommandLine xmlns="4873beb7-5857-4685-be1f-d57550cc96cc" xsi:nil="true"/>
-    <TPAppVersion xmlns="4873beb7-5857-4685-be1f-d57550cc96cc" xsi:nil="true"/>
-    <EditorialStatus xmlns="4873beb7-5857-4685-be1f-d57550cc96cc">Complete</EditorialStatus>
-    <LastModifiedDateTime xmlns="4873beb7-5857-4685-be1f-d57550cc96cc" xsi:nil="true"/>
-    <ScenarioTagsTaxHTField0 xmlns="4873beb7-5857-4685-be1f-d57550cc96cc">
-      <Terms xmlns="http://schemas.microsoft.com/office/infopath/2007/PartnerControls"/>
-    </ScenarioTagsTaxHTField0>
-    <OriginalRelease xmlns="4873beb7-5857-4685-be1f-d57550cc96cc">15</OriginalRelease>
-    <TPLaunchHelpLinkType xmlns="4873beb7-5857-4685-be1f-d57550cc96cc">Template</TPLaunchHelpLinkType>
-    <LocalizationTagsTaxHTField0 xmlns="4873beb7-5857-4685-be1f-d57550cc96cc">
-      <Terms xmlns="http://schemas.microsoft.com/office/infopath/2007/PartnerControls"/>
-    </LocalizationTagsTaxHTField0>
-  </documentManagement>
-</p:properties>
+<?mso-contentType ?>
+<FormTemplates xmlns="http://schemas.microsoft.com/sharepoint/v3/contenttype/forms">
+  <Display>DocumentLibraryForm</Display>
+  <Edit>AssetEditForm</Edit>
+  <New>DocumentLibraryForm</New>
+</FormTemplates>
 </file>
 
 <file path=customXml/item2.xml><?xml version="1.0" encoding="utf-8"?>
@@ -9112,20 +8410,136 @@
 </file>
 
 <file path=customXml/item3.xml><?xml version="1.0" encoding="utf-8"?>
-<?mso-contentType ?>
-<FormTemplates xmlns="http://schemas.microsoft.com/sharepoint/v3/contenttype/forms">
-  <Display>DocumentLibraryForm</Display>
-  <Edit>AssetEditForm</Edit>
-  <New>DocumentLibraryForm</New>
-</FormTemplates>
+<p:properties xmlns:p="http://schemas.microsoft.com/office/2006/metadata/properties" xmlns:xsi="http://www.w3.org/2001/XMLSchema-instance" xmlns:pc="http://schemas.microsoft.com/office/infopath/2007/PartnerControls">
+  <documentManagement>
+    <DirectSourceMarket xmlns="4873beb7-5857-4685-be1f-d57550cc96cc" xsi:nil="true"/>
+    <ApprovalStatus xmlns="4873beb7-5857-4685-be1f-d57550cc96cc">InProgress</ApprovalStatus>
+    <MarketSpecific xmlns="4873beb7-5857-4685-be1f-d57550cc96cc">false</MarketSpecific>
+    <LocComments xmlns="4873beb7-5857-4685-be1f-d57550cc96cc" xsi:nil="true"/>
+    <ThumbnailAssetId xmlns="4873beb7-5857-4685-be1f-d57550cc96cc" xsi:nil="true"/>
+    <PrimaryImageGen xmlns="4873beb7-5857-4685-be1f-d57550cc96cc">true</PrimaryImageGen>
+    <LegacyData xmlns="4873beb7-5857-4685-be1f-d57550cc96cc" xsi:nil="true"/>
+    <LocRecommendedHandoff xmlns="4873beb7-5857-4685-be1f-d57550cc96cc" xsi:nil="true"/>
+    <BusinessGroup xmlns="4873beb7-5857-4685-be1f-d57550cc96cc" xsi:nil="true"/>
+    <BlockPublish xmlns="4873beb7-5857-4685-be1f-d57550cc96cc">false</BlockPublish>
+    <TPFriendlyName xmlns="4873beb7-5857-4685-be1f-d57550cc96cc" xsi:nil="true"/>
+    <NumericId xmlns="4873beb7-5857-4685-be1f-d57550cc96cc" xsi:nil="true"/>
+    <APEditor xmlns="4873beb7-5857-4685-be1f-d57550cc96cc">
+      <UserInfo>
+        <DisplayName/>
+        <AccountId xsi:nil="true"/>
+        <AccountType/>
+      </UserInfo>
+    </APEditor>
+    <SourceTitle xmlns="4873beb7-5857-4685-be1f-d57550cc96cc" xsi:nil="true"/>
+    <OpenTemplate xmlns="4873beb7-5857-4685-be1f-d57550cc96cc">true</OpenTemplate>
+    <UALocComments xmlns="4873beb7-5857-4685-be1f-d57550cc96cc" xsi:nil="true"/>
+    <ParentAssetId xmlns="4873beb7-5857-4685-be1f-d57550cc96cc" xsi:nil="true"/>
+    <IntlLangReviewDate xmlns="4873beb7-5857-4685-be1f-d57550cc96cc" xsi:nil="true"/>
+    <FeatureTagsTaxHTField0 xmlns="4873beb7-5857-4685-be1f-d57550cc96cc">
+      <Terms xmlns="http://schemas.microsoft.com/office/infopath/2007/PartnerControls"/>
+    </FeatureTagsTaxHTField0>
+    <PublishStatusLookup xmlns="4873beb7-5857-4685-be1f-d57550cc96cc">
+      <Value>1669352</Value>
+      <Value>1669523</Value>
+    </PublishStatusLookup>
+    <Providers xmlns="4873beb7-5857-4685-be1f-d57550cc96cc" xsi:nil="true"/>
+    <MachineTranslated xmlns="4873beb7-5857-4685-be1f-d57550cc96cc">false</MachineTranslated>
+    <OriginalSourceMarket xmlns="4873beb7-5857-4685-be1f-d57550cc96cc" xsi:nil="true"/>
+    <APDescription xmlns="4873beb7-5857-4685-be1f-d57550cc96cc" xsi:nil="true"/>
+    <ClipArtFilename xmlns="4873beb7-5857-4685-be1f-d57550cc96cc" xsi:nil="true"/>
+    <ContentItem xmlns="4873beb7-5857-4685-be1f-d57550cc96cc" xsi:nil="true"/>
+    <TPInstallLocation xmlns="4873beb7-5857-4685-be1f-d57550cc96cc" xsi:nil="true"/>
+    <PublishTargets xmlns="4873beb7-5857-4685-be1f-d57550cc96cc">OfficeOnlineVNext</PublishTargets>
+    <TimesCloned xmlns="4873beb7-5857-4685-be1f-d57550cc96cc" xsi:nil="true"/>
+    <AssetStart xmlns="4873beb7-5857-4685-be1f-d57550cc96cc">2013-01-21T10:18:00+00:00</AssetStart>
+    <Provider xmlns="4873beb7-5857-4685-be1f-d57550cc96cc" xsi:nil="true"/>
+    <AcquiredFrom xmlns="4873beb7-5857-4685-be1f-d57550cc96cc">Internal MS</AcquiredFrom>
+    <FriendlyTitle xmlns="4873beb7-5857-4685-be1f-d57550cc96cc" xsi:nil="true"/>
+    <LastHandOff xmlns="4873beb7-5857-4685-be1f-d57550cc96cc" xsi:nil="true"/>
+    <TPClientViewer xmlns="4873beb7-5857-4685-be1f-d57550cc96cc" xsi:nil="true"/>
+    <UACurrentWords xmlns="4873beb7-5857-4685-be1f-d57550cc96cc" xsi:nil="true"/>
+    <ArtSampleDocs xmlns="4873beb7-5857-4685-be1f-d57550cc96cc" xsi:nil="true"/>
+    <UALocRecommendation xmlns="4873beb7-5857-4685-be1f-d57550cc96cc">Localize</UALocRecommendation>
+    <Manager xmlns="4873beb7-5857-4685-be1f-d57550cc96cc" xsi:nil="true"/>
+    <ShowIn xmlns="4873beb7-5857-4685-be1f-d57550cc96cc">Show everywhere</ShowIn>
+    <UANotes xmlns="4873beb7-5857-4685-be1f-d57550cc96cc" xsi:nil="true"/>
+    <TemplateStatus xmlns="4873beb7-5857-4685-be1f-d57550cc96cc">Complete</TemplateStatus>
+    <InternalTagsTaxHTField0 xmlns="4873beb7-5857-4685-be1f-d57550cc96cc">
+      <Terms xmlns="http://schemas.microsoft.com/office/infopath/2007/PartnerControls"/>
+    </InternalTagsTaxHTField0>
+    <CSXHash xmlns="4873beb7-5857-4685-be1f-d57550cc96cc" xsi:nil="true"/>
+    <Downloads xmlns="4873beb7-5857-4685-be1f-d57550cc96cc">0</Downloads>
+    <VoteCount xmlns="4873beb7-5857-4685-be1f-d57550cc96cc" xsi:nil="true"/>
+    <OOCacheId xmlns="4873beb7-5857-4685-be1f-d57550cc96cc" xsi:nil="true"/>
+    <IsDeleted xmlns="4873beb7-5857-4685-be1f-d57550cc96cc">false</IsDeleted>
+    <AssetExpire xmlns="4873beb7-5857-4685-be1f-d57550cc96cc">2029-01-01T08:00:00+00:00</AssetExpire>
+    <DSATActionTaken xmlns="4873beb7-5857-4685-be1f-d57550cc96cc" xsi:nil="true"/>
+    <CSXSubmissionMarket xmlns="4873beb7-5857-4685-be1f-d57550cc96cc" xsi:nil="true"/>
+    <TPExecutable xmlns="4873beb7-5857-4685-be1f-d57550cc96cc" xsi:nil="true"/>
+    <SubmitterId xmlns="4873beb7-5857-4685-be1f-d57550cc96cc" xsi:nil="true"/>
+    <EditorialTags xmlns="4873beb7-5857-4685-be1f-d57550cc96cc" xsi:nil="true"/>
+    <AssetType xmlns="4873beb7-5857-4685-be1f-d57550cc96cc">TP</AssetType>
+    <BugNumber xmlns="4873beb7-5857-4685-be1f-d57550cc96cc" xsi:nil="true"/>
+    <CSXSubmissionDate xmlns="4873beb7-5857-4685-be1f-d57550cc96cc" xsi:nil="true"/>
+    <CSXUpdate xmlns="4873beb7-5857-4685-be1f-d57550cc96cc">false</CSXUpdate>
+    <ApprovalLog xmlns="4873beb7-5857-4685-be1f-d57550cc96cc" xsi:nil="true"/>
+    <Milestone xmlns="4873beb7-5857-4685-be1f-d57550cc96cc" xsi:nil="true"/>
+    <RecommendationsModifier xmlns="4873beb7-5857-4685-be1f-d57550cc96cc" xsi:nil="true"/>
+    <OriginAsset xmlns="4873beb7-5857-4685-be1f-d57550cc96cc" xsi:nil="true"/>
+    <TPComponent xmlns="4873beb7-5857-4685-be1f-d57550cc96cc" xsi:nil="true"/>
+    <AssetId xmlns="4873beb7-5857-4685-be1f-d57550cc96cc">TP104001342</AssetId>
+    <IntlLocPriority xmlns="4873beb7-5857-4685-be1f-d57550cc96cc" xsi:nil="true"/>
+    <PolicheckWords xmlns="4873beb7-5857-4685-be1f-d57550cc96cc" xsi:nil="true"/>
+    <TPLaunchHelpLink xmlns="4873beb7-5857-4685-be1f-d57550cc96cc" xsi:nil="true"/>
+    <TPApplication xmlns="4873beb7-5857-4685-be1f-d57550cc96cc" xsi:nil="true"/>
+    <CrawlForDependencies xmlns="4873beb7-5857-4685-be1f-d57550cc96cc">false</CrawlForDependencies>
+    <HandoffToMSDN xmlns="4873beb7-5857-4685-be1f-d57550cc96cc" xsi:nil="true"/>
+    <PlannedPubDate xmlns="4873beb7-5857-4685-be1f-d57550cc96cc" xsi:nil="true"/>
+    <IntlLangReviewer xmlns="4873beb7-5857-4685-be1f-d57550cc96cc" xsi:nil="true"/>
+    <TrustLevel xmlns="4873beb7-5857-4685-be1f-d57550cc96cc">1 Microsoft Managed Content</TrustLevel>
+    <LocLastLocAttemptVersionLookup xmlns="4873beb7-5857-4685-be1f-d57550cc96cc">875929</LocLastLocAttemptVersionLookup>
+    <IsSearchable xmlns="4873beb7-5857-4685-be1f-d57550cc96cc">true</IsSearchable>
+    <TemplateTemplateType xmlns="4873beb7-5857-4685-be1f-d57550cc96cc">PowerPoint Presentation Template</TemplateTemplateType>
+    <CampaignTagsTaxHTField0 xmlns="4873beb7-5857-4685-be1f-d57550cc96cc">
+      <Terms xmlns="http://schemas.microsoft.com/office/infopath/2007/PartnerControls"/>
+    </CampaignTagsTaxHTField0>
+    <TPNamespace xmlns="4873beb7-5857-4685-be1f-d57550cc96cc" xsi:nil="true"/>
+    <TaxCatchAll xmlns="4873beb7-5857-4685-be1f-d57550cc96cc"/>
+    <Markets xmlns="4873beb7-5857-4685-be1f-d57550cc96cc"/>
+    <UAProjectedTotalWords xmlns="4873beb7-5857-4685-be1f-d57550cc96cc" xsi:nil="true"/>
+    <LocMarketGroupTiers2 xmlns="4873beb7-5857-4685-be1f-d57550cc96cc" xsi:nil="true"/>
+    <IntlLangReview xmlns="4873beb7-5857-4685-be1f-d57550cc96cc">false</IntlLangReview>
+    <OutputCachingOn xmlns="4873beb7-5857-4685-be1f-d57550cc96cc">false</OutputCachingOn>
+    <AverageRating xmlns="4873beb7-5857-4685-be1f-d57550cc96cc" xsi:nil="true"/>
+    <APAuthor xmlns="4873beb7-5857-4685-be1f-d57550cc96cc">
+      <UserInfo>
+        <DisplayName>REDMOND\kristaa</DisplayName>
+        <AccountId>136</AccountId>
+        <AccountType/>
+      </UserInfo>
+    </APAuthor>
+    <LocManualTestRequired xmlns="4873beb7-5857-4685-be1f-d57550cc96cc">false</LocManualTestRequired>
+    <TPCommandLine xmlns="4873beb7-5857-4685-be1f-d57550cc96cc" xsi:nil="true"/>
+    <TPAppVersion xmlns="4873beb7-5857-4685-be1f-d57550cc96cc" xsi:nil="true"/>
+    <EditorialStatus xmlns="4873beb7-5857-4685-be1f-d57550cc96cc">Complete</EditorialStatus>
+    <LastModifiedDateTime xmlns="4873beb7-5857-4685-be1f-d57550cc96cc" xsi:nil="true"/>
+    <ScenarioTagsTaxHTField0 xmlns="4873beb7-5857-4685-be1f-d57550cc96cc">
+      <Terms xmlns="http://schemas.microsoft.com/office/infopath/2007/PartnerControls"/>
+    </ScenarioTagsTaxHTField0>
+    <OriginalRelease xmlns="4873beb7-5857-4685-be1f-d57550cc96cc">15</OriginalRelease>
+    <TPLaunchHelpLinkType xmlns="4873beb7-5857-4685-be1f-d57550cc96cc">Template</TPLaunchHelpLinkType>
+    <LocalizationTagsTaxHTField0 xmlns="4873beb7-5857-4685-be1f-d57550cc96cc">
+      <Terms xmlns="http://schemas.microsoft.com/office/infopath/2007/PartnerControls"/>
+    </LocalizationTagsTaxHTField0>
+  </documentManagement>
+</p:properties>
 </file>
 
 <file path=customXml/itemProps1.xml><?xml version="1.0" encoding="utf-8"?>
-<ds:datastoreItem xmlns:ds="http://schemas.openxmlformats.org/officeDocument/2006/customXml" ds:itemID="{F04C2ADE-A257-45E6-A8A8-A5CFC12AD2E8}">
+<ds:datastoreItem xmlns:ds="http://schemas.openxmlformats.org/officeDocument/2006/customXml" ds:itemID="{99B7E175-EA31-4EB5-9BCC-A945A8103674}">
   <ds:schemaRefs>
-    <ds:schemaRef ds:uri="http://schemas.microsoft.com/office/2006/metadata/properties"/>
-    <ds:schemaRef ds:uri="http://schemas.microsoft.com/office/infopath/2007/PartnerControls"/>
-    <ds:schemaRef ds:uri="4873beb7-5857-4685-be1f-d57550cc96cc"/>
+    <ds:schemaRef ds:uri="http://schemas.microsoft.com/sharepoint/v3/contenttype/forms"/>
   </ds:schemaRefs>
 </ds:datastoreItem>
 </file>
@@ -9149,9 +8563,11 @@
 </file>
 
 <file path=customXml/itemProps3.xml><?xml version="1.0" encoding="utf-8"?>
-<ds:datastoreItem xmlns:ds="http://schemas.openxmlformats.org/officeDocument/2006/customXml" ds:itemID="{99B7E175-EA31-4EB5-9BCC-A945A8103674}">
+<ds:datastoreItem xmlns:ds="http://schemas.openxmlformats.org/officeDocument/2006/customXml" ds:itemID="{F04C2ADE-A257-45E6-A8A8-A5CFC12AD2E8}">
   <ds:schemaRefs>
-    <ds:schemaRef ds:uri="http://schemas.microsoft.com/sharepoint/v3/contenttype/forms"/>
+    <ds:schemaRef ds:uri="http://schemas.microsoft.com/office/2006/metadata/properties"/>
+    <ds:schemaRef ds:uri="http://schemas.microsoft.com/office/infopath/2007/PartnerControls"/>
+    <ds:schemaRef ds:uri="4873beb7-5857-4685-be1f-d57550cc96cc"/>
   </ds:schemaRefs>
 </ds:datastoreItem>
 </file>
--- a/docs/postermore.pptx
+++ b/docs/postermore.pptx
@@ -4857,21 +4857,21 @@
           <a:lstStyle/>
           <a:p>
             <a:r>
-              <a:rPr lang="en-US" dirty="0">
+              <a:rPr lang="en-US" sz="4000" dirty="0">
                 <a:latin typeface="Times New Roman" panose="02020603050405020304" pitchFamily="18" charset="0"/>
                 <a:cs typeface="Times New Roman" panose="02020603050405020304" pitchFamily="18" charset="0"/>
               </a:rPr>
               <a:t>Joanne Wardell, Computer Science Department </a:t>
             </a:r>
             <a:r>
-              <a:rPr lang="en-US" sz="4000" b="1" dirty="0">
+              <a:rPr lang="en-US" sz="4400" b="1" dirty="0">
                 <a:latin typeface="Times New Roman" panose="02020603050405020304" pitchFamily="18" charset="0"/>
                 <a:cs typeface="Times New Roman" panose="02020603050405020304" pitchFamily="18" charset="0"/>
               </a:rPr>
               <a:t>|</a:t>
             </a:r>
             <a:r>
-              <a:rPr lang="en-US" dirty="0">
+              <a:rPr lang="en-US" sz="4000" dirty="0">
                 <a:latin typeface="Times New Roman" panose="02020603050405020304" pitchFamily="18" charset="0"/>
                 <a:cs typeface="Times New Roman" panose="02020603050405020304" pitchFamily="18" charset="0"/>
               </a:rPr>
@@ -5131,7 +5131,7 @@
                 <a:latin typeface="Times New Roman" panose="02020603050405020304" pitchFamily="18" charset="0"/>
                 <a:cs typeface="Times New Roman" panose="02020603050405020304" pitchFamily="18" charset="0"/>
               </a:rPr>
-              <a:t>We wrote programs in Java and Python to generate and analyze the skewed-top corridor dataset. The following is pseudocode explaining how our programs work.</a:t>
+              <a:t>We wrote programs in Java and Python to generate and analyze the skewed-top corridor dataset. The following is pseudocode explaining the basic operations of our programs.</a:t>
             </a:r>
           </a:p>
           <a:p>
@@ -5406,8 +5406,8 @@
         </p:nvSpPr>
         <p:spPr bwMode="auto">
           <a:xfrm>
-            <a:off x="33292229" y="9083044"/>
-            <a:ext cx="7875639" cy="3616158"/>
+            <a:off x="31954404" y="8667904"/>
+            <a:ext cx="10213764" cy="6084416"/>
           </a:xfrm>
           <a:prstGeom prst="rect">
             <a:avLst/>
@@ -5431,25 +5431,307 @@
           <a:lstStyle/>
           <a:p>
             <a:r>
+              <a:rPr lang="en-US" sz="2000" b="1" dirty="0">
+                <a:effectLst/>
+                <a:latin typeface="Courier New" panose="02070309020205020404" pitchFamily="49" charset="0"/>
+                <a:cs typeface="Courier New" panose="02070309020205020404" pitchFamily="49" charset="0"/>
+              </a:rPr>
+              <a:t>procedure</a:t>
+            </a:r>
+            <a:r>
+              <a:rPr lang="en-US" sz="2000" b="1" i="1" dirty="0">
+                <a:effectLst/>
+                <a:latin typeface="Courier New" panose="02070309020205020404" pitchFamily="49" charset="0"/>
+                <a:cs typeface="Courier New" panose="02070309020205020404" pitchFamily="49" charset="0"/>
+              </a:rPr>
+              <a:t> </a:t>
+            </a:r>
+            <a:r>
+              <a:rPr lang="en-US" sz="2000" b="1" i="1" dirty="0" err="1">
+                <a:effectLst/>
+                <a:latin typeface="Courier New" panose="02070309020205020404" pitchFamily="49" charset="0"/>
+                <a:cs typeface="Courier New" panose="02070309020205020404" pitchFamily="49" charset="0"/>
+              </a:rPr>
+              <a:t>create_grid</a:t>
+            </a:r>
+            <a:endParaRPr lang="en-US" sz="2000" b="1" i="1" dirty="0">
+              <a:effectLst/>
+              <a:latin typeface="Courier New" panose="02070309020205020404" pitchFamily="49" charset="0"/>
+              <a:cs typeface="Courier New" panose="02070309020205020404" pitchFamily="49" charset="0"/>
+            </a:endParaRPr>
+          </a:p>
+          <a:p>
+            <a:r>
+              <a:rPr lang="en-US" sz="1600" dirty="0">
+                <a:effectLst/>
+                <a:latin typeface="Courier New" panose="02070309020205020404" pitchFamily="49" charset="0"/>
+                <a:cs typeface="Courier New" panose="02070309020205020404" pitchFamily="49" charset="0"/>
+              </a:rPr>
+              <a:t>   create work space with row+1 * col+1 entries</a:t>
+            </a:r>
+          </a:p>
+          <a:p>
+            <a:r>
+              <a:rPr lang="en-US" sz="1600" dirty="0">
+                <a:latin typeface="Courier New" panose="02070309020205020404" pitchFamily="49" charset="0"/>
+                <a:cs typeface="Courier New" panose="02070309020205020404" pitchFamily="49" charset="0"/>
+              </a:rPr>
+              <a:t>   make all values zero</a:t>
+            </a:r>
+            <a:endParaRPr lang="en-US" sz="1600" dirty="0">
+              <a:effectLst/>
+              <a:latin typeface="Courier New" panose="02070309020205020404" pitchFamily="49" charset="0"/>
+              <a:cs typeface="Courier New" panose="02070309020205020404" pitchFamily="49" charset="0"/>
+            </a:endParaRPr>
+          </a:p>
+          <a:p>
+            <a:r>
+              <a:rPr lang="en-US" sz="1600" dirty="0">
+                <a:effectLst/>
+                <a:latin typeface="Courier New" panose="02070309020205020404" pitchFamily="49" charset="0"/>
+                <a:cs typeface="Courier New" panose="02070309020205020404" pitchFamily="49" charset="0"/>
+              </a:rPr>
+              <a:t>   place start value</a:t>
+            </a:r>
+          </a:p>
+          <a:p>
+            <a:endParaRPr lang="en-US" sz="1600" dirty="0">
+              <a:effectLst/>
+              <a:latin typeface="Courier New" panose="02070309020205020404" pitchFamily="49" charset="0"/>
+              <a:cs typeface="Courier New" panose="02070309020205020404" pitchFamily="49" charset="0"/>
+            </a:endParaRPr>
+          </a:p>
+          <a:p>
+            <a:r>
+              <a:rPr lang="en-US" sz="1600" i="1" dirty="0">
+                <a:latin typeface="Courier New" panose="02070309020205020404" pitchFamily="49" charset="0"/>
+                <a:cs typeface="Courier New" panose="02070309020205020404" pitchFamily="49" charset="0"/>
+              </a:rPr>
+              <a:t>#</a:t>
+            </a:r>
+            <a:r>
+              <a:rPr lang="en-US" sz="1600" i="1" dirty="0">
+                <a:effectLst/>
+                <a:latin typeface="Courier New" panose="02070309020205020404" pitchFamily="49" charset="0"/>
+                <a:cs typeface="Courier New" panose="02070309020205020404" pitchFamily="49" charset="0"/>
+              </a:rPr>
+              <a:t>###create sentinel line####</a:t>
+            </a:r>
+          </a:p>
+          <a:p>
+            <a:r>
+              <a:rPr lang="en-US" sz="1600" dirty="0">
+                <a:effectLst/>
+                <a:latin typeface="Courier New" panose="02070309020205020404" pitchFamily="49" charset="0"/>
+                <a:cs typeface="Courier New" panose="02070309020205020404" pitchFamily="49" charset="0"/>
+              </a:rPr>
+              <a:t>   for every column in corridor</a:t>
+            </a:r>
+          </a:p>
+          <a:p>
+            <a:r>
+              <a:rPr lang="en-US" sz="1600" dirty="0">
+                <a:latin typeface="Courier New" panose="02070309020205020404" pitchFamily="49" charset="0"/>
+                <a:cs typeface="Courier New" panose="02070309020205020404" pitchFamily="49" charset="0"/>
+              </a:rPr>
+              <a:t>       for every row in corridor</a:t>
+            </a:r>
+          </a:p>
+          <a:p>
+            <a:r>
+              <a:rPr lang="en-US" sz="1600" dirty="0">
+                <a:effectLst/>
+                <a:latin typeface="Courier New" panose="02070309020205020404" pitchFamily="49" charset="0"/>
+                <a:cs typeface="Courier New" panose="02070309020205020404" pitchFamily="49" charset="0"/>
+              </a:rPr>
+              <a:t>            if col modulo </a:t>
+            </a:r>
+            <a:r>
               <a:rPr lang="en-US" sz="1600" dirty="0" err="1">
                 <a:effectLst/>
-              </a:rPr>
-              <a:t>Psudo</a:t>
-            </a:r>
+                <a:latin typeface="Courier New" panose="02070309020205020404" pitchFamily="49" charset="0"/>
+                <a:cs typeface="Courier New" panose="02070309020205020404" pitchFamily="49" charset="0"/>
+              </a:rPr>
+              <a:t>slope_ru</a:t>
+            </a:r>
+            <a:r>
+              <a:rPr lang="en-US" sz="1600" dirty="0" err="1">
+                <a:latin typeface="Courier New" panose="02070309020205020404" pitchFamily="49" charset="0"/>
+                <a:cs typeface="Courier New" panose="02070309020205020404" pitchFamily="49" charset="0"/>
+              </a:rPr>
+              <a:t>n</a:t>
+            </a:r>
+            <a:r>
+              <a:rPr lang="en-US" sz="1600" dirty="0">
+                <a:latin typeface="Courier New" panose="02070309020205020404" pitchFamily="49" charset="0"/>
+                <a:cs typeface="Courier New" panose="02070309020205020404" pitchFamily="49" charset="0"/>
+              </a:rPr>
+              <a:t> is 0</a:t>
+            </a:r>
+          </a:p>
+          <a:p>
+            <a:r>
+              <a:rPr lang="en-US" sz="1600" dirty="0">
+                <a:latin typeface="Courier New" panose="02070309020205020404" pitchFamily="49" charset="0"/>
+                <a:cs typeface="Courier New" panose="02070309020205020404" pitchFamily="49" charset="0"/>
+              </a:rPr>
+              <a:t>                    draw line</a:t>
+            </a:r>
+          </a:p>
+          <a:p>
             <a:r>
               <a:rPr lang="en-US" sz="1600" dirty="0">
                 <a:effectLst/>
-              </a:rPr>
-              <a:t> code goes in </a:t>
-            </a:r>
-            <a:r>
-              <a:rPr lang="en-US" sz="1600" dirty="0" err="1">
+                <a:latin typeface="Courier New" panose="02070309020205020404" pitchFamily="49" charset="0"/>
+                <a:cs typeface="Courier New" panose="02070309020205020404" pitchFamily="49" charset="0"/>
+              </a:rPr>
+              <a:t>                    increase </a:t>
+            </a:r>
+            <a:r>
+              <a:rPr lang="en-US" sz="1600" dirty="0">
+                <a:latin typeface="Courier New" panose="02070309020205020404" pitchFamily="49" charset="0"/>
+                <a:cs typeface="Courier New" panose="02070309020205020404" pitchFamily="49" charset="0"/>
+              </a:rPr>
+              <a:t>vertical position</a:t>
+            </a:r>
+          </a:p>
+          <a:p>
+            <a:r>
+              <a:rPr lang="en-US" sz="1600" dirty="0">
+                <a:latin typeface="Courier New" panose="02070309020205020404" pitchFamily="49" charset="0"/>
+                <a:cs typeface="Courier New" panose="02070309020205020404" pitchFamily="49" charset="0"/>
+              </a:rPr>
+              <a:t>                    increase horizontal position</a:t>
+            </a:r>
+          </a:p>
+          <a:p>
+            <a:r>
+              <a:rPr lang="en-US" sz="1600" dirty="0">
                 <a:effectLst/>
-              </a:rPr>
-              <a:t>therev</a:t>
+                <a:latin typeface="Courier New" panose="02070309020205020404" pitchFamily="49" charset="0"/>
+                <a:cs typeface="Courier New" panose="02070309020205020404" pitchFamily="49" charset="0"/>
+              </a:rPr>
+              <a:t>            end if</a:t>
+            </a:r>
+          </a:p>
+          <a:p>
+            <a:r>
+              <a:rPr lang="en-US" sz="1600" dirty="0">
+                <a:latin typeface="Courier New" panose="02070309020205020404" pitchFamily="49" charset="0"/>
+                <a:cs typeface="Courier New" panose="02070309020205020404" pitchFamily="49" charset="0"/>
+              </a:rPr>
+              <a:t>            else </a:t>
+            </a:r>
+          </a:p>
+          <a:p>
+            <a:r>
+              <a:rPr lang="en-US" sz="1600" dirty="0">
+                <a:latin typeface="Courier New" panose="02070309020205020404" pitchFamily="49" charset="0"/>
+                <a:cs typeface="Courier New" panose="02070309020205020404" pitchFamily="49" charset="0"/>
+              </a:rPr>
+              <a:t>                   draw line</a:t>
+            </a:r>
+          </a:p>
+          <a:p>
+            <a:r>
+              <a:rPr lang="en-US" sz="1600" dirty="0">
+                <a:effectLst/>
+                <a:latin typeface="Courier New" panose="02070309020205020404" pitchFamily="49" charset="0"/>
+                <a:cs typeface="Courier New" panose="02070309020205020404" pitchFamily="49" charset="0"/>
+              </a:rPr>
+              <a:t>                   increase horizontal position</a:t>
+            </a:r>
+          </a:p>
+          <a:p>
+            <a:r>
+              <a:rPr lang="en-US" sz="1600" dirty="0">
+                <a:effectLst/>
+                <a:latin typeface="Courier New" panose="02070309020205020404" pitchFamily="49" charset="0"/>
+                <a:cs typeface="Courier New" panose="02070309020205020404" pitchFamily="49" charset="0"/>
+              </a:rPr>
+              <a:t>            end else</a:t>
+            </a:r>
+          </a:p>
+          <a:p>
+            <a:endParaRPr lang="en-US" sz="1600" dirty="0">
+              <a:latin typeface="Courier New" panose="02070309020205020404" pitchFamily="49" charset="0"/>
+              <a:cs typeface="Courier New" panose="02070309020205020404" pitchFamily="49" charset="0"/>
+            </a:endParaRPr>
+          </a:p>
+          <a:p>
+            <a:r>
+              <a:rPr lang="en-US" sz="1600" i="1" dirty="0">
+                <a:latin typeface="Courier New" panose="02070309020205020404" pitchFamily="49" charset="0"/>
+                <a:cs typeface="Courier New" panose="02070309020205020404" pitchFamily="49" charset="0"/>
+              </a:rPr>
+              <a:t>####</a:t>
+            </a:r>
+            <a:r>
+              <a:rPr lang="en-US" sz="1600" i="1" dirty="0">
+                <a:effectLst/>
+                <a:latin typeface="Courier New" panose="02070309020205020404" pitchFamily="49" charset="0"/>
+                <a:cs typeface="Courier New" panose="02070309020205020404" pitchFamily="49" charset="0"/>
+              </a:rPr>
+              <a:t>generate values####</a:t>
+            </a:r>
+          </a:p>
+          <a:p>
+            <a:r>
+              <a:rPr lang="en-US" sz="1600" dirty="0">
+                <a:latin typeface="Courier New" panose="02070309020205020404" pitchFamily="49" charset="0"/>
+                <a:cs typeface="Courier New" panose="02070309020205020404" pitchFamily="49" charset="0"/>
+              </a:rPr>
+              <a:t>  for every column in corridor</a:t>
+            </a:r>
+          </a:p>
+          <a:p>
+            <a:r>
+              <a:rPr lang="en-US" sz="1600" dirty="0">
+                <a:latin typeface="Courier New" panose="02070309020205020404" pitchFamily="49" charset="0"/>
+                <a:cs typeface="Courier New" panose="02070309020205020404" pitchFamily="49" charset="0"/>
+              </a:rPr>
+              <a:t>        for every row in corridor</a:t>
+            </a:r>
+          </a:p>
+          <a:p>
+            <a:r>
+              <a:rPr lang="en-US" sz="1600" dirty="0">
+                <a:effectLst/>
+                <a:latin typeface="Courier New" panose="02070309020205020404" pitchFamily="49" charset="0"/>
+                <a:cs typeface="Courier New" panose="02070309020205020404" pitchFamily="49" charset="0"/>
+              </a:rPr>
+              <a:t>             corridor[row][col] = corridor[row-1][col-1] + corridor[row-1][col+1]</a:t>
+            </a:r>
+          </a:p>
+          <a:p>
+            <a:r>
+              <a:rPr lang="en-US" sz="1600" dirty="0">
+                <a:effectLst/>
+                <a:latin typeface="Courier New" panose="02070309020205020404" pitchFamily="49" charset="0"/>
+                <a:cs typeface="Courier New" panose="02070309020205020404" pitchFamily="49" charset="0"/>
+              </a:rPr>
+              <a:t>        end for</a:t>
+            </a:r>
+          </a:p>
+          <a:p>
+            <a:r>
+              <a:rPr lang="en-US" sz="1600" dirty="0">
+                <a:latin typeface="Courier New" panose="02070309020205020404" pitchFamily="49" charset="0"/>
+                <a:cs typeface="Courier New" panose="02070309020205020404" pitchFamily="49" charset="0"/>
+              </a:rPr>
+              <a:t>   end for</a:t>
             </a:r>
             <a:endParaRPr lang="en-US" sz="1600" dirty="0">
               <a:effectLst/>
+              <a:latin typeface="Courier New" panose="02070309020205020404" pitchFamily="49" charset="0"/>
+              <a:cs typeface="Courier New" panose="02070309020205020404" pitchFamily="49" charset="0"/>
+            </a:endParaRPr>
+          </a:p>
+          <a:p>
+            <a:endParaRPr lang="en-US" sz="1600" dirty="0">
+              <a:effectLst/>
+              <a:latin typeface="Courier New" panose="02070309020205020404" pitchFamily="49" charset="0"/>
+              <a:cs typeface="Courier New" panose="02070309020205020404" pitchFamily="49" charset="0"/>
             </a:endParaRPr>
           </a:p>
         </p:txBody>
@@ -5820,8 +6102,8 @@
         </p:nvSpPr>
         <p:spPr bwMode="ltGray">
           <a:xfrm>
-            <a:off x="12787708" y="5818694"/>
-            <a:ext cx="7768004" cy="6946330"/>
+            <a:off x="12787708" y="5818693"/>
+            <a:ext cx="7768004" cy="8453897"/>
           </a:xfrm>
           <a:prstGeom prst="rect">
             <a:avLst/>
@@ -6102,22 +6384,28 @@
             </a:r>
           </a:p>
           <a:p>
-            <a:pPr algn="ctr"/>
-            <a:r>
-              <a:rPr lang="en-US" sz="2800" b="1" dirty="0">
-                <a:latin typeface="Times New Roman" panose="02020603050405020304" pitchFamily="18" charset="0"/>
-                <a:cs typeface="Times New Roman" panose="02020603050405020304" pitchFamily="18" charset="0"/>
-              </a:rPr>
-              <a:t>V(x, y) = V(x-1, y-1) + V(x-1, y+1)</a:t>
-            </a:r>
-          </a:p>
-          <a:p>
             <a:endParaRPr lang="en-US" sz="2800" dirty="0">
               <a:latin typeface="Times New Roman" panose="02020603050405020304" pitchFamily="18" charset="0"/>
               <a:cs typeface="Times New Roman" panose="02020603050405020304" pitchFamily="18" charset="0"/>
             </a:endParaRPr>
           </a:p>
           <a:p>
+            <a:pPr algn="ctr"/>
+            <a:r>
+              <a:rPr lang="en-US" sz="2800" b="1" i="1" dirty="0">
+                <a:latin typeface="Times New Roman" panose="02020603050405020304" pitchFamily="18" charset="0"/>
+                <a:cs typeface="Times New Roman" panose="02020603050405020304" pitchFamily="18" charset="0"/>
+              </a:rPr>
+              <a:t>V(x, y) = V(x-1, y-1) + V(x-1, y+1)</a:t>
+            </a:r>
+          </a:p>
+          <a:p>
+            <a:endParaRPr lang="en-US" sz="2800" dirty="0">
+              <a:latin typeface="Times New Roman" panose="02020603050405020304" pitchFamily="18" charset="0"/>
+              <a:cs typeface="Times New Roman" panose="02020603050405020304" pitchFamily="18" charset="0"/>
+            </a:endParaRPr>
+          </a:p>
+          <a:p>
             <a:r>
               <a:rPr lang="en-US" sz="2800" dirty="0">
                 <a:latin typeface="Times New Roman" panose="02020603050405020304" pitchFamily="18" charset="0"/>
@@ -6127,13 +6415,19 @@
             </a:r>
           </a:p>
           <a:p>
+            <a:endParaRPr lang="en-US" sz="2800" dirty="0">
+              <a:latin typeface="Times New Roman" panose="02020603050405020304" pitchFamily="18" charset="0"/>
+              <a:cs typeface="Times New Roman" panose="02020603050405020304" pitchFamily="18" charset="0"/>
+            </a:endParaRPr>
+          </a:p>
+          <a:p>
             <a:pPr algn="ctr"/>
             <a:r>
-              <a:rPr lang="en-US" sz="2800" b="1" dirty="0">
+              <a:rPr lang="en-US" sz="2800" b="1" i="1" dirty="0">
                 <a:latin typeface="Times New Roman" panose="02020603050405020304" pitchFamily="18" charset="0"/>
                 <a:cs typeface="Times New Roman" panose="02020603050405020304" pitchFamily="18" charset="0"/>
               </a:rPr>
-              <a:t>for 2 &lt;= k &lt;= 2g,    V(k+1, k) = k</a:t>
+              <a:t>2 ≤ k ≤ 2g,    V(k+1, k) = k</a:t>
             </a:r>
           </a:p>
         </p:txBody>
@@ -6454,8 +6748,8 @@
         </p:nvSpPr>
         <p:spPr bwMode="auto">
           <a:xfrm>
-            <a:off x="33273256" y="15473012"/>
-            <a:ext cx="7875639" cy="4012519"/>
+            <a:off x="31954404" y="15473012"/>
+            <a:ext cx="10213764" cy="4735228"/>
           </a:xfrm>
           <a:prstGeom prst="rect">
             <a:avLst/>
@@ -6479,20 +6773,162 @@
           <a:lstStyle/>
           <a:p>
             <a:r>
-              <a:rPr lang="en-US" sz="1600" dirty="0" err="1">
-                <a:effectLst/>
-              </a:rPr>
-              <a:t>Psudo</a:t>
-            </a:r>
-            <a:r>
-              <a:rPr lang="en-US" sz="1600" dirty="0">
-                <a:effectLst/>
-              </a:rPr>
-              <a:t> code goes in there</a:t>
-            </a:r>
+              <a:rPr lang="en-US" sz="2000" b="1" dirty="0">
+                <a:latin typeface="Courier New" panose="02070309020205020404" pitchFamily="49" charset="0"/>
+                <a:cs typeface="Courier New" panose="02070309020205020404" pitchFamily="49" charset="0"/>
+              </a:rPr>
+              <a:t>procedure </a:t>
+            </a:r>
+            <a:r>
+              <a:rPr lang="en-US" sz="2000" b="1" i="1" dirty="0" err="1">
+                <a:latin typeface="Courier New" panose="02070309020205020404" pitchFamily="49" charset="0"/>
+                <a:cs typeface="Courier New" panose="02070309020205020404" pitchFamily="49" charset="0"/>
+              </a:rPr>
+              <a:t>calculate_diagonal_elements</a:t>
+            </a:r>
+            <a:endParaRPr lang="en-US" sz="2000" b="1" i="1" dirty="0">
+              <a:latin typeface="Courier New" panose="02070309020205020404" pitchFamily="49" charset="0"/>
+              <a:cs typeface="Courier New" panose="02070309020205020404" pitchFamily="49" charset="0"/>
+            </a:endParaRPr>
+          </a:p>
+          <a:p>
+            <a:endParaRPr lang="en-US" sz="2000" b="1" i="1" dirty="0">
+              <a:latin typeface="Courier New" panose="02070309020205020404" pitchFamily="49" charset="0"/>
+              <a:cs typeface="Courier New" panose="02070309020205020404" pitchFamily="49" charset="0"/>
+            </a:endParaRPr>
+          </a:p>
+          <a:p>
+            <a:endParaRPr lang="en-US" sz="1600" dirty="0">
+              <a:latin typeface="Courier New" panose="02070309020205020404" pitchFamily="49" charset="0"/>
+              <a:cs typeface="Courier New" panose="02070309020205020404" pitchFamily="49" charset="0"/>
+            </a:endParaRPr>
+          </a:p>
+          <a:p>
+            <a:endParaRPr lang="en-US" sz="1600" dirty="0">
+              <a:latin typeface="Courier New" panose="02070309020205020404" pitchFamily="49" charset="0"/>
+              <a:cs typeface="Courier New" panose="02070309020205020404" pitchFamily="49" charset="0"/>
+            </a:endParaRPr>
           </a:p>
         </p:txBody>
       </p:sp>
+      <p:pic>
+        <p:nvPicPr>
+          <p:cNvPr id="26" name="Picture 25">
+            <a:extLst>
+              <a:ext uri="{FF2B5EF4-FFF2-40B4-BE49-F238E27FC236}">
+                <a16:creationId xmlns:a16="http://schemas.microsoft.com/office/drawing/2014/main" id="{8F3FF157-C5CC-0A43-9042-629678597FA3}"/>
+              </a:ext>
+            </a:extLst>
+          </p:cNvPr>
+          <p:cNvPicPr>
+            <a:picLocks noChangeAspect="1"/>
+          </p:cNvPicPr>
+          <p:nvPr/>
+        </p:nvPicPr>
+        <p:blipFill>
+          <a:blip r:embed="rId4">
+            <a:extLst>
+              <a:ext uri="{28A0092B-C50C-407E-A947-70E740481C1C}">
+                <a14:useLocalDpi xmlns:a14="http://schemas.microsoft.com/office/drawing/2010/main" val="0"/>
+              </a:ext>
+            </a:extLst>
+          </a:blip>
+          <a:stretch>
+            <a:fillRect/>
+          </a:stretch>
+        </p:blipFill>
+        <p:spPr>
+          <a:xfrm>
+            <a:off x="16321579" y="22754912"/>
+            <a:ext cx="6920193" cy="3890709"/>
+          </a:xfrm>
+          <a:prstGeom prst="rect">
+            <a:avLst/>
+          </a:prstGeom>
+          <a:ln>
+            <a:solidFill>
+              <a:schemeClr val="tx1"/>
+            </a:solidFill>
+          </a:ln>
+        </p:spPr>
+      </p:pic>
+      <p:pic>
+        <p:nvPicPr>
+          <p:cNvPr id="46" name="Picture 45">
+            <a:extLst>
+              <a:ext uri="{FF2B5EF4-FFF2-40B4-BE49-F238E27FC236}">
+                <a16:creationId xmlns:a16="http://schemas.microsoft.com/office/drawing/2014/main" id="{E0406E2A-329C-C642-9E10-F0AFE00DF8A1}"/>
+              </a:ext>
+            </a:extLst>
+          </p:cNvPr>
+          <p:cNvPicPr>
+            <a:picLocks noChangeAspect="1"/>
+          </p:cNvPicPr>
+          <p:nvPr/>
+        </p:nvPicPr>
+        <p:blipFill>
+          <a:blip r:embed="rId5">
+            <a:extLst>
+              <a:ext uri="{28A0092B-C50C-407E-A947-70E740481C1C}">
+                <a14:useLocalDpi xmlns:a14="http://schemas.microsoft.com/office/drawing/2010/main" val="0"/>
+              </a:ext>
+            </a:extLst>
+          </a:blip>
+          <a:stretch>
+            <a:fillRect/>
+          </a:stretch>
+        </p:blipFill>
+        <p:spPr>
+          <a:xfrm>
+            <a:off x="23782577" y="22754912"/>
+            <a:ext cx="7252671" cy="4077637"/>
+          </a:xfrm>
+          <a:prstGeom prst="rect">
+            <a:avLst/>
+          </a:prstGeom>
+          <a:ln>
+            <a:solidFill>
+              <a:schemeClr val="tx1"/>
+            </a:solidFill>
+          </a:ln>
+        </p:spPr>
+      </p:pic>
+      <p:pic>
+        <p:nvPicPr>
+          <p:cNvPr id="54" name="Picture 53">
+            <a:extLst>
+              <a:ext uri="{FF2B5EF4-FFF2-40B4-BE49-F238E27FC236}">
+                <a16:creationId xmlns:a16="http://schemas.microsoft.com/office/drawing/2014/main" id="{38500D75-69DE-0548-814F-42E7758B6D20}"/>
+              </a:ext>
+            </a:extLst>
+          </p:cNvPr>
+          <p:cNvPicPr>
+            <a:picLocks noChangeAspect="1"/>
+          </p:cNvPicPr>
+          <p:nvPr/>
+        </p:nvPicPr>
+        <p:blipFill>
+          <a:blip r:embed="rId6">
+            <a:extLst>
+              <a:ext uri="{28A0092B-C50C-407E-A947-70E740481C1C}">
+                <a14:useLocalDpi xmlns:a14="http://schemas.microsoft.com/office/drawing/2010/main" val="0"/>
+              </a:ext>
+            </a:extLst>
+          </a:blip>
+          <a:stretch>
+            <a:fillRect/>
+          </a:stretch>
+        </p:blipFill>
+        <p:spPr>
+          <a:xfrm>
+            <a:off x="12369234" y="15757505"/>
+            <a:ext cx="17006019" cy="2208154"/>
+          </a:xfrm>
+          <a:prstGeom prst="rect">
+            <a:avLst/>
+          </a:prstGeom>
+        </p:spPr>
+      </p:pic>
     </p:spTree>
     <p:extLst>
       <p:ext uri="{BB962C8B-B14F-4D97-AF65-F5344CB8AC3E}">

--- a/docs/postermore.pptx
+++ b/docs/postermore.pptx
@@ -4804,6 +4804,78 @@
           <a:chExt cx="0" cy="0"/>
         </a:xfrm>
       </p:grpSpPr>
+      <p:pic>
+        <p:nvPicPr>
+          <p:cNvPr id="65" name="Picture 64">
+            <a:extLst>
+              <a:ext uri="{FF2B5EF4-FFF2-40B4-BE49-F238E27FC236}">
+                <a16:creationId xmlns:a16="http://schemas.microsoft.com/office/drawing/2014/main" id="{0C94D495-1904-514C-886B-86EE2E55570A}"/>
+              </a:ext>
+            </a:extLst>
+          </p:cNvPr>
+          <p:cNvPicPr>
+            <a:picLocks noChangeAspect="1"/>
+          </p:cNvPicPr>
+          <p:nvPr/>
+        </p:nvPicPr>
+        <p:blipFill>
+          <a:blip r:embed="rId2">
+            <a:extLst>
+              <a:ext uri="{28A0092B-C50C-407E-A947-70E740481C1C}">
+                <a14:useLocalDpi xmlns:a14="http://schemas.microsoft.com/office/drawing/2010/main" val="0"/>
+              </a:ext>
+            </a:extLst>
+          </a:blip>
+          <a:stretch>
+            <a:fillRect/>
+          </a:stretch>
+        </p:blipFill>
+        <p:spPr>
+          <a:xfrm>
+            <a:off x="0" y="159964"/>
+            <a:ext cx="9229060" cy="3626161"/>
+          </a:xfrm>
+          <a:prstGeom prst="rect">
+            <a:avLst/>
+          </a:prstGeom>
+        </p:spPr>
+      </p:pic>
+      <p:pic>
+        <p:nvPicPr>
+          <p:cNvPr id="56" name="Picture 55">
+            <a:extLst>
+              <a:ext uri="{FF2B5EF4-FFF2-40B4-BE49-F238E27FC236}">
+                <a16:creationId xmlns:a16="http://schemas.microsoft.com/office/drawing/2014/main" id="{228ADAD2-6032-8C4F-8A4C-46926F1DBC20}"/>
+              </a:ext>
+            </a:extLst>
+          </p:cNvPr>
+          <p:cNvPicPr>
+            <a:picLocks noChangeAspect="1"/>
+          </p:cNvPicPr>
+          <p:nvPr/>
+        </p:nvPicPr>
+        <p:blipFill>
+          <a:blip r:embed="rId3">
+            <a:extLst>
+              <a:ext uri="{28A0092B-C50C-407E-A947-70E740481C1C}">
+                <a14:useLocalDpi xmlns:a14="http://schemas.microsoft.com/office/drawing/2010/main" val="0"/>
+              </a:ext>
+            </a:extLst>
+          </a:blip>
+          <a:stretch>
+            <a:fillRect/>
+          </a:stretch>
+        </p:blipFill>
+        <p:spPr>
+          <a:xfrm>
+            <a:off x="34543847" y="1"/>
+            <a:ext cx="9164473" cy="3786124"/>
+          </a:xfrm>
+          <a:prstGeom prst="rect">
+            <a:avLst/>
+          </a:prstGeom>
+        </p:spPr>
+      </p:pic>
       <p:sp>
         <p:nvSpPr>
           <p:cNvPr id="4" name="Title 3"/>
@@ -5083,7 +5155,7 @@
                 <a:latin typeface="Times New Roman" panose="02020603050405020304" pitchFamily="18" charset="0"/>
                 <a:cs typeface="Times New Roman" panose="02020603050405020304" pitchFamily="18" charset="0"/>
               </a:rPr>
-              <a:t>When generating the corridors, we fix some of the initial parameters in the corridors. Below are some of the corridor structures generated with various fixed parameters.</a:t>
+              <a:t>When generating the corridors, we fix 3 out of 4 of our initial conditions. With these conditions set, we call this a classical skewed top corridor. Below are some of the corridor structures generated with various fixed parameters.</a:t>
             </a:r>
             <a:endParaRPr lang="en-US" sz="3600" dirty="0">
               <a:latin typeface="Times New Roman" panose="02020603050405020304" pitchFamily="18" charset="0"/>
@@ -5745,7 +5817,7 @@
           <p:nvPr/>
         </p:nvPicPr>
         <p:blipFill>
-          <a:blip r:embed="rId2"/>
+          <a:blip r:embed="rId4"/>
           <a:stretch>
             <a:fillRect/>
           </a:stretch>
@@ -5775,7 +5847,7 @@
           <p:nvPr/>
         </p:nvPicPr>
         <p:blipFill>
-          <a:blip r:embed="rId3">
+          <a:blip r:embed="rId5">
             <a:extLst>
               <a:ext uri="{28A0092B-C50C-407E-A947-70E740481C1C}">
                 <a14:useLocalDpi xmlns:a14="http://schemas.microsoft.com/office/drawing/2010/main" val="0"/>
@@ -6069,7 +6141,7 @@
         <p:spPr>
           <a:xfrm>
             <a:off x="13158216" y="21029486"/>
-            <a:ext cx="6003274" cy="621531"/>
+            <a:ext cx="6141720" cy="621531"/>
           </a:xfrm>
         </p:spPr>
         <p:txBody>
@@ -6081,7 +6153,7 @@
                 <a:latin typeface="Times New Roman" panose="02020603050405020304" pitchFamily="18" charset="0"/>
                 <a:cs typeface="Times New Roman" panose="02020603050405020304" pitchFamily="18" charset="0"/>
               </a:rPr>
-              <a:t>Non-Classical Skewed-Top Corridor</a:t>
+              <a:t>Non-Classical Skewed-Top Corridors</a:t>
             </a:r>
           </a:p>
         </p:txBody>
@@ -6335,7 +6407,7 @@
                 <a:latin typeface="Times New Roman" panose="02020603050405020304" pitchFamily="18" charset="0"/>
                 <a:cs typeface="Times New Roman" panose="02020603050405020304" pitchFamily="18" charset="0"/>
               </a:rPr>
-              <a:t>Corridor Generating Function</a:t>
+              <a:t>Corridor Generating Formula</a:t>
             </a:r>
             <a:endParaRPr lang="en-US" sz="2800" b="1" dirty="0">
               <a:latin typeface="Times New Roman" panose="02020603050405020304" pitchFamily="18" charset="0"/>
@@ -6826,7 +6898,7 @@
           <p:nvPr/>
         </p:nvPicPr>
         <p:blipFill>
-          <a:blip r:embed="rId4">
+          <a:blip r:embed="rId6">
             <a:extLst>
               <a:ext uri="{28A0092B-C50C-407E-A947-70E740481C1C}">
                 <a14:useLocalDpi xmlns:a14="http://schemas.microsoft.com/office/drawing/2010/main" val="0"/>
@@ -6867,7 +6939,7 @@
           <p:nvPr/>
         </p:nvPicPr>
         <p:blipFill>
-          <a:blip r:embed="rId5">
+          <a:blip r:embed="rId7">
             <a:extLst>
               <a:ext uri="{28A0092B-C50C-407E-A947-70E740481C1C}">
                 <a14:useLocalDpi xmlns:a14="http://schemas.microsoft.com/office/drawing/2010/main" val="0"/>
@@ -6908,7 +6980,7 @@
           <p:nvPr/>
         </p:nvPicPr>
         <p:blipFill>
-          <a:blip r:embed="rId6">
+          <a:blip r:embed="rId8">
             <a:extLst>
               <a:ext uri="{28A0092B-C50C-407E-A947-70E740481C1C}">
                 <a14:useLocalDpi xmlns:a14="http://schemas.microsoft.com/office/drawing/2010/main" val="0"/>

--- a/docs/postermore.pptx
+++ b/docs/postermore.pptx
@@ -4832,12 +4832,15 @@
         </p:blipFill>
         <p:spPr>
           <a:xfrm>
-            <a:off x="0" y="159964"/>
+            <a:off x="0" y="79982"/>
             <a:ext cx="9229060" cy="3626161"/>
           </a:xfrm>
           <a:prstGeom prst="rect">
             <a:avLst/>
           </a:prstGeom>
+          <a:effectLst>
+            <a:reflection endPos="0" dir="5400000" sy="-100000" algn="bl" rotWithShape="0"/>
+          </a:effectLst>
         </p:spPr>
       </p:pic>
       <p:pic>
@@ -5896,6 +5899,11 @@
               <a:lumOff val="90000"/>
             </a:schemeClr>
           </a:solidFill>
+          <a:ln w="66675">
+            <a:solidFill>
+              <a:srgbClr val="92D050"/>
+            </a:solidFill>
+          </a:ln>
         </p:spPr>
         <p:txBody>
           <a:bodyPr vert="horz" lIns="365760" tIns="45720" rIns="365760" bIns="45720" rtlCol="0" anchor="ctr">
@@ -6118,42 +6126,6 @@
                 <a:cs typeface="Times New Roman" panose="02020603050405020304" pitchFamily="18" charset="0"/>
               </a:rPr>
               <a:t>Classical Skewed Top Corridors 1 - 3</a:t>
-            </a:r>
-          </a:p>
-        </p:txBody>
-      </p:sp>
-      <p:sp>
-        <p:nvSpPr>
-          <p:cNvPr id="15" name="Text Placeholder 14">
-            <a:extLst>
-              <a:ext uri="{FF2B5EF4-FFF2-40B4-BE49-F238E27FC236}">
-                <a16:creationId xmlns:a16="http://schemas.microsoft.com/office/drawing/2014/main" id="{122B16EC-F2D7-724B-B571-A8E87F0DBB7E}"/>
-              </a:ext>
-            </a:extLst>
-          </p:cNvPr>
-          <p:cNvSpPr>
-            <a:spLocks noGrp="1"/>
-          </p:cNvSpPr>
-          <p:nvPr>
-            <p:ph type="body" sz="quarter" idx="39"/>
-          </p:nvPr>
-        </p:nvSpPr>
-        <p:spPr>
-          <a:xfrm>
-            <a:off x="13158216" y="21029486"/>
-            <a:ext cx="6141720" cy="621531"/>
-          </a:xfrm>
-        </p:spPr>
-        <p:txBody>
-          <a:bodyPr/>
-          <a:lstStyle/>
-          <a:p>
-            <a:r>
-              <a:rPr lang="en-US" sz="2800" dirty="0">
-                <a:latin typeface="Times New Roman" panose="02020603050405020304" pitchFamily="18" charset="0"/>
-                <a:cs typeface="Times New Roman" panose="02020603050405020304" pitchFamily="18" charset="0"/>
-              </a:rPr>
-              <a:t>Non-Classical Skewed-Top Corridors</a:t>
             </a:r>
           </a:p>
         </p:txBody>
@@ -6521,7 +6493,7 @@
         <p:spPr bwMode="ltGray">
           <a:xfrm>
             <a:off x="22116454" y="5818694"/>
-            <a:ext cx="7768004" cy="6946330"/>
+            <a:ext cx="7768004" cy="8453896"/>
           </a:xfrm>
           <a:prstGeom prst="rect">
             <a:avLst/>
@@ -6783,6 +6755,18 @@
               </a:rPr>
               <a:t>Some relationships that we’ve noticed on the diagonals are </a:t>
             </a:r>
+          </a:p>
+          <a:p>
+            <a:endParaRPr lang="en-US" sz="2800" dirty="0">
+              <a:latin typeface="Times New Roman" panose="02020603050405020304" pitchFamily="18" charset="0"/>
+              <a:cs typeface="Times New Roman" panose="02020603050405020304" pitchFamily="18" charset="0"/>
+            </a:endParaRPr>
+          </a:p>
+          <a:p>
+            <a:endParaRPr lang="en-US" sz="2800" dirty="0">
+              <a:latin typeface="Times New Roman" panose="02020603050405020304" pitchFamily="18" charset="0"/>
+              <a:cs typeface="Times New Roman" panose="02020603050405020304" pitchFamily="18" charset="0"/>
+            </a:endParaRPr>
           </a:p>
           <a:p>
             <a:endParaRPr lang="en-US" sz="2800" dirty="0">
@@ -6911,7 +6895,7 @@
         </p:blipFill>
         <p:spPr>
           <a:xfrm>
-            <a:off x="16321579" y="22754912"/>
+            <a:off x="16193422" y="22349830"/>
             <a:ext cx="6920193" cy="3890709"/>
           </a:xfrm>
           <a:prstGeom prst="rect">
@@ -6952,8 +6936,8 @@
         </p:blipFill>
         <p:spPr>
           <a:xfrm>
-            <a:off x="23782577" y="22754912"/>
-            <a:ext cx="7252671" cy="4077637"/>
+            <a:off x="16027182" y="27016703"/>
+            <a:ext cx="7252671" cy="3890709"/>
           </a:xfrm>
           <a:prstGeom prst="rect">
             <a:avLst/>
@@ -6999,6 +6983,88 @@
           <a:prstGeom prst="rect">
             <a:avLst/>
           </a:prstGeom>
+        </p:spPr>
+      </p:pic>
+      <p:sp>
+        <p:nvSpPr>
+          <p:cNvPr id="15" name="Text Placeholder 14">
+            <a:extLst>
+              <a:ext uri="{FF2B5EF4-FFF2-40B4-BE49-F238E27FC236}">
+                <a16:creationId xmlns:a16="http://schemas.microsoft.com/office/drawing/2014/main" id="{122B16EC-F2D7-724B-B571-A8E87F0DBB7E}"/>
+              </a:ext>
+            </a:extLst>
+          </p:cNvPr>
+          <p:cNvSpPr>
+            <a:spLocks noGrp="1"/>
+          </p:cNvSpPr>
+          <p:nvPr>
+            <p:ph type="body" sz="quarter" idx="39"/>
+          </p:nvPr>
+        </p:nvSpPr>
+        <p:spPr>
+          <a:xfrm>
+            <a:off x="18017860" y="17908915"/>
+            <a:ext cx="6141720" cy="621531"/>
+          </a:xfrm>
+          <a:ln w="66675">
+            <a:solidFill>
+              <a:srgbClr val="92D050"/>
+            </a:solidFill>
+          </a:ln>
+        </p:spPr>
+        <p:txBody>
+          <a:bodyPr/>
+          <a:lstStyle/>
+          <a:p>
+            <a:r>
+              <a:rPr lang="en-US" sz="2800" dirty="0">
+                <a:latin typeface="Times New Roman" panose="02020603050405020304" pitchFamily="18" charset="0"/>
+                <a:cs typeface="Times New Roman" panose="02020603050405020304" pitchFamily="18" charset="0"/>
+              </a:rPr>
+              <a:t>Non-Classical Skewed-Top Corridors</a:t>
+            </a:r>
+          </a:p>
+        </p:txBody>
+      </p:sp>
+      <p:pic>
+        <p:nvPicPr>
+          <p:cNvPr id="76" name="Picture 75">
+            <a:extLst>
+              <a:ext uri="{FF2B5EF4-FFF2-40B4-BE49-F238E27FC236}">
+                <a16:creationId xmlns:a16="http://schemas.microsoft.com/office/drawing/2014/main" id="{A4FA9B3C-35D8-C842-BE2C-5C248C347EEE}"/>
+              </a:ext>
+            </a:extLst>
+          </p:cNvPr>
+          <p:cNvPicPr>
+            <a:picLocks noChangeAspect="1"/>
+          </p:cNvPicPr>
+          <p:nvPr/>
+        </p:nvPicPr>
+        <p:blipFill>
+          <a:blip r:embed="rId9">
+            <a:extLst>
+              <a:ext uri="{28A0092B-C50C-407E-A947-70E740481C1C}">
+                <a14:useLocalDpi xmlns:a14="http://schemas.microsoft.com/office/drawing/2010/main" val="0"/>
+              </a:ext>
+            </a:extLst>
+          </a:blip>
+          <a:stretch>
+            <a:fillRect/>
+          </a:stretch>
+        </p:blipFill>
+        <p:spPr>
+          <a:xfrm>
+            <a:off x="23692501" y="23188475"/>
+            <a:ext cx="7437410" cy="6417765"/>
+          </a:xfrm>
+          <a:prstGeom prst="rect">
+            <a:avLst/>
+          </a:prstGeom>
+          <a:ln>
+            <a:solidFill>
+              <a:schemeClr val="tx1"/>
+            </a:solidFill>
+          </a:ln>
         </p:spPr>
       </p:pic>
     </p:spTree>

--- a/docs/postermore.pptx
+++ b/docs/postermore.pptx
@@ -203,7 +203,7 @@
           <a:p>
             <a:fld id="{F1C0B079-A316-4C9B-B165-DF9EA8325D2C}" type="datetimeFigureOut">
               <a:rPr lang="en-US" smtClean="0"/>
-              <a:t>4/1/18</a:t>
+              <a:t>4/2/2018</a:t>
             </a:fld>
             <a:endParaRPr lang="en-US"/>
           </a:p>
@@ -368,7 +368,7 @@
           <a:p>
             <a:fld id="{38F28AB8-57D1-494F-9851-055AD867E790}" type="datetimeFigureOut">
               <a:rPr lang="en-US" smtClean="0"/>
-              <a:t>4/1/18</a:t>
+              <a:t>4/2/2018</a:t>
             </a:fld>
             <a:endParaRPr lang="en-US"/>
           </a:p>
@@ -3916,7 +3916,7 @@
           <a:p>
             <a:fld id="{ECAA57DF-1C19-4726-AB84-014692BAD8F5}" type="datetimeFigureOut">
               <a:rPr lang="en-US" smtClean="0"/>
-              <a:t>4/1/18</a:t>
+              <a:t>4/2/2018</a:t>
             </a:fld>
             <a:endParaRPr lang="en-US"/>
           </a:p>
@@ -4255,7 +4255,7 @@
             <a:fld id="{ECAA57DF-1C19-4726-AB84-014692BAD8F5}" type="datetimeFigureOut">
               <a:rPr lang="en-US" smtClean="0"/>
               <a:pPr/>
-              <a:t>4/1/18</a:t>
+              <a:t>4/2/2018</a:t>
             </a:fld>
             <a:endParaRPr lang="en-US"/>
           </a:p>
@@ -4832,7 +4832,7 @@
         </p:blipFill>
         <p:spPr>
           <a:xfrm>
-            <a:off x="0" y="79982"/>
+            <a:off x="0" y="102994"/>
             <a:ext cx="9229060" cy="3626161"/>
           </a:xfrm>
           <a:prstGeom prst="rect">
@@ -4994,7 +4994,21 @@
                 <a:latin typeface="Times New Roman" panose="02020603050405020304" pitchFamily="18" charset="0"/>
                 <a:cs typeface="Times New Roman" panose="02020603050405020304" pitchFamily="18" charset="0"/>
               </a:rPr>
-              <a:t>A lattice is the set of all points Z</a:t>
+              <a:t>A </a:t>
+            </a:r>
+            <a:r>
+              <a:rPr lang="en-US" sz="2800" b="1" dirty="0">
+                <a:latin typeface="Times New Roman" panose="02020603050405020304" pitchFamily="18" charset="0"/>
+                <a:cs typeface="Times New Roman" panose="02020603050405020304" pitchFamily="18" charset="0"/>
+              </a:rPr>
+              <a:t>lattice</a:t>
+            </a:r>
+            <a:r>
+              <a:rPr lang="en-US" sz="2800" dirty="0">
+                <a:latin typeface="Times New Roman" panose="02020603050405020304" pitchFamily="18" charset="0"/>
+                <a:cs typeface="Times New Roman" panose="02020603050405020304" pitchFamily="18" charset="0"/>
+              </a:rPr>
+              <a:t> is the set of all points Z</a:t>
             </a:r>
             <a:r>
               <a:rPr lang="en-US" sz="2800" baseline="30000" dirty="0">
@@ -5008,16 +5022,21 @@
                 <a:latin typeface="Times New Roman" panose="02020603050405020304" pitchFamily="18" charset="0"/>
                 <a:cs typeface="Times New Roman" panose="02020603050405020304" pitchFamily="18" charset="0"/>
               </a:rPr>
-              <a:t>. The lattice paths that we study are the set of movements on a lattice with restrictions of up-right and down-right moves. The paths that we are studying reside within an upper and lower boundary. We call this structure a corridor. </a:t>
-            </a:r>
-          </a:p>
-          <a:p>
+              <a:t>. The lattice paths that we study are the set of movements on a lattice with restrictions of up-right and down-right moves. The paths that we are studying reside within an upper and lower boundary. We call this structure a </a:t>
+            </a:r>
+            <a:r>
+              <a:rPr lang="en-US" sz="2800" b="1" dirty="0">
+                <a:latin typeface="Times New Roman" panose="02020603050405020304" pitchFamily="18" charset="0"/>
+                <a:cs typeface="Times New Roman" panose="02020603050405020304" pitchFamily="18" charset="0"/>
+              </a:rPr>
+              <a:t>corridor</a:t>
+            </a:r>
             <a:r>
               <a:rPr lang="en-US" sz="2800" dirty="0">
                 <a:latin typeface="Times New Roman" panose="02020603050405020304" pitchFamily="18" charset="0"/>
                 <a:cs typeface="Times New Roman" panose="02020603050405020304" pitchFamily="18" charset="0"/>
               </a:rPr>
-              <a:t> </a:t>
+              <a:t>. </a:t>
             </a:r>
           </a:p>
           <a:p>
@@ -5026,7 +5045,30 @@
                 <a:latin typeface="Times New Roman" panose="02020603050405020304" pitchFamily="18" charset="0"/>
                 <a:cs typeface="Times New Roman" panose="02020603050405020304" pitchFamily="18" charset="0"/>
               </a:rPr>
-              <a:t>In a classic corridor, the top and bottom boundary lines have a slope of zero. In a different model, we allow the upper boundary line to vary with a non-zero slope. We call this model the skewed-top corridor. </a:t>
+              <a:t> </a:t>
+            </a:r>
+          </a:p>
+          <a:p>
+            <a:r>
+              <a:rPr lang="en-US" sz="2800" dirty="0">
+                <a:latin typeface="Times New Roman" panose="02020603050405020304" pitchFamily="18" charset="0"/>
+                <a:cs typeface="Times New Roman" panose="02020603050405020304" pitchFamily="18" charset="0"/>
+              </a:rPr>
+              <a:t>In a classic corridor, the top and bottom boundary lines have a slope of zero. In a different model, we allow the upper boundary line to vary with a non-zero slope. We call this model </a:t>
+            </a:r>
+            <a:r>
+              <a:rPr lang="en-US" sz="2800" b="1" dirty="0">
+                <a:latin typeface="Times New Roman" panose="02020603050405020304" pitchFamily="18" charset="0"/>
+                <a:cs typeface="Times New Roman" panose="02020603050405020304" pitchFamily="18" charset="0"/>
+              </a:rPr>
+              <a:t>the skewed-top corridor</a:t>
+            </a:r>
+            <a:r>
+              <a:rPr lang="en-US" sz="2800" dirty="0">
+                <a:latin typeface="Times New Roman" panose="02020603050405020304" pitchFamily="18" charset="0"/>
+                <a:cs typeface="Times New Roman" panose="02020603050405020304" pitchFamily="18" charset="0"/>
+              </a:rPr>
+              <a:t>. </a:t>
             </a:r>
           </a:p>
           <a:p>
@@ -5180,7 +5222,7 @@
         <p:spPr>
           <a:xfrm>
             <a:off x="31445200" y="5817321"/>
-            <a:ext cx="11531753" cy="16057446"/>
+            <a:ext cx="11531753" cy="9041589"/>
           </a:xfrm>
         </p:spPr>
         <p:txBody>
@@ -5206,8 +5248,26 @@
                 <a:latin typeface="Times New Roman" panose="02020603050405020304" pitchFamily="18" charset="0"/>
                 <a:cs typeface="Times New Roman" panose="02020603050405020304" pitchFamily="18" charset="0"/>
               </a:rPr>
-              <a:t>We wrote programs in Java and Python to generate and analyze the skewed-top corridor dataset. The following is pseudocode explaining the basic operations of our programs.</a:t>
-            </a:r>
+              <a:t>We wrote programs in Java and Python to generate and analyze the skewed-top corridor dataset. The following is pseudocode </a:t>
+            </a:r>
+            <a:r>
+              <a:rPr lang="en-US" sz="2800" dirty="0" smtClean="0">
+                <a:latin typeface="Times New Roman" panose="02020603050405020304" pitchFamily="18" charset="0"/>
+                <a:cs typeface="Times New Roman" panose="02020603050405020304" pitchFamily="18" charset="0"/>
+              </a:rPr>
+              <a:t>describing the </a:t>
+            </a:r>
+            <a:r>
+              <a:rPr lang="en-US" sz="2800" dirty="0" smtClean="0">
+                <a:latin typeface="Times New Roman" panose="02020603050405020304" pitchFamily="18" charset="0"/>
+                <a:cs typeface="Times New Roman" panose="02020603050405020304" pitchFamily="18" charset="0"/>
+              </a:rPr>
+              <a:t> program used to calculate the corridor numbers.</a:t>
+            </a:r>
+            <a:endParaRPr lang="en-US" sz="2800" dirty="0">
+              <a:latin typeface="Times New Roman" panose="02020603050405020304" pitchFamily="18" charset="0"/>
+              <a:cs typeface="Times New Roman" panose="02020603050405020304" pitchFamily="18" charset="0"/>
+            </a:endParaRPr>
           </a:p>
           <a:p>
             <a:endParaRPr lang="en-US" sz="4000" dirty="0">
@@ -5237,7 +5297,6 @@
           </a:p>
           <a:p>
             <a:endParaRPr lang="en-US" sz="4000" dirty="0">
-              <a:effectLst/>
               <a:latin typeface="Times New Roman" panose="02020603050405020304" pitchFamily="18" charset="0"/>
               <a:cs typeface="Times New Roman" panose="02020603050405020304" pitchFamily="18" charset="0"/>
             </a:endParaRPr>
@@ -5257,12 +5316,6 @@
           </a:p>
           <a:p>
             <a:endParaRPr lang="en-US" sz="4000" dirty="0">
-              <a:latin typeface="Times New Roman" panose="02020603050405020304" pitchFamily="18" charset="0"/>
-              <a:cs typeface="Times New Roman" panose="02020603050405020304" pitchFamily="18" charset="0"/>
-            </a:endParaRPr>
-          </a:p>
-          <a:p>
-            <a:endParaRPr lang="en-US" sz="4000" dirty="0">
               <a:effectLst/>
               <a:latin typeface="Times New Roman" panose="02020603050405020304" pitchFamily="18" charset="0"/>
               <a:cs typeface="Times New Roman" panose="02020603050405020304" pitchFamily="18" charset="0"/>
@@ -5270,59 +5323,6 @@
           </a:p>
           <a:p>
             <a:endParaRPr lang="en-US" sz="4000" dirty="0">
-              <a:latin typeface="Times New Roman" panose="02020603050405020304" pitchFamily="18" charset="0"/>
-              <a:cs typeface="Times New Roman" panose="02020603050405020304" pitchFamily="18" charset="0"/>
-            </a:endParaRPr>
-          </a:p>
-          <a:p>
-            <a:endParaRPr lang="en-US" sz="4000" dirty="0">
-              <a:effectLst/>
-              <a:latin typeface="Times New Roman" panose="02020603050405020304" pitchFamily="18" charset="0"/>
-              <a:cs typeface="Times New Roman" panose="02020603050405020304" pitchFamily="18" charset="0"/>
-            </a:endParaRPr>
-          </a:p>
-          <a:p>
-            <a:endParaRPr lang="en-US" sz="4000" dirty="0">
-              <a:latin typeface="Times New Roman" panose="02020603050405020304" pitchFamily="18" charset="0"/>
-              <a:cs typeface="Times New Roman" panose="02020603050405020304" pitchFamily="18" charset="0"/>
-            </a:endParaRPr>
-          </a:p>
-          <a:p>
-            <a:endParaRPr lang="en-US" sz="4000" dirty="0">
-              <a:effectLst/>
-              <a:latin typeface="Times New Roman" panose="02020603050405020304" pitchFamily="18" charset="0"/>
-              <a:cs typeface="Times New Roman" panose="02020603050405020304" pitchFamily="18" charset="0"/>
-            </a:endParaRPr>
-          </a:p>
-          <a:p>
-            <a:endParaRPr lang="en-US" sz="4000" dirty="0">
-              <a:latin typeface="Times New Roman" panose="02020603050405020304" pitchFamily="18" charset="0"/>
-              <a:cs typeface="Times New Roman" panose="02020603050405020304" pitchFamily="18" charset="0"/>
-            </a:endParaRPr>
-          </a:p>
-          <a:p>
-            <a:endParaRPr lang="en-US" sz="4000" dirty="0">
-              <a:effectLst/>
-              <a:latin typeface="Times New Roman" panose="02020603050405020304" pitchFamily="18" charset="0"/>
-              <a:cs typeface="Times New Roman" panose="02020603050405020304" pitchFamily="18" charset="0"/>
-            </a:endParaRPr>
-          </a:p>
-          <a:p>
-            <a:endParaRPr lang="en-US" sz="4000" dirty="0">
-              <a:effectLst/>
-              <a:latin typeface="Times New Roman" panose="02020603050405020304" pitchFamily="18" charset="0"/>
-              <a:cs typeface="Times New Roman" panose="02020603050405020304" pitchFamily="18" charset="0"/>
-            </a:endParaRPr>
-          </a:p>
-          <a:p>
-            <a:endParaRPr lang="en-US" sz="4000" dirty="0">
-              <a:effectLst/>
-              <a:latin typeface="Times New Roman" panose="02020603050405020304" pitchFamily="18" charset="0"/>
-              <a:cs typeface="Times New Roman" panose="02020603050405020304" pitchFamily="18" charset="0"/>
-            </a:endParaRPr>
-          </a:p>
-          <a:p>
-            <a:endParaRPr lang="en-US" sz="3200" dirty="0">
               <a:effectLst/>
               <a:latin typeface="Times New Roman" panose="02020603050405020304" pitchFamily="18" charset="0"/>
               <a:cs typeface="Times New Roman" panose="02020603050405020304" pitchFamily="18" charset="0"/>
@@ -5342,8 +5342,8 @@
         </p:nvSpPr>
         <p:spPr>
           <a:xfrm>
-            <a:off x="31445200" y="24284833"/>
-            <a:ext cx="11569699" cy="8251766"/>
+            <a:off x="31445200" y="15455878"/>
+            <a:ext cx="11569699" cy="15983441"/>
           </a:xfrm>
         </p:spPr>
         <p:txBody>
@@ -5369,7 +5369,36 @@
                 <a:latin typeface="Times New Roman" panose="02020603050405020304" pitchFamily="18" charset="0"/>
                 <a:cs typeface="Times New Roman" panose="02020603050405020304" pitchFamily="18" charset="0"/>
               </a:rPr>
-              <a:t>We’ve concluded that … </a:t>
+              <a:t>We’ve concluded </a:t>
+            </a:r>
+            <a:r>
+              <a:rPr lang="en-US" sz="2800" dirty="0" smtClean="0">
+                <a:latin typeface="Times New Roman" panose="02020603050405020304" pitchFamily="18" charset="0"/>
+                <a:cs typeface="Times New Roman" panose="02020603050405020304" pitchFamily="18" charset="0"/>
+              </a:rPr>
+              <a:t>tha</a:t>
+            </a:r>
+            <a:r>
+              <a:rPr lang="en-US" sz="2800" dirty="0" smtClean="0">
+                <a:latin typeface="Times New Roman" panose="02020603050405020304" pitchFamily="18" charset="0"/>
+                <a:cs typeface="Times New Roman" panose="02020603050405020304" pitchFamily="18" charset="0"/>
+              </a:rPr>
+              <a:t>t there are sequences of degree n within the corridor and contribute to each other to create new sequences of degree n+1, n+2, ... When sequences are added together, their sums create new sequences of a higher degree. Similarly, sequences with a higher degree have a common difference with the previous sequence contribution and degrade into linear sequences, that is, arithmetic sequences of degree one. </a:t>
+            </a:r>
+          </a:p>
+          <a:p>
+            <a:endParaRPr lang="en-US" sz="2800" dirty="0">
+              <a:latin typeface="Times New Roman" panose="02020603050405020304" pitchFamily="18" charset="0"/>
+              <a:cs typeface="Times New Roman" panose="02020603050405020304" pitchFamily="18" charset="0"/>
+            </a:endParaRPr>
+          </a:p>
+          <a:p>
+            <a:r>
+              <a:rPr lang="en-US" sz="2800" dirty="0" smtClean="0">
+                <a:latin typeface="Times New Roman" panose="02020603050405020304" pitchFamily="18" charset="0"/>
+                <a:cs typeface="Times New Roman" panose="02020603050405020304" pitchFamily="18" charset="0"/>
+              </a:rPr>
+              <a:t>This behavior has been noticed in the corridors’ diagonals. If one chooses a diagonal with starting point at (0, 2k + 1), the sequence will degrade into a linear sequence by the time the diagonal reaches the upper boundary line.</a:t>
             </a:r>
             <a:endParaRPr lang="en-US" sz="2400" dirty="0">
               <a:latin typeface="Times New Roman" panose="02020603050405020304" pitchFamily="18" charset="0"/>
@@ -5397,26 +5426,19 @@
               </a:rPr>
               <a:t> </a:t>
             </a:r>
-          </a:p>
-          <a:p>
-            <a:endParaRPr lang="en-US" sz="2800" dirty="0">
-              <a:latin typeface="Times New Roman" panose="02020603050405020304" pitchFamily="18" charset="0"/>
-              <a:cs typeface="Times New Roman" panose="02020603050405020304" pitchFamily="18" charset="0"/>
-            </a:endParaRPr>
-          </a:p>
-          <a:p>
-            <a:endParaRPr lang="en-US" sz="2400" dirty="0">
-              <a:latin typeface="Times New Roman" panose="02020603050405020304" pitchFamily="18" charset="0"/>
-              <a:cs typeface="Times New Roman" panose="02020603050405020304" pitchFamily="18" charset="0"/>
-            </a:endParaRPr>
-          </a:p>
-          <a:p>
-            <a:r>
-              <a:rPr lang="en-US" sz="2800" dirty="0">
+            <a:r>
+              <a:rPr lang="en-US" sz="2800" dirty="0" smtClean="0">
                 <a:latin typeface="Times New Roman" panose="02020603050405020304" pitchFamily="18" charset="0"/>
                 <a:cs typeface="Times New Roman" panose="02020603050405020304" pitchFamily="18" charset="0"/>
               </a:rPr>
-              <a:t> </a:t>
+              <a:t>In addition, comparing the linear sequences that appear near the surface of the sentinel lines of corridors as the gap siz</a:t>
+            </a:r>
+            <a:r>
+              <a:rPr lang="en-US" sz="2800" dirty="0" smtClean="0">
+                <a:latin typeface="Times New Roman" panose="02020603050405020304" pitchFamily="18" charset="0"/>
+                <a:cs typeface="Times New Roman" panose="02020603050405020304" pitchFamily="18" charset="0"/>
+              </a:rPr>
+              <a:t>e increases reveal another relationship. With a fixed slope of one-half, 4-element linear sequences appear near the sentinel lines. As the gap size increases in these fixed corridors, the values of these 4-element sequences are part of degree n sequences as well.</a:t>
             </a:r>
             <a:endParaRPr lang="en-US" sz="2400" dirty="0">
               <a:latin typeface="Times New Roman" panose="02020603050405020304" pitchFamily="18" charset="0"/>
@@ -5461,8 +5483,43 @@
                 <a:latin typeface="Times New Roman" panose="02020603050405020304" pitchFamily="18" charset="0"/>
                 <a:cs typeface="Times New Roman" panose="02020603050405020304" pitchFamily="18" charset="0"/>
               </a:rPr>
-              <a:t>The integer sequences that we’ve noticed are compelling and are not listed in the OEIS. We will further investigate the skewed-top corridor sequences and the information that they encode.</a:t>
-            </a:r>
+              <a:t>The integer sequences that we’ve noticed are compelling and are not listed in the OEIS. We will further investigate the skewed-top corridor sequences and the information that they encode</a:t>
+            </a:r>
+            <a:r>
+              <a:rPr lang="en-US" sz="2800" dirty="0" smtClean="0">
+                <a:latin typeface="Times New Roman" panose="02020603050405020304" pitchFamily="18" charset="0"/>
+                <a:cs typeface="Times New Roman" panose="02020603050405020304" pitchFamily="18" charset="0"/>
+              </a:rPr>
+              <a:t>.</a:t>
+            </a:r>
+          </a:p>
+          <a:p>
+            <a:endParaRPr lang="en-US" sz="2800" dirty="0">
+              <a:effectLst/>
+              <a:latin typeface="Times New Roman" panose="02020603050405020304" pitchFamily="18" charset="0"/>
+              <a:cs typeface="Times New Roman" panose="02020603050405020304" pitchFamily="18" charset="0"/>
+            </a:endParaRPr>
+          </a:p>
+          <a:p>
+            <a:endParaRPr lang="en-US" sz="2800" dirty="0" smtClean="0">
+              <a:latin typeface="Times New Roman" panose="02020603050405020304" pitchFamily="18" charset="0"/>
+              <a:cs typeface="Times New Roman" panose="02020603050405020304" pitchFamily="18" charset="0"/>
+            </a:endParaRPr>
+          </a:p>
+          <a:p>
+            <a:endParaRPr lang="en-US" sz="2800" dirty="0">
+              <a:effectLst/>
+              <a:latin typeface="Times New Roman" panose="02020603050405020304" pitchFamily="18" charset="0"/>
+              <a:cs typeface="Times New Roman" panose="02020603050405020304" pitchFamily="18" charset="0"/>
+            </a:endParaRPr>
+          </a:p>
+          <a:p>
+            <a:endParaRPr lang="en-US" sz="2800" dirty="0" smtClean="0">
+              <a:latin typeface="Times New Roman" panose="02020603050405020304" pitchFamily="18" charset="0"/>
+              <a:cs typeface="Times New Roman" panose="02020603050405020304" pitchFamily="18" charset="0"/>
+            </a:endParaRPr>
+          </a:p>
+          <a:p>
             <a:endParaRPr lang="en-US" sz="2400" dirty="0">
               <a:effectLst/>
               <a:latin typeface="Times New Roman" panose="02020603050405020304" pitchFamily="18" charset="0"/>
@@ -5481,7 +5538,7 @@
         </p:nvSpPr>
         <p:spPr bwMode="auto">
           <a:xfrm>
-            <a:off x="31954404" y="8667904"/>
+            <a:off x="31954405" y="8315720"/>
             <a:ext cx="10213764" cy="6084416"/>
           </a:xfrm>
           <a:prstGeom prst="rect">
@@ -5813,30 +5870,6 @@
       </p:sp>
       <p:pic>
         <p:nvPicPr>
-          <p:cNvPr id="6" name="Picture 5"/>
-          <p:cNvPicPr>
-            <a:picLocks noChangeAspect="1"/>
-          </p:cNvPicPr>
-          <p:nvPr/>
-        </p:nvPicPr>
-        <p:blipFill>
-          <a:blip r:embed="rId4"/>
-          <a:stretch>
-            <a:fillRect/>
-          </a:stretch>
-        </p:blipFill>
-        <p:spPr>
-          <a:xfrm>
-            <a:off x="12369235" y="18380302"/>
-            <a:ext cx="17006019" cy="2650041"/>
-          </a:xfrm>
-          <a:prstGeom prst="rect">
-            <a:avLst/>
-          </a:prstGeom>
-        </p:spPr>
-      </p:pic>
-      <p:pic>
-        <p:nvPicPr>
           <p:cNvPr id="11" name="Picture 10">
             <a:extLst>
               <a:ext uri="{FF2B5EF4-FFF2-40B4-BE49-F238E27FC236}">
@@ -5850,7 +5883,7 @@
           <p:nvPr/>
         </p:nvPicPr>
         <p:blipFill>
-          <a:blip r:embed="rId5">
+          <a:blip r:embed="rId4">
             <a:extLst>
               <a:ext uri="{28A0092B-C50C-407E-A947-70E740481C1C}">
                 <a14:useLocalDpi xmlns:a14="http://schemas.microsoft.com/office/drawing/2010/main" val="0"/>
@@ -6147,7 +6180,7 @@
         <p:spPr bwMode="ltGray">
           <a:xfrm>
             <a:off x="12787708" y="5818693"/>
-            <a:ext cx="7768004" cy="8453897"/>
+            <a:ext cx="7768004" cy="9040217"/>
           </a:xfrm>
           <a:prstGeom prst="rect">
             <a:avLst/>
@@ -6379,7 +6412,14 @@
                 <a:latin typeface="Times New Roman" panose="02020603050405020304" pitchFamily="18" charset="0"/>
                 <a:cs typeface="Times New Roman" panose="02020603050405020304" pitchFamily="18" charset="0"/>
               </a:rPr>
-              <a:t>Corridor Generating Formula</a:t>
+              <a:t>Corridor Generating </a:t>
+            </a:r>
+            <a:r>
+              <a:rPr lang="en-US" sz="3600" b="1" dirty="0" smtClean="0">
+                <a:latin typeface="Times New Roman" panose="02020603050405020304" pitchFamily="18" charset="0"/>
+                <a:cs typeface="Times New Roman" panose="02020603050405020304" pitchFamily="18" charset="0"/>
+              </a:rPr>
+              <a:t>Formula</a:t>
             </a:r>
             <a:endParaRPr lang="en-US" sz="2800" b="1" dirty="0">
               <a:latin typeface="Times New Roman" panose="02020603050405020304" pitchFamily="18" charset="0"/>
@@ -6424,10 +6464,15 @@
                 <a:latin typeface="Times New Roman" panose="02020603050405020304" pitchFamily="18" charset="0"/>
                 <a:cs typeface="Times New Roman" panose="02020603050405020304" pitchFamily="18" charset="0"/>
               </a:rPr>
-              <a:t>A recursive formula for generating values in the corridor is:</a:t>
-            </a:r>
-          </a:p>
-          <a:p>
+              <a:t>A recursive formula for generating values in the corridor is</a:t>
+            </a:r>
+            <a:r>
+              <a:rPr lang="en-US" sz="2800" dirty="0" smtClean="0">
+                <a:latin typeface="Times New Roman" panose="02020603050405020304" pitchFamily="18" charset="0"/>
+                <a:cs typeface="Times New Roman" panose="02020603050405020304" pitchFamily="18" charset="0"/>
+              </a:rPr>
+              <a:t>:</a:t>
+            </a:r>
             <a:endParaRPr lang="en-US" sz="2800" dirty="0">
               <a:latin typeface="Times New Roman" panose="02020603050405020304" pitchFamily="18" charset="0"/>
               <a:cs typeface="Times New Roman" panose="02020603050405020304" pitchFamily="18" charset="0"/>
@@ -6436,12 +6481,18 @@
           <a:p>
             <a:pPr algn="ctr"/>
             <a:r>
-              <a:rPr lang="en-US" sz="2800" b="1" i="1" dirty="0">
+              <a:rPr lang="en-US" sz="3200" b="1" i="1" dirty="0">
                 <a:latin typeface="Times New Roman" panose="02020603050405020304" pitchFamily="18" charset="0"/>
                 <a:cs typeface="Times New Roman" panose="02020603050405020304" pitchFamily="18" charset="0"/>
               </a:rPr>
               <a:t>V(x, y) = V(x-1, y-1) + V(x-1, y+1)</a:t>
             </a:r>
+          </a:p>
+          <a:p>
+            <a:endParaRPr lang="en-US" sz="2800" dirty="0" smtClean="0">
+              <a:latin typeface="Times New Roman" panose="02020603050405020304" pitchFamily="18" charset="0"/>
+              <a:cs typeface="Times New Roman" panose="02020603050405020304" pitchFamily="18" charset="0"/>
+            </a:endParaRPr>
           </a:p>
           <a:p>
             <a:endParaRPr lang="en-US" sz="2800" dirty="0">
@@ -6455,10 +6506,85 @@
                 <a:latin typeface="Times New Roman" panose="02020603050405020304" pitchFamily="18" charset="0"/>
                 <a:cs typeface="Times New Roman" panose="02020603050405020304" pitchFamily="18" charset="0"/>
               </a:rPr>
-              <a:t>We’ve also noticed a relationship about the values in the corridors in certain restrictions: </a:t>
-            </a:r>
-          </a:p>
-          <a:p>
+              <a:t>A </a:t>
+            </a:r>
+            <a:r>
+              <a:rPr lang="en-US" sz="2800" b="1" dirty="0">
+                <a:latin typeface="Times New Roman" panose="02020603050405020304" pitchFamily="18" charset="0"/>
+                <a:cs typeface="Times New Roman" panose="02020603050405020304" pitchFamily="18" charset="0"/>
+              </a:rPr>
+              <a:t>diagonal</a:t>
+            </a:r>
+            <a:r>
+              <a:rPr lang="en-US" sz="2800" dirty="0">
+                <a:latin typeface="Times New Roman" panose="02020603050405020304" pitchFamily="18" charset="0"/>
+                <a:cs typeface="Times New Roman" panose="02020603050405020304" pitchFamily="18" charset="0"/>
+              </a:rPr>
+              <a:t> in </a:t>
+            </a:r>
+            <a:r>
+              <a:rPr lang="en-US" sz="2800" dirty="0" smtClean="0">
+                <a:latin typeface="Times New Roman" panose="02020603050405020304" pitchFamily="18" charset="0"/>
+                <a:cs typeface="Times New Roman" panose="02020603050405020304" pitchFamily="18" charset="0"/>
+              </a:rPr>
+              <a:t>the </a:t>
+            </a:r>
+            <a:r>
+              <a:rPr lang="en-US" sz="2800" dirty="0">
+                <a:latin typeface="Times New Roman" panose="02020603050405020304" pitchFamily="18" charset="0"/>
+                <a:cs typeface="Times New Roman" panose="02020603050405020304" pitchFamily="18" charset="0"/>
+              </a:rPr>
+              <a:t>corridor begins at some value </a:t>
+            </a:r>
+            <a:r>
+              <a:rPr lang="en-US" sz="2800" dirty="0" smtClean="0">
+                <a:latin typeface="Times New Roman" panose="02020603050405020304" pitchFamily="18" charset="0"/>
+                <a:cs typeface="Times New Roman" panose="02020603050405020304" pitchFamily="18" charset="0"/>
+              </a:rPr>
+              <a:t>on the lattice and </a:t>
+            </a:r>
+            <a:r>
+              <a:rPr lang="en-US" sz="2800" dirty="0">
+                <a:latin typeface="Times New Roman" panose="02020603050405020304" pitchFamily="18" charset="0"/>
+                <a:cs typeface="Times New Roman" panose="02020603050405020304" pitchFamily="18" charset="0"/>
+              </a:rPr>
+              <a:t>moves </a:t>
+            </a:r>
+            <a:r>
+              <a:rPr lang="en-US" sz="2800" dirty="0" smtClean="0">
+                <a:latin typeface="Times New Roman" panose="02020603050405020304" pitchFamily="18" charset="0"/>
+                <a:cs typeface="Times New Roman" panose="02020603050405020304" pitchFamily="18" charset="0"/>
+              </a:rPr>
+              <a:t>up-right </a:t>
+            </a:r>
+            <a:r>
+              <a:rPr lang="en-US" sz="2800" dirty="0">
+                <a:latin typeface="Times New Roman" panose="02020603050405020304" pitchFamily="18" charset="0"/>
+                <a:cs typeface="Times New Roman" panose="02020603050405020304" pitchFamily="18" charset="0"/>
+              </a:rPr>
+              <a:t>at some slope through the corridor. This formula states that the first non-zero diagonal at </a:t>
+            </a:r>
+            <a:r>
+              <a:rPr lang="en-US" sz="2800" dirty="0" smtClean="0">
+                <a:latin typeface="Times New Roman" panose="02020603050405020304" pitchFamily="18" charset="0"/>
+                <a:cs typeface="Times New Roman" panose="02020603050405020304" pitchFamily="18" charset="0"/>
+              </a:rPr>
+              <a:t>position </a:t>
+            </a:r>
+            <a:r>
+              <a:rPr lang="en-US" sz="2800" dirty="0">
+                <a:latin typeface="Times New Roman" panose="02020603050405020304" pitchFamily="18" charset="0"/>
+                <a:cs typeface="Times New Roman" panose="02020603050405020304" pitchFamily="18" charset="0"/>
+              </a:rPr>
+              <a:t>(k+1, k) is k</a:t>
+            </a:r>
+            <a:r>
+              <a:rPr lang="en-US" sz="2800" dirty="0" smtClean="0">
+                <a:latin typeface="Times New Roman" panose="02020603050405020304" pitchFamily="18" charset="0"/>
+                <a:cs typeface="Times New Roman" panose="02020603050405020304" pitchFamily="18" charset="0"/>
+              </a:rPr>
+              <a:t>.</a:t>
+            </a:r>
             <a:endParaRPr lang="en-US" sz="2800" dirty="0">
               <a:latin typeface="Times New Roman" panose="02020603050405020304" pitchFamily="18" charset="0"/>
               <a:cs typeface="Times New Roman" panose="02020603050405020304" pitchFamily="18" charset="0"/>
@@ -6467,11 +6593,18 @@
           <a:p>
             <a:pPr algn="ctr"/>
             <a:r>
-              <a:rPr lang="en-US" sz="2800" b="1" i="1" dirty="0">
+              <a:rPr lang="en-US" sz="3200" b="1" i="1" dirty="0">
                 <a:latin typeface="Times New Roman" panose="02020603050405020304" pitchFamily="18" charset="0"/>
                 <a:cs typeface="Times New Roman" panose="02020603050405020304" pitchFamily="18" charset="0"/>
               </a:rPr>
-              <a:t>2 ≤ k ≤ 2g,    V(k+1, k) = k</a:t>
+              <a:t>2 ≤ k ≤ 2g,    V(k+1, k) = </a:t>
+            </a:r>
+            <a:r>
+              <a:rPr lang="en-US" sz="3200" b="1" i="1" dirty="0" smtClean="0">
+                <a:latin typeface="Times New Roman" panose="02020603050405020304" pitchFamily="18" charset="0"/>
+                <a:cs typeface="Times New Roman" panose="02020603050405020304" pitchFamily="18" charset="0"/>
+              </a:rPr>
+              <a:t>k</a:t>
             </a:r>
           </a:p>
         </p:txBody>
@@ -6493,7 +6626,7 @@
         <p:spPr bwMode="ltGray">
           <a:xfrm>
             <a:off x="22116454" y="5818694"/>
-            <a:ext cx="7768004" cy="8453896"/>
+            <a:ext cx="7768004" cy="6970560"/>
           </a:xfrm>
           <a:prstGeom prst="rect">
             <a:avLst/>
@@ -6774,97 +6907,6 @@
               <a:cs typeface="Times New Roman" panose="02020603050405020304" pitchFamily="18" charset="0"/>
             </a:endParaRPr>
           </a:p>
-          <a:p>
-            <a:endParaRPr lang="en-US" sz="2800" dirty="0">
-              <a:latin typeface="Times New Roman" panose="02020603050405020304" pitchFamily="18" charset="0"/>
-              <a:cs typeface="Times New Roman" panose="02020603050405020304" pitchFamily="18" charset="0"/>
-            </a:endParaRPr>
-          </a:p>
-          <a:p>
-            <a:endParaRPr lang="en-US" sz="2800" dirty="0">
-              <a:latin typeface="Times New Roman" panose="02020603050405020304" pitchFamily="18" charset="0"/>
-              <a:cs typeface="Times New Roman" panose="02020603050405020304" pitchFamily="18" charset="0"/>
-            </a:endParaRPr>
-          </a:p>
-        </p:txBody>
-      </p:sp>
-      <p:sp>
-        <p:nvSpPr>
-          <p:cNvPr id="29" name="Text Box 11">
-            <a:extLst>
-              <a:ext uri="{FF2B5EF4-FFF2-40B4-BE49-F238E27FC236}">
-                <a16:creationId xmlns:a16="http://schemas.microsoft.com/office/drawing/2014/main" id="{4B9C9A91-4571-2941-A70D-19DF660A4ACD}"/>
-              </a:ext>
-            </a:extLst>
-          </p:cNvPr>
-          <p:cNvSpPr txBox="1">
-            <a:spLocks noChangeArrowheads="1"/>
-          </p:cNvSpPr>
-          <p:nvPr/>
-        </p:nvSpPr>
-        <p:spPr bwMode="auto">
-          <a:xfrm>
-            <a:off x="31954404" y="15473012"/>
-            <a:ext cx="10213764" cy="4735228"/>
-          </a:xfrm>
-          <a:prstGeom prst="rect">
-            <a:avLst/>
-          </a:prstGeom>
-          <a:solidFill>
-            <a:srgbClr val="FFFFFF"/>
-          </a:solidFill>
-          <a:ln w="28575">
-            <a:solidFill>
-              <a:schemeClr val="accent1"/>
-            </a:solidFill>
-            <a:miter lim="800000"/>
-            <a:headEnd/>
-            <a:tailEnd/>
-          </a:ln>
-        </p:spPr>
-        <p:txBody>
-          <a:bodyPr rot="0" vert="horz" wrap="square" lIns="91440" tIns="45720" rIns="91440" bIns="45720" anchor="t" anchorCtr="0">
-            <a:noAutofit/>
-          </a:bodyPr>
-          <a:lstStyle/>
-          <a:p>
-            <a:r>
-              <a:rPr lang="en-US" sz="2000" b="1" dirty="0">
-                <a:latin typeface="Courier New" panose="02070309020205020404" pitchFamily="49" charset="0"/>
-                <a:cs typeface="Courier New" panose="02070309020205020404" pitchFamily="49" charset="0"/>
-              </a:rPr>
-              <a:t>procedure </a:t>
-            </a:r>
-            <a:r>
-              <a:rPr lang="en-US" sz="2000" b="1" i="1" dirty="0" err="1">
-                <a:latin typeface="Courier New" panose="02070309020205020404" pitchFamily="49" charset="0"/>
-                <a:cs typeface="Courier New" panose="02070309020205020404" pitchFamily="49" charset="0"/>
-              </a:rPr>
-              <a:t>calculate_diagonal_elements</a:t>
-            </a:r>
-            <a:endParaRPr lang="en-US" sz="2000" b="1" i="1" dirty="0">
-              <a:latin typeface="Courier New" panose="02070309020205020404" pitchFamily="49" charset="0"/>
-              <a:cs typeface="Courier New" panose="02070309020205020404" pitchFamily="49" charset="0"/>
-            </a:endParaRPr>
-          </a:p>
-          <a:p>
-            <a:endParaRPr lang="en-US" sz="2000" b="1" i="1" dirty="0">
-              <a:latin typeface="Courier New" panose="02070309020205020404" pitchFamily="49" charset="0"/>
-              <a:cs typeface="Courier New" panose="02070309020205020404" pitchFamily="49" charset="0"/>
-            </a:endParaRPr>
-          </a:p>
-          <a:p>
-            <a:endParaRPr lang="en-US" sz="1600" dirty="0">
-              <a:latin typeface="Courier New" panose="02070309020205020404" pitchFamily="49" charset="0"/>
-              <a:cs typeface="Courier New" panose="02070309020205020404" pitchFamily="49" charset="0"/>
-            </a:endParaRPr>
-          </a:p>
-          <a:p>
-            <a:endParaRPr lang="en-US" sz="1600" dirty="0">
-              <a:latin typeface="Courier New" panose="02070309020205020404" pitchFamily="49" charset="0"/>
-              <a:cs typeface="Courier New" panose="02070309020205020404" pitchFamily="49" charset="0"/>
-            </a:endParaRPr>
-          </a:p>
         </p:txBody>
       </p:sp>
       <p:pic>
@@ -6882,7 +6924,7 @@
           <p:nvPr/>
         </p:nvPicPr>
         <p:blipFill>
-          <a:blip r:embed="rId6">
+          <a:blip r:embed="rId5">
             <a:extLst>
               <a:ext uri="{28A0092B-C50C-407E-A947-70E740481C1C}">
                 <a14:useLocalDpi xmlns:a14="http://schemas.microsoft.com/office/drawing/2010/main" val="0"/>
@@ -6895,7 +6937,7 @@
         </p:blipFill>
         <p:spPr>
           <a:xfrm>
-            <a:off x="16193422" y="22349830"/>
+            <a:off x="22448930" y="17967760"/>
             <a:ext cx="6920193" cy="3890709"/>
           </a:xfrm>
           <a:prstGeom prst="rect">
@@ -6923,7 +6965,7 @@
           <p:nvPr/>
         </p:nvPicPr>
         <p:blipFill>
-          <a:blip r:embed="rId7">
+          <a:blip r:embed="rId6">
             <a:extLst>
               <a:ext uri="{28A0092B-C50C-407E-A947-70E740481C1C}">
                 <a14:useLocalDpi xmlns:a14="http://schemas.microsoft.com/office/drawing/2010/main" val="0"/>
@@ -6936,7 +6978,7 @@
         </p:blipFill>
         <p:spPr>
           <a:xfrm>
-            <a:off x="16027182" y="27016703"/>
+            <a:off x="22282692" y="13375739"/>
             <a:ext cx="7252671" cy="3890709"/>
           </a:xfrm>
           <a:prstGeom prst="rect">
@@ -6949,83 +6991,6 @@
           </a:ln>
         </p:spPr>
       </p:pic>
-      <p:pic>
-        <p:nvPicPr>
-          <p:cNvPr id="54" name="Picture 53">
-            <a:extLst>
-              <a:ext uri="{FF2B5EF4-FFF2-40B4-BE49-F238E27FC236}">
-                <a16:creationId xmlns:a16="http://schemas.microsoft.com/office/drawing/2014/main" id="{38500D75-69DE-0548-814F-42E7758B6D20}"/>
-              </a:ext>
-            </a:extLst>
-          </p:cNvPr>
-          <p:cNvPicPr>
-            <a:picLocks noChangeAspect="1"/>
-          </p:cNvPicPr>
-          <p:nvPr/>
-        </p:nvPicPr>
-        <p:blipFill>
-          <a:blip r:embed="rId8">
-            <a:extLst>
-              <a:ext uri="{28A0092B-C50C-407E-A947-70E740481C1C}">
-                <a14:useLocalDpi xmlns:a14="http://schemas.microsoft.com/office/drawing/2010/main" val="0"/>
-              </a:ext>
-            </a:extLst>
-          </a:blip>
-          <a:stretch>
-            <a:fillRect/>
-          </a:stretch>
-        </p:blipFill>
-        <p:spPr>
-          <a:xfrm>
-            <a:off x="12369234" y="15757505"/>
-            <a:ext cx="17006019" cy="2208154"/>
-          </a:xfrm>
-          <a:prstGeom prst="rect">
-            <a:avLst/>
-          </a:prstGeom>
-        </p:spPr>
-      </p:pic>
-      <p:sp>
-        <p:nvSpPr>
-          <p:cNvPr id="15" name="Text Placeholder 14">
-            <a:extLst>
-              <a:ext uri="{FF2B5EF4-FFF2-40B4-BE49-F238E27FC236}">
-                <a16:creationId xmlns:a16="http://schemas.microsoft.com/office/drawing/2014/main" id="{122B16EC-F2D7-724B-B571-A8E87F0DBB7E}"/>
-              </a:ext>
-            </a:extLst>
-          </p:cNvPr>
-          <p:cNvSpPr>
-            <a:spLocks noGrp="1"/>
-          </p:cNvSpPr>
-          <p:nvPr>
-            <p:ph type="body" sz="quarter" idx="39"/>
-          </p:nvPr>
-        </p:nvSpPr>
-        <p:spPr>
-          <a:xfrm>
-            <a:off x="18017860" y="17908915"/>
-            <a:ext cx="6141720" cy="621531"/>
-          </a:xfrm>
-          <a:ln w="66675">
-            <a:solidFill>
-              <a:srgbClr val="92D050"/>
-            </a:solidFill>
-          </a:ln>
-        </p:spPr>
-        <p:txBody>
-          <a:bodyPr/>
-          <a:lstStyle/>
-          <a:p>
-            <a:r>
-              <a:rPr lang="en-US" sz="2800" dirty="0">
-                <a:latin typeface="Times New Roman" panose="02020603050405020304" pitchFamily="18" charset="0"/>
-                <a:cs typeface="Times New Roman" panose="02020603050405020304" pitchFamily="18" charset="0"/>
-              </a:rPr>
-              <a:t>Non-Classical Skewed-Top Corridors</a:t>
-            </a:r>
-          </a:p>
-        </p:txBody>
-      </p:sp>
       <p:pic>
         <p:nvPicPr>
           <p:cNvPr id="76" name="Picture 75">
@@ -7041,7 +7006,7 @@
           <p:nvPr/>
         </p:nvPicPr>
         <p:blipFill>
-          <a:blip r:embed="rId9">
+          <a:blip r:embed="rId7">
             <a:extLst>
               <a:ext uri="{28A0092B-C50C-407E-A947-70E740481C1C}">
                 <a14:useLocalDpi xmlns:a14="http://schemas.microsoft.com/office/drawing/2010/main" val="0"/>
@@ -7054,7 +7019,7 @@
         </p:blipFill>
         <p:spPr>
           <a:xfrm>
-            <a:off x="23692501" y="23188475"/>
+            <a:off x="13118302" y="15440704"/>
             <a:ext cx="7437410" cy="6417765"/>
           </a:xfrm>
           <a:prstGeom prst="rect">
@@ -7935,12 +7900,130 @@
 </file>
 
 <file path=customXml/item1.xml><?xml version="1.0" encoding="utf-8"?>
-<?mso-contentType ?>
-<FormTemplates xmlns="http://schemas.microsoft.com/sharepoint/v3/contenttype/forms">
-  <Display>DocumentLibraryForm</Display>
-  <Edit>AssetEditForm</Edit>
-  <New>DocumentLibraryForm</New>
-</FormTemplates>
+<p:properties xmlns:p="http://schemas.microsoft.com/office/2006/metadata/properties" xmlns:xsi="http://www.w3.org/2001/XMLSchema-instance" xmlns:pc="http://schemas.microsoft.com/office/infopath/2007/PartnerControls">
+  <documentManagement>
+    <DirectSourceMarket xmlns="4873beb7-5857-4685-be1f-d57550cc96cc" xsi:nil="true"/>
+    <ApprovalStatus xmlns="4873beb7-5857-4685-be1f-d57550cc96cc">InProgress</ApprovalStatus>
+    <MarketSpecific xmlns="4873beb7-5857-4685-be1f-d57550cc96cc">false</MarketSpecific>
+    <LocComments xmlns="4873beb7-5857-4685-be1f-d57550cc96cc" xsi:nil="true"/>
+    <ThumbnailAssetId xmlns="4873beb7-5857-4685-be1f-d57550cc96cc" xsi:nil="true"/>
+    <PrimaryImageGen xmlns="4873beb7-5857-4685-be1f-d57550cc96cc">true</PrimaryImageGen>
+    <LegacyData xmlns="4873beb7-5857-4685-be1f-d57550cc96cc" xsi:nil="true"/>
+    <LocRecommendedHandoff xmlns="4873beb7-5857-4685-be1f-d57550cc96cc" xsi:nil="true"/>
+    <BusinessGroup xmlns="4873beb7-5857-4685-be1f-d57550cc96cc" xsi:nil="true"/>
+    <BlockPublish xmlns="4873beb7-5857-4685-be1f-d57550cc96cc">false</BlockPublish>
+    <TPFriendlyName xmlns="4873beb7-5857-4685-be1f-d57550cc96cc" xsi:nil="true"/>
+    <NumericId xmlns="4873beb7-5857-4685-be1f-d57550cc96cc" xsi:nil="true"/>
+    <APEditor xmlns="4873beb7-5857-4685-be1f-d57550cc96cc">
+      <UserInfo>
+        <DisplayName/>
+        <AccountId xsi:nil="true"/>
+        <AccountType/>
+      </UserInfo>
+    </APEditor>
+    <SourceTitle xmlns="4873beb7-5857-4685-be1f-d57550cc96cc" xsi:nil="true"/>
+    <OpenTemplate xmlns="4873beb7-5857-4685-be1f-d57550cc96cc">true</OpenTemplate>
+    <UALocComments xmlns="4873beb7-5857-4685-be1f-d57550cc96cc" xsi:nil="true"/>
+    <ParentAssetId xmlns="4873beb7-5857-4685-be1f-d57550cc96cc" xsi:nil="true"/>
+    <IntlLangReviewDate xmlns="4873beb7-5857-4685-be1f-d57550cc96cc" xsi:nil="true"/>
+    <FeatureTagsTaxHTField0 xmlns="4873beb7-5857-4685-be1f-d57550cc96cc">
+      <Terms xmlns="http://schemas.microsoft.com/office/infopath/2007/PartnerControls"/>
+    </FeatureTagsTaxHTField0>
+    <PublishStatusLookup xmlns="4873beb7-5857-4685-be1f-d57550cc96cc">
+      <Value>1669352</Value>
+      <Value>1669523</Value>
+    </PublishStatusLookup>
+    <Providers xmlns="4873beb7-5857-4685-be1f-d57550cc96cc" xsi:nil="true"/>
+    <MachineTranslated xmlns="4873beb7-5857-4685-be1f-d57550cc96cc">false</MachineTranslated>
+    <OriginalSourceMarket xmlns="4873beb7-5857-4685-be1f-d57550cc96cc" xsi:nil="true"/>
+    <APDescription xmlns="4873beb7-5857-4685-be1f-d57550cc96cc" xsi:nil="true"/>
+    <ClipArtFilename xmlns="4873beb7-5857-4685-be1f-d57550cc96cc" xsi:nil="true"/>
+    <ContentItem xmlns="4873beb7-5857-4685-be1f-d57550cc96cc" xsi:nil="true"/>
+    <TPInstallLocation xmlns="4873beb7-5857-4685-be1f-d57550cc96cc" xsi:nil="true"/>
+    <PublishTargets xmlns="4873beb7-5857-4685-be1f-d57550cc96cc">OfficeOnlineVNext</PublishTargets>
+    <TimesCloned xmlns="4873beb7-5857-4685-be1f-d57550cc96cc" xsi:nil="true"/>
+    <AssetStart xmlns="4873beb7-5857-4685-be1f-d57550cc96cc">2013-01-21T10:18:00+00:00</AssetStart>
+    <Provider xmlns="4873beb7-5857-4685-be1f-d57550cc96cc" xsi:nil="true"/>
+    <AcquiredFrom xmlns="4873beb7-5857-4685-be1f-d57550cc96cc">Internal MS</AcquiredFrom>
+    <FriendlyTitle xmlns="4873beb7-5857-4685-be1f-d57550cc96cc" xsi:nil="true"/>
+    <LastHandOff xmlns="4873beb7-5857-4685-be1f-d57550cc96cc" xsi:nil="true"/>
+    <TPClientViewer xmlns="4873beb7-5857-4685-be1f-d57550cc96cc" xsi:nil="true"/>
+    <UACurrentWords xmlns="4873beb7-5857-4685-be1f-d57550cc96cc" xsi:nil="true"/>
+    <ArtSampleDocs xmlns="4873beb7-5857-4685-be1f-d57550cc96cc" xsi:nil="true"/>
+    <UALocRecommendation xmlns="4873beb7-5857-4685-be1f-d57550cc96cc">Localize</UALocRecommendation>
+    <Manager xmlns="4873beb7-5857-4685-be1f-d57550cc96cc" xsi:nil="true"/>
+    <ShowIn xmlns="4873beb7-5857-4685-be1f-d57550cc96cc">Show everywhere</ShowIn>
+    <UANotes xmlns="4873beb7-5857-4685-be1f-d57550cc96cc" xsi:nil="true"/>
+    <TemplateStatus xmlns="4873beb7-5857-4685-be1f-d57550cc96cc">Complete</TemplateStatus>
+    <InternalTagsTaxHTField0 xmlns="4873beb7-5857-4685-be1f-d57550cc96cc">
+      <Terms xmlns="http://schemas.microsoft.com/office/infopath/2007/PartnerControls"/>
+    </InternalTagsTaxHTField0>
+    <CSXHash xmlns="4873beb7-5857-4685-be1f-d57550cc96cc" xsi:nil="true"/>
+    <Downloads xmlns="4873beb7-5857-4685-be1f-d57550cc96cc">0</Downloads>
+    <VoteCount xmlns="4873beb7-5857-4685-be1f-d57550cc96cc" xsi:nil="true"/>
+    <OOCacheId xmlns="4873beb7-5857-4685-be1f-d57550cc96cc" xsi:nil="true"/>
+    <IsDeleted xmlns="4873beb7-5857-4685-be1f-d57550cc96cc">false</IsDeleted>
+    <AssetExpire xmlns="4873beb7-5857-4685-be1f-d57550cc96cc">2029-01-01T08:00:00+00:00</AssetExpire>
+    <DSATActionTaken xmlns="4873beb7-5857-4685-be1f-d57550cc96cc" xsi:nil="true"/>
+    <CSXSubmissionMarket xmlns="4873beb7-5857-4685-be1f-d57550cc96cc" xsi:nil="true"/>
+    <TPExecutable xmlns="4873beb7-5857-4685-be1f-d57550cc96cc" xsi:nil="true"/>
+    <SubmitterId xmlns="4873beb7-5857-4685-be1f-d57550cc96cc" xsi:nil="true"/>
+    <EditorialTags xmlns="4873beb7-5857-4685-be1f-d57550cc96cc" xsi:nil="true"/>
+    <AssetType xmlns="4873beb7-5857-4685-be1f-d57550cc96cc">TP</AssetType>
+    <BugNumber xmlns="4873beb7-5857-4685-be1f-d57550cc96cc" xsi:nil="true"/>
+    <CSXSubmissionDate xmlns="4873beb7-5857-4685-be1f-d57550cc96cc" xsi:nil="true"/>
+    <CSXUpdate xmlns="4873beb7-5857-4685-be1f-d57550cc96cc">false</CSXUpdate>
+    <ApprovalLog xmlns="4873beb7-5857-4685-be1f-d57550cc96cc" xsi:nil="true"/>
+    <Milestone xmlns="4873beb7-5857-4685-be1f-d57550cc96cc" xsi:nil="true"/>
+    <RecommendationsModifier xmlns="4873beb7-5857-4685-be1f-d57550cc96cc" xsi:nil="true"/>
+    <OriginAsset xmlns="4873beb7-5857-4685-be1f-d57550cc96cc" xsi:nil="true"/>
+    <TPComponent xmlns="4873beb7-5857-4685-be1f-d57550cc96cc" xsi:nil="true"/>
+    <AssetId xmlns="4873beb7-5857-4685-be1f-d57550cc96cc">TP104001342</AssetId>
+    <IntlLocPriority xmlns="4873beb7-5857-4685-be1f-d57550cc96cc" xsi:nil="true"/>
+    <PolicheckWords xmlns="4873beb7-5857-4685-be1f-d57550cc96cc" xsi:nil="true"/>
+    <TPLaunchHelpLink xmlns="4873beb7-5857-4685-be1f-d57550cc96cc" xsi:nil="true"/>
+    <TPApplication xmlns="4873beb7-5857-4685-be1f-d57550cc96cc" xsi:nil="true"/>
+    <CrawlForDependencies xmlns="4873beb7-5857-4685-be1f-d57550cc96cc">false</CrawlForDependencies>
+    <HandoffToMSDN xmlns="4873beb7-5857-4685-be1f-d57550cc96cc" xsi:nil="true"/>
+    <PlannedPubDate xmlns="4873beb7-5857-4685-be1f-d57550cc96cc" xsi:nil="true"/>
+    <IntlLangReviewer xmlns="4873beb7-5857-4685-be1f-d57550cc96cc" xsi:nil="true"/>
+    <TrustLevel xmlns="4873beb7-5857-4685-be1f-d57550cc96cc">1 Microsoft Managed Content</TrustLevel>
+    <LocLastLocAttemptVersionLookup xmlns="4873beb7-5857-4685-be1f-d57550cc96cc">875929</LocLastLocAttemptVersionLookup>
+    <IsSearchable xmlns="4873beb7-5857-4685-be1f-d57550cc96cc">true</IsSearchable>
+    <TemplateTemplateType xmlns="4873beb7-5857-4685-be1f-d57550cc96cc">PowerPoint Presentation Template</TemplateTemplateType>
+    <CampaignTagsTaxHTField0 xmlns="4873beb7-5857-4685-be1f-d57550cc96cc">
+      <Terms xmlns="http://schemas.microsoft.com/office/infopath/2007/PartnerControls"/>
+    </CampaignTagsTaxHTField0>
+    <TPNamespace xmlns="4873beb7-5857-4685-be1f-d57550cc96cc" xsi:nil="true"/>
+    <TaxCatchAll xmlns="4873beb7-5857-4685-be1f-d57550cc96cc"/>
+    <Markets xmlns="4873beb7-5857-4685-be1f-d57550cc96cc"/>
+    <UAProjectedTotalWords xmlns="4873beb7-5857-4685-be1f-d57550cc96cc" xsi:nil="true"/>
+    <LocMarketGroupTiers2 xmlns="4873beb7-5857-4685-be1f-d57550cc96cc" xsi:nil="true"/>
+    <IntlLangReview xmlns="4873beb7-5857-4685-be1f-d57550cc96cc">false</IntlLangReview>
+    <OutputCachingOn xmlns="4873beb7-5857-4685-be1f-d57550cc96cc">false</OutputCachingOn>
+    <AverageRating xmlns="4873beb7-5857-4685-be1f-d57550cc96cc" xsi:nil="true"/>
+    <APAuthor xmlns="4873beb7-5857-4685-be1f-d57550cc96cc">
+      <UserInfo>
+        <DisplayName>REDMOND\kristaa</DisplayName>
+        <AccountId>136</AccountId>
+        <AccountType/>
+      </UserInfo>
+    </APAuthor>
+    <LocManualTestRequired xmlns="4873beb7-5857-4685-be1f-d57550cc96cc">false</LocManualTestRequired>
+    <TPCommandLine xmlns="4873beb7-5857-4685-be1f-d57550cc96cc" xsi:nil="true"/>
+    <TPAppVersion xmlns="4873beb7-5857-4685-be1f-d57550cc96cc" xsi:nil="true"/>
+    <EditorialStatus xmlns="4873beb7-5857-4685-be1f-d57550cc96cc">Complete</EditorialStatus>
+    <LastModifiedDateTime xmlns="4873beb7-5857-4685-be1f-d57550cc96cc" xsi:nil="true"/>
+    <ScenarioTagsTaxHTField0 xmlns="4873beb7-5857-4685-be1f-d57550cc96cc">
+      <Terms xmlns="http://schemas.microsoft.com/office/infopath/2007/PartnerControls"/>
+    </ScenarioTagsTaxHTField0>
+    <OriginalRelease xmlns="4873beb7-5857-4685-be1f-d57550cc96cc">15</OriginalRelease>
+    <TPLaunchHelpLinkType xmlns="4873beb7-5857-4685-be1f-d57550cc96cc">Template</TPLaunchHelpLinkType>
+    <LocalizationTagsTaxHTField0 xmlns="4873beb7-5857-4685-be1f-d57550cc96cc">
+      <Terms xmlns="http://schemas.microsoft.com/office/infopath/2007/PartnerControls"/>
+    </LocalizationTagsTaxHTField0>
+  </documentManagement>
+</p:properties>
 </file>
 
 <file path=customXml/item2.xml><?xml version="1.0" encoding="utf-8"?>
@@ -8984,136 +9067,20 @@
 </file>
 
 <file path=customXml/item3.xml><?xml version="1.0" encoding="utf-8"?>
-<p:properties xmlns:p="http://schemas.microsoft.com/office/2006/metadata/properties" xmlns:xsi="http://www.w3.org/2001/XMLSchema-instance" xmlns:pc="http://schemas.microsoft.com/office/infopath/2007/PartnerControls">
-  <documentManagement>
-    <DirectSourceMarket xmlns="4873beb7-5857-4685-be1f-d57550cc96cc" xsi:nil="true"/>
-    <ApprovalStatus xmlns="4873beb7-5857-4685-be1f-d57550cc96cc">InProgress</ApprovalStatus>
-    <MarketSpecific xmlns="4873beb7-5857-4685-be1f-d57550cc96cc">false</MarketSpecific>
-    <LocComments xmlns="4873beb7-5857-4685-be1f-d57550cc96cc" xsi:nil="true"/>
-    <ThumbnailAssetId xmlns="4873beb7-5857-4685-be1f-d57550cc96cc" xsi:nil="true"/>
-    <PrimaryImageGen xmlns="4873beb7-5857-4685-be1f-d57550cc96cc">true</PrimaryImageGen>
-    <LegacyData xmlns="4873beb7-5857-4685-be1f-d57550cc96cc" xsi:nil="true"/>
-    <LocRecommendedHandoff xmlns="4873beb7-5857-4685-be1f-d57550cc96cc" xsi:nil="true"/>
-    <BusinessGroup xmlns="4873beb7-5857-4685-be1f-d57550cc96cc" xsi:nil="true"/>
-    <BlockPublish xmlns="4873beb7-5857-4685-be1f-d57550cc96cc">false</BlockPublish>
-    <TPFriendlyName xmlns="4873beb7-5857-4685-be1f-d57550cc96cc" xsi:nil="true"/>
-    <NumericId xmlns="4873beb7-5857-4685-be1f-d57550cc96cc" xsi:nil="true"/>
-    <APEditor xmlns="4873beb7-5857-4685-be1f-d57550cc96cc">
-      <UserInfo>
-        <DisplayName/>
-        <AccountId xsi:nil="true"/>
-        <AccountType/>
-      </UserInfo>
-    </APEditor>
-    <SourceTitle xmlns="4873beb7-5857-4685-be1f-d57550cc96cc" xsi:nil="true"/>
-    <OpenTemplate xmlns="4873beb7-5857-4685-be1f-d57550cc96cc">true</OpenTemplate>
-    <UALocComments xmlns="4873beb7-5857-4685-be1f-d57550cc96cc" xsi:nil="true"/>
-    <ParentAssetId xmlns="4873beb7-5857-4685-be1f-d57550cc96cc" xsi:nil="true"/>
-    <IntlLangReviewDate xmlns="4873beb7-5857-4685-be1f-d57550cc96cc" xsi:nil="true"/>
-    <FeatureTagsTaxHTField0 xmlns="4873beb7-5857-4685-be1f-d57550cc96cc">
-      <Terms xmlns="http://schemas.microsoft.com/office/infopath/2007/PartnerControls"/>
-    </FeatureTagsTaxHTField0>
-    <PublishStatusLookup xmlns="4873beb7-5857-4685-be1f-d57550cc96cc">
-      <Value>1669352</Value>
-      <Value>1669523</Value>
-    </PublishStatusLookup>
-    <Providers xmlns="4873beb7-5857-4685-be1f-d57550cc96cc" xsi:nil="true"/>
-    <MachineTranslated xmlns="4873beb7-5857-4685-be1f-d57550cc96cc">false</MachineTranslated>
-    <OriginalSourceMarket xmlns="4873beb7-5857-4685-be1f-d57550cc96cc" xsi:nil="true"/>
-    <APDescription xmlns="4873beb7-5857-4685-be1f-d57550cc96cc" xsi:nil="true"/>
-    <ClipArtFilename xmlns="4873beb7-5857-4685-be1f-d57550cc96cc" xsi:nil="true"/>
-    <ContentItem xmlns="4873beb7-5857-4685-be1f-d57550cc96cc" xsi:nil="true"/>
-    <TPInstallLocation xmlns="4873beb7-5857-4685-be1f-d57550cc96cc" xsi:nil="true"/>
-    <PublishTargets xmlns="4873beb7-5857-4685-be1f-d57550cc96cc">OfficeOnlineVNext</PublishTargets>
-    <TimesCloned xmlns="4873beb7-5857-4685-be1f-d57550cc96cc" xsi:nil="true"/>
-    <AssetStart xmlns="4873beb7-5857-4685-be1f-d57550cc96cc">2013-01-21T10:18:00+00:00</AssetStart>
-    <Provider xmlns="4873beb7-5857-4685-be1f-d57550cc96cc" xsi:nil="true"/>
-    <AcquiredFrom xmlns="4873beb7-5857-4685-be1f-d57550cc96cc">Internal MS</AcquiredFrom>
-    <FriendlyTitle xmlns="4873beb7-5857-4685-be1f-d57550cc96cc" xsi:nil="true"/>
-    <LastHandOff xmlns="4873beb7-5857-4685-be1f-d57550cc96cc" xsi:nil="true"/>
-    <TPClientViewer xmlns="4873beb7-5857-4685-be1f-d57550cc96cc" xsi:nil="true"/>
-    <UACurrentWords xmlns="4873beb7-5857-4685-be1f-d57550cc96cc" xsi:nil="true"/>
-    <ArtSampleDocs xmlns="4873beb7-5857-4685-be1f-d57550cc96cc" xsi:nil="true"/>
-    <UALocRecommendation xmlns="4873beb7-5857-4685-be1f-d57550cc96cc">Localize</UALocRecommendation>
-    <Manager xmlns="4873beb7-5857-4685-be1f-d57550cc96cc" xsi:nil="true"/>
-    <ShowIn xmlns="4873beb7-5857-4685-be1f-d57550cc96cc">Show everywhere</ShowIn>
-    <UANotes xmlns="4873beb7-5857-4685-be1f-d57550cc96cc" xsi:nil="true"/>
-    <TemplateStatus xmlns="4873beb7-5857-4685-be1f-d57550cc96cc">Complete</TemplateStatus>
-    <InternalTagsTaxHTField0 xmlns="4873beb7-5857-4685-be1f-d57550cc96cc">
-      <Terms xmlns="http://schemas.microsoft.com/office/infopath/2007/PartnerControls"/>
-    </InternalTagsTaxHTField0>
-    <CSXHash xmlns="4873beb7-5857-4685-be1f-d57550cc96cc" xsi:nil="true"/>
-    <Downloads xmlns="4873beb7-5857-4685-be1f-d57550cc96cc">0</Downloads>
-    <VoteCount xmlns="4873beb7-5857-4685-be1f-d57550cc96cc" xsi:nil="true"/>
-    <OOCacheId xmlns="4873beb7-5857-4685-be1f-d57550cc96cc" xsi:nil="true"/>
-    <IsDeleted xmlns="4873beb7-5857-4685-be1f-d57550cc96cc">false</IsDeleted>
-    <AssetExpire xmlns="4873beb7-5857-4685-be1f-d57550cc96cc">2029-01-01T08:00:00+00:00</AssetExpire>
-    <DSATActionTaken xmlns="4873beb7-5857-4685-be1f-d57550cc96cc" xsi:nil="true"/>
-    <CSXSubmissionMarket xmlns="4873beb7-5857-4685-be1f-d57550cc96cc" xsi:nil="true"/>
-    <TPExecutable xmlns="4873beb7-5857-4685-be1f-d57550cc96cc" xsi:nil="true"/>
-    <SubmitterId xmlns="4873beb7-5857-4685-be1f-d57550cc96cc" xsi:nil="true"/>
-    <EditorialTags xmlns="4873beb7-5857-4685-be1f-d57550cc96cc" xsi:nil="true"/>
-    <AssetType xmlns="4873beb7-5857-4685-be1f-d57550cc96cc">TP</AssetType>
-    <BugNumber xmlns="4873beb7-5857-4685-be1f-d57550cc96cc" xsi:nil="true"/>
-    <CSXSubmissionDate xmlns="4873beb7-5857-4685-be1f-d57550cc96cc" xsi:nil="true"/>
-    <CSXUpdate xmlns="4873beb7-5857-4685-be1f-d57550cc96cc">false</CSXUpdate>
-    <ApprovalLog xmlns="4873beb7-5857-4685-be1f-d57550cc96cc" xsi:nil="true"/>
-    <Milestone xmlns="4873beb7-5857-4685-be1f-d57550cc96cc" xsi:nil="true"/>
-    <RecommendationsModifier xmlns="4873beb7-5857-4685-be1f-d57550cc96cc" xsi:nil="true"/>
-    <OriginAsset xmlns="4873beb7-5857-4685-be1f-d57550cc96cc" xsi:nil="true"/>
-    <TPComponent xmlns="4873beb7-5857-4685-be1f-d57550cc96cc" xsi:nil="true"/>
-    <AssetId xmlns="4873beb7-5857-4685-be1f-d57550cc96cc">TP104001342</AssetId>
-    <IntlLocPriority xmlns="4873beb7-5857-4685-be1f-d57550cc96cc" xsi:nil="true"/>
-    <PolicheckWords xmlns="4873beb7-5857-4685-be1f-d57550cc96cc" xsi:nil="true"/>
-    <TPLaunchHelpLink xmlns="4873beb7-5857-4685-be1f-d57550cc96cc" xsi:nil="true"/>
-    <TPApplication xmlns="4873beb7-5857-4685-be1f-d57550cc96cc" xsi:nil="true"/>
-    <CrawlForDependencies xmlns="4873beb7-5857-4685-be1f-d57550cc96cc">false</CrawlForDependencies>
-    <HandoffToMSDN xmlns="4873beb7-5857-4685-be1f-d57550cc96cc" xsi:nil="true"/>
-    <PlannedPubDate xmlns="4873beb7-5857-4685-be1f-d57550cc96cc" xsi:nil="true"/>
-    <IntlLangReviewer xmlns="4873beb7-5857-4685-be1f-d57550cc96cc" xsi:nil="true"/>
-    <TrustLevel xmlns="4873beb7-5857-4685-be1f-d57550cc96cc">1 Microsoft Managed Content</TrustLevel>
-    <LocLastLocAttemptVersionLookup xmlns="4873beb7-5857-4685-be1f-d57550cc96cc">875929</LocLastLocAttemptVersionLookup>
-    <IsSearchable xmlns="4873beb7-5857-4685-be1f-d57550cc96cc">true</IsSearchable>
-    <TemplateTemplateType xmlns="4873beb7-5857-4685-be1f-d57550cc96cc">PowerPoint Presentation Template</TemplateTemplateType>
-    <CampaignTagsTaxHTField0 xmlns="4873beb7-5857-4685-be1f-d57550cc96cc">
-      <Terms xmlns="http://schemas.microsoft.com/office/infopath/2007/PartnerControls"/>
-    </CampaignTagsTaxHTField0>
-    <TPNamespace xmlns="4873beb7-5857-4685-be1f-d57550cc96cc" xsi:nil="true"/>
-    <TaxCatchAll xmlns="4873beb7-5857-4685-be1f-d57550cc96cc"/>
-    <Markets xmlns="4873beb7-5857-4685-be1f-d57550cc96cc"/>
-    <UAProjectedTotalWords xmlns="4873beb7-5857-4685-be1f-d57550cc96cc" xsi:nil="true"/>
-    <LocMarketGroupTiers2 xmlns="4873beb7-5857-4685-be1f-d57550cc96cc" xsi:nil="true"/>
-    <IntlLangReview xmlns="4873beb7-5857-4685-be1f-d57550cc96cc">false</IntlLangReview>
-    <OutputCachingOn xmlns="4873beb7-5857-4685-be1f-d57550cc96cc">false</OutputCachingOn>
-    <AverageRating xmlns="4873beb7-5857-4685-be1f-d57550cc96cc" xsi:nil="true"/>
-    <APAuthor xmlns="4873beb7-5857-4685-be1f-d57550cc96cc">
-      <UserInfo>
-        <DisplayName>REDMOND\kristaa</DisplayName>
-        <AccountId>136</AccountId>
-        <AccountType/>
-      </UserInfo>
-    </APAuthor>
-    <LocManualTestRequired xmlns="4873beb7-5857-4685-be1f-d57550cc96cc">false</LocManualTestRequired>
-    <TPCommandLine xmlns="4873beb7-5857-4685-be1f-d57550cc96cc" xsi:nil="true"/>
-    <TPAppVersion xmlns="4873beb7-5857-4685-be1f-d57550cc96cc" xsi:nil="true"/>
-    <EditorialStatus xmlns="4873beb7-5857-4685-be1f-d57550cc96cc">Complete</EditorialStatus>
-    <LastModifiedDateTime xmlns="4873beb7-5857-4685-be1f-d57550cc96cc" xsi:nil="true"/>
-    <ScenarioTagsTaxHTField0 xmlns="4873beb7-5857-4685-be1f-d57550cc96cc">
-      <Terms xmlns="http://schemas.microsoft.com/office/infopath/2007/PartnerControls"/>
-    </ScenarioTagsTaxHTField0>
-    <OriginalRelease xmlns="4873beb7-5857-4685-be1f-d57550cc96cc">15</OriginalRelease>
-    <TPLaunchHelpLinkType xmlns="4873beb7-5857-4685-be1f-d57550cc96cc">Template</TPLaunchHelpLinkType>
-    <LocalizationTagsTaxHTField0 xmlns="4873beb7-5857-4685-be1f-d57550cc96cc">
-      <Terms xmlns="http://schemas.microsoft.com/office/infopath/2007/PartnerControls"/>
-    </LocalizationTagsTaxHTField0>
-  </documentManagement>
-</p:properties>
+<?mso-contentType ?>
+<FormTemplates xmlns="http://schemas.microsoft.com/sharepoint/v3/contenttype/forms">
+  <Display>DocumentLibraryForm</Display>
+  <Edit>AssetEditForm</Edit>
+  <New>DocumentLibraryForm</New>
+</FormTemplates>
 </file>
 
 <file path=customXml/itemProps1.xml><?xml version="1.0" encoding="utf-8"?>
-<ds:datastoreItem xmlns:ds="http://schemas.openxmlformats.org/officeDocument/2006/customXml" ds:itemID="{99B7E175-EA31-4EB5-9BCC-A945A8103674}">
+<ds:datastoreItem xmlns:ds="http://schemas.openxmlformats.org/officeDocument/2006/customXml" ds:itemID="{F04C2ADE-A257-45E6-A8A8-A5CFC12AD2E8}">
   <ds:schemaRefs>
-    <ds:schemaRef ds:uri="http://schemas.microsoft.com/sharepoint/v3/contenttype/forms"/>
+    <ds:schemaRef ds:uri="http://schemas.microsoft.com/office/2006/metadata/properties"/>
+    <ds:schemaRef ds:uri="http://schemas.microsoft.com/office/infopath/2007/PartnerControls"/>
+    <ds:schemaRef ds:uri="4873beb7-5857-4685-be1f-d57550cc96cc"/>
   </ds:schemaRefs>
 </ds:datastoreItem>
 </file>
@@ -9137,11 +9104,9 @@
 </file>
 
 <file path=customXml/itemProps3.xml><?xml version="1.0" encoding="utf-8"?>
-<ds:datastoreItem xmlns:ds="http://schemas.openxmlformats.org/officeDocument/2006/customXml" ds:itemID="{F04C2ADE-A257-45E6-A8A8-A5CFC12AD2E8}">
+<ds:datastoreItem xmlns:ds="http://schemas.openxmlformats.org/officeDocument/2006/customXml" ds:itemID="{99B7E175-EA31-4EB5-9BCC-A945A8103674}">
   <ds:schemaRefs>
-    <ds:schemaRef ds:uri="http://schemas.microsoft.com/office/2006/metadata/properties"/>
-    <ds:schemaRef ds:uri="http://schemas.microsoft.com/office/infopath/2007/PartnerControls"/>
-    <ds:schemaRef ds:uri="4873beb7-5857-4685-be1f-d57550cc96cc"/>
+    <ds:schemaRef ds:uri="http://schemas.microsoft.com/sharepoint/v3/contenttype/forms"/>
   </ds:schemaRefs>
 </ds:datastoreItem>
 </file>
--- a/docs/postermore.pptx
+++ b/docs/postermore.pptx
@@ -203,7 +203,7 @@
           <a:p>
             <a:fld id="{F1C0B079-A316-4C9B-B165-DF9EA8325D2C}" type="datetimeFigureOut">
               <a:rPr lang="en-US" smtClean="0"/>
-              <a:t>4/2/2018</a:t>
+              <a:t>4/4/18</a:t>
             </a:fld>
             <a:endParaRPr lang="en-US"/>
           </a:p>
@@ -368,7 +368,7 @@
           <a:p>
             <a:fld id="{38F28AB8-57D1-494F-9851-055AD867E790}" type="datetimeFigureOut">
               <a:rPr lang="en-US" smtClean="0"/>
-              <a:t>4/2/2018</a:t>
+              <a:t>4/3/18</a:t>
             </a:fld>
             <a:endParaRPr lang="en-US"/>
           </a:p>
@@ -3916,7 +3916,7 @@
           <a:p>
             <a:fld id="{ECAA57DF-1C19-4726-AB84-014692BAD8F5}" type="datetimeFigureOut">
               <a:rPr lang="en-US" smtClean="0"/>
-              <a:t>4/2/2018</a:t>
+              <a:t>4/3/18</a:t>
             </a:fld>
             <a:endParaRPr lang="en-US"/>
           </a:p>
@@ -4255,7 +4255,7 @@
             <a:fld id="{ECAA57DF-1C19-4726-AB84-014692BAD8F5}" type="datetimeFigureOut">
               <a:rPr lang="en-US" smtClean="0"/>
               <a:pPr/>
-              <a:t>4/2/2018</a:t>
+              <a:t>4/3/18</a:t>
             </a:fld>
             <a:endParaRPr lang="en-US"/>
           </a:p>
@@ -4806,45 +4806,6 @@
       </p:grpSpPr>
       <p:pic>
         <p:nvPicPr>
-          <p:cNvPr id="65" name="Picture 64">
-            <a:extLst>
-              <a:ext uri="{FF2B5EF4-FFF2-40B4-BE49-F238E27FC236}">
-                <a16:creationId xmlns:a16="http://schemas.microsoft.com/office/drawing/2014/main" id="{0C94D495-1904-514C-886B-86EE2E55570A}"/>
-              </a:ext>
-            </a:extLst>
-          </p:cNvPr>
-          <p:cNvPicPr>
-            <a:picLocks noChangeAspect="1"/>
-          </p:cNvPicPr>
-          <p:nvPr/>
-        </p:nvPicPr>
-        <p:blipFill>
-          <a:blip r:embed="rId2">
-            <a:extLst>
-              <a:ext uri="{28A0092B-C50C-407E-A947-70E740481C1C}">
-                <a14:useLocalDpi xmlns:a14="http://schemas.microsoft.com/office/drawing/2010/main" val="0"/>
-              </a:ext>
-            </a:extLst>
-          </a:blip>
-          <a:stretch>
-            <a:fillRect/>
-          </a:stretch>
-        </p:blipFill>
-        <p:spPr>
-          <a:xfrm>
-            <a:off x="0" y="102994"/>
-            <a:ext cx="9229060" cy="3626161"/>
-          </a:xfrm>
-          <a:prstGeom prst="rect">
-            <a:avLst/>
-          </a:prstGeom>
-          <a:effectLst>
-            <a:reflection endPos="0" dir="5400000" sy="-100000" algn="bl" rotWithShape="0"/>
-          </a:effectLst>
-        </p:spPr>
-      </p:pic>
-      <p:pic>
-        <p:nvPicPr>
           <p:cNvPr id="56" name="Picture 55">
             <a:extLst>
               <a:ext uri="{FF2B5EF4-FFF2-40B4-BE49-F238E27FC236}">
@@ -4858,7 +4819,7 @@
           <p:nvPr/>
         </p:nvPicPr>
         <p:blipFill>
-          <a:blip r:embed="rId3">
+          <a:blip r:embed="rId2">
             <a:extLst>
               <a:ext uri="{28A0092B-C50C-407E-A947-70E740481C1C}">
                 <a14:useLocalDpi xmlns:a14="http://schemas.microsoft.com/office/drawing/2010/main" val="0"/>
@@ -4967,7 +4928,7 @@
         </p:nvSpPr>
         <p:spPr>
           <a:xfrm>
-            <a:off x="1020210" y="5817321"/>
+            <a:off x="1020210" y="5703867"/>
             <a:ext cx="10628375" cy="10346786"/>
           </a:xfrm>
         </p:spPr>
@@ -5221,7 +5182,7 @@
         </p:nvSpPr>
         <p:spPr>
           <a:xfrm>
-            <a:off x="31445200" y="5817321"/>
+            <a:off x="31445200" y="5543463"/>
             <a:ext cx="11531753" cy="9041589"/>
           </a:xfrm>
         </p:spPr>
@@ -5248,26 +5209,8 @@
                 <a:latin typeface="Times New Roman" panose="02020603050405020304" pitchFamily="18" charset="0"/>
                 <a:cs typeface="Times New Roman" panose="02020603050405020304" pitchFamily="18" charset="0"/>
               </a:rPr>
-              <a:t>We wrote programs in Java and Python to generate and analyze the skewed-top corridor dataset. The following is pseudocode </a:t>
-            </a:r>
-            <a:r>
-              <a:rPr lang="en-US" sz="2800" dirty="0" smtClean="0">
-                <a:latin typeface="Times New Roman" panose="02020603050405020304" pitchFamily="18" charset="0"/>
-                <a:cs typeface="Times New Roman" panose="02020603050405020304" pitchFamily="18" charset="0"/>
-              </a:rPr>
-              <a:t>describing the </a:t>
-            </a:r>
-            <a:r>
-              <a:rPr lang="en-US" sz="2800" dirty="0" smtClean="0">
-                <a:latin typeface="Times New Roman" panose="02020603050405020304" pitchFamily="18" charset="0"/>
-                <a:cs typeface="Times New Roman" panose="02020603050405020304" pitchFamily="18" charset="0"/>
-              </a:rPr>
-              <a:t> program used to calculate the corridor numbers.</a:t>
-            </a:r>
-            <a:endParaRPr lang="en-US" sz="2800" dirty="0">
-              <a:latin typeface="Times New Roman" panose="02020603050405020304" pitchFamily="18" charset="0"/>
-              <a:cs typeface="Times New Roman" panose="02020603050405020304" pitchFamily="18" charset="0"/>
-            </a:endParaRPr>
+              <a:t>We wrote programs in Java and Python to generate and analyze the skewed-top corridor dataset. The following is pseudocode describing the  program used to calculate the corridor numbers.</a:t>
+            </a:r>
           </a:p>
           <a:p>
             <a:endParaRPr lang="en-US" sz="4000" dirty="0">
@@ -5342,8 +5285,8 @@
         </p:nvSpPr>
         <p:spPr>
           <a:xfrm>
-            <a:off x="31445200" y="15455878"/>
-            <a:ext cx="11569699" cy="15983441"/>
+            <a:off x="31445200" y="15046773"/>
+            <a:ext cx="11569699" cy="12612226"/>
           </a:xfrm>
         </p:spPr>
         <p:txBody>
@@ -5369,21 +5312,7 @@
                 <a:latin typeface="Times New Roman" panose="02020603050405020304" pitchFamily="18" charset="0"/>
                 <a:cs typeface="Times New Roman" panose="02020603050405020304" pitchFamily="18" charset="0"/>
               </a:rPr>
-              <a:t>We’ve concluded </a:t>
-            </a:r>
-            <a:r>
-              <a:rPr lang="en-US" sz="2800" dirty="0" smtClean="0">
-                <a:latin typeface="Times New Roman" panose="02020603050405020304" pitchFamily="18" charset="0"/>
-                <a:cs typeface="Times New Roman" panose="02020603050405020304" pitchFamily="18" charset="0"/>
-              </a:rPr>
-              <a:t>tha</a:t>
-            </a:r>
-            <a:r>
-              <a:rPr lang="en-US" sz="2800" dirty="0" smtClean="0">
-                <a:latin typeface="Times New Roman" panose="02020603050405020304" pitchFamily="18" charset="0"/>
-                <a:cs typeface="Times New Roman" panose="02020603050405020304" pitchFamily="18" charset="0"/>
-              </a:rPr>
-              <a:t>t there are sequences of degree n within the corridor and contribute to each other to create new sequences of degree n+1, n+2, ... When sequences are added together, their sums create new sequences of a higher degree. Similarly, sequences with a higher degree have a common difference with the previous sequence contribution and degrade into linear sequences, that is, arithmetic sequences of degree one. </a:t>
+              <a:t>We’ve concluded that there are sequences of degree n within the corridor and contribute to each other to create new sequences of degree n+1, n+2, ... When sequences are added together, their sums create new sequences of a higher degree. Similarly, sequences with a higher degree have a common difference with the previous sequence contribution and degrade into linear sequences, that is, arithmetic sequences of degree one. </a:t>
             </a:r>
           </a:p>
           <a:p>
@@ -5394,7 +5323,7 @@
           </a:p>
           <a:p>
             <a:r>
-              <a:rPr lang="en-US" sz="2800" dirty="0" smtClean="0">
+              <a:rPr lang="en-US" sz="2800" dirty="0">
                 <a:latin typeface="Times New Roman" panose="02020603050405020304" pitchFamily="18" charset="0"/>
                 <a:cs typeface="Times New Roman" panose="02020603050405020304" pitchFamily="18" charset="0"/>
               </a:rPr>
@@ -5424,21 +5353,7 @@
                 <a:latin typeface="Times New Roman" panose="02020603050405020304" pitchFamily="18" charset="0"/>
                 <a:cs typeface="Times New Roman" panose="02020603050405020304" pitchFamily="18" charset="0"/>
               </a:rPr>
-              <a:t> </a:t>
-            </a:r>
-            <a:r>
-              <a:rPr lang="en-US" sz="2800" dirty="0" smtClean="0">
-                <a:latin typeface="Times New Roman" panose="02020603050405020304" pitchFamily="18" charset="0"/>
-                <a:cs typeface="Times New Roman" panose="02020603050405020304" pitchFamily="18" charset="0"/>
-              </a:rPr>
-              <a:t>In addition, comparing the linear sequences that appear near the surface of the sentinel lines of corridors as the gap siz</a:t>
-            </a:r>
-            <a:r>
-              <a:rPr lang="en-US" sz="2800" dirty="0" smtClean="0">
-                <a:latin typeface="Times New Roman" panose="02020603050405020304" pitchFamily="18" charset="0"/>
-                <a:cs typeface="Times New Roman" panose="02020603050405020304" pitchFamily="18" charset="0"/>
-              </a:rPr>
-              <a:t>e increases reveal another relationship. With a fixed slope of one-half, 4-element linear sequences appear near the sentinel lines. As the gap size increases in these fixed corridors, the values of these 4-element sequences are part of degree n sequences as well.</a:t>
+              <a:t> In addition, comparing the linear sequences that appear near the surface of the sentinel lines of corridors as the gap size increases reveal another relationship. With a fixed slope of one-half, 4-element linear sequences appear near the sentinel lines. As the gap size increases in these fixed corridors, the values of these 4-element sequences are part of degree n sequences as well.</a:t>
             </a:r>
             <a:endParaRPr lang="en-US" sz="2400" dirty="0">
               <a:latin typeface="Times New Roman" panose="02020603050405020304" pitchFamily="18" charset="0"/>
@@ -5483,48 +5398,8 @@
                 <a:latin typeface="Times New Roman" panose="02020603050405020304" pitchFamily="18" charset="0"/>
                 <a:cs typeface="Times New Roman" panose="02020603050405020304" pitchFamily="18" charset="0"/>
               </a:rPr>
-              <a:t>The integer sequences that we’ve noticed are compelling and are not listed in the OEIS. We will further investigate the skewed-top corridor sequences and the information that they encode</a:t>
-            </a:r>
-            <a:r>
-              <a:rPr lang="en-US" sz="2800" dirty="0" smtClean="0">
-                <a:latin typeface="Times New Roman" panose="02020603050405020304" pitchFamily="18" charset="0"/>
-                <a:cs typeface="Times New Roman" panose="02020603050405020304" pitchFamily="18" charset="0"/>
-              </a:rPr>
-              <a:t>.</a:t>
-            </a:r>
-          </a:p>
-          <a:p>
-            <a:endParaRPr lang="en-US" sz="2800" dirty="0">
-              <a:effectLst/>
-              <a:latin typeface="Times New Roman" panose="02020603050405020304" pitchFamily="18" charset="0"/>
-              <a:cs typeface="Times New Roman" panose="02020603050405020304" pitchFamily="18" charset="0"/>
-            </a:endParaRPr>
-          </a:p>
-          <a:p>
-            <a:endParaRPr lang="en-US" sz="2800" dirty="0" smtClean="0">
-              <a:latin typeface="Times New Roman" panose="02020603050405020304" pitchFamily="18" charset="0"/>
-              <a:cs typeface="Times New Roman" panose="02020603050405020304" pitchFamily="18" charset="0"/>
-            </a:endParaRPr>
-          </a:p>
-          <a:p>
-            <a:endParaRPr lang="en-US" sz="2800" dirty="0">
-              <a:effectLst/>
-              <a:latin typeface="Times New Roman" panose="02020603050405020304" pitchFamily="18" charset="0"/>
-              <a:cs typeface="Times New Roman" panose="02020603050405020304" pitchFamily="18" charset="0"/>
-            </a:endParaRPr>
-          </a:p>
-          <a:p>
-            <a:endParaRPr lang="en-US" sz="2800" dirty="0" smtClean="0">
-              <a:latin typeface="Times New Roman" panose="02020603050405020304" pitchFamily="18" charset="0"/>
-              <a:cs typeface="Times New Roman" panose="02020603050405020304" pitchFamily="18" charset="0"/>
-            </a:endParaRPr>
-          </a:p>
-          <a:p>
-            <a:endParaRPr lang="en-US" sz="2400" dirty="0">
-              <a:effectLst/>
-              <a:latin typeface="Times New Roman" panose="02020603050405020304" pitchFamily="18" charset="0"/>
-              <a:cs typeface="Times New Roman" panose="02020603050405020304" pitchFamily="18" charset="0"/>
-            </a:endParaRPr>
+              <a:t>The integer sequences that we’ve noticed are compelling and are not listed in the OEIS. We will further investigate the skewed-top corridor sequences and the information that they encode.</a:t>
+            </a:r>
           </a:p>
         </p:txBody>
       </p:sp>
@@ -5538,7 +5413,7 @@
         </p:nvSpPr>
         <p:spPr bwMode="auto">
           <a:xfrm>
-            <a:off x="31954405" y="8315720"/>
+            <a:off x="32104194" y="7948506"/>
             <a:ext cx="10213764" cy="6084416"/>
           </a:xfrm>
           <a:prstGeom prst="rect">
@@ -5883,7 +5758,7 @@
           <p:nvPr/>
         </p:nvPicPr>
         <p:blipFill>
-          <a:blip r:embed="rId4">
+          <a:blip r:embed="rId3">
             <a:extLst>
               <a:ext uri="{28A0092B-C50C-407E-A947-70E740481C1C}">
                 <a14:useLocalDpi xmlns:a14="http://schemas.microsoft.com/office/drawing/2010/main" val="0"/>
@@ -6179,7 +6054,7 @@
         </p:nvSpPr>
         <p:spPr bwMode="ltGray">
           <a:xfrm>
-            <a:off x="12787708" y="5818693"/>
+            <a:off x="12787708" y="5703867"/>
             <a:ext cx="7768004" cy="9040217"/>
           </a:xfrm>
           <a:prstGeom prst="rect">
@@ -6412,14 +6287,7 @@
                 <a:latin typeface="Times New Roman" panose="02020603050405020304" pitchFamily="18" charset="0"/>
                 <a:cs typeface="Times New Roman" panose="02020603050405020304" pitchFamily="18" charset="0"/>
               </a:rPr>
-              <a:t>Corridor Generating </a:t>
-            </a:r>
-            <a:r>
-              <a:rPr lang="en-US" sz="3600" b="1" dirty="0" smtClean="0">
-                <a:latin typeface="Times New Roman" panose="02020603050405020304" pitchFamily="18" charset="0"/>
-                <a:cs typeface="Times New Roman" panose="02020603050405020304" pitchFamily="18" charset="0"/>
-              </a:rPr>
-              <a:t>Formula</a:t>
+              <a:t>Corridor Recursive Formula</a:t>
             </a:r>
             <a:endParaRPr lang="en-US" sz="2800" b="1" dirty="0">
               <a:latin typeface="Times New Roman" panose="02020603050405020304" pitchFamily="18" charset="0"/>
@@ -6464,37 +6332,26 @@
                 <a:latin typeface="Times New Roman" panose="02020603050405020304" pitchFamily="18" charset="0"/>
                 <a:cs typeface="Times New Roman" panose="02020603050405020304" pitchFamily="18" charset="0"/>
               </a:rPr>
-              <a:t>A recursive formula for generating values in the corridor is</a:t>
-            </a:r>
-            <a:r>
-              <a:rPr lang="en-US" sz="2800" dirty="0" smtClean="0">
+              <a:t>A recursive formula for generating values in the corridor is:</a:t>
+            </a:r>
+          </a:p>
+          <a:p>
+            <a:pPr algn="ctr"/>
+            <a:r>
+              <a:rPr lang="en-US" sz="3200" b="1" i="1" dirty="0">
                 <a:latin typeface="Times New Roman" panose="02020603050405020304" pitchFamily="18" charset="0"/>
                 <a:cs typeface="Times New Roman" panose="02020603050405020304" pitchFamily="18" charset="0"/>
               </a:rPr>
-              <a:t>:</a:t>
-            </a:r>
+              <a:t>V(x, y) = V(x-1, y-1) + V(x-1, y+1)</a:t>
+            </a:r>
+          </a:p>
+          <a:p>
             <a:endParaRPr lang="en-US" sz="2800" dirty="0">
               <a:latin typeface="Times New Roman" panose="02020603050405020304" pitchFamily="18" charset="0"/>
               <a:cs typeface="Times New Roman" panose="02020603050405020304" pitchFamily="18" charset="0"/>
             </a:endParaRPr>
           </a:p>
           <a:p>
-            <a:pPr algn="ctr"/>
-            <a:r>
-              <a:rPr lang="en-US" sz="3200" b="1" i="1" dirty="0">
-                <a:latin typeface="Times New Roman" panose="02020603050405020304" pitchFamily="18" charset="0"/>
-                <a:cs typeface="Times New Roman" panose="02020603050405020304" pitchFamily="18" charset="0"/>
-              </a:rPr>
-              <a:t>V(x, y) = V(x-1, y-1) + V(x-1, y+1)</a:t>
-            </a:r>
-          </a:p>
-          <a:p>
-            <a:endParaRPr lang="en-US" sz="2800" dirty="0" smtClean="0">
-              <a:latin typeface="Times New Roman" panose="02020603050405020304" pitchFamily="18" charset="0"/>
-              <a:cs typeface="Times New Roman" panose="02020603050405020304" pitchFamily="18" charset="0"/>
-            </a:endParaRPr>
-          </a:p>
-          <a:p>
             <a:endParaRPr lang="en-US" sz="2800" dirty="0">
               <a:latin typeface="Times New Roman" panose="02020603050405020304" pitchFamily="18" charset="0"/>
               <a:cs typeface="Times New Roman" panose="02020603050405020304" pitchFamily="18" charset="0"/>
@@ -6520,75 +6377,8 @@
                 <a:latin typeface="Times New Roman" panose="02020603050405020304" pitchFamily="18" charset="0"/>
                 <a:cs typeface="Times New Roman" panose="02020603050405020304" pitchFamily="18" charset="0"/>
               </a:rPr>
-              <a:t> in </a:t>
-            </a:r>
-            <a:r>
-              <a:rPr lang="en-US" sz="2800" dirty="0" smtClean="0">
-                <a:latin typeface="Times New Roman" panose="02020603050405020304" pitchFamily="18" charset="0"/>
-                <a:cs typeface="Times New Roman" panose="02020603050405020304" pitchFamily="18" charset="0"/>
-              </a:rPr>
-              <a:t>the </a:t>
-            </a:r>
-            <a:r>
-              <a:rPr lang="en-US" sz="2800" dirty="0">
-                <a:latin typeface="Times New Roman" panose="02020603050405020304" pitchFamily="18" charset="0"/>
-                <a:cs typeface="Times New Roman" panose="02020603050405020304" pitchFamily="18" charset="0"/>
-              </a:rPr>
-              <a:t>corridor begins at some value </a:t>
-            </a:r>
-            <a:r>
-              <a:rPr lang="en-US" sz="2800" dirty="0" smtClean="0">
-                <a:latin typeface="Times New Roman" panose="02020603050405020304" pitchFamily="18" charset="0"/>
-                <a:cs typeface="Times New Roman" panose="02020603050405020304" pitchFamily="18" charset="0"/>
-              </a:rPr>
-              <a:t>on the lattice and </a:t>
-            </a:r>
-            <a:r>
-              <a:rPr lang="en-US" sz="2800" dirty="0">
-                <a:latin typeface="Times New Roman" panose="02020603050405020304" pitchFamily="18" charset="0"/>
-                <a:cs typeface="Times New Roman" panose="02020603050405020304" pitchFamily="18" charset="0"/>
-              </a:rPr>
-              <a:t>moves </a:t>
-            </a:r>
-            <a:r>
-              <a:rPr lang="en-US" sz="2800" dirty="0" smtClean="0">
-                <a:latin typeface="Times New Roman" panose="02020603050405020304" pitchFamily="18" charset="0"/>
-                <a:cs typeface="Times New Roman" panose="02020603050405020304" pitchFamily="18" charset="0"/>
-              </a:rPr>
-              <a:t>up-right </a:t>
-            </a:r>
-            <a:r>
-              <a:rPr lang="en-US" sz="2800" dirty="0">
-                <a:latin typeface="Times New Roman" panose="02020603050405020304" pitchFamily="18" charset="0"/>
-                <a:cs typeface="Times New Roman" panose="02020603050405020304" pitchFamily="18" charset="0"/>
-              </a:rPr>
-              <a:t>at some slope through the corridor. This formula states that the first non-zero diagonal at </a:t>
-            </a:r>
-            <a:r>
-              <a:rPr lang="en-US" sz="2800" dirty="0" smtClean="0">
-                <a:latin typeface="Times New Roman" panose="02020603050405020304" pitchFamily="18" charset="0"/>
-                <a:cs typeface="Times New Roman" panose="02020603050405020304" pitchFamily="18" charset="0"/>
-              </a:rPr>
-              <a:t>position </a:t>
-            </a:r>
-            <a:r>
-              <a:rPr lang="en-US" sz="2800" dirty="0">
-                <a:latin typeface="Times New Roman" panose="02020603050405020304" pitchFamily="18" charset="0"/>
-                <a:cs typeface="Times New Roman" panose="02020603050405020304" pitchFamily="18" charset="0"/>
-              </a:rPr>
-              <a:t>(k+1, k) is k</a:t>
-            </a:r>
-            <a:r>
-              <a:rPr lang="en-US" sz="2800" dirty="0" smtClean="0">
-                <a:latin typeface="Times New Roman" panose="02020603050405020304" pitchFamily="18" charset="0"/>
-                <a:cs typeface="Times New Roman" panose="02020603050405020304" pitchFamily="18" charset="0"/>
-              </a:rPr>
-              <a:t>.</a:t>
-            </a:r>
-            <a:endParaRPr lang="en-US" sz="2800" dirty="0">
-              <a:latin typeface="Times New Roman" panose="02020603050405020304" pitchFamily="18" charset="0"/>
-              <a:cs typeface="Times New Roman" panose="02020603050405020304" pitchFamily="18" charset="0"/>
-            </a:endParaRPr>
+              <a:t> in the corridor begins at some value on the lattice and moves up-right at some slope through the corridor. This formula states that the first non-zero diagonal at position (k+1, k) is k.</a:t>
+            </a:r>
           </a:p>
           <a:p>
             <a:pPr algn="ctr"/>
@@ -6597,14 +6387,7 @@
                 <a:latin typeface="Times New Roman" panose="02020603050405020304" pitchFamily="18" charset="0"/>
                 <a:cs typeface="Times New Roman" panose="02020603050405020304" pitchFamily="18" charset="0"/>
               </a:rPr>
-              <a:t>2 ≤ k ≤ 2g,    V(k+1, k) = </a:t>
-            </a:r>
-            <a:r>
-              <a:rPr lang="en-US" sz="3200" b="1" i="1" dirty="0" smtClean="0">
-                <a:latin typeface="Times New Roman" panose="02020603050405020304" pitchFamily="18" charset="0"/>
-                <a:cs typeface="Times New Roman" panose="02020603050405020304" pitchFamily="18" charset="0"/>
-              </a:rPr>
-              <a:t>k</a:t>
+              <a:t>2 ≤ k ≤ 2g,    V(k+1, k) = k</a:t>
             </a:r>
           </a:p>
         </p:txBody>
@@ -6625,7 +6408,7 @@
         </p:nvSpPr>
         <p:spPr bwMode="ltGray">
           <a:xfrm>
-            <a:off x="22116454" y="5818694"/>
+            <a:off x="22116454" y="5703867"/>
             <a:ext cx="7768004" cy="6970560"/>
           </a:xfrm>
           <a:prstGeom prst="rect">
@@ -6907,6 +6690,12 @@
               <a:cs typeface="Times New Roman" panose="02020603050405020304" pitchFamily="18" charset="0"/>
             </a:endParaRPr>
           </a:p>
+          <a:p>
+            <a:endParaRPr lang="en-US" sz="2800" dirty="0">
+              <a:latin typeface="Times New Roman" panose="02020603050405020304" pitchFamily="18" charset="0"/>
+              <a:cs typeface="Times New Roman" panose="02020603050405020304" pitchFamily="18" charset="0"/>
+            </a:endParaRPr>
+          </a:p>
         </p:txBody>
       </p:sp>
       <p:pic>
@@ -6924,7 +6713,7 @@
           <p:nvPr/>
         </p:nvPicPr>
         <p:blipFill>
-          <a:blip r:embed="rId5">
+          <a:blip r:embed="rId4">
             <a:extLst>
               <a:ext uri="{28A0092B-C50C-407E-A947-70E740481C1C}">
                 <a14:useLocalDpi xmlns:a14="http://schemas.microsoft.com/office/drawing/2010/main" val="0"/>
@@ -6965,7 +6754,7 @@
           <p:nvPr/>
         </p:nvPicPr>
         <p:blipFill>
-          <a:blip r:embed="rId6">
+          <a:blip r:embed="rId5">
             <a:extLst>
               <a:ext uri="{28A0092B-C50C-407E-A947-70E740481C1C}">
                 <a14:useLocalDpi xmlns:a14="http://schemas.microsoft.com/office/drawing/2010/main" val="0"/>
@@ -7006,7 +6795,7 @@
           <p:nvPr/>
         </p:nvPicPr>
         <p:blipFill>
-          <a:blip r:embed="rId7">
+          <a:blip r:embed="rId6">
             <a:extLst>
               <a:ext uri="{28A0092B-C50C-407E-A947-70E740481C1C}">
                 <a14:useLocalDpi xmlns:a14="http://schemas.microsoft.com/office/drawing/2010/main" val="0"/>
@@ -7021,6 +6810,47 @@
           <a:xfrm>
             <a:off x="13118302" y="15440704"/>
             <a:ext cx="7437410" cy="6417765"/>
+          </a:xfrm>
+          <a:prstGeom prst="rect">
+            <a:avLst/>
+          </a:prstGeom>
+          <a:ln>
+            <a:solidFill>
+              <a:schemeClr val="tx1"/>
+            </a:solidFill>
+          </a:ln>
+        </p:spPr>
+      </p:pic>
+      <p:pic>
+        <p:nvPicPr>
+          <p:cNvPr id="3" name="Picture 2">
+            <a:extLst>
+              <a:ext uri="{FF2B5EF4-FFF2-40B4-BE49-F238E27FC236}">
+                <a16:creationId xmlns:a16="http://schemas.microsoft.com/office/drawing/2014/main" id="{FB3C7596-D3F4-D648-BEAD-5C4CEE82D2E7}"/>
+              </a:ext>
+            </a:extLst>
+          </p:cNvPr>
+          <p:cNvPicPr>
+            <a:picLocks noChangeAspect="1"/>
+          </p:cNvPicPr>
+          <p:nvPr/>
+        </p:nvPicPr>
+        <p:blipFill>
+          <a:blip r:embed="rId7">
+            <a:extLst>
+              <a:ext uri="{28A0092B-C50C-407E-A947-70E740481C1C}">
+                <a14:useLocalDpi xmlns:a14="http://schemas.microsoft.com/office/drawing/2010/main" val="0"/>
+              </a:ext>
+            </a:extLst>
+          </a:blip>
+          <a:stretch>
+            <a:fillRect/>
+          </a:stretch>
+        </p:blipFill>
+        <p:spPr>
+          <a:xfrm>
+            <a:off x="17908630" y="22338910"/>
+            <a:ext cx="8166100" cy="9740900"/>
           </a:xfrm>
           <a:prstGeom prst="rect">
             <a:avLst/>
@@ -7900,130 +7730,12 @@
 </file>
 
 <file path=customXml/item1.xml><?xml version="1.0" encoding="utf-8"?>
-<p:properties xmlns:p="http://schemas.microsoft.com/office/2006/metadata/properties" xmlns:xsi="http://www.w3.org/2001/XMLSchema-instance" xmlns:pc="http://schemas.microsoft.com/office/infopath/2007/PartnerControls">
-  <documentManagement>
-    <DirectSourceMarket xmlns="4873beb7-5857-4685-be1f-d57550cc96cc" xsi:nil="true"/>
-    <ApprovalStatus xmlns="4873beb7-5857-4685-be1f-d57550cc96cc">InProgress</ApprovalStatus>
-    <MarketSpecific xmlns="4873beb7-5857-4685-be1f-d57550cc96cc">false</MarketSpecific>
-    <LocComments xmlns="4873beb7-5857-4685-be1f-d57550cc96cc" xsi:nil="true"/>
-    <ThumbnailAssetId xmlns="4873beb7-5857-4685-be1f-d57550cc96cc" xsi:nil="true"/>
-    <PrimaryImageGen xmlns="4873beb7-5857-4685-be1f-d57550cc96cc">true</PrimaryImageGen>
-    <LegacyData xmlns="4873beb7-5857-4685-be1f-d57550cc96cc" xsi:nil="true"/>
-    <LocRecommendedHandoff xmlns="4873beb7-5857-4685-be1f-d57550cc96cc" xsi:nil="true"/>
-    <BusinessGroup xmlns="4873beb7-5857-4685-be1f-d57550cc96cc" xsi:nil="true"/>
-    <BlockPublish xmlns="4873beb7-5857-4685-be1f-d57550cc96cc">false</BlockPublish>
-    <TPFriendlyName xmlns="4873beb7-5857-4685-be1f-d57550cc96cc" xsi:nil="true"/>
-    <NumericId xmlns="4873beb7-5857-4685-be1f-d57550cc96cc" xsi:nil="true"/>
-    <APEditor xmlns="4873beb7-5857-4685-be1f-d57550cc96cc">
-      <UserInfo>
-        <DisplayName/>
-        <AccountId xsi:nil="true"/>
-        <AccountType/>
-      </UserInfo>
-    </APEditor>
-    <SourceTitle xmlns="4873beb7-5857-4685-be1f-d57550cc96cc" xsi:nil="true"/>
-    <OpenTemplate xmlns="4873beb7-5857-4685-be1f-d57550cc96cc">true</OpenTemplate>
-    <UALocComments xmlns="4873beb7-5857-4685-be1f-d57550cc96cc" xsi:nil="true"/>
-    <ParentAssetId xmlns="4873beb7-5857-4685-be1f-d57550cc96cc" xsi:nil="true"/>
-    <IntlLangReviewDate xmlns="4873beb7-5857-4685-be1f-d57550cc96cc" xsi:nil="true"/>
-    <FeatureTagsTaxHTField0 xmlns="4873beb7-5857-4685-be1f-d57550cc96cc">
-      <Terms xmlns="http://schemas.microsoft.com/office/infopath/2007/PartnerControls"/>
-    </FeatureTagsTaxHTField0>
-    <PublishStatusLookup xmlns="4873beb7-5857-4685-be1f-d57550cc96cc">
-      <Value>1669352</Value>
-      <Value>1669523</Value>
-    </PublishStatusLookup>
-    <Providers xmlns="4873beb7-5857-4685-be1f-d57550cc96cc" xsi:nil="true"/>
-    <MachineTranslated xmlns="4873beb7-5857-4685-be1f-d57550cc96cc">false</MachineTranslated>
-    <OriginalSourceMarket xmlns="4873beb7-5857-4685-be1f-d57550cc96cc" xsi:nil="true"/>
-    <APDescription xmlns="4873beb7-5857-4685-be1f-d57550cc96cc" xsi:nil="true"/>
-    <ClipArtFilename xmlns="4873beb7-5857-4685-be1f-d57550cc96cc" xsi:nil="true"/>
-    <ContentItem xmlns="4873beb7-5857-4685-be1f-d57550cc96cc" xsi:nil="true"/>
-    <TPInstallLocation xmlns="4873beb7-5857-4685-be1f-d57550cc96cc" xsi:nil="true"/>
-    <PublishTargets xmlns="4873beb7-5857-4685-be1f-d57550cc96cc">OfficeOnlineVNext</PublishTargets>
-    <TimesCloned xmlns="4873beb7-5857-4685-be1f-d57550cc96cc" xsi:nil="true"/>
-    <AssetStart xmlns="4873beb7-5857-4685-be1f-d57550cc96cc">2013-01-21T10:18:00+00:00</AssetStart>
-    <Provider xmlns="4873beb7-5857-4685-be1f-d57550cc96cc" xsi:nil="true"/>
-    <AcquiredFrom xmlns="4873beb7-5857-4685-be1f-d57550cc96cc">Internal MS</AcquiredFrom>
-    <FriendlyTitle xmlns="4873beb7-5857-4685-be1f-d57550cc96cc" xsi:nil="true"/>
-    <LastHandOff xmlns="4873beb7-5857-4685-be1f-d57550cc96cc" xsi:nil="true"/>
-    <TPClientViewer xmlns="4873beb7-5857-4685-be1f-d57550cc96cc" xsi:nil="true"/>
-    <UACurrentWords xmlns="4873beb7-5857-4685-be1f-d57550cc96cc" xsi:nil="true"/>
-    <ArtSampleDocs xmlns="4873beb7-5857-4685-be1f-d57550cc96cc" xsi:nil="true"/>
-    <UALocRecommendation xmlns="4873beb7-5857-4685-be1f-d57550cc96cc">Localize</UALocRecommendation>
-    <Manager xmlns="4873beb7-5857-4685-be1f-d57550cc96cc" xsi:nil="true"/>
-    <ShowIn xmlns="4873beb7-5857-4685-be1f-d57550cc96cc">Show everywhere</ShowIn>
-    <UANotes xmlns="4873beb7-5857-4685-be1f-d57550cc96cc" xsi:nil="true"/>
-    <TemplateStatus xmlns="4873beb7-5857-4685-be1f-d57550cc96cc">Complete</TemplateStatus>
-    <InternalTagsTaxHTField0 xmlns="4873beb7-5857-4685-be1f-d57550cc96cc">
-      <Terms xmlns="http://schemas.microsoft.com/office/infopath/2007/PartnerControls"/>
-    </InternalTagsTaxHTField0>
-    <CSXHash xmlns="4873beb7-5857-4685-be1f-d57550cc96cc" xsi:nil="true"/>
-    <Downloads xmlns="4873beb7-5857-4685-be1f-d57550cc96cc">0</Downloads>
-    <VoteCount xmlns="4873beb7-5857-4685-be1f-d57550cc96cc" xsi:nil="true"/>
-    <OOCacheId xmlns="4873beb7-5857-4685-be1f-d57550cc96cc" xsi:nil="true"/>
-    <IsDeleted xmlns="4873beb7-5857-4685-be1f-d57550cc96cc">false</IsDeleted>
-    <AssetExpire xmlns="4873beb7-5857-4685-be1f-d57550cc96cc">2029-01-01T08:00:00+00:00</AssetExpire>
-    <DSATActionTaken xmlns="4873beb7-5857-4685-be1f-d57550cc96cc" xsi:nil="true"/>
-    <CSXSubmissionMarket xmlns="4873beb7-5857-4685-be1f-d57550cc96cc" xsi:nil="true"/>
-    <TPExecutable xmlns="4873beb7-5857-4685-be1f-d57550cc96cc" xsi:nil="true"/>
-    <SubmitterId xmlns="4873beb7-5857-4685-be1f-d57550cc96cc" xsi:nil="true"/>
-    <EditorialTags xmlns="4873beb7-5857-4685-be1f-d57550cc96cc" xsi:nil="true"/>
-    <AssetType xmlns="4873beb7-5857-4685-be1f-d57550cc96cc">TP</AssetType>
-    <BugNumber xmlns="4873beb7-5857-4685-be1f-d57550cc96cc" xsi:nil="true"/>
-    <CSXSubmissionDate xmlns="4873beb7-5857-4685-be1f-d57550cc96cc" xsi:nil="true"/>
-    <CSXUpdate xmlns="4873beb7-5857-4685-be1f-d57550cc96cc">false</CSXUpdate>
-    <ApprovalLog xmlns="4873beb7-5857-4685-be1f-d57550cc96cc" xsi:nil="true"/>
-    <Milestone xmlns="4873beb7-5857-4685-be1f-d57550cc96cc" xsi:nil="true"/>
-    <RecommendationsModifier xmlns="4873beb7-5857-4685-be1f-d57550cc96cc" xsi:nil="true"/>
-    <OriginAsset xmlns="4873beb7-5857-4685-be1f-d57550cc96cc" xsi:nil="true"/>
-    <TPComponent xmlns="4873beb7-5857-4685-be1f-d57550cc96cc" xsi:nil="true"/>
-    <AssetId xmlns="4873beb7-5857-4685-be1f-d57550cc96cc">TP104001342</AssetId>
-    <IntlLocPriority xmlns="4873beb7-5857-4685-be1f-d57550cc96cc" xsi:nil="true"/>
-    <PolicheckWords xmlns="4873beb7-5857-4685-be1f-d57550cc96cc" xsi:nil="true"/>
-    <TPLaunchHelpLink xmlns="4873beb7-5857-4685-be1f-d57550cc96cc" xsi:nil="true"/>
-    <TPApplication xmlns="4873beb7-5857-4685-be1f-d57550cc96cc" xsi:nil="true"/>
-    <CrawlForDependencies xmlns="4873beb7-5857-4685-be1f-d57550cc96cc">false</CrawlForDependencies>
-    <HandoffToMSDN xmlns="4873beb7-5857-4685-be1f-d57550cc96cc" xsi:nil="true"/>
-    <PlannedPubDate xmlns="4873beb7-5857-4685-be1f-d57550cc96cc" xsi:nil="true"/>
-    <IntlLangReviewer xmlns="4873beb7-5857-4685-be1f-d57550cc96cc" xsi:nil="true"/>
-    <TrustLevel xmlns="4873beb7-5857-4685-be1f-d57550cc96cc">1 Microsoft Managed Content</TrustLevel>
-    <LocLastLocAttemptVersionLookup xmlns="4873beb7-5857-4685-be1f-d57550cc96cc">875929</LocLastLocAttemptVersionLookup>
-    <IsSearchable xmlns="4873beb7-5857-4685-be1f-d57550cc96cc">true</IsSearchable>
-    <TemplateTemplateType xmlns="4873beb7-5857-4685-be1f-d57550cc96cc">PowerPoint Presentation Template</TemplateTemplateType>
-    <CampaignTagsTaxHTField0 xmlns="4873beb7-5857-4685-be1f-d57550cc96cc">
-      <Terms xmlns="http://schemas.microsoft.com/office/infopath/2007/PartnerControls"/>
-    </CampaignTagsTaxHTField0>
-    <TPNamespace xmlns="4873beb7-5857-4685-be1f-d57550cc96cc" xsi:nil="true"/>
-    <TaxCatchAll xmlns="4873beb7-5857-4685-be1f-d57550cc96cc"/>
-    <Markets xmlns="4873beb7-5857-4685-be1f-d57550cc96cc"/>
-    <UAProjectedTotalWords xmlns="4873beb7-5857-4685-be1f-d57550cc96cc" xsi:nil="true"/>
-    <LocMarketGroupTiers2 xmlns="4873beb7-5857-4685-be1f-d57550cc96cc" xsi:nil="true"/>
-    <IntlLangReview xmlns="4873beb7-5857-4685-be1f-d57550cc96cc">false</IntlLangReview>
-    <OutputCachingOn xmlns="4873beb7-5857-4685-be1f-d57550cc96cc">false</OutputCachingOn>
-    <AverageRating xmlns="4873beb7-5857-4685-be1f-d57550cc96cc" xsi:nil="true"/>
-    <APAuthor xmlns="4873beb7-5857-4685-be1f-d57550cc96cc">
-      <UserInfo>
-        <DisplayName>REDMOND\kristaa</DisplayName>
-        <AccountId>136</AccountId>
-        <AccountType/>
-      </UserInfo>
-    </APAuthor>
-    <LocManualTestRequired xmlns="4873beb7-5857-4685-be1f-d57550cc96cc">false</LocManualTestRequired>
-    <TPCommandLine xmlns="4873beb7-5857-4685-be1f-d57550cc96cc" xsi:nil="true"/>
-    <TPAppVersion xmlns="4873beb7-5857-4685-be1f-d57550cc96cc" xsi:nil="true"/>
-    <EditorialStatus xmlns="4873beb7-5857-4685-be1f-d57550cc96cc">Complete</EditorialStatus>
-    <LastModifiedDateTime xmlns="4873beb7-5857-4685-be1f-d57550cc96cc" xsi:nil="true"/>
-    <ScenarioTagsTaxHTField0 xmlns="4873beb7-5857-4685-be1f-d57550cc96cc">
-      <Terms xmlns="http://schemas.microsoft.com/office/infopath/2007/PartnerControls"/>
-    </ScenarioTagsTaxHTField0>
-    <OriginalRelease xmlns="4873beb7-5857-4685-be1f-d57550cc96cc">15</OriginalRelease>
-    <TPLaunchHelpLinkType xmlns="4873beb7-5857-4685-be1f-d57550cc96cc">Template</TPLaunchHelpLinkType>
-    <LocalizationTagsTaxHTField0 xmlns="4873beb7-5857-4685-be1f-d57550cc96cc">
-      <Terms xmlns="http://schemas.microsoft.com/office/infopath/2007/PartnerControls"/>
-    </LocalizationTagsTaxHTField0>
-  </documentManagement>
-</p:properties>
+<?mso-contentType ?>
+<FormTemplates xmlns="http://schemas.microsoft.com/sharepoint/v3/contenttype/forms">
+  <Display>DocumentLibraryForm</Display>
+  <Edit>AssetEditForm</Edit>
+  <New>DocumentLibraryForm</New>
+</FormTemplates>
 </file>
 
 <file path=customXml/item2.xml><?xml version="1.0" encoding="utf-8"?>
@@ -9067,20 +8779,136 @@
 </file>
 
 <file path=customXml/item3.xml><?xml version="1.0" encoding="utf-8"?>
-<?mso-contentType ?>
-<FormTemplates xmlns="http://schemas.microsoft.com/sharepoint/v3/contenttype/forms">
-  <Display>DocumentLibraryForm</Display>
-  <Edit>AssetEditForm</Edit>
-  <New>DocumentLibraryForm</New>
-</FormTemplates>
+<p:properties xmlns:p="http://schemas.microsoft.com/office/2006/metadata/properties" xmlns:xsi="http://www.w3.org/2001/XMLSchema-instance" xmlns:pc="http://schemas.microsoft.com/office/infopath/2007/PartnerControls">
+  <documentManagement>
+    <DirectSourceMarket xmlns="4873beb7-5857-4685-be1f-d57550cc96cc" xsi:nil="true"/>
+    <ApprovalStatus xmlns="4873beb7-5857-4685-be1f-d57550cc96cc">InProgress</ApprovalStatus>
+    <MarketSpecific xmlns="4873beb7-5857-4685-be1f-d57550cc96cc">false</MarketSpecific>
+    <LocComments xmlns="4873beb7-5857-4685-be1f-d57550cc96cc" xsi:nil="true"/>
+    <ThumbnailAssetId xmlns="4873beb7-5857-4685-be1f-d57550cc96cc" xsi:nil="true"/>
+    <PrimaryImageGen xmlns="4873beb7-5857-4685-be1f-d57550cc96cc">true</PrimaryImageGen>
+    <LegacyData xmlns="4873beb7-5857-4685-be1f-d57550cc96cc" xsi:nil="true"/>
+    <LocRecommendedHandoff xmlns="4873beb7-5857-4685-be1f-d57550cc96cc" xsi:nil="true"/>
+    <BusinessGroup xmlns="4873beb7-5857-4685-be1f-d57550cc96cc" xsi:nil="true"/>
+    <BlockPublish xmlns="4873beb7-5857-4685-be1f-d57550cc96cc">false</BlockPublish>
+    <TPFriendlyName xmlns="4873beb7-5857-4685-be1f-d57550cc96cc" xsi:nil="true"/>
+    <NumericId xmlns="4873beb7-5857-4685-be1f-d57550cc96cc" xsi:nil="true"/>
+    <APEditor xmlns="4873beb7-5857-4685-be1f-d57550cc96cc">
+      <UserInfo>
+        <DisplayName/>
+        <AccountId xsi:nil="true"/>
+        <AccountType/>
+      </UserInfo>
+    </APEditor>
+    <SourceTitle xmlns="4873beb7-5857-4685-be1f-d57550cc96cc" xsi:nil="true"/>
+    <OpenTemplate xmlns="4873beb7-5857-4685-be1f-d57550cc96cc">true</OpenTemplate>
+    <UALocComments xmlns="4873beb7-5857-4685-be1f-d57550cc96cc" xsi:nil="true"/>
+    <ParentAssetId xmlns="4873beb7-5857-4685-be1f-d57550cc96cc" xsi:nil="true"/>
+    <IntlLangReviewDate xmlns="4873beb7-5857-4685-be1f-d57550cc96cc" xsi:nil="true"/>
+    <FeatureTagsTaxHTField0 xmlns="4873beb7-5857-4685-be1f-d57550cc96cc">
+      <Terms xmlns="http://schemas.microsoft.com/office/infopath/2007/PartnerControls"/>
+    </FeatureTagsTaxHTField0>
+    <PublishStatusLookup xmlns="4873beb7-5857-4685-be1f-d57550cc96cc">
+      <Value>1669352</Value>
+      <Value>1669523</Value>
+    </PublishStatusLookup>
+    <Providers xmlns="4873beb7-5857-4685-be1f-d57550cc96cc" xsi:nil="true"/>
+    <MachineTranslated xmlns="4873beb7-5857-4685-be1f-d57550cc96cc">false</MachineTranslated>
+    <OriginalSourceMarket xmlns="4873beb7-5857-4685-be1f-d57550cc96cc" xsi:nil="true"/>
+    <APDescription xmlns="4873beb7-5857-4685-be1f-d57550cc96cc" xsi:nil="true"/>
+    <ClipArtFilename xmlns="4873beb7-5857-4685-be1f-d57550cc96cc" xsi:nil="true"/>
+    <ContentItem xmlns="4873beb7-5857-4685-be1f-d57550cc96cc" xsi:nil="true"/>
+    <TPInstallLocation xmlns="4873beb7-5857-4685-be1f-d57550cc96cc" xsi:nil="true"/>
+    <PublishTargets xmlns="4873beb7-5857-4685-be1f-d57550cc96cc">OfficeOnlineVNext</PublishTargets>
+    <TimesCloned xmlns="4873beb7-5857-4685-be1f-d57550cc96cc" xsi:nil="true"/>
+    <AssetStart xmlns="4873beb7-5857-4685-be1f-d57550cc96cc">2013-01-21T10:18:00+00:00</AssetStart>
+    <Provider xmlns="4873beb7-5857-4685-be1f-d57550cc96cc" xsi:nil="true"/>
+    <AcquiredFrom xmlns="4873beb7-5857-4685-be1f-d57550cc96cc">Internal MS</AcquiredFrom>
+    <FriendlyTitle xmlns="4873beb7-5857-4685-be1f-d57550cc96cc" xsi:nil="true"/>
+    <LastHandOff xmlns="4873beb7-5857-4685-be1f-d57550cc96cc" xsi:nil="true"/>
+    <TPClientViewer xmlns="4873beb7-5857-4685-be1f-d57550cc96cc" xsi:nil="true"/>
+    <UACurrentWords xmlns="4873beb7-5857-4685-be1f-d57550cc96cc" xsi:nil="true"/>
+    <ArtSampleDocs xmlns="4873beb7-5857-4685-be1f-d57550cc96cc" xsi:nil="true"/>
+    <UALocRecommendation xmlns="4873beb7-5857-4685-be1f-d57550cc96cc">Localize</UALocRecommendation>
+    <Manager xmlns="4873beb7-5857-4685-be1f-d57550cc96cc" xsi:nil="true"/>
+    <ShowIn xmlns="4873beb7-5857-4685-be1f-d57550cc96cc">Show everywhere</ShowIn>
+    <UANotes xmlns="4873beb7-5857-4685-be1f-d57550cc96cc" xsi:nil="true"/>
+    <TemplateStatus xmlns="4873beb7-5857-4685-be1f-d57550cc96cc">Complete</TemplateStatus>
+    <InternalTagsTaxHTField0 xmlns="4873beb7-5857-4685-be1f-d57550cc96cc">
+      <Terms xmlns="http://schemas.microsoft.com/office/infopath/2007/PartnerControls"/>
+    </InternalTagsTaxHTField0>
+    <CSXHash xmlns="4873beb7-5857-4685-be1f-d57550cc96cc" xsi:nil="true"/>
+    <Downloads xmlns="4873beb7-5857-4685-be1f-d57550cc96cc">0</Downloads>
+    <VoteCount xmlns="4873beb7-5857-4685-be1f-d57550cc96cc" xsi:nil="true"/>
+    <OOCacheId xmlns="4873beb7-5857-4685-be1f-d57550cc96cc" xsi:nil="true"/>
+    <IsDeleted xmlns="4873beb7-5857-4685-be1f-d57550cc96cc">false</IsDeleted>
+    <AssetExpire xmlns="4873beb7-5857-4685-be1f-d57550cc96cc">2029-01-01T08:00:00+00:00</AssetExpire>
+    <DSATActionTaken xmlns="4873beb7-5857-4685-be1f-d57550cc96cc" xsi:nil="true"/>
+    <CSXSubmissionMarket xmlns="4873beb7-5857-4685-be1f-d57550cc96cc" xsi:nil="true"/>
+    <TPExecutable xmlns="4873beb7-5857-4685-be1f-d57550cc96cc" xsi:nil="true"/>
+    <SubmitterId xmlns="4873beb7-5857-4685-be1f-d57550cc96cc" xsi:nil="true"/>
+    <EditorialTags xmlns="4873beb7-5857-4685-be1f-d57550cc96cc" xsi:nil="true"/>
+    <AssetType xmlns="4873beb7-5857-4685-be1f-d57550cc96cc">TP</AssetType>
+    <BugNumber xmlns="4873beb7-5857-4685-be1f-d57550cc96cc" xsi:nil="true"/>
+    <CSXSubmissionDate xmlns="4873beb7-5857-4685-be1f-d57550cc96cc" xsi:nil="true"/>
+    <CSXUpdate xmlns="4873beb7-5857-4685-be1f-d57550cc96cc">false</CSXUpdate>
+    <ApprovalLog xmlns="4873beb7-5857-4685-be1f-d57550cc96cc" xsi:nil="true"/>
+    <Milestone xmlns="4873beb7-5857-4685-be1f-d57550cc96cc" xsi:nil="true"/>
+    <RecommendationsModifier xmlns="4873beb7-5857-4685-be1f-d57550cc96cc" xsi:nil="true"/>
+    <OriginAsset xmlns="4873beb7-5857-4685-be1f-d57550cc96cc" xsi:nil="true"/>
+    <TPComponent xmlns="4873beb7-5857-4685-be1f-d57550cc96cc" xsi:nil="true"/>
+    <AssetId xmlns="4873beb7-5857-4685-be1f-d57550cc96cc">TP104001342</AssetId>
+    <IntlLocPriority xmlns="4873beb7-5857-4685-be1f-d57550cc96cc" xsi:nil="true"/>
+    <PolicheckWords xmlns="4873beb7-5857-4685-be1f-d57550cc96cc" xsi:nil="true"/>
+    <TPLaunchHelpLink xmlns="4873beb7-5857-4685-be1f-d57550cc96cc" xsi:nil="true"/>
+    <TPApplication xmlns="4873beb7-5857-4685-be1f-d57550cc96cc" xsi:nil="true"/>
+    <CrawlForDependencies xmlns="4873beb7-5857-4685-be1f-d57550cc96cc">false</CrawlForDependencies>
+    <HandoffToMSDN xmlns="4873beb7-5857-4685-be1f-d57550cc96cc" xsi:nil="true"/>
+    <PlannedPubDate xmlns="4873beb7-5857-4685-be1f-d57550cc96cc" xsi:nil="true"/>
+    <IntlLangReviewer xmlns="4873beb7-5857-4685-be1f-d57550cc96cc" xsi:nil="true"/>
+    <TrustLevel xmlns="4873beb7-5857-4685-be1f-d57550cc96cc">1 Microsoft Managed Content</TrustLevel>
+    <LocLastLocAttemptVersionLookup xmlns="4873beb7-5857-4685-be1f-d57550cc96cc">875929</LocLastLocAttemptVersionLookup>
+    <IsSearchable xmlns="4873beb7-5857-4685-be1f-d57550cc96cc">true</IsSearchable>
+    <TemplateTemplateType xmlns="4873beb7-5857-4685-be1f-d57550cc96cc">PowerPoint Presentation Template</TemplateTemplateType>
+    <CampaignTagsTaxHTField0 xmlns="4873beb7-5857-4685-be1f-d57550cc96cc">
+      <Terms xmlns="http://schemas.microsoft.com/office/infopath/2007/PartnerControls"/>
+    </CampaignTagsTaxHTField0>
+    <TPNamespace xmlns="4873beb7-5857-4685-be1f-d57550cc96cc" xsi:nil="true"/>
+    <TaxCatchAll xmlns="4873beb7-5857-4685-be1f-d57550cc96cc"/>
+    <Markets xmlns="4873beb7-5857-4685-be1f-d57550cc96cc"/>
+    <UAProjectedTotalWords xmlns="4873beb7-5857-4685-be1f-d57550cc96cc" xsi:nil="true"/>
+    <LocMarketGroupTiers2 xmlns="4873beb7-5857-4685-be1f-d57550cc96cc" xsi:nil="true"/>
+    <IntlLangReview xmlns="4873beb7-5857-4685-be1f-d57550cc96cc">false</IntlLangReview>
+    <OutputCachingOn xmlns="4873beb7-5857-4685-be1f-d57550cc96cc">false</OutputCachingOn>
+    <AverageRating xmlns="4873beb7-5857-4685-be1f-d57550cc96cc" xsi:nil="true"/>
+    <APAuthor xmlns="4873beb7-5857-4685-be1f-d57550cc96cc">
+      <UserInfo>
+        <DisplayName>REDMOND\kristaa</DisplayName>
+        <AccountId>136</AccountId>
+        <AccountType/>
+      </UserInfo>
+    </APAuthor>
+    <LocManualTestRequired xmlns="4873beb7-5857-4685-be1f-d57550cc96cc">false</LocManualTestRequired>
+    <TPCommandLine xmlns="4873beb7-5857-4685-be1f-d57550cc96cc" xsi:nil="true"/>
+    <TPAppVersion xmlns="4873beb7-5857-4685-be1f-d57550cc96cc" xsi:nil="true"/>
+    <EditorialStatus xmlns="4873beb7-5857-4685-be1f-d57550cc96cc">Complete</EditorialStatus>
+    <LastModifiedDateTime xmlns="4873beb7-5857-4685-be1f-d57550cc96cc" xsi:nil="true"/>
+    <ScenarioTagsTaxHTField0 xmlns="4873beb7-5857-4685-be1f-d57550cc96cc">
+      <Terms xmlns="http://schemas.microsoft.com/office/infopath/2007/PartnerControls"/>
+    </ScenarioTagsTaxHTField0>
+    <OriginalRelease xmlns="4873beb7-5857-4685-be1f-d57550cc96cc">15</OriginalRelease>
+    <TPLaunchHelpLinkType xmlns="4873beb7-5857-4685-be1f-d57550cc96cc">Template</TPLaunchHelpLinkType>
+    <LocalizationTagsTaxHTField0 xmlns="4873beb7-5857-4685-be1f-d57550cc96cc">
+      <Terms xmlns="http://schemas.microsoft.com/office/infopath/2007/PartnerControls"/>
+    </LocalizationTagsTaxHTField0>
+  </documentManagement>
+</p:properties>
 </file>
 
 <file path=customXml/itemProps1.xml><?xml version="1.0" encoding="utf-8"?>
-<ds:datastoreItem xmlns:ds="http://schemas.openxmlformats.org/officeDocument/2006/customXml" ds:itemID="{F04C2ADE-A257-45E6-A8A8-A5CFC12AD2E8}">
+<ds:datastoreItem xmlns:ds="http://schemas.openxmlformats.org/officeDocument/2006/customXml" ds:itemID="{99B7E175-EA31-4EB5-9BCC-A945A8103674}">
   <ds:schemaRefs>
-    <ds:schemaRef ds:uri="http://schemas.microsoft.com/office/2006/metadata/properties"/>
-    <ds:schemaRef ds:uri="http://schemas.microsoft.com/office/infopath/2007/PartnerControls"/>
-    <ds:schemaRef ds:uri="4873beb7-5857-4685-be1f-d57550cc96cc"/>
+    <ds:schemaRef ds:uri="http://schemas.microsoft.com/sharepoint/v3/contenttype/forms"/>
   </ds:schemaRefs>
 </ds:datastoreItem>
 </file>
@@ -9104,9 +8932,11 @@
 </file>
 
 <file path=customXml/itemProps3.xml><?xml version="1.0" encoding="utf-8"?>
-<ds:datastoreItem xmlns:ds="http://schemas.openxmlformats.org/officeDocument/2006/customXml" ds:itemID="{99B7E175-EA31-4EB5-9BCC-A945A8103674}">
+<ds:datastoreItem xmlns:ds="http://schemas.openxmlformats.org/officeDocument/2006/customXml" ds:itemID="{F04C2ADE-A257-45E6-A8A8-A5CFC12AD2E8}">
   <ds:schemaRefs>
-    <ds:schemaRef ds:uri="http://schemas.microsoft.com/sharepoint/v3/contenttype/forms"/>
+    <ds:schemaRef ds:uri="http://schemas.microsoft.com/office/2006/metadata/properties"/>
+    <ds:schemaRef ds:uri="http://schemas.microsoft.com/office/infopath/2007/PartnerControls"/>
+    <ds:schemaRef ds:uri="4873beb7-5857-4685-be1f-d57550cc96cc"/>
   </ds:schemaRefs>
 </ds:datastoreItem>
 </file>
--- a/docs/postermore.pptx
+++ b/docs/postermore.pptx
@@ -5015,14 +5015,14 @@
                 <a:latin typeface="Times New Roman" panose="02020603050405020304" pitchFamily="18" charset="0"/>
                 <a:cs typeface="Times New Roman" panose="02020603050405020304" pitchFamily="18" charset="0"/>
               </a:rPr>
-              <a:t>In a classic corridor, the top and bottom boundary lines have a slope of zero. In a different model, we allow the upper boundary line to vary with a non-zero slope. We call this model </a:t>
+              <a:t>In a classic corridor, the top and bottom boundary lines have a slope of zero. In a different model, we allow the upper boundary line to vary with a non-zero slope. We call this model the</a:t>
             </a:r>
             <a:r>
               <a:rPr lang="en-US" sz="2800" b="1" dirty="0">
                 <a:latin typeface="Times New Roman" panose="02020603050405020304" pitchFamily="18" charset="0"/>
                 <a:cs typeface="Times New Roman" panose="02020603050405020304" pitchFamily="18" charset="0"/>
               </a:rPr>
-              <a:t>the skewed-top corridor</a:t>
+              <a:t> skewed-top corridor</a:t>
             </a:r>
             <a:r>
               <a:rPr lang="en-US" sz="2800" dirty="0">
@@ -5083,7 +5083,7 @@
                 <a:latin typeface="Times New Roman" panose="02020603050405020304" pitchFamily="18" charset="0"/>
                 <a:cs typeface="Times New Roman" panose="02020603050405020304" pitchFamily="18" charset="0"/>
               </a:rPr>
-              <a:t>What mathematical relationships exist within the skewed-top corridors?</a:t>
+              <a:t>What mathematical relationships exist within skewed-top corridors?</a:t>
             </a:r>
             <a:endParaRPr lang="en-US" sz="2800" dirty="0">
               <a:effectLst/>
@@ -5161,7 +5161,21 @@
                 <a:latin typeface="Times New Roman" panose="02020603050405020304" pitchFamily="18" charset="0"/>
                 <a:cs typeface="Times New Roman" panose="02020603050405020304" pitchFamily="18" charset="0"/>
               </a:rPr>
-              <a:t>When generating the corridors, we fix 3 out of 4 of our initial conditions. With these conditions set, we call this a classical skewed top corridor. Below are some of the corridor structures generated with various fixed parameters.</a:t>
+              <a:t>When generating the corridors, we fix 3 out of 4 of our initial conditions. With these conditions set, we call this a </a:t>
+            </a:r>
+            <a:r>
+              <a:rPr lang="en-US" sz="3200" b="1" dirty="0">
+                <a:latin typeface="Times New Roman" panose="02020603050405020304" pitchFamily="18" charset="0"/>
+                <a:cs typeface="Times New Roman" panose="02020603050405020304" pitchFamily="18" charset="0"/>
+              </a:rPr>
+              <a:t>classic-case</a:t>
+            </a:r>
+            <a:r>
+              <a:rPr lang="en-US" sz="3200" dirty="0">
+                <a:latin typeface="Times New Roman" panose="02020603050405020304" pitchFamily="18" charset="0"/>
+                <a:cs typeface="Times New Roman" panose="02020603050405020304" pitchFamily="18" charset="0"/>
+              </a:rPr>
+              <a:t> skewed top corridor. Below are some of the corridor structures generated with various fixed parameters.</a:t>
             </a:r>
             <a:endParaRPr lang="en-US" sz="3600" dirty="0">
               <a:latin typeface="Times New Roman" panose="02020603050405020304" pitchFamily="18" charset="0"/>
@@ -6033,7 +6047,7 @@
                 <a:latin typeface="Times New Roman" panose="02020603050405020304" pitchFamily="18" charset="0"/>
                 <a:cs typeface="Times New Roman" panose="02020603050405020304" pitchFamily="18" charset="0"/>
               </a:rPr>
-              <a:t>Classical Skewed Top Corridors 1 - 3</a:t>
+              <a:t>Classic-Case Skewed Top Corridors 1 - 3</a:t>
             </a:r>
           </a:p>
         </p:txBody>
@@ -6849,8 +6863,8 @@
         </p:blipFill>
         <p:spPr>
           <a:xfrm>
-            <a:off x="17908630" y="22338910"/>
-            <a:ext cx="8166100" cy="9740900"/>
+            <a:off x="18377314" y="22842697"/>
+            <a:ext cx="8075312" cy="9632604"/>
           </a:xfrm>
           <a:prstGeom prst="rect">
             <a:avLst/>
@@ -6862,6 +6876,301 @@
           </a:ln>
         </p:spPr>
       </p:pic>
+      <p:sp>
+        <p:nvSpPr>
+          <p:cNvPr id="21" name="Text Placeholder 68">
+            <a:extLst>
+              <a:ext uri="{FF2B5EF4-FFF2-40B4-BE49-F238E27FC236}">
+                <a16:creationId xmlns:a16="http://schemas.microsoft.com/office/drawing/2014/main" id="{4FC9AC61-219A-CF40-89AA-F3DAE4CE6F77}"/>
+              </a:ext>
+            </a:extLst>
+          </p:cNvPr>
+          <p:cNvSpPr txBox="1">
+            <a:spLocks/>
+          </p:cNvSpPr>
+          <p:nvPr/>
+        </p:nvSpPr>
+        <p:spPr bwMode="ltGray">
+          <a:xfrm>
+            <a:off x="31445200" y="28739175"/>
+            <a:ext cx="11569699" cy="2939719"/>
+          </a:xfrm>
+          <a:prstGeom prst="rect">
+            <a:avLst/>
+          </a:prstGeom>
+          <a:solidFill>
+            <a:schemeClr val="tx2">
+              <a:lumMod val="10000"/>
+              <a:lumOff val="90000"/>
+            </a:schemeClr>
+          </a:solidFill>
+        </p:spPr>
+        <p:txBody>
+          <a:bodyPr vert="horz" lIns="365760" tIns="45720" rIns="365760" bIns="45720" rtlCol="0" anchor="ctr">
+            <a:noAutofit/>
+          </a:bodyPr>
+          <a:lstStyle>
+            <a:lvl1pPr marL="0" indent="0" algn="l" defTabSz="4389120" rtl="0" eaLnBrk="1" latinLnBrk="0" hangingPunct="1">
+              <a:lnSpc>
+                <a:spcPct val="100000"/>
+              </a:lnSpc>
+              <a:spcBef>
+                <a:spcPts val="1200"/>
+              </a:spcBef>
+              <a:buClr>
+                <a:schemeClr val="bg1">
+                  <a:lumMod val="65000"/>
+                </a:schemeClr>
+              </a:buClr>
+              <a:buFont typeface="Arial" panose="020B0604020202020204" pitchFamily="34" charset="0"/>
+              <a:buNone/>
+              <a:defRPr sz="4400" kern="1200" baseline="0">
+                <a:solidFill>
+                  <a:schemeClr val="tx1"/>
+                </a:solidFill>
+                <a:latin typeface="+mn-lt"/>
+                <a:ea typeface="+mn-ea"/>
+                <a:cs typeface="+mn-cs"/>
+              </a:defRPr>
+            </a:lvl1pPr>
+            <a:lvl2pPr marL="571500" indent="-571500" algn="l" defTabSz="4389120" rtl="0" eaLnBrk="1" latinLnBrk="0" hangingPunct="1">
+              <a:lnSpc>
+                <a:spcPct val="100000"/>
+              </a:lnSpc>
+              <a:spcBef>
+                <a:spcPts val="1200"/>
+              </a:spcBef>
+              <a:buClr>
+                <a:schemeClr val="bg1">
+                  <a:lumMod val="65000"/>
+                </a:schemeClr>
+              </a:buClr>
+              <a:buFont typeface="Arial" panose="020B0604020202020204" pitchFamily="34" charset="0"/>
+              <a:buChar char="•"/>
+              <a:defRPr sz="4400" kern="1200">
+                <a:solidFill>
+                  <a:schemeClr val="tx1"/>
+                </a:solidFill>
+                <a:latin typeface="+mn-lt"/>
+                <a:ea typeface="+mn-ea"/>
+                <a:cs typeface="+mn-cs"/>
+              </a:defRPr>
+            </a:lvl2pPr>
+            <a:lvl3pPr marL="571500" indent="-571500" algn="l" defTabSz="4389120" rtl="0" eaLnBrk="1" latinLnBrk="0" hangingPunct="1">
+              <a:lnSpc>
+                <a:spcPct val="100000"/>
+              </a:lnSpc>
+              <a:spcBef>
+                <a:spcPts val="1200"/>
+              </a:spcBef>
+              <a:buClr>
+                <a:schemeClr val="bg1">
+                  <a:lumMod val="65000"/>
+                </a:schemeClr>
+              </a:buClr>
+              <a:buFont typeface="Arial" panose="020B0604020202020204" pitchFamily="34" charset="0"/>
+              <a:buChar char="•"/>
+              <a:defRPr sz="4400" kern="1200">
+                <a:solidFill>
+                  <a:schemeClr val="tx1"/>
+                </a:solidFill>
+                <a:latin typeface="+mn-lt"/>
+                <a:ea typeface="+mn-ea"/>
+                <a:cs typeface="+mn-cs"/>
+              </a:defRPr>
+            </a:lvl3pPr>
+            <a:lvl4pPr marL="0" indent="0" algn="l" defTabSz="4389120" rtl="0" eaLnBrk="1" latinLnBrk="0" hangingPunct="1">
+              <a:lnSpc>
+                <a:spcPct val="100000"/>
+              </a:lnSpc>
+              <a:spcBef>
+                <a:spcPts val="1200"/>
+              </a:spcBef>
+              <a:buClr>
+                <a:schemeClr val="bg1">
+                  <a:lumMod val="65000"/>
+                </a:schemeClr>
+              </a:buClr>
+              <a:buFont typeface="Arial" panose="020B0604020202020204" pitchFamily="34" charset="0"/>
+              <a:buNone/>
+              <a:defRPr sz="4400" kern="1200">
+                <a:solidFill>
+                  <a:schemeClr val="tx1"/>
+                </a:solidFill>
+                <a:latin typeface="+mn-lt"/>
+                <a:ea typeface="+mn-ea"/>
+                <a:cs typeface="+mn-cs"/>
+              </a:defRPr>
+            </a:lvl4pPr>
+            <a:lvl5pPr marL="0" indent="0" algn="l" defTabSz="4389120" rtl="0" eaLnBrk="1" latinLnBrk="0" hangingPunct="1">
+              <a:lnSpc>
+                <a:spcPct val="100000"/>
+              </a:lnSpc>
+              <a:spcBef>
+                <a:spcPts val="1200"/>
+              </a:spcBef>
+              <a:buClr>
+                <a:schemeClr val="bg1">
+                  <a:lumMod val="65000"/>
+                </a:schemeClr>
+              </a:buClr>
+              <a:buFont typeface="Arial" panose="020B0604020202020204" pitchFamily="34" charset="0"/>
+              <a:buNone/>
+              <a:defRPr sz="4400" kern="1200">
+                <a:solidFill>
+                  <a:schemeClr val="tx1"/>
+                </a:solidFill>
+                <a:latin typeface="+mn-lt"/>
+                <a:ea typeface="+mn-ea"/>
+                <a:cs typeface="+mn-cs"/>
+              </a:defRPr>
+            </a:lvl5pPr>
+            <a:lvl6pPr marL="0" indent="0" algn="l" defTabSz="4389120" rtl="0" eaLnBrk="1" latinLnBrk="0" hangingPunct="1">
+              <a:lnSpc>
+                <a:spcPct val="100000"/>
+              </a:lnSpc>
+              <a:spcBef>
+                <a:spcPts val="1200"/>
+              </a:spcBef>
+              <a:buClr>
+                <a:schemeClr val="bg1">
+                  <a:lumMod val="65000"/>
+                </a:schemeClr>
+              </a:buClr>
+              <a:buFont typeface="Arial" panose="020B0604020202020204" pitchFamily="34" charset="0"/>
+              <a:buNone/>
+              <a:defRPr sz="4400" kern="1200">
+                <a:solidFill>
+                  <a:schemeClr val="tx1"/>
+                </a:solidFill>
+                <a:latin typeface="+mn-lt"/>
+                <a:ea typeface="+mn-ea"/>
+                <a:cs typeface="+mn-cs"/>
+              </a:defRPr>
+            </a:lvl6pPr>
+            <a:lvl7pPr marL="0" indent="0" algn="l" defTabSz="4389120" rtl="0" eaLnBrk="1" latinLnBrk="0" hangingPunct="1">
+              <a:lnSpc>
+                <a:spcPct val="100000"/>
+              </a:lnSpc>
+              <a:spcBef>
+                <a:spcPts val="1200"/>
+              </a:spcBef>
+              <a:buClr>
+                <a:schemeClr val="bg1">
+                  <a:lumMod val="65000"/>
+                </a:schemeClr>
+              </a:buClr>
+              <a:buFont typeface="Arial" panose="020B0604020202020204" pitchFamily="34" charset="0"/>
+              <a:buNone/>
+              <a:defRPr sz="4400" kern="1200">
+                <a:solidFill>
+                  <a:schemeClr val="tx1"/>
+                </a:solidFill>
+                <a:latin typeface="+mn-lt"/>
+                <a:ea typeface="+mn-ea"/>
+                <a:cs typeface="+mn-cs"/>
+              </a:defRPr>
+            </a:lvl7pPr>
+            <a:lvl8pPr marL="0" indent="0" algn="l" defTabSz="4389120" rtl="0" eaLnBrk="1" latinLnBrk="0" hangingPunct="1">
+              <a:lnSpc>
+                <a:spcPct val="100000"/>
+              </a:lnSpc>
+              <a:spcBef>
+                <a:spcPts val="1200"/>
+              </a:spcBef>
+              <a:buClr>
+                <a:schemeClr val="bg1">
+                  <a:lumMod val="65000"/>
+                </a:schemeClr>
+              </a:buClr>
+              <a:buFont typeface="Arial" panose="020B0604020202020204" pitchFamily="34" charset="0"/>
+              <a:buNone/>
+              <a:defRPr sz="4400" kern="1200">
+                <a:solidFill>
+                  <a:schemeClr val="tx1"/>
+                </a:solidFill>
+                <a:latin typeface="+mn-lt"/>
+                <a:ea typeface="+mn-ea"/>
+                <a:cs typeface="+mn-cs"/>
+              </a:defRPr>
+            </a:lvl8pPr>
+            <a:lvl9pPr marL="0" indent="0" algn="l" defTabSz="4389120" rtl="0" eaLnBrk="1" latinLnBrk="0" hangingPunct="1">
+              <a:lnSpc>
+                <a:spcPct val="100000"/>
+              </a:lnSpc>
+              <a:spcBef>
+                <a:spcPts val="1200"/>
+              </a:spcBef>
+              <a:buClr>
+                <a:schemeClr val="bg1">
+                  <a:lumMod val="65000"/>
+                </a:schemeClr>
+              </a:buClr>
+              <a:buFont typeface="Arial" panose="020B0604020202020204" pitchFamily="34" charset="0"/>
+              <a:buNone/>
+              <a:defRPr sz="4400" kern="1200">
+                <a:solidFill>
+                  <a:schemeClr val="tx1"/>
+                </a:solidFill>
+                <a:latin typeface="+mn-lt"/>
+                <a:ea typeface="+mn-ea"/>
+                <a:cs typeface="+mn-cs"/>
+              </a:defRPr>
+            </a:lvl9pPr>
+          </a:lstStyle>
+          <a:p>
+            <a:pPr algn="ctr"/>
+            <a:r>
+              <a:rPr lang="en-US" b="1" dirty="0">
+                <a:latin typeface="Times New Roman" panose="02020603050405020304" pitchFamily="18" charset="0"/>
+                <a:cs typeface="Times New Roman" panose="02020603050405020304" pitchFamily="18" charset="0"/>
+              </a:rPr>
+              <a:t>Sources</a:t>
+            </a:r>
+          </a:p>
+          <a:p>
+            <a:r>
+              <a:rPr lang="en-US" sz="2800" dirty="0">
+                <a:latin typeface="Times New Roman" panose="02020603050405020304" pitchFamily="18" charset="0"/>
+                <a:cs typeface="Times New Roman" panose="02020603050405020304" pitchFamily="18" charset="0"/>
+              </a:rPr>
+              <a:t>Ault, </a:t>
+            </a:r>
+            <a:r>
+              <a:rPr lang="en-US" sz="2800" dirty="0" err="1">
+                <a:latin typeface="Times New Roman" panose="02020603050405020304" pitchFamily="18" charset="0"/>
+                <a:cs typeface="Times New Roman" panose="02020603050405020304" pitchFamily="18" charset="0"/>
+              </a:rPr>
+              <a:t>Kicey</a:t>
+            </a:r>
+            <a:r>
+              <a:rPr lang="en-US" sz="2800" dirty="0">
+                <a:latin typeface="Times New Roman" panose="02020603050405020304" pitchFamily="18" charset="0"/>
+                <a:cs typeface="Times New Roman" panose="02020603050405020304" pitchFamily="18" charset="0"/>
+              </a:rPr>
+              <a:t> Book</a:t>
+            </a:r>
+          </a:p>
+          <a:p>
+            <a:r>
+              <a:rPr lang="en-US" sz="2800" dirty="0">
+                <a:latin typeface="Times New Roman" panose="02020603050405020304" pitchFamily="18" charset="0"/>
+                <a:cs typeface="Times New Roman" panose="02020603050405020304" pitchFamily="18" charset="0"/>
+              </a:rPr>
+              <a:t>OEIS</a:t>
+            </a:r>
+          </a:p>
+          <a:p>
+            <a:r>
+              <a:rPr lang="en-US" sz="2800" dirty="0">
+                <a:latin typeface="Times New Roman" panose="02020603050405020304" pitchFamily="18" charset="0"/>
+                <a:cs typeface="Times New Roman" panose="02020603050405020304" pitchFamily="18" charset="0"/>
+              </a:rPr>
+              <a:t>Others</a:t>
+            </a:r>
+          </a:p>
+        </p:txBody>
+      </p:sp>
     </p:spTree>
     <p:extLst>
       <p:ext uri="{BB962C8B-B14F-4D97-AF65-F5344CB8AC3E}">
